--- a/VBA_Basic.pptx
+++ b/VBA_Basic.pptx
@@ -18,6 +18,9 @@
     <p:sldId id="267" r:id="rId12"/>
     <p:sldId id="268" r:id="rId13"/>
     <p:sldId id="269" r:id="rId14"/>
+    <p:sldId id="270" r:id="rId15"/>
+    <p:sldId id="271" r:id="rId16"/>
+    <p:sldId id="272" r:id="rId17"/>
   </p:sldIdLst>
   <p:sldSz cx="12192000" cy="6858000"/>
   <p:notesSz cx="6858000" cy="9144000"/>
@@ -255,7 +258,7 @@
           <a:p>
             <a:fld id="{82CFAFF2-B6D2-4D1C-BE2E-6D4BBF56E68E}" type="datetimeFigureOut">
               <a:rPr lang="en-US" smtClean="0"/>
-              <a:t>5/28/2019</a:t>
+              <a:t>7/8/2019</a:t>
             </a:fld>
             <a:endParaRPr lang="en-US"/>
           </a:p>
@@ -425,7 +428,7 @@
           <a:p>
             <a:fld id="{82CFAFF2-B6D2-4D1C-BE2E-6D4BBF56E68E}" type="datetimeFigureOut">
               <a:rPr lang="en-US" smtClean="0"/>
-              <a:t>5/28/2019</a:t>
+              <a:t>7/8/2019</a:t>
             </a:fld>
             <a:endParaRPr lang="en-US"/>
           </a:p>
@@ -605,7 +608,7 @@
           <a:p>
             <a:fld id="{82CFAFF2-B6D2-4D1C-BE2E-6D4BBF56E68E}" type="datetimeFigureOut">
               <a:rPr lang="en-US" smtClean="0"/>
-              <a:t>5/28/2019</a:t>
+              <a:t>7/8/2019</a:t>
             </a:fld>
             <a:endParaRPr lang="en-US"/>
           </a:p>
@@ -775,7 +778,7 @@
           <a:p>
             <a:fld id="{82CFAFF2-B6D2-4D1C-BE2E-6D4BBF56E68E}" type="datetimeFigureOut">
               <a:rPr lang="en-US" smtClean="0"/>
-              <a:t>5/28/2019</a:t>
+              <a:t>7/8/2019</a:t>
             </a:fld>
             <a:endParaRPr lang="en-US"/>
           </a:p>
@@ -1021,7 +1024,7 @@
           <a:p>
             <a:fld id="{82CFAFF2-B6D2-4D1C-BE2E-6D4BBF56E68E}" type="datetimeFigureOut">
               <a:rPr lang="en-US" smtClean="0"/>
-              <a:t>5/28/2019</a:t>
+              <a:t>7/8/2019</a:t>
             </a:fld>
             <a:endParaRPr lang="en-US"/>
           </a:p>
@@ -1253,7 +1256,7 @@
           <a:p>
             <a:fld id="{82CFAFF2-B6D2-4D1C-BE2E-6D4BBF56E68E}" type="datetimeFigureOut">
               <a:rPr lang="en-US" smtClean="0"/>
-              <a:t>5/28/2019</a:t>
+              <a:t>7/8/2019</a:t>
             </a:fld>
             <a:endParaRPr lang="en-US"/>
           </a:p>
@@ -1620,7 +1623,7 @@
           <a:p>
             <a:fld id="{82CFAFF2-B6D2-4D1C-BE2E-6D4BBF56E68E}" type="datetimeFigureOut">
               <a:rPr lang="en-US" smtClean="0"/>
-              <a:t>5/28/2019</a:t>
+              <a:t>7/8/2019</a:t>
             </a:fld>
             <a:endParaRPr lang="en-US"/>
           </a:p>
@@ -1738,7 +1741,7 @@
           <a:p>
             <a:fld id="{82CFAFF2-B6D2-4D1C-BE2E-6D4BBF56E68E}" type="datetimeFigureOut">
               <a:rPr lang="en-US" smtClean="0"/>
-              <a:t>5/28/2019</a:t>
+              <a:t>7/8/2019</a:t>
             </a:fld>
             <a:endParaRPr lang="en-US"/>
           </a:p>
@@ -1833,7 +1836,7 @@
           <a:p>
             <a:fld id="{82CFAFF2-B6D2-4D1C-BE2E-6D4BBF56E68E}" type="datetimeFigureOut">
               <a:rPr lang="en-US" smtClean="0"/>
-              <a:t>5/28/2019</a:t>
+              <a:t>7/8/2019</a:t>
             </a:fld>
             <a:endParaRPr lang="en-US"/>
           </a:p>
@@ -2110,7 +2113,7 @@
           <a:p>
             <a:fld id="{82CFAFF2-B6D2-4D1C-BE2E-6D4BBF56E68E}" type="datetimeFigureOut">
               <a:rPr lang="en-US" smtClean="0"/>
-              <a:t>5/28/2019</a:t>
+              <a:t>7/8/2019</a:t>
             </a:fld>
             <a:endParaRPr lang="en-US"/>
           </a:p>
@@ -2363,7 +2366,7 @@
           <a:p>
             <a:fld id="{82CFAFF2-B6D2-4D1C-BE2E-6D4BBF56E68E}" type="datetimeFigureOut">
               <a:rPr lang="en-US" smtClean="0"/>
-              <a:t>5/28/2019</a:t>
+              <a:t>7/8/2019</a:t>
             </a:fld>
             <a:endParaRPr lang="en-US"/>
           </a:p>
@@ -2576,7 +2579,7 @@
           <a:p>
             <a:fld id="{82CFAFF2-B6D2-4D1C-BE2E-6D4BBF56E68E}" type="datetimeFigureOut">
               <a:rPr lang="en-US" smtClean="0"/>
-              <a:t>5/28/2019</a:t>
+              <a:t>7/8/2019</a:t>
             </a:fld>
             <a:endParaRPr lang="en-US"/>
           </a:p>
@@ -5701,6 +5704,932 @@
 </p:sld>
 </file>
 
+<file path=ppt/slides/slide14.xml><?xml version="1.0" encoding="utf-8"?>
+<p:sld xmlns:a="http://schemas.openxmlformats.org/drawingml/2006/main" xmlns:r="http://schemas.openxmlformats.org/officeDocument/2006/relationships" xmlns:p="http://schemas.openxmlformats.org/presentationml/2006/main">
+  <p:cSld>
+    <p:spTree>
+      <p:nvGrpSpPr>
+        <p:cNvPr id="1" name=""/>
+        <p:cNvGrpSpPr/>
+        <p:nvPr/>
+      </p:nvGrpSpPr>
+      <p:grpSpPr>
+        <a:xfrm>
+          <a:off x="0" y="0"/>
+          <a:ext cx="0" cy="0"/>
+          <a:chOff x="0" y="0"/>
+          <a:chExt cx="0" cy="0"/>
+        </a:xfrm>
+      </p:grpSpPr>
+      <p:sp>
+        <p:nvSpPr>
+          <p:cNvPr id="2" name="Title 1"/>
+          <p:cNvSpPr>
+            <a:spLocks noGrp="1"/>
+          </p:cNvSpPr>
+          <p:nvPr>
+            <p:ph type="title"/>
+          </p:nvPr>
+        </p:nvSpPr>
+        <p:spPr/>
+        <p:txBody>
+          <a:bodyPr/>
+          <a:lstStyle/>
+          <a:p>
+            <a:r>
+              <a:rPr lang="en-US" dirty="0" smtClean="0"/>
+              <a:t>Check each value in range</a:t>
+            </a:r>
+            <a:endParaRPr lang="en-US" dirty="0"/>
+          </a:p>
+        </p:txBody>
+      </p:sp>
+      <p:sp>
+        <p:nvSpPr>
+          <p:cNvPr id="3" name="Content Placeholder 2"/>
+          <p:cNvSpPr>
+            <a:spLocks noGrp="1"/>
+          </p:cNvSpPr>
+          <p:nvPr>
+            <p:ph idx="1"/>
+          </p:nvPr>
+        </p:nvSpPr>
+        <p:spPr>
+          <a:xfrm>
+            <a:off x="838200" y="1825624"/>
+            <a:ext cx="11353800" cy="5032375"/>
+          </a:xfrm>
+        </p:spPr>
+        <p:txBody>
+          <a:bodyPr>
+            <a:noAutofit/>
+          </a:bodyPr>
+          <a:lstStyle/>
+          <a:p>
+            <a:pPr marL="0" indent="0">
+              <a:buNone/>
+            </a:pPr>
+            <a:r>
+              <a:rPr lang="en-US" sz="1100" dirty="0">
+                <a:latin typeface="Arial Narrow" panose="020B0606020202030204" pitchFamily="34" charset="0"/>
+              </a:rPr>
+              <a:t>Private Sub CommandButton1_Click()</a:t>
+            </a:r>
+          </a:p>
+          <a:p>
+            <a:pPr marL="0" indent="0">
+              <a:buNone/>
+            </a:pPr>
+            <a:r>
+              <a:rPr lang="en-US" sz="1100" dirty="0">
+                <a:latin typeface="Arial Narrow" panose="020B0606020202030204" pitchFamily="34" charset="0"/>
+              </a:rPr>
+              <a:t>    Dim </a:t>
+            </a:r>
+            <a:r>
+              <a:rPr lang="en-US" sz="1100" dirty="0" err="1">
+                <a:latin typeface="Arial Narrow" panose="020B0606020202030204" pitchFamily="34" charset="0"/>
+              </a:rPr>
+              <a:t>vItm</a:t>
+            </a:r>
+            <a:r>
+              <a:rPr lang="en-US" sz="1100" dirty="0">
+                <a:latin typeface="Arial Narrow" panose="020B0606020202030204" pitchFamily="34" charset="0"/>
+              </a:rPr>
+              <a:t> As Variant</a:t>
+            </a:r>
+          </a:p>
+          <a:p>
+            <a:pPr marL="0" indent="0">
+              <a:buNone/>
+            </a:pPr>
+            <a:r>
+              <a:rPr lang="en-US" sz="1100" dirty="0">
+                <a:latin typeface="Arial Narrow" panose="020B0606020202030204" pitchFamily="34" charset="0"/>
+              </a:rPr>
+              <a:t>    Dim </a:t>
+            </a:r>
+            <a:r>
+              <a:rPr lang="en-US" sz="1100" dirty="0" err="1">
+                <a:latin typeface="Arial Narrow" panose="020B0606020202030204" pitchFamily="34" charset="0"/>
+              </a:rPr>
+              <a:t>aStrings</a:t>
+            </a:r>
+            <a:r>
+              <a:rPr lang="en-US" sz="1100" dirty="0">
+                <a:latin typeface="Arial Narrow" panose="020B0606020202030204" pitchFamily="34" charset="0"/>
+              </a:rPr>
+              <a:t>(1 To 4) As String</a:t>
+            </a:r>
+          </a:p>
+          <a:p>
+            <a:pPr marL="0" indent="0">
+              <a:buNone/>
+            </a:pPr>
+            <a:endParaRPr lang="en-US" sz="1100" dirty="0">
+              <a:latin typeface="Arial Narrow" panose="020B0606020202030204" pitchFamily="34" charset="0"/>
+            </a:endParaRPr>
+          </a:p>
+          <a:p>
+            <a:pPr marL="0" indent="0">
+              <a:buNone/>
+            </a:pPr>
+            <a:r>
+              <a:rPr lang="en-US" sz="1100" dirty="0">
+                <a:latin typeface="Arial Narrow" panose="020B0606020202030204" pitchFamily="34" charset="0"/>
+              </a:rPr>
+              <a:t>    </a:t>
+            </a:r>
+            <a:r>
+              <a:rPr lang="en-US" sz="1100" dirty="0" err="1">
+                <a:latin typeface="Arial Narrow" panose="020B0606020202030204" pitchFamily="34" charset="0"/>
+              </a:rPr>
+              <a:t>aStrings</a:t>
+            </a:r>
+            <a:r>
+              <a:rPr lang="en-US" sz="1100" dirty="0">
+                <a:latin typeface="Arial Narrow" panose="020B0606020202030204" pitchFamily="34" charset="0"/>
+              </a:rPr>
+              <a:t>(1) = "one": </a:t>
+            </a:r>
+            <a:r>
+              <a:rPr lang="en-US" sz="1100" dirty="0" err="1">
+                <a:latin typeface="Arial Narrow" panose="020B0606020202030204" pitchFamily="34" charset="0"/>
+              </a:rPr>
+              <a:t>aStrings</a:t>
+            </a:r>
+            <a:r>
+              <a:rPr lang="en-US" sz="1100" dirty="0">
+                <a:latin typeface="Arial Narrow" panose="020B0606020202030204" pitchFamily="34" charset="0"/>
+              </a:rPr>
+              <a:t>(2) = "two": </a:t>
+            </a:r>
+            <a:r>
+              <a:rPr lang="en-US" sz="1100" dirty="0" err="1">
+                <a:latin typeface="Arial Narrow" panose="020B0606020202030204" pitchFamily="34" charset="0"/>
+              </a:rPr>
+              <a:t>aStrings</a:t>
+            </a:r>
+            <a:r>
+              <a:rPr lang="en-US" sz="1100" dirty="0">
+                <a:latin typeface="Arial Narrow" panose="020B0606020202030204" pitchFamily="34" charset="0"/>
+              </a:rPr>
+              <a:t>(3) = "three": </a:t>
+            </a:r>
+            <a:r>
+              <a:rPr lang="en-US" sz="1100" dirty="0" err="1">
+                <a:latin typeface="Arial Narrow" panose="020B0606020202030204" pitchFamily="34" charset="0"/>
+              </a:rPr>
+              <a:t>aStrings</a:t>
+            </a:r>
+            <a:r>
+              <a:rPr lang="en-US" sz="1100" dirty="0">
+                <a:latin typeface="Arial Narrow" panose="020B0606020202030204" pitchFamily="34" charset="0"/>
+              </a:rPr>
+              <a:t>(4) = "four"</a:t>
+            </a:r>
+          </a:p>
+          <a:p>
+            <a:pPr marL="0" indent="0">
+              <a:buNone/>
+            </a:pPr>
+            <a:endParaRPr lang="en-US" sz="1100" dirty="0">
+              <a:latin typeface="Arial Narrow" panose="020B0606020202030204" pitchFamily="34" charset="0"/>
+            </a:endParaRPr>
+          </a:p>
+          <a:p>
+            <a:pPr marL="0" indent="0">
+              <a:buNone/>
+            </a:pPr>
+            <a:r>
+              <a:rPr lang="en-US" sz="1100" dirty="0">
+                <a:latin typeface="Arial Narrow" panose="020B0606020202030204" pitchFamily="34" charset="0"/>
+              </a:rPr>
+              <a:t>    For Each </a:t>
+            </a:r>
+            <a:r>
+              <a:rPr lang="en-US" sz="1100" dirty="0" err="1">
+                <a:latin typeface="Arial Narrow" panose="020B0606020202030204" pitchFamily="34" charset="0"/>
+              </a:rPr>
+              <a:t>vItm</a:t>
+            </a:r>
+            <a:r>
+              <a:rPr lang="en-US" sz="1100" dirty="0">
+                <a:latin typeface="Arial Narrow" panose="020B0606020202030204" pitchFamily="34" charset="0"/>
+              </a:rPr>
+              <a:t> In </a:t>
+            </a:r>
+            <a:r>
+              <a:rPr lang="en-US" sz="1100" dirty="0" err="1">
+                <a:latin typeface="Arial Narrow" panose="020B0606020202030204" pitchFamily="34" charset="0"/>
+              </a:rPr>
+              <a:t>aStrings</a:t>
+            </a:r>
+            <a:endParaRPr lang="en-US" sz="1100" dirty="0">
+              <a:latin typeface="Arial Narrow" panose="020B0606020202030204" pitchFamily="34" charset="0"/>
+            </a:endParaRPr>
+          </a:p>
+          <a:p>
+            <a:pPr marL="0" indent="0">
+              <a:buNone/>
+            </a:pPr>
+            <a:r>
+              <a:rPr lang="en-US" sz="1100" dirty="0">
+                <a:latin typeface="Arial Narrow" panose="020B0606020202030204" pitchFamily="34" charset="0"/>
+              </a:rPr>
+              <a:t>        </a:t>
+            </a:r>
+            <a:r>
+              <a:rPr lang="en-US" sz="1100" dirty="0" err="1">
+                <a:latin typeface="Arial Narrow" panose="020B0606020202030204" pitchFamily="34" charset="0"/>
+              </a:rPr>
+              <a:t>MsgBox</a:t>
+            </a:r>
+            <a:r>
+              <a:rPr lang="en-US" sz="1100" dirty="0">
+                <a:latin typeface="Arial Narrow" panose="020B0606020202030204" pitchFamily="34" charset="0"/>
+              </a:rPr>
+              <a:t> ("Gia tri" &amp; </a:t>
+            </a:r>
+            <a:r>
+              <a:rPr lang="en-US" sz="1100" dirty="0" err="1">
+                <a:latin typeface="Arial Narrow" panose="020B0606020202030204" pitchFamily="34" charset="0"/>
+              </a:rPr>
+              <a:t>vItm</a:t>
+            </a:r>
+            <a:r>
+              <a:rPr lang="en-US" sz="1100" dirty="0">
+                <a:latin typeface="Arial Narrow" panose="020B0606020202030204" pitchFamily="34" charset="0"/>
+              </a:rPr>
+              <a:t>)</a:t>
+            </a:r>
+          </a:p>
+          <a:p>
+            <a:pPr marL="0" indent="0">
+              <a:buNone/>
+            </a:pPr>
+            <a:r>
+              <a:rPr lang="en-US" sz="1100" dirty="0">
+                <a:latin typeface="Arial Narrow" panose="020B0606020202030204" pitchFamily="34" charset="0"/>
+              </a:rPr>
+              <a:t>    Next </a:t>
+            </a:r>
+            <a:r>
+              <a:rPr lang="en-US" sz="1100" dirty="0" err="1">
+                <a:latin typeface="Arial Narrow" panose="020B0606020202030204" pitchFamily="34" charset="0"/>
+              </a:rPr>
+              <a:t>vItm</a:t>
+            </a:r>
+            <a:endParaRPr lang="en-US" sz="1100" dirty="0">
+              <a:latin typeface="Arial Narrow" panose="020B0606020202030204" pitchFamily="34" charset="0"/>
+            </a:endParaRPr>
+          </a:p>
+          <a:p>
+            <a:pPr marL="0" indent="0">
+              <a:buNone/>
+            </a:pPr>
+            <a:r>
+              <a:rPr lang="en-US" sz="1100" dirty="0">
+                <a:latin typeface="Arial Narrow" panose="020B0606020202030204" pitchFamily="34" charset="0"/>
+              </a:rPr>
+              <a:t>End Sub</a:t>
+            </a:r>
+          </a:p>
+        </p:txBody>
+      </p:sp>
+    </p:spTree>
+    <p:extLst>
+      <p:ext uri="{BB962C8B-B14F-4D97-AF65-F5344CB8AC3E}">
+        <p14:creationId xmlns:p14="http://schemas.microsoft.com/office/powerpoint/2010/main" val="1227226698"/>
+      </p:ext>
+    </p:extLst>
+  </p:cSld>
+  <p:clrMapOvr>
+    <a:masterClrMapping/>
+  </p:clrMapOvr>
+</p:sld>
+</file>
+
+<file path=ppt/slides/slide15.xml><?xml version="1.0" encoding="utf-8"?>
+<p:sld xmlns:a="http://schemas.openxmlformats.org/drawingml/2006/main" xmlns:r="http://schemas.openxmlformats.org/officeDocument/2006/relationships" xmlns:p="http://schemas.openxmlformats.org/presentationml/2006/main">
+  <p:cSld>
+    <p:spTree>
+      <p:nvGrpSpPr>
+        <p:cNvPr id="1" name=""/>
+        <p:cNvGrpSpPr/>
+        <p:nvPr/>
+      </p:nvGrpSpPr>
+      <p:grpSpPr>
+        <a:xfrm>
+          <a:off x="0" y="0"/>
+          <a:ext cx="0" cy="0"/>
+          <a:chOff x="0" y="0"/>
+          <a:chExt cx="0" cy="0"/>
+        </a:xfrm>
+      </p:grpSpPr>
+      <p:sp>
+        <p:nvSpPr>
+          <p:cNvPr id="2" name="Title 1"/>
+          <p:cNvSpPr>
+            <a:spLocks noGrp="1"/>
+          </p:cNvSpPr>
+          <p:nvPr>
+            <p:ph type="title"/>
+          </p:nvPr>
+        </p:nvSpPr>
+        <p:spPr/>
+        <p:txBody>
+          <a:bodyPr/>
+          <a:lstStyle/>
+          <a:p>
+            <a:r>
+              <a:rPr lang="en-US" dirty="0" smtClean="0"/>
+              <a:t>Find function</a:t>
+            </a:r>
+            <a:endParaRPr lang="en-US" dirty="0"/>
+          </a:p>
+        </p:txBody>
+      </p:sp>
+      <p:sp>
+        <p:nvSpPr>
+          <p:cNvPr id="3" name="Content Placeholder 2"/>
+          <p:cNvSpPr>
+            <a:spLocks noGrp="1"/>
+          </p:cNvSpPr>
+          <p:nvPr>
+            <p:ph idx="1"/>
+          </p:nvPr>
+        </p:nvSpPr>
+        <p:spPr>
+          <a:xfrm>
+            <a:off x="838200" y="1825624"/>
+            <a:ext cx="11353800" cy="5032375"/>
+          </a:xfrm>
+        </p:spPr>
+        <p:txBody>
+          <a:bodyPr>
+            <a:noAutofit/>
+          </a:bodyPr>
+          <a:lstStyle/>
+          <a:p>
+            <a:pPr marL="0" indent="0">
+              <a:buNone/>
+            </a:pPr>
+            <a:r>
+              <a:rPr lang="en-US" sz="1100" dirty="0">
+                <a:latin typeface="Arial Narrow" panose="020B0606020202030204" pitchFamily="34" charset="0"/>
+              </a:rPr>
+              <a:t>Private Sub CommandButton1_Click()</a:t>
+            </a:r>
+          </a:p>
+          <a:p>
+            <a:pPr marL="0" indent="0">
+              <a:buNone/>
+            </a:pPr>
+            <a:r>
+              <a:rPr lang="en-US" sz="1100" dirty="0">
+                <a:latin typeface="Arial Narrow" panose="020B0606020202030204" pitchFamily="34" charset="0"/>
+              </a:rPr>
+              <a:t>Dim </a:t>
+            </a:r>
+            <a:r>
+              <a:rPr lang="en-US" sz="1100" dirty="0" err="1">
+                <a:latin typeface="Arial Narrow" panose="020B0606020202030204" pitchFamily="34" charset="0"/>
+              </a:rPr>
+              <a:t>rngFindValue</a:t>
+            </a:r>
+            <a:r>
+              <a:rPr lang="en-US" sz="1100" dirty="0">
+                <a:latin typeface="Arial Narrow" panose="020B0606020202030204" pitchFamily="34" charset="0"/>
+              </a:rPr>
+              <a:t> As Range</a:t>
+            </a:r>
+          </a:p>
+          <a:p>
+            <a:pPr marL="0" indent="0">
+              <a:buNone/>
+            </a:pPr>
+            <a:endParaRPr lang="en-US" sz="1100" dirty="0">
+              <a:latin typeface="Arial Narrow" panose="020B0606020202030204" pitchFamily="34" charset="0"/>
+            </a:endParaRPr>
+          </a:p>
+          <a:p>
+            <a:pPr marL="0" indent="0">
+              <a:buNone/>
+            </a:pPr>
+            <a:r>
+              <a:rPr lang="en-US" sz="1100" dirty="0">
+                <a:latin typeface="Arial Narrow" panose="020B0606020202030204" pitchFamily="34" charset="0"/>
+              </a:rPr>
+              <a:t>Set </a:t>
+            </a:r>
+            <a:r>
+              <a:rPr lang="en-US" sz="1100" dirty="0" err="1">
+                <a:latin typeface="Arial Narrow" panose="020B0606020202030204" pitchFamily="34" charset="0"/>
+              </a:rPr>
+              <a:t>rngFindValue</a:t>
+            </a:r>
+            <a:r>
+              <a:rPr lang="en-US" sz="1100" dirty="0">
+                <a:latin typeface="Arial Narrow" panose="020B0606020202030204" pitchFamily="34" charset="0"/>
+              </a:rPr>
+              <a:t> = </a:t>
+            </a:r>
+            <a:r>
+              <a:rPr lang="en-US" sz="1100" dirty="0" err="1">
+                <a:latin typeface="Arial Narrow" panose="020B0606020202030204" pitchFamily="34" charset="0"/>
+              </a:rPr>
+              <a:t>ActiveSheet.Range</a:t>
+            </a:r>
+            <a:r>
+              <a:rPr lang="en-US" sz="1100" dirty="0">
+                <a:latin typeface="Arial Narrow" panose="020B0606020202030204" pitchFamily="34" charset="0"/>
+              </a:rPr>
+              <a:t>("A1:A100").Find(What:="57", After:=</a:t>
+            </a:r>
+            <a:r>
+              <a:rPr lang="en-US" sz="1100" dirty="0" err="1">
+                <a:latin typeface="Arial Narrow" panose="020B0606020202030204" pitchFamily="34" charset="0"/>
+              </a:rPr>
+              <a:t>ActiveSheet.Range</a:t>
+            </a:r>
+            <a:r>
+              <a:rPr lang="en-US" sz="1100" dirty="0">
+                <a:latin typeface="Arial Narrow" panose="020B0606020202030204" pitchFamily="34" charset="0"/>
+              </a:rPr>
+              <a:t>("A1"), </a:t>
+            </a:r>
+            <a:r>
+              <a:rPr lang="en-US" sz="1100" dirty="0" err="1">
+                <a:latin typeface="Arial Narrow" panose="020B0606020202030204" pitchFamily="34" charset="0"/>
+              </a:rPr>
+              <a:t>SearchDirection</a:t>
+            </a:r>
+            <a:r>
+              <a:rPr lang="en-US" sz="1100" dirty="0">
+                <a:latin typeface="Arial Narrow" panose="020B0606020202030204" pitchFamily="34" charset="0"/>
+              </a:rPr>
+              <a:t>:=</a:t>
+            </a:r>
+            <a:r>
+              <a:rPr lang="en-US" sz="1100" dirty="0" err="1">
+                <a:latin typeface="Arial Narrow" panose="020B0606020202030204" pitchFamily="34" charset="0"/>
+              </a:rPr>
+              <a:t>xlNext</a:t>
+            </a:r>
+            <a:r>
+              <a:rPr lang="en-US" sz="1100" dirty="0">
+                <a:latin typeface="Arial Narrow" panose="020B0606020202030204" pitchFamily="34" charset="0"/>
+              </a:rPr>
+              <a:t>, </a:t>
+            </a:r>
+            <a:r>
+              <a:rPr lang="en-US" sz="1100" dirty="0" err="1">
+                <a:latin typeface="Arial Narrow" panose="020B0606020202030204" pitchFamily="34" charset="0"/>
+              </a:rPr>
+              <a:t>LookIn</a:t>
+            </a:r>
+            <a:r>
+              <a:rPr lang="en-US" sz="1100" dirty="0">
+                <a:latin typeface="Arial Narrow" panose="020B0606020202030204" pitchFamily="34" charset="0"/>
+              </a:rPr>
+              <a:t>:=</a:t>
+            </a:r>
+            <a:r>
+              <a:rPr lang="en-US" sz="1100" dirty="0" err="1">
+                <a:latin typeface="Arial Narrow" panose="020B0606020202030204" pitchFamily="34" charset="0"/>
+              </a:rPr>
+              <a:t>xlFormulas</a:t>
+            </a:r>
+            <a:r>
+              <a:rPr lang="en-US" sz="1100" dirty="0">
+                <a:latin typeface="Arial Narrow" panose="020B0606020202030204" pitchFamily="34" charset="0"/>
+              </a:rPr>
+              <a:t>)</a:t>
+            </a:r>
+          </a:p>
+          <a:p>
+            <a:pPr marL="0" indent="0">
+              <a:buNone/>
+            </a:pPr>
+            <a:endParaRPr lang="en-US" sz="1100" dirty="0">
+              <a:latin typeface="Arial Narrow" panose="020B0606020202030204" pitchFamily="34" charset="0"/>
+            </a:endParaRPr>
+          </a:p>
+          <a:p>
+            <a:pPr marL="0" indent="0">
+              <a:buNone/>
+            </a:pPr>
+            <a:r>
+              <a:rPr lang="en-US" sz="1100" dirty="0">
+                <a:latin typeface="Arial Narrow" panose="020B0606020202030204" pitchFamily="34" charset="0"/>
+              </a:rPr>
+              <a:t>If Not </a:t>
+            </a:r>
+            <a:r>
+              <a:rPr lang="en-US" sz="1100" dirty="0" err="1">
+                <a:latin typeface="Arial Narrow" panose="020B0606020202030204" pitchFamily="34" charset="0"/>
+              </a:rPr>
+              <a:t>rngFindValue</a:t>
+            </a:r>
+            <a:r>
+              <a:rPr lang="en-US" sz="1100" dirty="0">
+                <a:latin typeface="Arial Narrow" panose="020B0606020202030204" pitchFamily="34" charset="0"/>
+              </a:rPr>
+              <a:t> Is Nothing Then</a:t>
+            </a:r>
+          </a:p>
+          <a:p>
+            <a:pPr marL="0" indent="0">
+              <a:buNone/>
+            </a:pPr>
+            <a:endParaRPr lang="en-US" sz="1100" dirty="0">
+              <a:latin typeface="Arial Narrow" panose="020B0606020202030204" pitchFamily="34" charset="0"/>
+            </a:endParaRPr>
+          </a:p>
+          <a:p>
+            <a:pPr marL="0" indent="0">
+              <a:buNone/>
+            </a:pPr>
+            <a:r>
+              <a:rPr lang="en-US" sz="1100" dirty="0" err="1">
+                <a:latin typeface="Arial Narrow" panose="020B0606020202030204" pitchFamily="34" charset="0"/>
+              </a:rPr>
+              <a:t>MsgBox</a:t>
+            </a:r>
+            <a:r>
+              <a:rPr lang="en-US" sz="1100" dirty="0">
+                <a:latin typeface="Arial Narrow" panose="020B0606020202030204" pitchFamily="34" charset="0"/>
+              </a:rPr>
+              <a:t> </a:t>
+            </a:r>
+            <a:r>
+              <a:rPr lang="en-US" sz="1100" dirty="0" err="1">
+                <a:latin typeface="Arial Narrow" panose="020B0606020202030204" pitchFamily="34" charset="0"/>
+              </a:rPr>
+              <a:t>rngFindValue.Address</a:t>
+            </a:r>
+            <a:endParaRPr lang="en-US" sz="1100" dirty="0">
+              <a:latin typeface="Arial Narrow" panose="020B0606020202030204" pitchFamily="34" charset="0"/>
+            </a:endParaRPr>
+          </a:p>
+          <a:p>
+            <a:pPr marL="0" indent="0">
+              <a:buNone/>
+            </a:pPr>
+            <a:endParaRPr lang="en-US" sz="1100" dirty="0">
+              <a:latin typeface="Arial Narrow" panose="020B0606020202030204" pitchFamily="34" charset="0"/>
+            </a:endParaRPr>
+          </a:p>
+          <a:p>
+            <a:pPr marL="0" indent="0">
+              <a:buNone/>
+            </a:pPr>
+            <a:r>
+              <a:rPr lang="en-US" sz="1100" dirty="0">
+                <a:latin typeface="Arial Narrow" panose="020B0606020202030204" pitchFamily="34" charset="0"/>
+              </a:rPr>
+              <a:t>End If</a:t>
+            </a:r>
+          </a:p>
+          <a:p>
+            <a:pPr marL="0" indent="0">
+              <a:buNone/>
+            </a:pPr>
+            <a:r>
+              <a:rPr lang="en-US" sz="1100" dirty="0">
+                <a:latin typeface="Arial Narrow" panose="020B0606020202030204" pitchFamily="34" charset="0"/>
+              </a:rPr>
+              <a:t>    </a:t>
+            </a:r>
+          </a:p>
+          <a:p>
+            <a:pPr marL="0" indent="0">
+              <a:buNone/>
+            </a:pPr>
+            <a:r>
+              <a:rPr lang="en-US" sz="1100" dirty="0">
+                <a:latin typeface="Arial Narrow" panose="020B0606020202030204" pitchFamily="34" charset="0"/>
+              </a:rPr>
+              <a:t>End Sub</a:t>
+            </a:r>
+          </a:p>
+        </p:txBody>
+      </p:sp>
+      <p:sp>
+        <p:nvSpPr>
+          <p:cNvPr id="4" name="Rectangle 3"/>
+          <p:cNvSpPr/>
+          <p:nvPr/>
+        </p:nvSpPr>
+        <p:spPr>
+          <a:xfrm>
+            <a:off x="728748" y="5306029"/>
+            <a:ext cx="10909069" cy="646331"/>
+          </a:xfrm>
+          <a:prstGeom prst="rect">
+            <a:avLst/>
+          </a:prstGeom>
+        </p:spPr>
+        <p:txBody>
+          <a:bodyPr wrap="square">
+            <a:spAutoFit/>
+          </a:bodyPr>
+          <a:lstStyle/>
+          <a:p>
+            <a:r>
+              <a:rPr lang="en-US" b="1" dirty="0"/>
+              <a:t>https://www.excelanytime.com/excel/index.php?option=com_content&amp;view=article&amp;id=112:find-method-in-excel-vba-find-multiple-occurrences-find-method-to-vlookup-find-date&amp;catid=79&amp;Itemid=475</a:t>
+            </a:r>
+          </a:p>
+        </p:txBody>
+      </p:sp>
+    </p:spTree>
+    <p:extLst>
+      <p:ext uri="{BB962C8B-B14F-4D97-AF65-F5344CB8AC3E}">
+        <p14:creationId xmlns:p14="http://schemas.microsoft.com/office/powerpoint/2010/main" val="320585794"/>
+      </p:ext>
+    </p:extLst>
+  </p:cSld>
+  <p:clrMapOvr>
+    <a:masterClrMapping/>
+  </p:clrMapOvr>
+</p:sld>
+</file>
+
+<file path=ppt/slides/slide16.xml><?xml version="1.0" encoding="utf-8"?>
+<p:sld xmlns:a="http://schemas.openxmlformats.org/drawingml/2006/main" xmlns:r="http://schemas.openxmlformats.org/officeDocument/2006/relationships" xmlns:p="http://schemas.openxmlformats.org/presentationml/2006/main">
+  <p:cSld>
+    <p:spTree>
+      <p:nvGrpSpPr>
+        <p:cNvPr id="1" name=""/>
+        <p:cNvGrpSpPr/>
+        <p:nvPr/>
+      </p:nvGrpSpPr>
+      <p:grpSpPr>
+        <a:xfrm>
+          <a:off x="0" y="0"/>
+          <a:ext cx="0" cy="0"/>
+          <a:chOff x="0" y="0"/>
+          <a:chExt cx="0" cy="0"/>
+        </a:xfrm>
+      </p:grpSpPr>
+      <p:sp>
+        <p:nvSpPr>
+          <p:cNvPr id="2" name="Title 1"/>
+          <p:cNvSpPr>
+            <a:spLocks noGrp="1"/>
+          </p:cNvSpPr>
+          <p:nvPr>
+            <p:ph type="title"/>
+          </p:nvPr>
+        </p:nvSpPr>
+        <p:spPr/>
+        <p:txBody>
+          <a:bodyPr/>
+          <a:lstStyle/>
+          <a:p>
+            <a:r>
+              <a:rPr lang="en-US" dirty="0" smtClean="0"/>
+              <a:t>TRIM range</a:t>
+            </a:r>
+            <a:endParaRPr lang="en-US" dirty="0"/>
+          </a:p>
+        </p:txBody>
+      </p:sp>
+      <p:sp>
+        <p:nvSpPr>
+          <p:cNvPr id="3" name="Content Placeholder 2"/>
+          <p:cNvSpPr>
+            <a:spLocks noGrp="1"/>
+          </p:cNvSpPr>
+          <p:nvPr>
+            <p:ph idx="1"/>
+          </p:nvPr>
+        </p:nvSpPr>
+        <p:spPr/>
+        <p:txBody>
+          <a:bodyPr>
+            <a:normAutofit fontScale="47500" lnSpcReduction="20000"/>
+          </a:bodyPr>
+          <a:lstStyle/>
+          <a:p>
+            <a:pPr marL="0" indent="0">
+              <a:buNone/>
+            </a:pPr>
+            <a:r>
+              <a:rPr lang="en-US" dirty="0">
+                <a:latin typeface="Arial Narrow" panose="020B0606020202030204" pitchFamily="34" charset="0"/>
+              </a:rPr>
+              <a:t>Private Sub CommandButton1_Click()</a:t>
+            </a:r>
+          </a:p>
+          <a:p>
+            <a:pPr marL="0" indent="0">
+              <a:buNone/>
+            </a:pPr>
+            <a:r>
+              <a:rPr lang="en-US" dirty="0">
+                <a:latin typeface="Arial Narrow" panose="020B0606020202030204" pitchFamily="34" charset="0"/>
+              </a:rPr>
+              <a:t>    Dim A As Range</a:t>
+            </a:r>
+          </a:p>
+          <a:p>
+            <a:pPr marL="0" indent="0">
+              <a:buNone/>
+            </a:pPr>
+            <a:endParaRPr lang="en-US" dirty="0">
+              <a:latin typeface="Arial Narrow" panose="020B0606020202030204" pitchFamily="34" charset="0"/>
+            </a:endParaRPr>
+          </a:p>
+          <a:p>
+            <a:pPr marL="0" indent="0">
+              <a:buNone/>
+            </a:pPr>
+            <a:r>
+              <a:rPr lang="en-US" dirty="0">
+                <a:latin typeface="Arial Narrow" panose="020B0606020202030204" pitchFamily="34" charset="0"/>
+              </a:rPr>
+              <a:t>    Set A = Selection</a:t>
+            </a:r>
+          </a:p>
+          <a:p>
+            <a:pPr marL="0" indent="0">
+              <a:buNone/>
+            </a:pPr>
+            <a:endParaRPr lang="en-US" dirty="0">
+              <a:latin typeface="Arial Narrow" panose="020B0606020202030204" pitchFamily="34" charset="0"/>
+            </a:endParaRPr>
+          </a:p>
+          <a:p>
+            <a:pPr marL="0" indent="0">
+              <a:buNone/>
+            </a:pPr>
+            <a:r>
+              <a:rPr lang="en-US" dirty="0">
+                <a:latin typeface="Arial Narrow" panose="020B0606020202030204" pitchFamily="34" charset="0"/>
+              </a:rPr>
+              <a:t>    For Each cell In A</a:t>
+            </a:r>
+          </a:p>
+          <a:p>
+            <a:pPr marL="0" indent="0">
+              <a:buNone/>
+            </a:pPr>
+            <a:r>
+              <a:rPr lang="en-US" dirty="0">
+                <a:latin typeface="Arial Narrow" panose="020B0606020202030204" pitchFamily="34" charset="0"/>
+              </a:rPr>
+              <a:t>    </a:t>
+            </a:r>
+            <a:r>
+              <a:rPr lang="en-US" dirty="0" err="1">
+                <a:latin typeface="Arial Narrow" panose="020B0606020202030204" pitchFamily="34" charset="0"/>
+              </a:rPr>
+              <a:t>cell.Value</a:t>
+            </a:r>
+            <a:r>
+              <a:rPr lang="en-US" dirty="0">
+                <a:latin typeface="Arial Narrow" panose="020B0606020202030204" pitchFamily="34" charset="0"/>
+              </a:rPr>
+              <a:t> = </a:t>
+            </a:r>
+            <a:r>
+              <a:rPr lang="en-US" dirty="0" err="1">
+                <a:latin typeface="Arial Narrow" panose="020B0606020202030204" pitchFamily="34" charset="0"/>
+              </a:rPr>
+              <a:t>WorksheetFunction.Trim</a:t>
+            </a:r>
+            <a:r>
+              <a:rPr lang="en-US" dirty="0">
+                <a:latin typeface="Arial Narrow" panose="020B0606020202030204" pitchFamily="34" charset="0"/>
+              </a:rPr>
+              <a:t>(cell)</a:t>
+            </a:r>
+          </a:p>
+          <a:p>
+            <a:pPr marL="0" indent="0">
+              <a:buNone/>
+            </a:pPr>
+            <a:endParaRPr lang="en-US" dirty="0">
+              <a:latin typeface="Arial Narrow" panose="020B0606020202030204" pitchFamily="34" charset="0"/>
+            </a:endParaRPr>
+          </a:p>
+          <a:p>
+            <a:pPr marL="0" indent="0">
+              <a:buNone/>
+            </a:pPr>
+            <a:r>
+              <a:rPr lang="en-US" dirty="0">
+                <a:latin typeface="Arial Narrow" panose="020B0606020202030204" pitchFamily="34" charset="0"/>
+              </a:rPr>
+              <a:t>    Dim B As String</a:t>
+            </a:r>
+          </a:p>
+          <a:p>
+            <a:pPr marL="0" indent="0">
+              <a:buNone/>
+            </a:pPr>
+            <a:endParaRPr lang="en-US" dirty="0">
+              <a:latin typeface="Arial Narrow" panose="020B0606020202030204" pitchFamily="34" charset="0"/>
+            </a:endParaRPr>
+          </a:p>
+          <a:p>
+            <a:pPr marL="0" indent="0">
+              <a:buNone/>
+            </a:pPr>
+            <a:r>
+              <a:rPr lang="en-US" dirty="0">
+                <a:latin typeface="Arial Narrow" panose="020B0606020202030204" pitchFamily="34" charset="0"/>
+              </a:rPr>
+              <a:t>    B = Trim("Trimming Done")</a:t>
+            </a:r>
+          </a:p>
+          <a:p>
+            <a:pPr marL="0" indent="0">
+              <a:buNone/>
+            </a:pPr>
+            <a:endParaRPr lang="en-US" dirty="0">
+              <a:latin typeface="Arial Narrow" panose="020B0606020202030204" pitchFamily="34" charset="0"/>
+            </a:endParaRPr>
+          </a:p>
+          <a:p>
+            <a:pPr marL="0" indent="0">
+              <a:buNone/>
+            </a:pPr>
+            <a:r>
+              <a:rPr lang="en-US" dirty="0">
+                <a:latin typeface="Arial Narrow" panose="020B0606020202030204" pitchFamily="34" charset="0"/>
+              </a:rPr>
+              <a:t>    </a:t>
+            </a:r>
+            <a:r>
+              <a:rPr lang="en-US" dirty="0" err="1">
+                <a:latin typeface="Arial Narrow" panose="020B0606020202030204" pitchFamily="34" charset="0"/>
+              </a:rPr>
+              <a:t>MsgBox</a:t>
+            </a:r>
+            <a:r>
+              <a:rPr lang="en-US" dirty="0">
+                <a:latin typeface="Arial Narrow" panose="020B0606020202030204" pitchFamily="34" charset="0"/>
+              </a:rPr>
+              <a:t> B</a:t>
+            </a:r>
+          </a:p>
+          <a:p>
+            <a:pPr marL="0" indent="0">
+              <a:buNone/>
+            </a:pPr>
+            <a:endParaRPr lang="en-US" dirty="0">
+              <a:latin typeface="Arial Narrow" panose="020B0606020202030204" pitchFamily="34" charset="0"/>
+            </a:endParaRPr>
+          </a:p>
+          <a:p>
+            <a:pPr marL="0" indent="0">
+              <a:buNone/>
+            </a:pPr>
+            <a:r>
+              <a:rPr lang="en-US" dirty="0">
+                <a:latin typeface="Arial Narrow" panose="020B0606020202030204" pitchFamily="34" charset="0"/>
+              </a:rPr>
+              <a:t>    Next</a:t>
+            </a:r>
+          </a:p>
+          <a:p>
+            <a:pPr marL="0" indent="0">
+              <a:buNone/>
+            </a:pPr>
+            <a:r>
+              <a:rPr lang="en-US" dirty="0">
+                <a:latin typeface="Arial Narrow" panose="020B0606020202030204" pitchFamily="34" charset="0"/>
+              </a:rPr>
+              <a:t>End Sub</a:t>
+            </a:r>
+          </a:p>
+          <a:p>
+            <a:pPr marL="0" indent="0">
+              <a:buNone/>
+            </a:pPr>
+            <a:endParaRPr lang="en-US" dirty="0">
+              <a:latin typeface="Arial Narrow" panose="020B0606020202030204" pitchFamily="34" charset="0"/>
+            </a:endParaRPr>
+          </a:p>
+        </p:txBody>
+      </p:sp>
+    </p:spTree>
+    <p:extLst>
+      <p:ext uri="{BB962C8B-B14F-4D97-AF65-F5344CB8AC3E}">
+        <p14:creationId xmlns:p14="http://schemas.microsoft.com/office/powerpoint/2010/main" val="517417134"/>
+      </p:ext>
+    </p:extLst>
+  </p:cSld>
+  <p:clrMapOvr>
+    <a:masterClrMapping/>
+  </p:clrMapOvr>
+</p:sld>
+</file>
+
 <file path=ppt/slides/slide2.xml><?xml version="1.0" encoding="utf-8"?>
 <p:sld xmlns:a="http://schemas.openxmlformats.org/drawingml/2006/main" xmlns:r="http://schemas.openxmlformats.org/officeDocument/2006/relationships" xmlns:p="http://schemas.openxmlformats.org/presentationml/2006/main">
   <p:cSld>

--- a/VBA_Basic.pptx
+++ b/VBA_Basic.pptx
@@ -21,6 +21,30 @@
     <p:sldId id="270" r:id="rId15"/>
     <p:sldId id="271" r:id="rId16"/>
     <p:sldId id="272" r:id="rId17"/>
+    <p:sldId id="273" r:id="rId18"/>
+    <p:sldId id="274" r:id="rId19"/>
+    <p:sldId id="275" r:id="rId20"/>
+    <p:sldId id="276" r:id="rId21"/>
+    <p:sldId id="277" r:id="rId22"/>
+    <p:sldId id="278" r:id="rId23"/>
+    <p:sldId id="279" r:id="rId24"/>
+    <p:sldId id="280" r:id="rId25"/>
+    <p:sldId id="281" r:id="rId26"/>
+    <p:sldId id="282" r:id="rId27"/>
+    <p:sldId id="283" r:id="rId28"/>
+    <p:sldId id="284" r:id="rId29"/>
+    <p:sldId id="285" r:id="rId30"/>
+    <p:sldId id="286" r:id="rId31"/>
+    <p:sldId id="287" r:id="rId32"/>
+    <p:sldId id="288" r:id="rId33"/>
+    <p:sldId id="289" r:id="rId34"/>
+    <p:sldId id="290" r:id="rId35"/>
+    <p:sldId id="291" r:id="rId36"/>
+    <p:sldId id="292" r:id="rId37"/>
+    <p:sldId id="293" r:id="rId38"/>
+    <p:sldId id="294" r:id="rId39"/>
+    <p:sldId id="295" r:id="rId40"/>
+    <p:sldId id="296" r:id="rId41"/>
   </p:sldIdLst>
   <p:sldSz cx="12192000" cy="6858000"/>
   <p:notesSz cx="6858000" cy="9144000"/>
@@ -258,7 +282,7 @@
           <a:p>
             <a:fld id="{82CFAFF2-B6D2-4D1C-BE2E-6D4BBF56E68E}" type="datetimeFigureOut">
               <a:rPr lang="en-US" smtClean="0"/>
-              <a:t>7/8/2019</a:t>
+              <a:t>1/20/2020</a:t>
             </a:fld>
             <a:endParaRPr lang="en-US"/>
           </a:p>
@@ -428,7 +452,7 @@
           <a:p>
             <a:fld id="{82CFAFF2-B6D2-4D1C-BE2E-6D4BBF56E68E}" type="datetimeFigureOut">
               <a:rPr lang="en-US" smtClean="0"/>
-              <a:t>7/8/2019</a:t>
+              <a:t>1/20/2020</a:t>
             </a:fld>
             <a:endParaRPr lang="en-US"/>
           </a:p>
@@ -608,7 +632,7 @@
           <a:p>
             <a:fld id="{82CFAFF2-B6D2-4D1C-BE2E-6D4BBF56E68E}" type="datetimeFigureOut">
               <a:rPr lang="en-US" smtClean="0"/>
-              <a:t>7/8/2019</a:t>
+              <a:t>1/20/2020</a:t>
             </a:fld>
             <a:endParaRPr lang="en-US"/>
           </a:p>
@@ -778,7 +802,7 @@
           <a:p>
             <a:fld id="{82CFAFF2-B6D2-4D1C-BE2E-6D4BBF56E68E}" type="datetimeFigureOut">
               <a:rPr lang="en-US" smtClean="0"/>
-              <a:t>7/8/2019</a:t>
+              <a:t>1/20/2020</a:t>
             </a:fld>
             <a:endParaRPr lang="en-US"/>
           </a:p>
@@ -1024,7 +1048,7 @@
           <a:p>
             <a:fld id="{82CFAFF2-B6D2-4D1C-BE2E-6D4BBF56E68E}" type="datetimeFigureOut">
               <a:rPr lang="en-US" smtClean="0"/>
-              <a:t>7/8/2019</a:t>
+              <a:t>1/20/2020</a:t>
             </a:fld>
             <a:endParaRPr lang="en-US"/>
           </a:p>
@@ -1256,7 +1280,7 @@
           <a:p>
             <a:fld id="{82CFAFF2-B6D2-4D1C-BE2E-6D4BBF56E68E}" type="datetimeFigureOut">
               <a:rPr lang="en-US" smtClean="0"/>
-              <a:t>7/8/2019</a:t>
+              <a:t>1/20/2020</a:t>
             </a:fld>
             <a:endParaRPr lang="en-US"/>
           </a:p>
@@ -1623,7 +1647,7 @@
           <a:p>
             <a:fld id="{82CFAFF2-B6D2-4D1C-BE2E-6D4BBF56E68E}" type="datetimeFigureOut">
               <a:rPr lang="en-US" smtClean="0"/>
-              <a:t>7/8/2019</a:t>
+              <a:t>1/20/2020</a:t>
             </a:fld>
             <a:endParaRPr lang="en-US"/>
           </a:p>
@@ -1741,7 +1765,7 @@
           <a:p>
             <a:fld id="{82CFAFF2-B6D2-4D1C-BE2E-6D4BBF56E68E}" type="datetimeFigureOut">
               <a:rPr lang="en-US" smtClean="0"/>
-              <a:t>7/8/2019</a:t>
+              <a:t>1/20/2020</a:t>
             </a:fld>
             <a:endParaRPr lang="en-US"/>
           </a:p>
@@ -1836,7 +1860,7 @@
           <a:p>
             <a:fld id="{82CFAFF2-B6D2-4D1C-BE2E-6D4BBF56E68E}" type="datetimeFigureOut">
               <a:rPr lang="en-US" smtClean="0"/>
-              <a:t>7/8/2019</a:t>
+              <a:t>1/20/2020</a:t>
             </a:fld>
             <a:endParaRPr lang="en-US"/>
           </a:p>
@@ -2113,7 +2137,7 @@
           <a:p>
             <a:fld id="{82CFAFF2-B6D2-4D1C-BE2E-6D4BBF56E68E}" type="datetimeFigureOut">
               <a:rPr lang="en-US" smtClean="0"/>
-              <a:t>7/8/2019</a:t>
+              <a:t>1/20/2020</a:t>
             </a:fld>
             <a:endParaRPr lang="en-US"/>
           </a:p>
@@ -2366,7 +2390,7 @@
           <a:p>
             <a:fld id="{82CFAFF2-B6D2-4D1C-BE2E-6D4BBF56E68E}" type="datetimeFigureOut">
               <a:rPr lang="en-US" smtClean="0"/>
-              <a:t>7/8/2019</a:t>
+              <a:t>1/20/2020</a:t>
             </a:fld>
             <a:endParaRPr lang="en-US"/>
           </a:p>
@@ -2579,7 +2603,7 @@
           <a:p>
             <a:fld id="{82CFAFF2-B6D2-4D1C-BE2E-6D4BBF56E68E}" type="datetimeFigureOut">
               <a:rPr lang="en-US" smtClean="0"/>
-              <a:t>7/8/2019</a:t>
+              <a:t>1/20/2020</a:t>
             </a:fld>
             <a:endParaRPr lang="en-US"/>
           </a:p>
@@ -3036,6 +3060,13 @@
   <p:clrMapOvr>
     <a:masterClrMapping/>
   </p:clrMapOvr>
+  <p:timing>
+    <p:tnLst>
+      <p:par>
+        <p:cTn id="1" dur="indefinite" restart="never" nodeType="tmRoot"/>
+      </p:par>
+    </p:tnLst>
+  </p:timing>
 </p:sld>
 </file>
 
@@ -5701,6 +5732,13 @@
   <p:clrMapOvr>
     <a:masterClrMapping/>
   </p:clrMapOvr>
+  <p:timing>
+    <p:tnLst>
+      <p:par>
+        <p:cTn id="1" dur="indefinite" restart="never" nodeType="tmRoot"/>
+      </p:par>
+    </p:tnLst>
+  </p:timing>
 </p:sld>
 </file>
 
@@ -6007,6 +6045,13 @@
   <p:clrMapOvr>
     <a:masterClrMapping/>
   </p:clrMapOvr>
+  <p:timing>
+    <p:tnLst>
+      <p:par>
+        <p:cTn id="1" dur="indefinite" restart="never" nodeType="tmRoot"/>
+      </p:par>
+    </p:tnLst>
+  </p:timing>
 </p:sld>
 </file>
 
@@ -6354,6 +6399,13 @@
   <p:clrMapOvr>
     <a:masterClrMapping/>
   </p:clrMapOvr>
+  <p:timing>
+    <p:tnLst>
+      <p:par>
+        <p:cTn id="1" dur="indefinite" restart="never" nodeType="tmRoot"/>
+      </p:par>
+    </p:tnLst>
+  </p:timing>
 </p:sld>
 </file>
 
@@ -6627,6 +6679,1268 @@
   <p:clrMapOvr>
     <a:masterClrMapping/>
   </p:clrMapOvr>
+  <p:timing>
+    <p:tnLst>
+      <p:par>
+        <p:cTn id="1" dur="indefinite" restart="never" nodeType="tmRoot"/>
+      </p:par>
+    </p:tnLst>
+  </p:timing>
+</p:sld>
+</file>
+
+<file path=ppt/slides/slide17.xml><?xml version="1.0" encoding="utf-8"?>
+<p:sld xmlns:a="http://schemas.openxmlformats.org/drawingml/2006/main" xmlns:r="http://schemas.openxmlformats.org/officeDocument/2006/relationships" xmlns:p="http://schemas.openxmlformats.org/presentationml/2006/main">
+  <p:cSld>
+    <p:spTree>
+      <p:nvGrpSpPr>
+        <p:cNvPr id="1" name=""/>
+        <p:cNvGrpSpPr/>
+        <p:nvPr/>
+      </p:nvGrpSpPr>
+      <p:grpSpPr>
+        <a:xfrm>
+          <a:off x="0" y="0"/>
+          <a:ext cx="0" cy="0"/>
+          <a:chOff x="0" y="0"/>
+          <a:chExt cx="0" cy="0"/>
+        </a:xfrm>
+      </p:grpSpPr>
+      <p:sp>
+        <p:nvSpPr>
+          <p:cNvPr id="2" name="Title 1"/>
+          <p:cNvSpPr>
+            <a:spLocks noGrp="1"/>
+          </p:cNvSpPr>
+          <p:nvPr>
+            <p:ph type="title"/>
+          </p:nvPr>
+        </p:nvSpPr>
+        <p:spPr>
+          <a:xfrm>
+            <a:off x="838200" y="365125"/>
+            <a:ext cx="10515600" cy="732155"/>
+          </a:xfrm>
+        </p:spPr>
+        <p:txBody>
+          <a:bodyPr/>
+          <a:lstStyle/>
+          <a:p>
+            <a:r>
+              <a:rPr lang="en-US" dirty="0" smtClean="0"/>
+              <a:t>Find and get row</a:t>
+            </a:r>
+            <a:endParaRPr lang="en-US" dirty="0"/>
+          </a:p>
+        </p:txBody>
+      </p:sp>
+      <p:sp>
+        <p:nvSpPr>
+          <p:cNvPr id="3" name="Content Placeholder 2"/>
+          <p:cNvSpPr>
+            <a:spLocks noGrp="1"/>
+          </p:cNvSpPr>
+          <p:nvPr>
+            <p:ph idx="1"/>
+          </p:nvPr>
+        </p:nvSpPr>
+        <p:spPr/>
+        <p:txBody>
+          <a:bodyPr>
+            <a:normAutofit fontScale="55000" lnSpcReduction="20000"/>
+          </a:bodyPr>
+          <a:lstStyle/>
+          <a:p>
+            <a:pPr marL="0" indent="0">
+              <a:buNone/>
+            </a:pPr>
+            <a:r>
+              <a:rPr lang="en-US" dirty="0">
+                <a:latin typeface="Arial Narrow" panose="020B0606020202030204" pitchFamily="34" charset="0"/>
+              </a:rPr>
+              <a:t>Private Sub CommandButton1_Click()</a:t>
+            </a:r>
+          </a:p>
+          <a:p>
+            <a:pPr marL="0" indent="0">
+              <a:buNone/>
+            </a:pPr>
+            <a:r>
+              <a:rPr lang="en-US" dirty="0">
+                <a:latin typeface="Arial Narrow" panose="020B0606020202030204" pitchFamily="34" charset="0"/>
+              </a:rPr>
+              <a:t>    Dim </a:t>
+            </a:r>
+            <a:r>
+              <a:rPr lang="en-US" dirty="0" err="1">
+                <a:latin typeface="Arial Narrow" panose="020B0606020202030204" pitchFamily="34" charset="0"/>
+              </a:rPr>
+              <a:t>wks</a:t>
+            </a:r>
+            <a:r>
+              <a:rPr lang="en-US" dirty="0">
+                <a:latin typeface="Arial Narrow" panose="020B0606020202030204" pitchFamily="34" charset="0"/>
+              </a:rPr>
+              <a:t> As Worksheet</a:t>
+            </a:r>
+          </a:p>
+          <a:p>
+            <a:pPr marL="0" indent="0">
+              <a:buNone/>
+            </a:pPr>
+            <a:r>
+              <a:rPr lang="en-US" dirty="0">
+                <a:latin typeface="Arial Narrow" panose="020B0606020202030204" pitchFamily="34" charset="0"/>
+              </a:rPr>
+              <a:t>    Dim r As Range</a:t>
+            </a:r>
+          </a:p>
+          <a:p>
+            <a:pPr marL="0" indent="0">
+              <a:buNone/>
+            </a:pPr>
+            <a:r>
+              <a:rPr lang="en-US" dirty="0">
+                <a:latin typeface="Arial Narrow" panose="020B0606020202030204" pitchFamily="34" charset="0"/>
+              </a:rPr>
+              <a:t>    Dim </a:t>
+            </a:r>
+            <a:r>
+              <a:rPr lang="en-US" dirty="0" err="1">
+                <a:latin typeface="Arial Narrow" panose="020B0606020202030204" pitchFamily="34" charset="0"/>
+              </a:rPr>
+              <a:t>rowNumber</a:t>
+            </a:r>
+            <a:r>
+              <a:rPr lang="en-US" dirty="0">
+                <a:latin typeface="Arial Narrow" panose="020B0606020202030204" pitchFamily="34" charset="0"/>
+              </a:rPr>
+              <a:t> As Long</a:t>
+            </a:r>
+          </a:p>
+          <a:p>
+            <a:pPr marL="0" indent="0">
+              <a:buNone/>
+            </a:pPr>
+            <a:endParaRPr lang="en-US" dirty="0">
+              <a:latin typeface="Arial Narrow" panose="020B0606020202030204" pitchFamily="34" charset="0"/>
+            </a:endParaRPr>
+          </a:p>
+          <a:p>
+            <a:pPr marL="0" indent="0">
+              <a:buNone/>
+            </a:pPr>
+            <a:r>
+              <a:rPr lang="en-US" dirty="0">
+                <a:latin typeface="Arial Narrow" panose="020B0606020202030204" pitchFamily="34" charset="0"/>
+              </a:rPr>
+              <a:t>    Set </a:t>
+            </a:r>
+            <a:r>
+              <a:rPr lang="en-US" dirty="0" err="1">
+                <a:latin typeface="Arial Narrow" panose="020B0606020202030204" pitchFamily="34" charset="0"/>
+              </a:rPr>
+              <a:t>wks</a:t>
+            </a:r>
+            <a:r>
+              <a:rPr lang="en-US" dirty="0">
+                <a:latin typeface="Arial Narrow" panose="020B0606020202030204" pitchFamily="34" charset="0"/>
+              </a:rPr>
+              <a:t> = </a:t>
+            </a:r>
+            <a:r>
+              <a:rPr lang="en-US" dirty="0" err="1">
+                <a:latin typeface="Arial Narrow" panose="020B0606020202030204" pitchFamily="34" charset="0"/>
+              </a:rPr>
+              <a:t>ThisWorkbook.Worksheets</a:t>
+            </a:r>
+            <a:r>
+              <a:rPr lang="en-US" dirty="0">
+                <a:latin typeface="Arial Narrow" panose="020B0606020202030204" pitchFamily="34" charset="0"/>
+              </a:rPr>
+              <a:t>(2) 'update for your worksheet name</a:t>
+            </a:r>
+          </a:p>
+          <a:p>
+            <a:pPr marL="0" indent="0">
+              <a:buNone/>
+            </a:pPr>
+            <a:endParaRPr lang="en-US" dirty="0">
+              <a:latin typeface="Arial Narrow" panose="020B0606020202030204" pitchFamily="34" charset="0"/>
+            </a:endParaRPr>
+          </a:p>
+          <a:p>
+            <a:pPr marL="0" indent="0">
+              <a:buNone/>
+            </a:pPr>
+            <a:r>
+              <a:rPr lang="en-US" dirty="0">
+                <a:latin typeface="Arial Narrow" panose="020B0606020202030204" pitchFamily="34" charset="0"/>
+              </a:rPr>
+              <a:t>    '.Find returns a Range object or Nothing</a:t>
+            </a:r>
+          </a:p>
+          <a:p>
+            <a:pPr marL="0" indent="0">
+              <a:buNone/>
+            </a:pPr>
+            <a:r>
+              <a:rPr lang="en-US" dirty="0">
+                <a:latin typeface="Arial Narrow" panose="020B0606020202030204" pitchFamily="34" charset="0"/>
+              </a:rPr>
+              <a:t>    Set r = </a:t>
+            </a:r>
+            <a:r>
+              <a:rPr lang="en-US" dirty="0" err="1">
+                <a:latin typeface="Arial Narrow" panose="020B0606020202030204" pitchFamily="34" charset="0"/>
+              </a:rPr>
+              <a:t>wks.Cells.Find</a:t>
+            </a:r>
+            <a:r>
+              <a:rPr lang="en-US" dirty="0">
+                <a:latin typeface="Arial Narrow" panose="020B0606020202030204" pitchFamily="34" charset="0"/>
+              </a:rPr>
+              <a:t>(What:="23-JUN-19", </a:t>
+            </a:r>
+            <a:r>
+              <a:rPr lang="en-US" dirty="0" err="1">
+                <a:latin typeface="Arial Narrow" panose="020B0606020202030204" pitchFamily="34" charset="0"/>
+              </a:rPr>
+              <a:t>LookAt</a:t>
+            </a:r>
+            <a:r>
+              <a:rPr lang="en-US" dirty="0">
+                <a:latin typeface="Arial Narrow" panose="020B0606020202030204" pitchFamily="34" charset="0"/>
+              </a:rPr>
+              <a:t>:=</a:t>
+            </a:r>
+            <a:r>
+              <a:rPr lang="en-US" dirty="0" err="1">
+                <a:latin typeface="Arial Narrow" panose="020B0606020202030204" pitchFamily="34" charset="0"/>
+              </a:rPr>
+              <a:t>xlWhole</a:t>
+            </a:r>
+            <a:r>
+              <a:rPr lang="en-US" dirty="0">
+                <a:latin typeface="Arial Narrow" panose="020B0606020202030204" pitchFamily="34" charset="0"/>
+              </a:rPr>
+              <a:t>)</a:t>
+            </a:r>
+          </a:p>
+          <a:p>
+            <a:pPr marL="0" indent="0">
+              <a:buNone/>
+            </a:pPr>
+            <a:r>
+              <a:rPr lang="en-US" dirty="0">
+                <a:latin typeface="Arial Narrow" panose="020B0606020202030204" pitchFamily="34" charset="0"/>
+              </a:rPr>
+              <a:t>    If Not r Is Nothing Then</a:t>
+            </a:r>
+          </a:p>
+          <a:p>
+            <a:pPr marL="0" indent="0">
+              <a:buNone/>
+            </a:pPr>
+            <a:r>
+              <a:rPr lang="en-US" dirty="0">
+                <a:latin typeface="Arial Narrow" panose="020B0606020202030204" pitchFamily="34" charset="0"/>
+              </a:rPr>
+              <a:t>        </a:t>
+            </a:r>
+            <a:r>
+              <a:rPr lang="en-US" dirty="0" err="1">
+                <a:latin typeface="Arial Narrow" panose="020B0606020202030204" pitchFamily="34" charset="0"/>
+              </a:rPr>
+              <a:t>rowNumber</a:t>
+            </a:r>
+            <a:r>
+              <a:rPr lang="en-US" dirty="0">
+                <a:latin typeface="Arial Narrow" panose="020B0606020202030204" pitchFamily="34" charset="0"/>
+              </a:rPr>
+              <a:t> = </a:t>
+            </a:r>
+            <a:r>
+              <a:rPr lang="en-US" dirty="0" err="1">
+                <a:latin typeface="Arial Narrow" panose="020B0606020202030204" pitchFamily="34" charset="0"/>
+              </a:rPr>
+              <a:t>r.Row</a:t>
+            </a:r>
+            <a:endParaRPr lang="en-US" dirty="0">
+              <a:latin typeface="Arial Narrow" panose="020B0606020202030204" pitchFamily="34" charset="0"/>
+            </a:endParaRPr>
+          </a:p>
+          <a:p>
+            <a:pPr marL="0" indent="0">
+              <a:buNone/>
+            </a:pPr>
+            <a:r>
+              <a:rPr lang="en-US" dirty="0" smtClean="0">
+                <a:latin typeface="Arial Narrow" panose="020B0606020202030204" pitchFamily="34" charset="0"/>
+              </a:rPr>
+              <a:t>End </a:t>
+            </a:r>
+            <a:r>
+              <a:rPr lang="en-US" dirty="0">
+                <a:latin typeface="Arial Narrow" panose="020B0606020202030204" pitchFamily="34" charset="0"/>
+              </a:rPr>
+              <a:t>If</a:t>
+            </a:r>
+          </a:p>
+          <a:p>
+            <a:pPr marL="0" indent="0">
+              <a:buNone/>
+            </a:pPr>
+            <a:r>
+              <a:rPr lang="en-US" dirty="0">
+                <a:latin typeface="Arial Narrow" panose="020B0606020202030204" pitchFamily="34" charset="0"/>
+              </a:rPr>
+              <a:t>    </a:t>
+            </a:r>
+            <a:r>
+              <a:rPr lang="en-US" dirty="0" err="1">
+                <a:latin typeface="Arial Narrow" panose="020B0606020202030204" pitchFamily="34" charset="0"/>
+              </a:rPr>
+              <a:t>MsgBox</a:t>
+            </a:r>
+            <a:r>
+              <a:rPr lang="en-US" dirty="0">
+                <a:latin typeface="Arial Narrow" panose="020B0606020202030204" pitchFamily="34" charset="0"/>
+              </a:rPr>
+              <a:t> </a:t>
+            </a:r>
+            <a:r>
+              <a:rPr lang="en-US" dirty="0" err="1">
+                <a:latin typeface="Arial Narrow" panose="020B0606020202030204" pitchFamily="34" charset="0"/>
+              </a:rPr>
+              <a:t>rowNumber</a:t>
+            </a:r>
+            <a:endParaRPr lang="en-US" dirty="0">
+              <a:latin typeface="Arial Narrow" panose="020B0606020202030204" pitchFamily="34" charset="0"/>
+            </a:endParaRPr>
+          </a:p>
+          <a:p>
+            <a:pPr marL="0" indent="0">
+              <a:buNone/>
+            </a:pPr>
+            <a:r>
+              <a:rPr lang="en-US" dirty="0">
+                <a:latin typeface="Arial Narrow" panose="020B0606020202030204" pitchFamily="34" charset="0"/>
+              </a:rPr>
+              <a:t>End Sub</a:t>
+            </a:r>
+          </a:p>
+        </p:txBody>
+      </p:sp>
+    </p:spTree>
+    <p:extLst>
+      <p:ext uri="{BB962C8B-B14F-4D97-AF65-F5344CB8AC3E}">
+        <p14:creationId xmlns:p14="http://schemas.microsoft.com/office/powerpoint/2010/main" val="1973147670"/>
+      </p:ext>
+    </p:extLst>
+  </p:cSld>
+  <p:clrMapOvr>
+    <a:masterClrMapping/>
+  </p:clrMapOvr>
+  <p:timing>
+    <p:tnLst>
+      <p:par>
+        <p:cTn id="1" dur="indefinite" restart="never" nodeType="tmRoot"/>
+      </p:par>
+    </p:tnLst>
+  </p:timing>
+</p:sld>
+</file>
+
+<file path=ppt/slides/slide18.xml><?xml version="1.0" encoding="utf-8"?>
+<p:sld xmlns:a="http://schemas.openxmlformats.org/drawingml/2006/main" xmlns:r="http://schemas.openxmlformats.org/officeDocument/2006/relationships" xmlns:p="http://schemas.openxmlformats.org/presentationml/2006/main">
+  <p:cSld>
+    <p:spTree>
+      <p:nvGrpSpPr>
+        <p:cNvPr id="1" name=""/>
+        <p:cNvGrpSpPr/>
+        <p:nvPr/>
+      </p:nvGrpSpPr>
+      <p:grpSpPr>
+        <a:xfrm>
+          <a:off x="0" y="0"/>
+          <a:ext cx="0" cy="0"/>
+          <a:chOff x="0" y="0"/>
+          <a:chExt cx="0" cy="0"/>
+        </a:xfrm>
+      </p:grpSpPr>
+      <p:sp>
+        <p:nvSpPr>
+          <p:cNvPr id="2" name="Title 1"/>
+          <p:cNvSpPr>
+            <a:spLocks noGrp="1"/>
+          </p:cNvSpPr>
+          <p:nvPr>
+            <p:ph type="title"/>
+          </p:nvPr>
+        </p:nvSpPr>
+        <p:spPr>
+          <a:xfrm>
+            <a:off x="838200" y="365125"/>
+            <a:ext cx="10515600" cy="732155"/>
+          </a:xfrm>
+        </p:spPr>
+        <p:txBody>
+          <a:bodyPr/>
+          <a:lstStyle/>
+          <a:p>
+            <a:r>
+              <a:rPr lang="en-US" dirty="0" smtClean="0"/>
+              <a:t>Check a string in list</a:t>
+            </a:r>
+            <a:endParaRPr lang="en-US" dirty="0"/>
+          </a:p>
+        </p:txBody>
+      </p:sp>
+      <p:sp>
+        <p:nvSpPr>
+          <p:cNvPr id="3" name="Content Placeholder 2"/>
+          <p:cNvSpPr>
+            <a:spLocks noGrp="1"/>
+          </p:cNvSpPr>
+          <p:nvPr>
+            <p:ph idx="1"/>
+          </p:nvPr>
+        </p:nvSpPr>
+        <p:spPr/>
+        <p:txBody>
+          <a:bodyPr>
+            <a:normAutofit fontScale="25000" lnSpcReduction="20000"/>
+          </a:bodyPr>
+          <a:lstStyle/>
+          <a:p>
+            <a:pPr marL="0" indent="0">
+              <a:buNone/>
+            </a:pPr>
+            <a:r>
+              <a:rPr lang="en-US" dirty="0">
+                <a:latin typeface="Arial Narrow" panose="020B0606020202030204" pitchFamily="34" charset="0"/>
+              </a:rPr>
+              <a:t>Sub DoSomething()</a:t>
+            </a:r>
+          </a:p>
+          <a:p>
+            <a:pPr marL="0" indent="0">
+              <a:buNone/>
+            </a:pPr>
+            <a:r>
+              <a:rPr lang="en-US" dirty="0">
+                <a:latin typeface="Arial Narrow" panose="020B0606020202030204" pitchFamily="34" charset="0"/>
+              </a:rPr>
+              <a:t>Dim </a:t>
+            </a:r>
+            <a:r>
+              <a:rPr lang="en-US" dirty="0" err="1">
+                <a:latin typeface="Arial Narrow" panose="020B0606020202030204" pitchFamily="34" charset="0"/>
+              </a:rPr>
+              <a:t>Mainfram</a:t>
+            </a:r>
+            <a:r>
+              <a:rPr lang="en-US" dirty="0">
+                <a:latin typeface="Arial Narrow" panose="020B0606020202030204" pitchFamily="34" charset="0"/>
+              </a:rPr>
+              <a:t>(4) As String</a:t>
+            </a:r>
+          </a:p>
+          <a:p>
+            <a:pPr marL="0" indent="0">
+              <a:buNone/>
+            </a:pPr>
+            <a:r>
+              <a:rPr lang="en-US" dirty="0">
+                <a:latin typeface="Arial Narrow" panose="020B0606020202030204" pitchFamily="34" charset="0"/>
+              </a:rPr>
+              <a:t>Dim cell As </a:t>
+            </a:r>
+            <a:r>
+              <a:rPr lang="en-US" dirty="0" err="1">
+                <a:latin typeface="Arial Narrow" panose="020B0606020202030204" pitchFamily="34" charset="0"/>
+              </a:rPr>
+              <a:t>Excel.Range</a:t>
+            </a:r>
+            <a:endParaRPr lang="en-US" dirty="0">
+              <a:latin typeface="Arial Narrow" panose="020B0606020202030204" pitchFamily="34" charset="0"/>
+            </a:endParaRPr>
+          </a:p>
+          <a:p>
+            <a:pPr marL="0" indent="0">
+              <a:buNone/>
+            </a:pPr>
+            <a:endParaRPr lang="en-US" dirty="0">
+              <a:latin typeface="Arial Narrow" panose="020B0606020202030204" pitchFamily="34" charset="0"/>
+            </a:endParaRPr>
+          </a:p>
+          <a:p>
+            <a:pPr marL="0" indent="0">
+              <a:buNone/>
+            </a:pPr>
+            <a:r>
+              <a:rPr lang="en-US" dirty="0" err="1">
+                <a:latin typeface="Arial Narrow" panose="020B0606020202030204" pitchFamily="34" charset="0"/>
+              </a:rPr>
+              <a:t>Mainfram</a:t>
+            </a:r>
+            <a:r>
+              <a:rPr lang="en-US" dirty="0">
+                <a:latin typeface="Arial Narrow" panose="020B0606020202030204" pitchFamily="34" charset="0"/>
+              </a:rPr>
+              <a:t>(0) = "apple"</a:t>
+            </a:r>
+          </a:p>
+          <a:p>
+            <a:pPr marL="0" indent="0">
+              <a:buNone/>
+            </a:pPr>
+            <a:r>
+              <a:rPr lang="en-US" dirty="0" err="1">
+                <a:latin typeface="Arial Narrow" panose="020B0606020202030204" pitchFamily="34" charset="0"/>
+              </a:rPr>
+              <a:t>Mainfram</a:t>
+            </a:r>
+            <a:r>
+              <a:rPr lang="en-US" dirty="0">
+                <a:latin typeface="Arial Narrow" panose="020B0606020202030204" pitchFamily="34" charset="0"/>
+              </a:rPr>
+              <a:t>(1) = "pear"</a:t>
+            </a:r>
+          </a:p>
+          <a:p>
+            <a:pPr marL="0" indent="0">
+              <a:buNone/>
+            </a:pPr>
+            <a:r>
+              <a:rPr lang="en-US" dirty="0" err="1">
+                <a:latin typeface="Arial Narrow" panose="020B0606020202030204" pitchFamily="34" charset="0"/>
+              </a:rPr>
+              <a:t>Mainfram</a:t>
+            </a:r>
+            <a:r>
+              <a:rPr lang="en-US" dirty="0">
+                <a:latin typeface="Arial Narrow" panose="020B0606020202030204" pitchFamily="34" charset="0"/>
+              </a:rPr>
+              <a:t>(2) = "orange"</a:t>
+            </a:r>
+          </a:p>
+          <a:p>
+            <a:pPr marL="0" indent="0">
+              <a:buNone/>
+            </a:pPr>
+            <a:r>
+              <a:rPr lang="en-US" dirty="0" err="1">
+                <a:latin typeface="Arial Narrow" panose="020B0606020202030204" pitchFamily="34" charset="0"/>
+              </a:rPr>
+              <a:t>Mainfram</a:t>
+            </a:r>
+            <a:r>
+              <a:rPr lang="en-US" dirty="0">
+                <a:latin typeface="Arial Narrow" panose="020B0606020202030204" pitchFamily="34" charset="0"/>
+              </a:rPr>
+              <a:t>(3) = "fruit"</a:t>
+            </a:r>
+          </a:p>
+          <a:p>
+            <a:pPr marL="0" indent="0">
+              <a:buNone/>
+            </a:pPr>
+            <a:endParaRPr lang="en-US" dirty="0">
+              <a:latin typeface="Arial Narrow" panose="020B0606020202030204" pitchFamily="34" charset="0"/>
+            </a:endParaRPr>
+          </a:p>
+          <a:p>
+            <a:pPr marL="0" indent="0">
+              <a:buNone/>
+            </a:pPr>
+            <a:r>
+              <a:rPr lang="en-US" dirty="0">
+                <a:latin typeface="Arial Narrow" panose="020B0606020202030204" pitchFamily="34" charset="0"/>
+              </a:rPr>
+              <a:t>For Each cell In Selection</a:t>
+            </a:r>
+          </a:p>
+          <a:p>
+            <a:pPr marL="0" indent="0">
+              <a:buNone/>
+            </a:pPr>
+            <a:r>
+              <a:rPr lang="en-US" dirty="0">
+                <a:latin typeface="Arial Narrow" panose="020B0606020202030204" pitchFamily="34" charset="0"/>
+              </a:rPr>
+              <a:t>  If </a:t>
+            </a:r>
+            <a:r>
+              <a:rPr lang="en-US" dirty="0" err="1">
+                <a:latin typeface="Arial Narrow" panose="020B0606020202030204" pitchFamily="34" charset="0"/>
+              </a:rPr>
+              <a:t>IsInArray</a:t>
+            </a:r>
+            <a:r>
+              <a:rPr lang="en-US" dirty="0">
+                <a:latin typeface="Arial Narrow" panose="020B0606020202030204" pitchFamily="34" charset="0"/>
+              </a:rPr>
+              <a:t>(</a:t>
+            </a:r>
+            <a:r>
+              <a:rPr lang="en-US" dirty="0" err="1">
+                <a:latin typeface="Arial Narrow" panose="020B0606020202030204" pitchFamily="34" charset="0"/>
+              </a:rPr>
+              <a:t>cell.Value</a:t>
+            </a:r>
+            <a:r>
+              <a:rPr lang="en-US" dirty="0">
+                <a:latin typeface="Arial Narrow" panose="020B0606020202030204" pitchFamily="34" charset="0"/>
+              </a:rPr>
+              <a:t>, </a:t>
+            </a:r>
+            <a:r>
+              <a:rPr lang="en-US" dirty="0" err="1">
+                <a:latin typeface="Arial Narrow" panose="020B0606020202030204" pitchFamily="34" charset="0"/>
+              </a:rPr>
+              <a:t>MainFram</a:t>
+            </a:r>
+            <a:r>
+              <a:rPr lang="en-US" dirty="0">
+                <a:latin typeface="Arial Narrow" panose="020B0606020202030204" pitchFamily="34" charset="0"/>
+              </a:rPr>
+              <a:t>) Then</a:t>
+            </a:r>
+          </a:p>
+          <a:p>
+            <a:pPr marL="0" indent="0">
+              <a:buNone/>
+            </a:pPr>
+            <a:r>
+              <a:rPr lang="en-US" dirty="0">
+                <a:latin typeface="Arial Narrow" panose="020B0606020202030204" pitchFamily="34" charset="0"/>
+              </a:rPr>
+              <a:t>    Row(</a:t>
+            </a:r>
+            <a:r>
+              <a:rPr lang="en-US" dirty="0" err="1">
+                <a:latin typeface="Arial Narrow" panose="020B0606020202030204" pitchFamily="34" charset="0"/>
+              </a:rPr>
+              <a:t>cell.Row</a:t>
+            </a:r>
+            <a:r>
+              <a:rPr lang="en-US" dirty="0">
+                <a:latin typeface="Arial Narrow" panose="020B0606020202030204" pitchFamily="34" charset="0"/>
+              </a:rPr>
+              <a:t>).Style = "Accent1"</a:t>
+            </a:r>
+          </a:p>
+          <a:p>
+            <a:pPr marL="0" indent="0">
+              <a:buNone/>
+            </a:pPr>
+            <a:r>
+              <a:rPr lang="en-US" dirty="0">
+                <a:latin typeface="Arial Narrow" panose="020B0606020202030204" pitchFamily="34" charset="0"/>
+              </a:rPr>
+              <a:t>  End If</a:t>
+            </a:r>
+          </a:p>
+          <a:p>
+            <a:pPr marL="0" indent="0">
+              <a:buNone/>
+            </a:pPr>
+            <a:r>
+              <a:rPr lang="en-US" dirty="0">
+                <a:latin typeface="Arial Narrow" panose="020B0606020202030204" pitchFamily="34" charset="0"/>
+              </a:rPr>
+              <a:t>Next cell</a:t>
+            </a:r>
+          </a:p>
+          <a:p>
+            <a:pPr marL="0" indent="0">
+              <a:buNone/>
+            </a:pPr>
+            <a:endParaRPr lang="en-US" dirty="0">
+              <a:latin typeface="Arial Narrow" panose="020B0606020202030204" pitchFamily="34" charset="0"/>
+            </a:endParaRPr>
+          </a:p>
+          <a:p>
+            <a:pPr marL="0" indent="0">
+              <a:buNone/>
+            </a:pPr>
+            <a:r>
+              <a:rPr lang="en-US" dirty="0">
+                <a:latin typeface="Arial Narrow" panose="020B0606020202030204" pitchFamily="34" charset="0"/>
+              </a:rPr>
+              <a:t>End Sub</a:t>
+            </a:r>
+          </a:p>
+          <a:p>
+            <a:pPr marL="0" indent="0">
+              <a:buNone/>
+            </a:pPr>
+            <a:endParaRPr lang="en-US" dirty="0">
+              <a:latin typeface="Arial Narrow" panose="020B0606020202030204" pitchFamily="34" charset="0"/>
+            </a:endParaRPr>
+          </a:p>
+          <a:p>
+            <a:pPr marL="0" indent="0">
+              <a:buNone/>
+            </a:pPr>
+            <a:r>
+              <a:rPr lang="en-US" dirty="0">
+                <a:latin typeface="Arial Narrow" panose="020B0606020202030204" pitchFamily="34" charset="0"/>
+              </a:rPr>
+              <a:t>Function </a:t>
+            </a:r>
+            <a:r>
+              <a:rPr lang="en-US" dirty="0" err="1">
+                <a:latin typeface="Arial Narrow" panose="020B0606020202030204" pitchFamily="34" charset="0"/>
+              </a:rPr>
+              <a:t>IsInArray</a:t>
+            </a:r>
+            <a:r>
+              <a:rPr lang="en-US" dirty="0">
+                <a:latin typeface="Arial Narrow" panose="020B0606020202030204" pitchFamily="34" charset="0"/>
+              </a:rPr>
+              <a:t>(</a:t>
+            </a:r>
+            <a:r>
+              <a:rPr lang="en-US" dirty="0" err="1">
+                <a:latin typeface="Arial Narrow" panose="020B0606020202030204" pitchFamily="34" charset="0"/>
+              </a:rPr>
+              <a:t>stringToBeFound</a:t>
+            </a:r>
+            <a:r>
+              <a:rPr lang="en-US" dirty="0">
+                <a:latin typeface="Arial Narrow" panose="020B0606020202030204" pitchFamily="34" charset="0"/>
+              </a:rPr>
+              <a:t> As String, </a:t>
+            </a:r>
+            <a:r>
+              <a:rPr lang="en-US" dirty="0" err="1">
+                <a:latin typeface="Arial Narrow" panose="020B0606020202030204" pitchFamily="34" charset="0"/>
+              </a:rPr>
+              <a:t>arr</a:t>
+            </a:r>
+            <a:r>
+              <a:rPr lang="en-US" dirty="0">
+                <a:latin typeface="Arial Narrow" panose="020B0606020202030204" pitchFamily="34" charset="0"/>
+              </a:rPr>
+              <a:t> As Variant) As Boolean</a:t>
+            </a:r>
+          </a:p>
+          <a:p>
+            <a:pPr marL="0" indent="0">
+              <a:buNone/>
+            </a:pPr>
+            <a:r>
+              <a:rPr lang="en-US" dirty="0">
+                <a:latin typeface="Arial Narrow" panose="020B0606020202030204" pitchFamily="34" charset="0"/>
+              </a:rPr>
+              <a:t>  </a:t>
+            </a:r>
+            <a:r>
+              <a:rPr lang="en-US" dirty="0" err="1">
+                <a:latin typeface="Arial Narrow" panose="020B0606020202030204" pitchFamily="34" charset="0"/>
+              </a:rPr>
+              <a:t>IsInArray</a:t>
+            </a:r>
+            <a:r>
+              <a:rPr lang="en-US" dirty="0">
+                <a:latin typeface="Arial Narrow" panose="020B0606020202030204" pitchFamily="34" charset="0"/>
+              </a:rPr>
+              <a:t> = (</a:t>
+            </a:r>
+            <a:r>
+              <a:rPr lang="en-US" dirty="0" err="1">
+                <a:latin typeface="Arial Narrow" panose="020B0606020202030204" pitchFamily="34" charset="0"/>
+              </a:rPr>
+              <a:t>UBound</a:t>
+            </a:r>
+            <a:r>
+              <a:rPr lang="en-US" dirty="0">
+                <a:latin typeface="Arial Narrow" panose="020B0606020202030204" pitchFamily="34" charset="0"/>
+              </a:rPr>
+              <a:t>(Filter(</a:t>
+            </a:r>
+            <a:r>
+              <a:rPr lang="en-US" dirty="0" err="1">
+                <a:latin typeface="Arial Narrow" panose="020B0606020202030204" pitchFamily="34" charset="0"/>
+              </a:rPr>
+              <a:t>arr</a:t>
+            </a:r>
+            <a:r>
+              <a:rPr lang="en-US" dirty="0">
+                <a:latin typeface="Arial Narrow" panose="020B0606020202030204" pitchFamily="34" charset="0"/>
+              </a:rPr>
+              <a:t>, </a:t>
+            </a:r>
+            <a:r>
+              <a:rPr lang="en-US" dirty="0" err="1">
+                <a:latin typeface="Arial Narrow" panose="020B0606020202030204" pitchFamily="34" charset="0"/>
+              </a:rPr>
+              <a:t>stringToBeFound</a:t>
+            </a:r>
+            <a:r>
+              <a:rPr lang="en-US" dirty="0">
+                <a:latin typeface="Arial Narrow" panose="020B0606020202030204" pitchFamily="34" charset="0"/>
+              </a:rPr>
+              <a:t>)) &gt; -1)</a:t>
+            </a:r>
+          </a:p>
+          <a:p>
+            <a:pPr marL="0" indent="0">
+              <a:buNone/>
+            </a:pPr>
+            <a:r>
+              <a:rPr lang="en-US">
+                <a:latin typeface="Arial Narrow" panose="020B0606020202030204" pitchFamily="34" charset="0"/>
+              </a:rPr>
+              <a:t>End Function</a:t>
+            </a:r>
+            <a:endParaRPr lang="en-US" dirty="0">
+              <a:latin typeface="Arial Narrow" panose="020B0606020202030204" pitchFamily="34" charset="0"/>
+            </a:endParaRPr>
+          </a:p>
+        </p:txBody>
+      </p:sp>
+    </p:spTree>
+    <p:extLst>
+      <p:ext uri="{BB962C8B-B14F-4D97-AF65-F5344CB8AC3E}">
+        <p14:creationId xmlns:p14="http://schemas.microsoft.com/office/powerpoint/2010/main" val="3781962572"/>
+      </p:ext>
+    </p:extLst>
+  </p:cSld>
+  <p:clrMapOvr>
+    <a:masterClrMapping/>
+  </p:clrMapOvr>
+  <p:timing>
+    <p:tnLst>
+      <p:par>
+        <p:cTn id="1" dur="indefinite" restart="never" nodeType="tmRoot"/>
+      </p:par>
+    </p:tnLst>
+  </p:timing>
+</p:sld>
+</file>
+
+<file path=ppt/slides/slide19.xml><?xml version="1.0" encoding="utf-8"?>
+<p:sld xmlns:a="http://schemas.openxmlformats.org/drawingml/2006/main" xmlns:r="http://schemas.openxmlformats.org/officeDocument/2006/relationships" xmlns:p="http://schemas.openxmlformats.org/presentationml/2006/main">
+  <p:cSld>
+    <p:spTree>
+      <p:nvGrpSpPr>
+        <p:cNvPr id="1" name=""/>
+        <p:cNvGrpSpPr/>
+        <p:nvPr/>
+      </p:nvGrpSpPr>
+      <p:grpSpPr>
+        <a:xfrm>
+          <a:off x="0" y="0"/>
+          <a:ext cx="0" cy="0"/>
+          <a:chOff x="0" y="0"/>
+          <a:chExt cx="0" cy="0"/>
+        </a:xfrm>
+      </p:grpSpPr>
+      <p:sp>
+        <p:nvSpPr>
+          <p:cNvPr id="2" name="Title 1"/>
+          <p:cNvSpPr>
+            <a:spLocks noGrp="1"/>
+          </p:cNvSpPr>
+          <p:nvPr>
+            <p:ph type="title"/>
+          </p:nvPr>
+        </p:nvSpPr>
+        <p:spPr/>
+        <p:txBody>
+          <a:bodyPr/>
+          <a:lstStyle/>
+          <a:p>
+            <a:r>
+              <a:rPr lang="en-US" dirty="0" smtClean="0"/>
+              <a:t>Check 1 string in a range or not</a:t>
+            </a:r>
+            <a:endParaRPr lang="en-US" dirty="0"/>
+          </a:p>
+        </p:txBody>
+      </p:sp>
+      <p:sp>
+        <p:nvSpPr>
+          <p:cNvPr id="3" name="Content Placeholder 2"/>
+          <p:cNvSpPr>
+            <a:spLocks noGrp="1"/>
+          </p:cNvSpPr>
+          <p:nvPr>
+            <p:ph idx="1"/>
+          </p:nvPr>
+        </p:nvSpPr>
+        <p:spPr/>
+        <p:txBody>
+          <a:bodyPr>
+            <a:normAutofit fontScale="32500" lnSpcReduction="20000"/>
+          </a:bodyPr>
+          <a:lstStyle/>
+          <a:p>
+            <a:r>
+              <a:rPr lang="en-US" dirty="0"/>
+              <a:t>Function </a:t>
+            </a:r>
+            <a:r>
+              <a:rPr lang="en-US" dirty="0" err="1"/>
+              <a:t>Check_String</a:t>
+            </a:r>
+            <a:r>
+              <a:rPr lang="en-US" dirty="0"/>
+              <a:t>(</a:t>
+            </a:r>
+            <a:r>
+              <a:rPr lang="en-US" dirty="0" err="1"/>
+              <a:t>FindString</a:t>
+            </a:r>
+            <a:r>
+              <a:rPr lang="en-US" dirty="0"/>
+              <a:t> As String, </a:t>
+            </a:r>
+            <a:r>
+              <a:rPr lang="en-US" dirty="0" err="1"/>
+              <a:t>Range_Check</a:t>
+            </a:r>
+            <a:r>
+              <a:rPr lang="en-US" dirty="0"/>
+              <a:t> As Range) As String</a:t>
+            </a:r>
+          </a:p>
+          <a:p>
+            <a:r>
+              <a:rPr lang="en-US" dirty="0"/>
+              <a:t>Dim </a:t>
+            </a:r>
+            <a:r>
+              <a:rPr lang="en-US" dirty="0" err="1"/>
+              <a:t>Rng</a:t>
+            </a:r>
+            <a:r>
+              <a:rPr lang="en-US" dirty="0"/>
+              <a:t> As Range</a:t>
+            </a:r>
+          </a:p>
+          <a:p>
+            <a:r>
+              <a:rPr lang="en-US" dirty="0"/>
+              <a:t>If Trim(</a:t>
+            </a:r>
+            <a:r>
+              <a:rPr lang="en-US" dirty="0" err="1"/>
+              <a:t>FindString</a:t>
+            </a:r>
+            <a:r>
+              <a:rPr lang="en-US" dirty="0"/>
+              <a:t>) &lt;&gt; "" Then</a:t>
+            </a:r>
+          </a:p>
+          <a:p>
+            <a:r>
+              <a:rPr lang="en-US" dirty="0"/>
+              <a:t>    With </a:t>
+            </a:r>
+            <a:r>
+              <a:rPr lang="en-US" dirty="0" err="1"/>
+              <a:t>Range_Check</a:t>
+            </a:r>
+            <a:r>
+              <a:rPr lang="en-US" dirty="0"/>
+              <a:t> 'searches all of column A</a:t>
+            </a:r>
+          </a:p>
+          <a:p>
+            <a:r>
+              <a:rPr lang="en-US" dirty="0"/>
+              <a:t>        Set </a:t>
+            </a:r>
+            <a:r>
+              <a:rPr lang="en-US" dirty="0" err="1"/>
+              <a:t>Rng</a:t>
+            </a:r>
+            <a:r>
+              <a:rPr lang="en-US" dirty="0"/>
+              <a:t> = .Find(What:=</a:t>
+            </a:r>
+            <a:r>
+              <a:rPr lang="en-US" dirty="0" err="1"/>
+              <a:t>FindString</a:t>
+            </a:r>
+            <a:r>
+              <a:rPr lang="en-US" dirty="0"/>
+              <a:t>, _</a:t>
+            </a:r>
+          </a:p>
+          <a:p>
+            <a:r>
+              <a:rPr lang="en-US" dirty="0"/>
+              <a:t>                        After:=.Cells(.</a:t>
+            </a:r>
+            <a:r>
+              <a:rPr lang="en-US" dirty="0" err="1"/>
+              <a:t>Cells.Count</a:t>
+            </a:r>
+            <a:r>
+              <a:rPr lang="en-US" dirty="0"/>
+              <a:t>), _</a:t>
+            </a:r>
+          </a:p>
+          <a:p>
+            <a:r>
+              <a:rPr lang="en-US" dirty="0"/>
+              <a:t>                        </a:t>
+            </a:r>
+            <a:r>
+              <a:rPr lang="en-US" dirty="0" err="1"/>
+              <a:t>LookIn</a:t>
+            </a:r>
+            <a:r>
+              <a:rPr lang="en-US" dirty="0"/>
+              <a:t>:=</a:t>
+            </a:r>
+            <a:r>
+              <a:rPr lang="en-US" dirty="0" err="1"/>
+              <a:t>xlValues</a:t>
+            </a:r>
+            <a:r>
+              <a:rPr lang="en-US" dirty="0"/>
+              <a:t>, _</a:t>
+            </a:r>
+          </a:p>
+          <a:p>
+            <a:r>
+              <a:rPr lang="en-US" dirty="0"/>
+              <a:t>                        </a:t>
+            </a:r>
+            <a:r>
+              <a:rPr lang="en-US" dirty="0" err="1"/>
+              <a:t>LookAt</a:t>
+            </a:r>
+            <a:r>
+              <a:rPr lang="en-US" dirty="0"/>
+              <a:t>:=</a:t>
+            </a:r>
+            <a:r>
+              <a:rPr lang="en-US" dirty="0" err="1"/>
+              <a:t>xlPart</a:t>
+            </a:r>
+            <a:r>
+              <a:rPr lang="en-US" dirty="0"/>
+              <a:t>, </a:t>
+            </a:r>
+            <a:r>
+              <a:rPr lang="en-US" dirty="0" smtClean="0"/>
+              <a:t>_           (</a:t>
+            </a:r>
+            <a:r>
+              <a:rPr lang="en-US" dirty="0" err="1" smtClean="0"/>
+              <a:t>Giong</a:t>
+            </a:r>
+            <a:r>
+              <a:rPr lang="en-US" dirty="0" smtClean="0"/>
+              <a:t> 1 phan) </a:t>
+            </a:r>
+            <a:r>
+              <a:rPr lang="en-US" dirty="0" err="1"/>
+              <a:t>LookAt</a:t>
+            </a:r>
+            <a:r>
+              <a:rPr lang="en-US" dirty="0"/>
+              <a:t>:=</a:t>
+            </a:r>
+            <a:r>
+              <a:rPr lang="en-US" dirty="0" err="1" smtClean="0"/>
+              <a:t>xlWhole</a:t>
+            </a:r>
+            <a:r>
+              <a:rPr lang="en-US" dirty="0" smtClean="0"/>
+              <a:t>, </a:t>
+            </a:r>
+            <a:r>
+              <a:rPr lang="en-US" dirty="0"/>
+              <a:t>_ </a:t>
+            </a:r>
+            <a:r>
+              <a:rPr lang="en-US" dirty="0" smtClean="0"/>
+              <a:t> (</a:t>
+            </a:r>
+            <a:r>
+              <a:rPr lang="en-US" dirty="0" err="1" smtClean="0"/>
+              <a:t>Giong</a:t>
+            </a:r>
+            <a:r>
+              <a:rPr lang="en-US" dirty="0" smtClean="0"/>
+              <a:t> </a:t>
+            </a:r>
+            <a:r>
+              <a:rPr lang="en-US" dirty="0" err="1" smtClean="0"/>
+              <a:t>toan</a:t>
+            </a:r>
+            <a:r>
+              <a:rPr lang="en-US" dirty="0" smtClean="0"/>
+              <a:t> </a:t>
+            </a:r>
+            <a:r>
+              <a:rPr lang="en-US" dirty="0" err="1" smtClean="0"/>
+              <a:t>bo</a:t>
+            </a:r>
+            <a:r>
+              <a:rPr lang="en-US" dirty="0" smtClean="0"/>
+              <a:t>)</a:t>
+            </a:r>
+            <a:endParaRPr lang="en-US" dirty="0"/>
+          </a:p>
+          <a:p>
+            <a:r>
+              <a:rPr lang="en-US" dirty="0"/>
+              <a:t>                        </a:t>
+            </a:r>
+            <a:r>
+              <a:rPr lang="en-US" dirty="0" err="1"/>
+              <a:t>SearchOrder</a:t>
+            </a:r>
+            <a:r>
+              <a:rPr lang="en-US" dirty="0"/>
+              <a:t>:=</a:t>
+            </a:r>
+            <a:r>
+              <a:rPr lang="en-US" dirty="0" err="1"/>
+              <a:t>xlByRows</a:t>
+            </a:r>
+            <a:r>
+              <a:rPr lang="en-US" dirty="0"/>
+              <a:t>, _</a:t>
+            </a:r>
+          </a:p>
+          <a:p>
+            <a:r>
+              <a:rPr lang="en-US" dirty="0"/>
+              <a:t>                        </a:t>
+            </a:r>
+            <a:r>
+              <a:rPr lang="en-US" dirty="0" err="1"/>
+              <a:t>SearchDirection</a:t>
+            </a:r>
+            <a:r>
+              <a:rPr lang="en-US" dirty="0"/>
+              <a:t>:=</a:t>
+            </a:r>
+            <a:r>
+              <a:rPr lang="en-US" dirty="0" err="1"/>
+              <a:t>xlNext</a:t>
+            </a:r>
+            <a:r>
+              <a:rPr lang="en-US" dirty="0"/>
+              <a:t>, _</a:t>
+            </a:r>
+          </a:p>
+          <a:p>
+            <a:r>
+              <a:rPr lang="en-US" dirty="0"/>
+              <a:t>                        </a:t>
+            </a:r>
+            <a:r>
+              <a:rPr lang="en-US" dirty="0" err="1"/>
+              <a:t>MatchCase</a:t>
+            </a:r>
+            <a:r>
+              <a:rPr lang="en-US" dirty="0"/>
+              <a:t>:=False)</a:t>
+            </a:r>
+          </a:p>
+          <a:p>
+            <a:r>
+              <a:rPr lang="en-US" dirty="0"/>
+              <a:t>        If Not </a:t>
+            </a:r>
+            <a:r>
+              <a:rPr lang="en-US" dirty="0" err="1"/>
+              <a:t>Rng</a:t>
+            </a:r>
+            <a:r>
+              <a:rPr lang="en-US" dirty="0"/>
+              <a:t> Is Nothing Then</a:t>
+            </a:r>
+          </a:p>
+          <a:p>
+            <a:r>
+              <a:rPr lang="en-US" dirty="0"/>
+              <a:t>            </a:t>
+            </a:r>
+            <a:r>
+              <a:rPr lang="en-US" dirty="0" err="1"/>
+              <a:t>Check_String</a:t>
+            </a:r>
+            <a:r>
+              <a:rPr lang="en-US" dirty="0"/>
+              <a:t> = "Y"</a:t>
+            </a:r>
+          </a:p>
+          <a:p>
+            <a:r>
+              <a:rPr lang="en-US" dirty="0"/>
+              <a:t>        Else</a:t>
+            </a:r>
+          </a:p>
+          <a:p>
+            <a:r>
+              <a:rPr lang="en-US" dirty="0"/>
+              <a:t>            </a:t>
+            </a:r>
+            <a:r>
+              <a:rPr lang="en-US" dirty="0" err="1"/>
+              <a:t>Check_String</a:t>
+            </a:r>
+            <a:r>
+              <a:rPr lang="en-US" dirty="0"/>
+              <a:t> = "N"</a:t>
+            </a:r>
+          </a:p>
+          <a:p>
+            <a:r>
+              <a:rPr lang="en-US" dirty="0"/>
+              <a:t>        End If</a:t>
+            </a:r>
+          </a:p>
+          <a:p>
+            <a:r>
+              <a:rPr lang="en-US" dirty="0"/>
+              <a:t>    End With</a:t>
+            </a:r>
+          </a:p>
+          <a:p>
+            <a:r>
+              <a:rPr lang="en-US" dirty="0"/>
+              <a:t>End If</a:t>
+            </a:r>
+          </a:p>
+          <a:p>
+            <a:r>
+              <a:rPr lang="en-US" dirty="0"/>
+              <a:t>End Function</a:t>
+            </a:r>
+          </a:p>
+        </p:txBody>
+      </p:sp>
+    </p:spTree>
+    <p:extLst>
+      <p:ext uri="{BB962C8B-B14F-4D97-AF65-F5344CB8AC3E}">
+        <p14:creationId xmlns:p14="http://schemas.microsoft.com/office/powerpoint/2010/main" val="1424505072"/>
+      </p:ext>
+    </p:extLst>
+  </p:cSld>
+  <p:clrMapOvr>
+    <a:masterClrMapping/>
+  </p:clrMapOvr>
+  <p:timing>
+    <p:tnLst>
+      <p:par>
+        <p:cTn id="1" dur="indefinite" restart="never" nodeType="tmRoot"/>
+      </p:par>
+    </p:tnLst>
+  </p:timing>
 </p:sld>
 </file>
 
@@ -6746,6 +8060,3760 @@
   <p:clrMapOvr>
     <a:masterClrMapping/>
   </p:clrMapOvr>
+  <p:timing>
+    <p:tnLst>
+      <p:par>
+        <p:cTn id="1" dur="indefinite" restart="never" nodeType="tmRoot"/>
+      </p:par>
+    </p:tnLst>
+  </p:timing>
+</p:sld>
+</file>
+
+<file path=ppt/slides/slide20.xml><?xml version="1.0" encoding="utf-8"?>
+<p:sld xmlns:a="http://schemas.openxmlformats.org/drawingml/2006/main" xmlns:r="http://schemas.openxmlformats.org/officeDocument/2006/relationships" xmlns:p="http://schemas.openxmlformats.org/presentationml/2006/main">
+  <p:cSld>
+    <p:spTree>
+      <p:nvGrpSpPr>
+        <p:cNvPr id="1" name=""/>
+        <p:cNvGrpSpPr/>
+        <p:nvPr/>
+      </p:nvGrpSpPr>
+      <p:grpSpPr>
+        <a:xfrm>
+          <a:off x="0" y="0"/>
+          <a:ext cx="0" cy="0"/>
+          <a:chOff x="0" y="0"/>
+          <a:chExt cx="0" cy="0"/>
+        </a:xfrm>
+      </p:grpSpPr>
+      <p:sp>
+        <p:nvSpPr>
+          <p:cNvPr id="2" name="Title 1"/>
+          <p:cNvSpPr>
+            <a:spLocks noGrp="1"/>
+          </p:cNvSpPr>
+          <p:nvPr>
+            <p:ph type="title"/>
+          </p:nvPr>
+        </p:nvSpPr>
+        <p:spPr/>
+        <p:txBody>
+          <a:bodyPr/>
+          <a:lstStyle/>
+          <a:p>
+            <a:r>
+              <a:rPr lang="en-US" dirty="0" smtClean="0"/>
+              <a:t>Disable update Link</a:t>
+            </a:r>
+            <a:endParaRPr lang="en-US" dirty="0"/>
+          </a:p>
+        </p:txBody>
+      </p:sp>
+      <p:sp>
+        <p:nvSpPr>
+          <p:cNvPr id="4" name="Rectangle 1"/>
+          <p:cNvSpPr>
+            <a:spLocks noGrp="1" noChangeArrowheads="1"/>
+          </p:cNvSpPr>
+          <p:nvPr>
+            <p:ph idx="1"/>
+          </p:nvPr>
+        </p:nvSpPr>
+        <p:spPr bwMode="auto">
+          <a:xfrm>
+            <a:off x="838200" y="3724295"/>
+            <a:ext cx="3792705" cy="553998"/>
+          </a:xfrm>
+          <a:prstGeom prst="rect">
+            <a:avLst/>
+          </a:prstGeom>
+          <a:solidFill>
+            <a:srgbClr val="EFF0F1"/>
+          </a:solidFill>
+          <a:ln>
+            <a:noFill/>
+          </a:ln>
+          <a:effectLst/>
+          <a:extLst>
+            <a:ext uri="{91240B29-F687-4F45-9708-019B960494DF}">
+              <a14:hiddenLine xmlns:a14="http://schemas.microsoft.com/office/drawing/2010/main" w="9525">
+                <a:solidFill>
+                  <a:schemeClr val="tx1"/>
+                </a:solidFill>
+                <a:miter lim="800000"/>
+                <a:headEnd/>
+                <a:tailEnd/>
+              </a14:hiddenLine>
+            </a:ext>
+            <a:ext uri="{AF507438-7753-43E0-B8FC-AC1667EBCBE1}">
+              <a14:hiddenEffects xmlns:a14="http://schemas.microsoft.com/office/drawing/2010/main">
+                <a:effectLst>
+                  <a:outerShdw dist="35921" dir="2700000" algn="ctr" rotWithShape="0">
+                    <a:schemeClr val="bg2"/>
+                  </a:outerShdw>
+                </a:effectLst>
+              </a14:hiddenEffects>
+            </a:ext>
+          </a:extLst>
+        </p:spPr>
+        <p:txBody>
+          <a:bodyPr vert="horz" wrap="none" lIns="0" tIns="0" rIns="0" bIns="0" numCol="1" anchor="ctr" anchorCtr="0" compatLnSpc="1">
+            <a:prstTxWarp prst="textNoShape">
+              <a:avLst/>
+            </a:prstTxWarp>
+            <a:spAutoFit/>
+          </a:bodyPr>
+          <a:lstStyle/>
+          <a:p>
+            <a:pPr marL="0" marR="0" lvl="0" indent="0" algn="l" defTabSz="914400" rtl="0" eaLnBrk="0" fontAlgn="base" latinLnBrk="0" hangingPunct="0">
+              <a:lnSpc>
+                <a:spcPct val="100000"/>
+              </a:lnSpc>
+              <a:spcBef>
+                <a:spcPct val="0"/>
+              </a:spcBef>
+              <a:spcAft>
+                <a:spcPct val="0"/>
+              </a:spcAft>
+              <a:buClrTx/>
+              <a:buSzTx/>
+              <a:buFontTx/>
+              <a:buNone/>
+              <a:tabLst/>
+            </a:pPr>
+            <a:r>
+              <a:rPr kumimoji="0" lang="en-US" altLang="en-US" sz="900" b="0" i="0" u="none" strike="noStrike" cap="none" normalizeH="0" baseline="0" dirty="0" err="1" smtClean="0">
+                <a:ln>
+                  <a:noFill/>
+                </a:ln>
+                <a:solidFill>
+                  <a:srgbClr val="303336"/>
+                </a:solidFill>
+                <a:effectLst/>
+                <a:latin typeface="inherit"/>
+                <a:cs typeface="Consolas" panose="020B0609020204030204" pitchFamily="49" charset="0"/>
+              </a:rPr>
+              <a:t>Application.AskToUpdateLinks</a:t>
+            </a:r>
+            <a:r>
+              <a:rPr kumimoji="0" lang="en-US" altLang="en-US" sz="900" b="0" i="0" u="none" strike="noStrike" cap="none" normalizeH="0" baseline="0" dirty="0" smtClean="0">
+                <a:ln>
+                  <a:noFill/>
+                </a:ln>
+                <a:solidFill>
+                  <a:srgbClr val="303336"/>
+                </a:solidFill>
+                <a:effectLst/>
+                <a:latin typeface="inherit"/>
+                <a:cs typeface="Consolas" panose="020B0609020204030204" pitchFamily="49" charset="0"/>
+              </a:rPr>
+              <a:t> = </a:t>
+            </a:r>
+            <a:r>
+              <a:rPr kumimoji="0" lang="en-US" altLang="en-US" sz="900" b="0" i="0" u="none" strike="noStrike" cap="none" normalizeH="0" baseline="0" dirty="0" smtClean="0">
+                <a:ln>
+                  <a:noFill/>
+                </a:ln>
+                <a:solidFill>
+                  <a:srgbClr val="7D2727"/>
+                </a:solidFill>
+                <a:effectLst/>
+                <a:latin typeface="inherit"/>
+                <a:cs typeface="Consolas" panose="020B0609020204030204" pitchFamily="49" charset="0"/>
+              </a:rPr>
+              <a:t>False</a:t>
+            </a:r>
+            <a:r>
+              <a:rPr kumimoji="0" lang="en-US" altLang="en-US" sz="900" b="0" i="0" u="none" strike="noStrike" cap="none" normalizeH="0" baseline="0" dirty="0" smtClean="0">
+                <a:ln>
+                  <a:noFill/>
+                </a:ln>
+                <a:solidFill>
+                  <a:srgbClr val="303336"/>
+                </a:solidFill>
+                <a:effectLst/>
+                <a:latin typeface="inherit"/>
+                <a:cs typeface="Consolas" panose="020B0609020204030204" pitchFamily="49" charset="0"/>
+              </a:rPr>
+              <a:t> </a:t>
+            </a:r>
+            <a:r>
+              <a:rPr kumimoji="0" lang="en-US" altLang="en-US" sz="900" b="0" i="0" u="none" strike="noStrike" cap="none" normalizeH="0" baseline="0" dirty="0" err="1" smtClean="0">
+                <a:ln>
+                  <a:noFill/>
+                </a:ln>
+                <a:solidFill>
+                  <a:srgbClr val="303336"/>
+                </a:solidFill>
+                <a:effectLst/>
+                <a:latin typeface="inherit"/>
+                <a:cs typeface="Consolas" panose="020B0609020204030204" pitchFamily="49" charset="0"/>
+              </a:rPr>
+              <a:t>Application.DisplayAlerts</a:t>
+            </a:r>
+            <a:r>
+              <a:rPr kumimoji="0" lang="en-US" altLang="en-US" sz="900" b="0" i="0" u="none" strike="noStrike" cap="none" normalizeH="0" baseline="0" dirty="0" smtClean="0">
+                <a:ln>
+                  <a:noFill/>
+                </a:ln>
+                <a:solidFill>
+                  <a:srgbClr val="303336"/>
+                </a:solidFill>
+                <a:effectLst/>
+                <a:latin typeface="inherit"/>
+                <a:cs typeface="Consolas" panose="020B0609020204030204" pitchFamily="49" charset="0"/>
+              </a:rPr>
+              <a:t> = </a:t>
+            </a:r>
+            <a:r>
+              <a:rPr kumimoji="0" lang="en-US" altLang="en-US" sz="900" b="0" i="0" u="none" strike="noStrike" cap="none" normalizeH="0" baseline="0" dirty="0" smtClean="0">
+                <a:ln>
+                  <a:noFill/>
+                </a:ln>
+                <a:solidFill>
+                  <a:srgbClr val="7D2727"/>
+                </a:solidFill>
+                <a:effectLst/>
+                <a:latin typeface="inherit"/>
+                <a:cs typeface="Consolas" panose="020B0609020204030204" pitchFamily="49" charset="0"/>
+              </a:rPr>
+              <a:t>False</a:t>
+            </a:r>
+            <a:r>
+              <a:rPr kumimoji="0" lang="en-US" altLang="en-US" sz="900" b="0" i="0" u="none" strike="noStrike" cap="none" normalizeH="0" baseline="0" dirty="0" smtClean="0">
+                <a:ln>
+                  <a:noFill/>
+                </a:ln>
+                <a:solidFill>
+                  <a:srgbClr val="303336"/>
+                </a:solidFill>
+                <a:effectLst/>
+                <a:latin typeface="inherit"/>
+                <a:cs typeface="Consolas" panose="020B0609020204030204" pitchFamily="49" charset="0"/>
+              </a:rPr>
+              <a:t> </a:t>
+            </a:r>
+          </a:p>
+          <a:p>
+            <a:pPr marL="0" marR="0" lvl="0" indent="0" algn="l" defTabSz="914400" rtl="0" eaLnBrk="0" fontAlgn="base" latinLnBrk="0" hangingPunct="0">
+              <a:lnSpc>
+                <a:spcPct val="100000"/>
+              </a:lnSpc>
+              <a:spcBef>
+                <a:spcPct val="0"/>
+              </a:spcBef>
+              <a:spcAft>
+                <a:spcPct val="0"/>
+              </a:spcAft>
+              <a:buClrTx/>
+              <a:buSzTx/>
+              <a:buFontTx/>
+              <a:buNone/>
+              <a:tabLst/>
+            </a:pPr>
+            <a:r>
+              <a:rPr kumimoji="0" lang="en-US" altLang="en-US" sz="900" b="0" i="0" u="none" strike="noStrike" cap="none" normalizeH="0" baseline="0" dirty="0" err="1" smtClean="0">
+                <a:ln>
+                  <a:noFill/>
+                </a:ln>
+                <a:solidFill>
+                  <a:srgbClr val="303336"/>
+                </a:solidFill>
+                <a:effectLst/>
+                <a:latin typeface="inherit"/>
+                <a:cs typeface="Consolas" panose="020B0609020204030204" pitchFamily="49" charset="0"/>
+              </a:rPr>
+              <a:t>Application.Workbooks.Open</a:t>
+            </a:r>
+            <a:r>
+              <a:rPr kumimoji="0" lang="en-US" altLang="en-US" sz="900" b="0" i="0" u="none" strike="noStrike" cap="none" normalizeH="0" baseline="0" dirty="0" smtClean="0">
+                <a:ln>
+                  <a:noFill/>
+                </a:ln>
+                <a:solidFill>
+                  <a:srgbClr val="303336"/>
+                </a:solidFill>
+                <a:effectLst/>
+                <a:latin typeface="inherit"/>
+                <a:cs typeface="Consolas" panose="020B0609020204030204" pitchFamily="49" charset="0"/>
+              </a:rPr>
+              <a:t> Filename:=</a:t>
+            </a:r>
+            <a:r>
+              <a:rPr kumimoji="0" lang="en-US" altLang="en-US" sz="900" b="0" i="0" u="none" strike="noStrike" cap="none" normalizeH="0" baseline="0" dirty="0" smtClean="0">
+                <a:ln>
+                  <a:noFill/>
+                </a:ln>
+                <a:solidFill>
+                  <a:srgbClr val="7D2727"/>
+                </a:solidFill>
+                <a:effectLst/>
+                <a:latin typeface="inherit"/>
+                <a:cs typeface="Consolas" panose="020B0609020204030204" pitchFamily="49" charset="0"/>
+              </a:rPr>
+              <a:t>"C:\Book1withLinkToBook2.xlsx"</a:t>
+            </a:r>
+            <a:r>
+              <a:rPr kumimoji="0" lang="en-US" altLang="en-US" sz="900" b="0" i="0" u="none" strike="noStrike" cap="none" normalizeH="0" baseline="0" dirty="0" smtClean="0">
+                <a:ln>
+                  <a:noFill/>
+                </a:ln>
+                <a:solidFill>
+                  <a:srgbClr val="303336"/>
+                </a:solidFill>
+                <a:effectLst/>
+                <a:latin typeface="inherit"/>
+                <a:cs typeface="Consolas" panose="020B0609020204030204" pitchFamily="49" charset="0"/>
+              </a:rPr>
+              <a:t> </a:t>
+            </a:r>
+          </a:p>
+          <a:p>
+            <a:pPr marL="0" marR="0" lvl="0" indent="0" algn="l" defTabSz="914400" rtl="0" eaLnBrk="0" fontAlgn="base" latinLnBrk="0" hangingPunct="0">
+              <a:lnSpc>
+                <a:spcPct val="100000"/>
+              </a:lnSpc>
+              <a:spcBef>
+                <a:spcPct val="0"/>
+              </a:spcBef>
+              <a:spcAft>
+                <a:spcPct val="0"/>
+              </a:spcAft>
+              <a:buClrTx/>
+              <a:buSzTx/>
+              <a:buFontTx/>
+              <a:buNone/>
+              <a:tabLst/>
+            </a:pPr>
+            <a:r>
+              <a:rPr kumimoji="0" lang="en-US" altLang="en-US" sz="900" b="0" i="0" u="none" strike="noStrike" cap="none" normalizeH="0" baseline="0" dirty="0" err="1" smtClean="0">
+                <a:ln>
+                  <a:noFill/>
+                </a:ln>
+                <a:solidFill>
+                  <a:srgbClr val="303336"/>
+                </a:solidFill>
+                <a:effectLst/>
+                <a:latin typeface="inherit"/>
+                <a:cs typeface="Consolas" panose="020B0609020204030204" pitchFamily="49" charset="0"/>
+              </a:rPr>
+              <a:t>Application.DisplayAlerts</a:t>
+            </a:r>
+            <a:r>
+              <a:rPr kumimoji="0" lang="en-US" altLang="en-US" sz="900" b="0" i="0" u="none" strike="noStrike" cap="none" normalizeH="0" baseline="0" dirty="0" smtClean="0">
+                <a:ln>
+                  <a:noFill/>
+                </a:ln>
+                <a:solidFill>
+                  <a:srgbClr val="303336"/>
+                </a:solidFill>
+                <a:effectLst/>
+                <a:latin typeface="inherit"/>
+                <a:cs typeface="Consolas" panose="020B0609020204030204" pitchFamily="49" charset="0"/>
+              </a:rPr>
+              <a:t> = </a:t>
+            </a:r>
+            <a:r>
+              <a:rPr kumimoji="0" lang="en-US" altLang="en-US" sz="900" b="0" i="0" u="none" strike="noStrike" cap="none" normalizeH="0" baseline="0" dirty="0" smtClean="0">
+                <a:ln>
+                  <a:noFill/>
+                </a:ln>
+                <a:solidFill>
+                  <a:srgbClr val="7D2727"/>
+                </a:solidFill>
+                <a:effectLst/>
+                <a:latin typeface="inherit"/>
+                <a:cs typeface="Consolas" panose="020B0609020204030204" pitchFamily="49" charset="0"/>
+              </a:rPr>
+              <a:t>True</a:t>
+            </a:r>
+            <a:r>
+              <a:rPr kumimoji="0" lang="en-US" altLang="en-US" sz="900" b="0" i="0" u="none" strike="noStrike" cap="none" normalizeH="0" baseline="0" dirty="0" smtClean="0">
+                <a:ln>
+                  <a:noFill/>
+                </a:ln>
+                <a:solidFill>
+                  <a:srgbClr val="303336"/>
+                </a:solidFill>
+                <a:effectLst/>
+                <a:latin typeface="inherit"/>
+                <a:cs typeface="Consolas" panose="020B0609020204030204" pitchFamily="49" charset="0"/>
+              </a:rPr>
+              <a:t> </a:t>
+            </a:r>
+          </a:p>
+          <a:p>
+            <a:pPr marL="0" marR="0" lvl="0" indent="0" algn="l" defTabSz="914400" rtl="0" eaLnBrk="0" fontAlgn="base" latinLnBrk="0" hangingPunct="0">
+              <a:lnSpc>
+                <a:spcPct val="100000"/>
+              </a:lnSpc>
+              <a:spcBef>
+                <a:spcPct val="0"/>
+              </a:spcBef>
+              <a:spcAft>
+                <a:spcPct val="0"/>
+              </a:spcAft>
+              <a:buClrTx/>
+              <a:buSzTx/>
+              <a:buFontTx/>
+              <a:buNone/>
+              <a:tabLst/>
+            </a:pPr>
+            <a:r>
+              <a:rPr kumimoji="0" lang="en-US" altLang="en-US" sz="900" b="0" i="0" u="none" strike="noStrike" cap="none" normalizeH="0" baseline="0" dirty="0" err="1" smtClean="0">
+                <a:ln>
+                  <a:noFill/>
+                </a:ln>
+                <a:solidFill>
+                  <a:srgbClr val="303336"/>
+                </a:solidFill>
+                <a:effectLst/>
+                <a:latin typeface="inherit"/>
+                <a:cs typeface="Consolas" panose="020B0609020204030204" pitchFamily="49" charset="0"/>
+              </a:rPr>
+              <a:t>Application.AskToUpdateLinks</a:t>
+            </a:r>
+            <a:r>
+              <a:rPr kumimoji="0" lang="en-US" altLang="en-US" sz="900" b="0" i="0" u="none" strike="noStrike" cap="none" normalizeH="0" baseline="0" dirty="0" smtClean="0">
+                <a:ln>
+                  <a:noFill/>
+                </a:ln>
+                <a:solidFill>
+                  <a:srgbClr val="303336"/>
+                </a:solidFill>
+                <a:effectLst/>
+                <a:latin typeface="inherit"/>
+                <a:cs typeface="Consolas" panose="020B0609020204030204" pitchFamily="49" charset="0"/>
+              </a:rPr>
+              <a:t> = </a:t>
+            </a:r>
+            <a:r>
+              <a:rPr kumimoji="0" lang="en-US" altLang="en-US" sz="900" b="0" i="0" u="none" strike="noStrike" cap="none" normalizeH="0" baseline="0" dirty="0" smtClean="0">
+                <a:ln>
+                  <a:noFill/>
+                </a:ln>
+                <a:solidFill>
+                  <a:srgbClr val="7D2727"/>
+                </a:solidFill>
+                <a:effectLst/>
+                <a:latin typeface="inherit"/>
+                <a:cs typeface="Consolas" panose="020B0609020204030204" pitchFamily="49" charset="0"/>
+              </a:rPr>
+              <a:t>True</a:t>
+            </a:r>
+            <a:r>
+              <a:rPr kumimoji="0" lang="en-US" altLang="en-US" sz="800" b="0" i="0" u="none" strike="noStrike" cap="none" normalizeH="0" baseline="0" dirty="0" smtClean="0">
+                <a:ln>
+                  <a:noFill/>
+                </a:ln>
+                <a:solidFill>
+                  <a:schemeClr val="tx1"/>
+                </a:solidFill>
+                <a:effectLst/>
+              </a:rPr>
+              <a:t> </a:t>
+            </a:r>
+            <a:endParaRPr kumimoji="0" lang="en-US" altLang="en-US" sz="1800" b="0" i="0" u="none" strike="noStrike" cap="none" normalizeH="0" baseline="0" dirty="0" smtClean="0">
+              <a:ln>
+                <a:noFill/>
+              </a:ln>
+              <a:solidFill>
+                <a:schemeClr val="tx1"/>
+              </a:solidFill>
+              <a:effectLst/>
+              <a:latin typeface="Arial" panose="020B0604020202020204" pitchFamily="34" charset="0"/>
+            </a:endParaRPr>
+          </a:p>
+        </p:txBody>
+      </p:sp>
+    </p:spTree>
+    <p:extLst>
+      <p:ext uri="{BB962C8B-B14F-4D97-AF65-F5344CB8AC3E}">
+        <p14:creationId xmlns:p14="http://schemas.microsoft.com/office/powerpoint/2010/main" val="843735732"/>
+      </p:ext>
+    </p:extLst>
+  </p:cSld>
+  <p:clrMapOvr>
+    <a:masterClrMapping/>
+  </p:clrMapOvr>
+</p:sld>
+</file>
+
+<file path=ppt/slides/slide21.xml><?xml version="1.0" encoding="utf-8"?>
+<p:sld xmlns:a="http://schemas.openxmlformats.org/drawingml/2006/main" xmlns:r="http://schemas.openxmlformats.org/officeDocument/2006/relationships" xmlns:p="http://schemas.openxmlformats.org/presentationml/2006/main">
+  <p:cSld>
+    <p:spTree>
+      <p:nvGrpSpPr>
+        <p:cNvPr id="1" name=""/>
+        <p:cNvGrpSpPr/>
+        <p:nvPr/>
+      </p:nvGrpSpPr>
+      <p:grpSpPr>
+        <a:xfrm>
+          <a:off x="0" y="0"/>
+          <a:ext cx="0" cy="0"/>
+          <a:chOff x="0" y="0"/>
+          <a:chExt cx="0" cy="0"/>
+        </a:xfrm>
+      </p:grpSpPr>
+      <p:sp>
+        <p:nvSpPr>
+          <p:cNvPr id="2" name="Title 1"/>
+          <p:cNvSpPr>
+            <a:spLocks noGrp="1"/>
+          </p:cNvSpPr>
+          <p:nvPr>
+            <p:ph type="title"/>
+          </p:nvPr>
+        </p:nvSpPr>
+        <p:spPr/>
+        <p:txBody>
+          <a:bodyPr/>
+          <a:lstStyle/>
+          <a:p>
+            <a:r>
+              <a:rPr lang="en-US" dirty="0" smtClean="0"/>
+              <a:t>Array</a:t>
+            </a:r>
+            <a:endParaRPr lang="en-US" dirty="0"/>
+          </a:p>
+        </p:txBody>
+      </p:sp>
+      <p:sp>
+        <p:nvSpPr>
+          <p:cNvPr id="3" name="Content Placeholder 2"/>
+          <p:cNvSpPr>
+            <a:spLocks noGrp="1"/>
+          </p:cNvSpPr>
+          <p:nvPr>
+            <p:ph idx="1"/>
+          </p:nvPr>
+        </p:nvSpPr>
+        <p:spPr/>
+        <p:txBody>
+          <a:bodyPr>
+            <a:normAutofit/>
+          </a:bodyPr>
+          <a:lstStyle/>
+          <a:p>
+            <a:r>
+              <a:rPr lang="en-US" dirty="0"/>
+              <a:t>Dim </a:t>
+            </a:r>
+            <a:r>
+              <a:rPr lang="en-US" dirty="0" err="1"/>
+              <a:t>arrayName</a:t>
+            </a:r>
+            <a:endParaRPr lang="en-US" dirty="0"/>
+          </a:p>
+          <a:p>
+            <a:r>
+              <a:rPr lang="en-US" dirty="0" err="1"/>
+              <a:t>arrayName</a:t>
+            </a:r>
+            <a:r>
+              <a:rPr lang="en-US" dirty="0"/>
+              <a:t> = Array("ADA_GB.xlsx", "COL_GB.xlsx", "CR_GB.xlsx", "FSA_GB.xlsx", "OTAM_GB.xlsx", "TNS_GB.xlsx", "UI_GB.xlsx", "VIF_GB.xlsx")</a:t>
+            </a:r>
+          </a:p>
+          <a:p>
+            <a:r>
+              <a:rPr lang="en-US" dirty="0" smtClean="0"/>
+              <a:t>For </a:t>
+            </a:r>
+            <a:r>
+              <a:rPr lang="en-US" dirty="0" err="1"/>
+              <a:t>i</a:t>
+            </a:r>
+            <a:r>
+              <a:rPr lang="en-US" dirty="0"/>
+              <a:t> = </a:t>
+            </a:r>
+            <a:r>
+              <a:rPr lang="en-US" dirty="0" err="1"/>
+              <a:t>LBound</a:t>
+            </a:r>
+            <a:r>
+              <a:rPr lang="en-US" dirty="0"/>
+              <a:t>(</a:t>
+            </a:r>
+            <a:r>
+              <a:rPr lang="en-US" dirty="0" err="1"/>
+              <a:t>arrayName</a:t>
+            </a:r>
+            <a:r>
+              <a:rPr lang="en-US" dirty="0"/>
+              <a:t>) To </a:t>
+            </a:r>
+            <a:r>
+              <a:rPr lang="en-US" dirty="0" err="1"/>
+              <a:t>UBound</a:t>
+            </a:r>
+            <a:r>
+              <a:rPr lang="en-US" dirty="0"/>
+              <a:t>(</a:t>
+            </a:r>
+            <a:r>
+              <a:rPr lang="en-US" dirty="0" err="1"/>
+              <a:t>arrayName</a:t>
+            </a:r>
+            <a:r>
+              <a:rPr lang="en-US" dirty="0"/>
+              <a:t>)</a:t>
+            </a:r>
+          </a:p>
+          <a:p>
+            <a:r>
+              <a:rPr lang="en-US" dirty="0"/>
+              <a:t>    </a:t>
+            </a:r>
+            <a:r>
+              <a:rPr lang="en-US" dirty="0" err="1"/>
+              <a:t>Workbooks.Open</a:t>
+            </a:r>
+            <a:r>
+              <a:rPr lang="en-US" dirty="0"/>
+              <a:t> (</a:t>
+            </a:r>
+            <a:r>
+              <a:rPr lang="en-US" dirty="0" err="1"/>
+              <a:t>Current_Path</a:t>
+            </a:r>
+            <a:r>
+              <a:rPr lang="en-US" dirty="0"/>
+              <a:t> &amp; "\" &amp; </a:t>
+            </a:r>
+            <a:r>
+              <a:rPr lang="en-US" dirty="0" err="1"/>
+              <a:t>arrayName</a:t>
+            </a:r>
+            <a:r>
+              <a:rPr lang="en-US" dirty="0"/>
+              <a:t>(</a:t>
+            </a:r>
+            <a:r>
+              <a:rPr lang="en-US" dirty="0" err="1"/>
+              <a:t>i</a:t>
+            </a:r>
+            <a:r>
+              <a:rPr lang="en-US" dirty="0"/>
+              <a:t>))</a:t>
+            </a:r>
+          </a:p>
+          <a:p>
+            <a:r>
+              <a:rPr lang="en-US" dirty="0" smtClean="0"/>
+              <a:t>Next </a:t>
+            </a:r>
+            <a:r>
+              <a:rPr lang="en-US" dirty="0" err="1" smtClean="0"/>
+              <a:t>i</a:t>
+            </a:r>
+            <a:endParaRPr lang="en-US" dirty="0"/>
+          </a:p>
+        </p:txBody>
+      </p:sp>
+    </p:spTree>
+    <p:extLst>
+      <p:ext uri="{BB962C8B-B14F-4D97-AF65-F5344CB8AC3E}">
+        <p14:creationId xmlns:p14="http://schemas.microsoft.com/office/powerpoint/2010/main" val="1145365110"/>
+      </p:ext>
+    </p:extLst>
+  </p:cSld>
+  <p:clrMapOvr>
+    <a:masterClrMapping/>
+  </p:clrMapOvr>
+</p:sld>
+</file>
+
+<file path=ppt/slides/slide22.xml><?xml version="1.0" encoding="utf-8"?>
+<p:sld xmlns:a="http://schemas.openxmlformats.org/drawingml/2006/main" xmlns:r="http://schemas.openxmlformats.org/officeDocument/2006/relationships" xmlns:p="http://schemas.openxmlformats.org/presentationml/2006/main">
+  <p:cSld>
+    <p:spTree>
+      <p:nvGrpSpPr>
+        <p:cNvPr id="1" name=""/>
+        <p:cNvGrpSpPr/>
+        <p:nvPr/>
+      </p:nvGrpSpPr>
+      <p:grpSpPr>
+        <a:xfrm>
+          <a:off x="0" y="0"/>
+          <a:ext cx="0" cy="0"/>
+          <a:chOff x="0" y="0"/>
+          <a:chExt cx="0" cy="0"/>
+        </a:xfrm>
+      </p:grpSpPr>
+      <p:sp>
+        <p:nvSpPr>
+          <p:cNvPr id="2" name="Title 1"/>
+          <p:cNvSpPr>
+            <a:spLocks noGrp="1"/>
+          </p:cNvSpPr>
+          <p:nvPr>
+            <p:ph type="title"/>
+          </p:nvPr>
+        </p:nvSpPr>
+        <p:spPr/>
+        <p:txBody>
+          <a:bodyPr/>
+          <a:lstStyle/>
+          <a:p>
+            <a:r>
+              <a:rPr lang="en-US" dirty="0" err="1"/>
+              <a:t>clearfilter</a:t>
+            </a:r>
+            <a:endParaRPr lang="en-US" dirty="0"/>
+          </a:p>
+        </p:txBody>
+      </p:sp>
+      <p:sp>
+        <p:nvSpPr>
+          <p:cNvPr id="3" name="Content Placeholder 2"/>
+          <p:cNvSpPr>
+            <a:spLocks noGrp="1"/>
+          </p:cNvSpPr>
+          <p:nvPr>
+            <p:ph idx="1"/>
+          </p:nvPr>
+        </p:nvSpPr>
+        <p:spPr/>
+        <p:txBody>
+          <a:bodyPr/>
+          <a:lstStyle/>
+          <a:p>
+            <a:r>
+              <a:rPr lang="en-US" dirty="0"/>
+              <a:t>Sub </a:t>
+            </a:r>
+            <a:r>
+              <a:rPr lang="en-US" dirty="0" err="1"/>
+              <a:t>clearfilter</a:t>
+            </a:r>
+            <a:r>
+              <a:rPr lang="en-US" dirty="0"/>
+              <a:t>()</a:t>
+            </a:r>
+          </a:p>
+          <a:p>
+            <a:r>
+              <a:rPr lang="en-US" dirty="0"/>
+              <a:t>If </a:t>
+            </a:r>
+            <a:r>
+              <a:rPr lang="en-US" dirty="0" err="1"/>
+              <a:t>ActiveSheet.FilterMode</a:t>
+            </a:r>
+            <a:r>
+              <a:rPr lang="en-US" dirty="0"/>
+              <a:t> Then</a:t>
+            </a:r>
+          </a:p>
+          <a:p>
+            <a:r>
+              <a:rPr lang="en-US" dirty="0" err="1"/>
+              <a:t>ActiveSheet.ShowAllData</a:t>
+            </a:r>
+            <a:endParaRPr lang="en-US" dirty="0"/>
+          </a:p>
+          <a:p>
+            <a:r>
+              <a:rPr lang="en-US" dirty="0"/>
+              <a:t>End If</a:t>
+            </a:r>
+          </a:p>
+          <a:p>
+            <a:r>
+              <a:rPr lang="en-US" dirty="0"/>
+              <a:t>End Sub</a:t>
+            </a:r>
+          </a:p>
+        </p:txBody>
+      </p:sp>
+    </p:spTree>
+    <p:extLst>
+      <p:ext uri="{BB962C8B-B14F-4D97-AF65-F5344CB8AC3E}">
+        <p14:creationId xmlns:p14="http://schemas.microsoft.com/office/powerpoint/2010/main" val="3222439562"/>
+      </p:ext>
+    </p:extLst>
+  </p:cSld>
+  <p:clrMapOvr>
+    <a:masterClrMapping/>
+  </p:clrMapOvr>
+</p:sld>
+</file>
+
+<file path=ppt/slides/slide23.xml><?xml version="1.0" encoding="utf-8"?>
+<p:sld xmlns:a="http://schemas.openxmlformats.org/drawingml/2006/main" xmlns:r="http://schemas.openxmlformats.org/officeDocument/2006/relationships" xmlns:p="http://schemas.openxmlformats.org/presentationml/2006/main">
+  <p:cSld>
+    <p:spTree>
+      <p:nvGrpSpPr>
+        <p:cNvPr id="1" name=""/>
+        <p:cNvGrpSpPr/>
+        <p:nvPr/>
+      </p:nvGrpSpPr>
+      <p:grpSpPr>
+        <a:xfrm>
+          <a:off x="0" y="0"/>
+          <a:ext cx="0" cy="0"/>
+          <a:chOff x="0" y="0"/>
+          <a:chExt cx="0" cy="0"/>
+        </a:xfrm>
+      </p:grpSpPr>
+      <p:sp>
+        <p:nvSpPr>
+          <p:cNvPr id="2" name="Title 1"/>
+          <p:cNvSpPr>
+            <a:spLocks noGrp="1"/>
+          </p:cNvSpPr>
+          <p:nvPr>
+            <p:ph type="title"/>
+          </p:nvPr>
+        </p:nvSpPr>
+        <p:spPr/>
+        <p:txBody>
+          <a:bodyPr/>
+          <a:lstStyle/>
+          <a:p>
+            <a:r>
+              <a:rPr lang="en-US" dirty="0" err="1" smtClean="0"/>
+              <a:t>TurnOffAlerts</a:t>
+            </a:r>
+            <a:endParaRPr lang="en-US" dirty="0"/>
+          </a:p>
+        </p:txBody>
+      </p:sp>
+      <p:sp>
+        <p:nvSpPr>
+          <p:cNvPr id="3" name="Content Placeholder 2"/>
+          <p:cNvSpPr>
+            <a:spLocks noGrp="1"/>
+          </p:cNvSpPr>
+          <p:nvPr>
+            <p:ph idx="1"/>
+          </p:nvPr>
+        </p:nvSpPr>
+        <p:spPr/>
+        <p:txBody>
+          <a:bodyPr/>
+          <a:lstStyle/>
+          <a:p>
+            <a:r>
+              <a:rPr lang="en-US" dirty="0" err="1"/>
+              <a:t>Application.DisplayAlerts</a:t>
+            </a:r>
+            <a:r>
+              <a:rPr lang="en-US" dirty="0"/>
+              <a:t> = False</a:t>
+            </a:r>
+          </a:p>
+        </p:txBody>
+      </p:sp>
+    </p:spTree>
+    <p:extLst>
+      <p:ext uri="{BB962C8B-B14F-4D97-AF65-F5344CB8AC3E}">
+        <p14:creationId xmlns:p14="http://schemas.microsoft.com/office/powerpoint/2010/main" val="1141257725"/>
+      </p:ext>
+    </p:extLst>
+  </p:cSld>
+  <p:clrMapOvr>
+    <a:masterClrMapping/>
+  </p:clrMapOvr>
+  <p:timing>
+    <p:tnLst>
+      <p:par>
+        <p:cTn id="1" dur="indefinite" restart="never" nodeType="tmRoot"/>
+      </p:par>
+    </p:tnLst>
+  </p:timing>
+</p:sld>
+</file>
+
+<file path=ppt/slides/slide24.xml><?xml version="1.0" encoding="utf-8"?>
+<p:sld xmlns:a="http://schemas.openxmlformats.org/drawingml/2006/main" xmlns:r="http://schemas.openxmlformats.org/officeDocument/2006/relationships" xmlns:p="http://schemas.openxmlformats.org/presentationml/2006/main">
+  <p:cSld>
+    <p:bg>
+      <p:bgPr>
+        <a:noFill/>
+        <a:effectLst/>
+      </p:bgPr>
+    </p:bg>
+    <p:spTree>
+      <p:nvGrpSpPr>
+        <p:cNvPr id="1" name=""/>
+        <p:cNvGrpSpPr/>
+        <p:nvPr/>
+      </p:nvGrpSpPr>
+      <p:grpSpPr>
+        <a:xfrm>
+          <a:off x="0" y="0"/>
+          <a:ext cx="0" cy="0"/>
+          <a:chOff x="0" y="0"/>
+          <a:chExt cx="0" cy="0"/>
+        </a:xfrm>
+      </p:grpSpPr>
+      <p:sp>
+        <p:nvSpPr>
+          <p:cNvPr id="2" name="Title 1"/>
+          <p:cNvSpPr>
+            <a:spLocks noGrp="1"/>
+          </p:cNvSpPr>
+          <p:nvPr>
+            <p:ph type="title"/>
+          </p:nvPr>
+        </p:nvSpPr>
+        <p:spPr/>
+        <p:txBody>
+          <a:bodyPr/>
+          <a:lstStyle/>
+          <a:p>
+            <a:endParaRPr lang="en-US"/>
+          </a:p>
+        </p:txBody>
+      </p:sp>
+      <p:sp>
+        <p:nvSpPr>
+          <p:cNvPr id="4" name="Rectangle 2"/>
+          <p:cNvSpPr>
+            <a:spLocks noGrp="1" noChangeArrowheads="1"/>
+          </p:cNvSpPr>
+          <p:nvPr>
+            <p:ph idx="1"/>
+          </p:nvPr>
+        </p:nvSpPr>
+        <p:spPr bwMode="auto">
+          <a:xfrm>
+            <a:off x="838200" y="3139522"/>
+            <a:ext cx="5653086" cy="1723549"/>
+          </a:xfrm>
+          <a:prstGeom prst="rect">
+            <a:avLst/>
+          </a:prstGeom>
+          <a:noFill/>
+          <a:ln>
+            <a:noFill/>
+          </a:ln>
+          <a:effectLst/>
+          <a:extLst>
+            <a:ext uri="{909E8E84-426E-40DD-AFC4-6F175D3DCCD1}">
+              <a14:hiddenFill xmlns:a14="http://schemas.microsoft.com/office/drawing/2010/main">
+                <a:solidFill>
+                  <a:schemeClr val="accent1"/>
+                </a:solidFill>
+              </a14:hiddenFill>
+            </a:ext>
+            <a:ext uri="{91240B29-F687-4F45-9708-019B960494DF}">
+              <a14:hiddenLine xmlns:a14="http://schemas.microsoft.com/office/drawing/2010/main" w="9525">
+                <a:solidFill>
+                  <a:schemeClr val="tx1"/>
+                </a:solidFill>
+                <a:miter lim="800000"/>
+                <a:headEnd/>
+                <a:tailEnd/>
+              </a14:hiddenLine>
+            </a:ext>
+            <a:ext uri="{AF507438-7753-43E0-B8FC-AC1667EBCBE1}">
+              <a14:hiddenEffects xmlns:a14="http://schemas.microsoft.com/office/drawing/2010/main">
+                <a:effectLst>
+                  <a:outerShdw dist="35921" dir="2700000" algn="ctr" rotWithShape="0">
+                    <a:schemeClr val="bg2"/>
+                  </a:outerShdw>
+                </a:effectLst>
+              </a14:hiddenEffects>
+            </a:ext>
+          </a:extLst>
+        </p:spPr>
+        <p:txBody>
+          <a:bodyPr vert="horz" wrap="none" lIns="0" tIns="0" rIns="0" bIns="0" numCol="1" anchor="ctr" anchorCtr="0" compatLnSpc="1">
+            <a:prstTxWarp prst="textNoShape">
+              <a:avLst/>
+            </a:prstTxWarp>
+            <a:spAutoFit/>
+          </a:bodyPr>
+          <a:lstStyle/>
+          <a:p>
+            <a:pPr marL="0" marR="0" lvl="0" indent="0" algn="l" defTabSz="914400" rtl="0" eaLnBrk="0" fontAlgn="base" latinLnBrk="0" hangingPunct="0">
+              <a:lnSpc>
+                <a:spcPct val="100000"/>
+              </a:lnSpc>
+              <a:spcBef>
+                <a:spcPct val="0"/>
+              </a:spcBef>
+              <a:spcAft>
+                <a:spcPct val="0"/>
+              </a:spcAft>
+              <a:buClrTx/>
+              <a:buSzTx/>
+              <a:buFontTx/>
+              <a:buNone/>
+              <a:tabLst/>
+            </a:pPr>
+            <a:r>
+              <a:rPr kumimoji="0" lang="en-US" altLang="en-US" sz="1400" b="1" i="0" u="none" strike="noStrike" cap="none" normalizeH="0" baseline="0" dirty="0" smtClean="0">
+                <a:ln>
+                  <a:noFill/>
+                </a:ln>
+                <a:solidFill>
+                  <a:srgbClr val="3B3B3B"/>
+                </a:solidFill>
+                <a:effectLst/>
+                <a:latin typeface="Arial Narrow" panose="020B0606020202030204" pitchFamily="34" charset="0"/>
+              </a:rPr>
+              <a:t>Sub </a:t>
+            </a:r>
+            <a:r>
+              <a:rPr kumimoji="0" lang="en-US" altLang="en-US" sz="1400" b="1" i="0" u="none" strike="noStrike" cap="none" normalizeH="0" baseline="0" dirty="0" err="1" smtClean="0">
+                <a:ln>
+                  <a:noFill/>
+                </a:ln>
+                <a:solidFill>
+                  <a:srgbClr val="3B3B3B"/>
+                </a:solidFill>
+                <a:effectLst/>
+                <a:latin typeface="Arial Narrow" panose="020B0606020202030204" pitchFamily="34" charset="0"/>
+              </a:rPr>
+              <a:t>FnDeleteBlankRows</a:t>
+            </a:r>
+            <a:r>
+              <a:rPr kumimoji="0" lang="en-US" altLang="en-US" sz="1400" b="1" i="0" u="none" strike="noStrike" cap="none" normalizeH="0" baseline="0" dirty="0" smtClean="0">
+                <a:ln>
+                  <a:noFill/>
+                </a:ln>
+                <a:solidFill>
+                  <a:srgbClr val="3B3B3B"/>
+                </a:solidFill>
+                <a:effectLst/>
+                <a:latin typeface="Arial Narrow" panose="020B0606020202030204" pitchFamily="34" charset="0"/>
+              </a:rPr>
+              <a:t>()</a:t>
+            </a:r>
+          </a:p>
+          <a:p>
+            <a:pPr marL="0" marR="0" lvl="0" indent="0" algn="l" defTabSz="914400" rtl="0" eaLnBrk="0" fontAlgn="base" latinLnBrk="0" hangingPunct="0">
+              <a:lnSpc>
+                <a:spcPct val="100000"/>
+              </a:lnSpc>
+              <a:spcBef>
+                <a:spcPct val="0"/>
+              </a:spcBef>
+              <a:spcAft>
+                <a:spcPct val="0"/>
+              </a:spcAft>
+              <a:buClrTx/>
+              <a:buSzTx/>
+              <a:buFontTx/>
+              <a:buNone/>
+              <a:tabLst/>
+            </a:pPr>
+            <a:r>
+              <a:rPr kumimoji="0" lang="en-US" altLang="en-US" sz="1400" b="0" i="0" u="none" strike="noStrike" cap="none" normalizeH="0" baseline="0" dirty="0" smtClean="0">
+                <a:ln>
+                  <a:noFill/>
+                </a:ln>
+                <a:solidFill>
+                  <a:srgbClr val="3B3B3B"/>
+                </a:solidFill>
+                <a:effectLst/>
+                <a:latin typeface="Arial Narrow" panose="020B0606020202030204" pitchFamily="34" charset="0"/>
+              </a:rPr>
+              <a:t>Dim </a:t>
+            </a:r>
+            <a:r>
+              <a:rPr kumimoji="0" lang="en-US" altLang="en-US" sz="1400" b="0" i="0" u="none" strike="noStrike" cap="none" normalizeH="0" baseline="0" dirty="0" err="1" smtClean="0">
+                <a:ln>
+                  <a:noFill/>
+                </a:ln>
+                <a:solidFill>
+                  <a:srgbClr val="3B3B3B"/>
+                </a:solidFill>
+                <a:effectLst/>
+                <a:latin typeface="Arial Narrow" panose="020B0606020202030204" pitchFamily="34" charset="0"/>
+              </a:rPr>
+              <a:t>mwb</a:t>
+            </a:r>
+            <a:r>
+              <a:rPr kumimoji="0" lang="en-US" altLang="en-US" sz="1400" b="0" i="0" u="none" strike="noStrike" cap="none" normalizeH="0" baseline="0" dirty="0" smtClean="0">
+                <a:ln>
+                  <a:noFill/>
+                </a:ln>
+                <a:solidFill>
+                  <a:srgbClr val="3B3B3B"/>
+                </a:solidFill>
+                <a:effectLst/>
+                <a:latin typeface="Arial Narrow" panose="020B0606020202030204" pitchFamily="34" charset="0"/>
+              </a:rPr>
+              <a:t> As Workbook Set </a:t>
+            </a:r>
+            <a:r>
+              <a:rPr kumimoji="0" lang="en-US" altLang="en-US" sz="1400" b="0" i="0" u="none" strike="noStrike" cap="none" normalizeH="0" baseline="0" dirty="0" err="1" smtClean="0">
+                <a:ln>
+                  <a:noFill/>
+                </a:ln>
+                <a:solidFill>
+                  <a:srgbClr val="3B3B3B"/>
+                </a:solidFill>
+                <a:effectLst/>
+                <a:latin typeface="Arial Narrow" panose="020B0606020202030204" pitchFamily="34" charset="0"/>
+              </a:rPr>
+              <a:t>mwb</a:t>
+            </a:r>
+            <a:r>
+              <a:rPr kumimoji="0" lang="en-US" altLang="en-US" sz="1400" b="0" i="0" u="none" strike="noStrike" cap="none" normalizeH="0" baseline="0" dirty="0" smtClean="0">
+                <a:ln>
+                  <a:noFill/>
+                </a:ln>
+                <a:solidFill>
+                  <a:srgbClr val="3B3B3B"/>
+                </a:solidFill>
+                <a:effectLst/>
+                <a:latin typeface="Arial Narrow" panose="020B0606020202030204" pitchFamily="34" charset="0"/>
+              </a:rPr>
+              <a:t> = </a:t>
+            </a:r>
+            <a:r>
+              <a:rPr kumimoji="0" lang="en-US" altLang="en-US" sz="1400" b="0" i="0" u="none" strike="noStrike" cap="none" normalizeH="0" baseline="0" dirty="0" err="1" smtClean="0">
+                <a:ln>
+                  <a:noFill/>
+                </a:ln>
+                <a:solidFill>
+                  <a:srgbClr val="3B3B3B"/>
+                </a:solidFill>
+                <a:effectLst/>
+                <a:latin typeface="Arial Narrow" panose="020B0606020202030204" pitchFamily="34" charset="0"/>
+              </a:rPr>
+              <a:t>ActiveWorkbook</a:t>
+            </a:r>
+            <a:r>
+              <a:rPr kumimoji="0" lang="en-US" altLang="en-US" sz="1400" b="0" i="0" u="none" strike="noStrike" cap="none" normalizeH="0" baseline="0" dirty="0" smtClean="0">
+                <a:ln>
+                  <a:noFill/>
+                </a:ln>
+                <a:solidFill>
+                  <a:srgbClr val="3B3B3B"/>
+                </a:solidFill>
+                <a:effectLst/>
+                <a:latin typeface="Arial Narrow" panose="020B0606020202030204" pitchFamily="34" charset="0"/>
+              </a:rPr>
+              <a:t> </a:t>
+            </a:r>
+          </a:p>
+          <a:p>
+            <a:pPr marL="0" marR="0" lvl="0" indent="0" algn="l" defTabSz="914400" rtl="0" eaLnBrk="0" fontAlgn="base" latinLnBrk="0" hangingPunct="0">
+              <a:lnSpc>
+                <a:spcPct val="100000"/>
+              </a:lnSpc>
+              <a:spcBef>
+                <a:spcPct val="0"/>
+              </a:spcBef>
+              <a:spcAft>
+                <a:spcPct val="0"/>
+              </a:spcAft>
+              <a:buClrTx/>
+              <a:buSzTx/>
+              <a:buFontTx/>
+              <a:buNone/>
+              <a:tabLst/>
+            </a:pPr>
+            <a:r>
+              <a:rPr kumimoji="0" lang="en-US" altLang="en-US" sz="1400" b="0" i="0" u="none" strike="noStrike" cap="none" normalizeH="0" baseline="0" dirty="0" smtClean="0">
+                <a:ln>
+                  <a:noFill/>
+                </a:ln>
+                <a:solidFill>
+                  <a:srgbClr val="3B3B3B"/>
+                </a:solidFill>
+                <a:effectLst/>
+                <a:latin typeface="Arial Narrow" panose="020B0606020202030204" pitchFamily="34" charset="0"/>
+              </a:rPr>
+              <a:t>For x = </a:t>
+            </a:r>
+            <a:r>
+              <a:rPr kumimoji="0" lang="en-US" altLang="en-US" sz="1400" b="1" i="0" u="none" strike="noStrike" cap="none" normalizeH="0" baseline="0" dirty="0" err="1" smtClean="0">
+                <a:ln>
+                  <a:noFill/>
+                </a:ln>
+                <a:solidFill>
+                  <a:srgbClr val="3B3B3B"/>
+                </a:solidFill>
+                <a:effectLst/>
+                <a:latin typeface="Arial Narrow" panose="020B0606020202030204" pitchFamily="34" charset="0"/>
+              </a:rPr>
+              <a:t>mwb.Sheets</a:t>
+            </a:r>
+            <a:r>
+              <a:rPr kumimoji="0" lang="en-US" altLang="en-US" sz="1400" b="1" i="0" u="none" strike="noStrike" cap="none" normalizeH="0" baseline="0" dirty="0" smtClean="0">
+                <a:ln>
+                  <a:noFill/>
+                </a:ln>
+                <a:solidFill>
+                  <a:srgbClr val="3B3B3B"/>
+                </a:solidFill>
+                <a:effectLst/>
+                <a:latin typeface="Arial Narrow" panose="020B0606020202030204" pitchFamily="34" charset="0"/>
+              </a:rPr>
+              <a:t>("1").</a:t>
+            </a:r>
+            <a:r>
+              <a:rPr kumimoji="0" lang="en-US" altLang="en-US" sz="1400" b="1" i="0" u="none" strike="noStrike" cap="none" normalizeH="0" baseline="0" dirty="0" err="1" smtClean="0">
+                <a:ln>
+                  <a:noFill/>
+                </a:ln>
+                <a:solidFill>
+                  <a:srgbClr val="3B3B3B"/>
+                </a:solidFill>
+                <a:effectLst/>
+                <a:latin typeface="Arial Narrow" panose="020B0606020202030204" pitchFamily="34" charset="0"/>
+              </a:rPr>
+              <a:t>Cells.SpecialCells</a:t>
+            </a:r>
+            <a:r>
+              <a:rPr kumimoji="0" lang="en-US" altLang="en-US" sz="1400" b="1" i="0" u="none" strike="noStrike" cap="none" normalizeH="0" baseline="0" dirty="0" smtClean="0">
+                <a:ln>
+                  <a:noFill/>
+                </a:ln>
+                <a:solidFill>
+                  <a:srgbClr val="3B3B3B"/>
+                </a:solidFill>
+                <a:effectLst/>
+                <a:latin typeface="Arial Narrow" panose="020B0606020202030204" pitchFamily="34" charset="0"/>
+              </a:rPr>
+              <a:t>(</a:t>
+            </a:r>
+            <a:r>
+              <a:rPr kumimoji="0" lang="en-US" altLang="en-US" sz="1400" b="1" i="0" u="none" strike="noStrike" cap="none" normalizeH="0" baseline="0" dirty="0" err="1" smtClean="0">
+                <a:ln>
+                  <a:noFill/>
+                </a:ln>
+                <a:solidFill>
+                  <a:srgbClr val="3B3B3B"/>
+                </a:solidFill>
+                <a:effectLst/>
+                <a:latin typeface="Arial Narrow" panose="020B0606020202030204" pitchFamily="34" charset="0"/>
+              </a:rPr>
+              <a:t>xlCellTypeLastCell</a:t>
+            </a:r>
+            <a:r>
+              <a:rPr kumimoji="0" lang="en-US" altLang="en-US" sz="1400" b="1" i="0" u="none" strike="noStrike" cap="none" normalizeH="0" baseline="0" dirty="0" smtClean="0">
+                <a:ln>
+                  <a:noFill/>
+                </a:ln>
+                <a:solidFill>
+                  <a:srgbClr val="3B3B3B"/>
+                </a:solidFill>
+                <a:effectLst/>
+                <a:latin typeface="Arial Narrow" panose="020B0606020202030204" pitchFamily="34" charset="0"/>
+              </a:rPr>
+              <a:t>).Row To 1 Step -1</a:t>
+            </a:r>
+            <a:r>
+              <a:rPr kumimoji="0" lang="en-US" altLang="en-US" sz="1400" b="0" i="0" u="none" strike="noStrike" cap="none" normalizeH="0" baseline="0" dirty="0" smtClean="0">
+                <a:ln>
+                  <a:noFill/>
+                </a:ln>
+                <a:solidFill>
+                  <a:srgbClr val="3B3B3B"/>
+                </a:solidFill>
+                <a:effectLst/>
+                <a:latin typeface="Arial Narrow" panose="020B0606020202030204" pitchFamily="34" charset="0"/>
+              </a:rPr>
+              <a:t> </a:t>
+            </a:r>
+          </a:p>
+          <a:p>
+            <a:pPr marL="0" marR="0" lvl="0" indent="0" algn="l" defTabSz="914400" rtl="0" eaLnBrk="0" fontAlgn="base" latinLnBrk="0" hangingPunct="0">
+              <a:lnSpc>
+                <a:spcPct val="100000"/>
+              </a:lnSpc>
+              <a:spcBef>
+                <a:spcPct val="0"/>
+              </a:spcBef>
+              <a:spcAft>
+                <a:spcPct val="0"/>
+              </a:spcAft>
+              <a:buClrTx/>
+              <a:buSzTx/>
+              <a:buFontTx/>
+              <a:buNone/>
+              <a:tabLst/>
+            </a:pPr>
+            <a:r>
+              <a:rPr kumimoji="0" lang="en-US" altLang="en-US" sz="1400" b="0" i="0" u="none" strike="noStrike" cap="none" normalizeH="0" baseline="0" dirty="0" smtClean="0">
+                <a:ln>
+                  <a:noFill/>
+                </a:ln>
+                <a:solidFill>
+                  <a:srgbClr val="3B3B3B"/>
+                </a:solidFill>
+                <a:effectLst/>
+                <a:latin typeface="Arial Narrow" panose="020B0606020202030204" pitchFamily="34" charset="0"/>
+              </a:rPr>
+              <a:t>If </a:t>
+            </a:r>
+            <a:r>
+              <a:rPr kumimoji="0" lang="en-US" altLang="en-US" sz="1400" b="1" i="0" u="none" strike="noStrike" cap="none" normalizeH="0" baseline="0" dirty="0" err="1" smtClean="0">
+                <a:ln>
+                  <a:noFill/>
+                </a:ln>
+                <a:solidFill>
+                  <a:srgbClr val="3B3B3B"/>
+                </a:solidFill>
+                <a:effectLst/>
+                <a:latin typeface="Arial Narrow" panose="020B0606020202030204" pitchFamily="34" charset="0"/>
+              </a:rPr>
+              <a:t>WorksheetFunction.CountA</a:t>
+            </a:r>
+            <a:r>
+              <a:rPr kumimoji="0" lang="en-US" altLang="en-US" sz="1400" b="1" i="0" u="none" strike="noStrike" cap="none" normalizeH="0" baseline="0" dirty="0" smtClean="0">
+                <a:ln>
+                  <a:noFill/>
+                </a:ln>
+                <a:solidFill>
+                  <a:srgbClr val="3B3B3B"/>
+                </a:solidFill>
+                <a:effectLst/>
+                <a:latin typeface="Arial Narrow" panose="020B0606020202030204" pitchFamily="34" charset="0"/>
+              </a:rPr>
+              <a:t>(</a:t>
+            </a:r>
+            <a:r>
+              <a:rPr kumimoji="0" lang="en-US" altLang="en-US" sz="1400" b="1" i="0" u="none" strike="noStrike" cap="none" normalizeH="0" baseline="0" dirty="0" err="1" smtClean="0">
+                <a:ln>
+                  <a:noFill/>
+                </a:ln>
+                <a:solidFill>
+                  <a:srgbClr val="3B3B3B"/>
+                </a:solidFill>
+                <a:effectLst/>
+                <a:latin typeface="Arial Narrow" panose="020B0606020202030204" pitchFamily="34" charset="0"/>
+              </a:rPr>
+              <a:t>mwb.Sheets</a:t>
+            </a:r>
+            <a:r>
+              <a:rPr kumimoji="0" lang="en-US" altLang="en-US" sz="1400" b="1" i="0" u="none" strike="noStrike" cap="none" normalizeH="0" baseline="0" dirty="0" smtClean="0">
+                <a:ln>
+                  <a:noFill/>
+                </a:ln>
+                <a:solidFill>
+                  <a:srgbClr val="3B3B3B"/>
+                </a:solidFill>
+                <a:effectLst/>
+                <a:latin typeface="Arial Narrow" panose="020B0606020202030204" pitchFamily="34" charset="0"/>
+              </a:rPr>
+              <a:t>("1").Rows(x)) = 0</a:t>
+            </a:r>
+            <a:r>
+              <a:rPr kumimoji="0" lang="en-US" altLang="en-US" sz="1400" b="0" i="0" u="none" strike="noStrike" cap="none" normalizeH="0" baseline="0" dirty="0" smtClean="0">
+                <a:ln>
+                  <a:noFill/>
+                </a:ln>
+                <a:solidFill>
+                  <a:srgbClr val="3B3B3B"/>
+                </a:solidFill>
+                <a:effectLst/>
+                <a:latin typeface="Arial Narrow" panose="020B0606020202030204" pitchFamily="34" charset="0"/>
+              </a:rPr>
+              <a:t> Then </a:t>
+            </a:r>
+          </a:p>
+          <a:p>
+            <a:pPr marL="0" marR="0" lvl="0" indent="0" algn="l" defTabSz="914400" rtl="0" eaLnBrk="0" fontAlgn="base" latinLnBrk="0" hangingPunct="0">
+              <a:lnSpc>
+                <a:spcPct val="100000"/>
+              </a:lnSpc>
+              <a:spcBef>
+                <a:spcPct val="0"/>
+              </a:spcBef>
+              <a:spcAft>
+                <a:spcPct val="0"/>
+              </a:spcAft>
+              <a:buClrTx/>
+              <a:buSzTx/>
+              <a:buFontTx/>
+              <a:buNone/>
+              <a:tabLst/>
+            </a:pPr>
+            <a:r>
+              <a:rPr kumimoji="0" lang="en-US" altLang="en-US" sz="1400" b="1" i="0" u="none" strike="noStrike" cap="none" normalizeH="0" baseline="0" dirty="0" err="1" smtClean="0">
+                <a:ln>
+                  <a:noFill/>
+                </a:ln>
+                <a:solidFill>
+                  <a:srgbClr val="3B3B3B"/>
+                </a:solidFill>
+                <a:effectLst/>
+                <a:latin typeface="Arial Narrow" panose="020B0606020202030204" pitchFamily="34" charset="0"/>
+              </a:rPr>
+              <a:t>mwb.Sheets</a:t>
+            </a:r>
+            <a:r>
+              <a:rPr kumimoji="0" lang="en-US" altLang="en-US" sz="1400" b="1" i="0" u="none" strike="noStrike" cap="none" normalizeH="0" baseline="0" dirty="0" smtClean="0">
+                <a:ln>
+                  <a:noFill/>
+                </a:ln>
+                <a:solidFill>
+                  <a:srgbClr val="3B3B3B"/>
+                </a:solidFill>
+                <a:effectLst/>
+                <a:latin typeface="Arial Narrow" panose="020B0606020202030204" pitchFamily="34" charset="0"/>
+              </a:rPr>
+              <a:t>("1").Rows(x).Delete</a:t>
+            </a:r>
+            <a:r>
+              <a:rPr kumimoji="0" lang="en-US" altLang="en-US" sz="1400" b="0" i="0" u="none" strike="noStrike" cap="none" normalizeH="0" baseline="0" dirty="0" smtClean="0">
+                <a:ln>
+                  <a:noFill/>
+                </a:ln>
+                <a:solidFill>
+                  <a:srgbClr val="3B3B3B"/>
+                </a:solidFill>
+                <a:effectLst/>
+                <a:latin typeface="Arial Narrow" panose="020B0606020202030204" pitchFamily="34" charset="0"/>
+              </a:rPr>
+              <a:t> </a:t>
+            </a:r>
+          </a:p>
+          <a:p>
+            <a:pPr marL="0" marR="0" lvl="0" indent="0" algn="l" defTabSz="914400" rtl="0" eaLnBrk="0" fontAlgn="base" latinLnBrk="0" hangingPunct="0">
+              <a:lnSpc>
+                <a:spcPct val="100000"/>
+              </a:lnSpc>
+              <a:spcBef>
+                <a:spcPct val="0"/>
+              </a:spcBef>
+              <a:spcAft>
+                <a:spcPct val="0"/>
+              </a:spcAft>
+              <a:buClrTx/>
+              <a:buSzTx/>
+              <a:buFontTx/>
+              <a:buNone/>
+              <a:tabLst/>
+            </a:pPr>
+            <a:r>
+              <a:rPr kumimoji="0" lang="en-US" altLang="en-US" sz="1400" b="0" i="0" u="none" strike="noStrike" cap="none" normalizeH="0" baseline="0" dirty="0" smtClean="0">
+                <a:ln>
+                  <a:noFill/>
+                </a:ln>
+                <a:solidFill>
+                  <a:srgbClr val="3B3B3B"/>
+                </a:solidFill>
+                <a:effectLst/>
+                <a:latin typeface="Arial Narrow" panose="020B0606020202030204" pitchFamily="34" charset="0"/>
+              </a:rPr>
+              <a:t>End If </a:t>
+            </a:r>
+          </a:p>
+          <a:p>
+            <a:pPr marL="0" marR="0" lvl="0" indent="0" algn="l" defTabSz="914400" rtl="0" eaLnBrk="0" fontAlgn="base" latinLnBrk="0" hangingPunct="0">
+              <a:lnSpc>
+                <a:spcPct val="100000"/>
+              </a:lnSpc>
+              <a:spcBef>
+                <a:spcPct val="0"/>
+              </a:spcBef>
+              <a:spcAft>
+                <a:spcPct val="0"/>
+              </a:spcAft>
+              <a:buClrTx/>
+              <a:buSzTx/>
+              <a:buFontTx/>
+              <a:buNone/>
+              <a:tabLst/>
+            </a:pPr>
+            <a:r>
+              <a:rPr kumimoji="0" lang="en-US" altLang="en-US" sz="1400" b="0" i="0" u="none" strike="noStrike" cap="none" normalizeH="0" baseline="0" dirty="0" smtClean="0">
+                <a:ln>
+                  <a:noFill/>
+                </a:ln>
+                <a:solidFill>
+                  <a:srgbClr val="3B3B3B"/>
+                </a:solidFill>
+                <a:effectLst/>
+                <a:latin typeface="Arial Narrow" panose="020B0606020202030204" pitchFamily="34" charset="0"/>
+              </a:rPr>
+              <a:t>Next </a:t>
+            </a:r>
+          </a:p>
+          <a:p>
+            <a:pPr marL="0" marR="0" lvl="0" indent="0" algn="l" defTabSz="914400" rtl="0" eaLnBrk="0" fontAlgn="base" latinLnBrk="0" hangingPunct="0">
+              <a:lnSpc>
+                <a:spcPct val="100000"/>
+              </a:lnSpc>
+              <a:spcBef>
+                <a:spcPct val="0"/>
+              </a:spcBef>
+              <a:spcAft>
+                <a:spcPct val="0"/>
+              </a:spcAft>
+              <a:buClrTx/>
+              <a:buSzTx/>
+              <a:buFontTx/>
+              <a:buNone/>
+              <a:tabLst/>
+            </a:pPr>
+            <a:r>
+              <a:rPr kumimoji="0" lang="en-US" altLang="en-US" sz="1400" b="1" i="0" u="none" strike="noStrike" cap="none" normalizeH="0" baseline="0" dirty="0" smtClean="0">
+                <a:ln>
+                  <a:noFill/>
+                </a:ln>
+                <a:solidFill>
+                  <a:srgbClr val="3B3B3B"/>
+                </a:solidFill>
+                <a:effectLst/>
+                <a:latin typeface="Arial Narrow" panose="020B0606020202030204" pitchFamily="34" charset="0"/>
+              </a:rPr>
+              <a:t>End Sub</a:t>
+            </a:r>
+            <a:r>
+              <a:rPr kumimoji="0" lang="en-US" altLang="en-US" sz="1400" b="0" i="0" u="none" strike="noStrike" cap="none" normalizeH="0" baseline="0" dirty="0" smtClean="0">
+                <a:ln>
+                  <a:noFill/>
+                </a:ln>
+                <a:solidFill>
+                  <a:schemeClr val="tx1"/>
+                </a:solidFill>
+                <a:effectLst/>
+                <a:latin typeface="Arial Narrow" panose="020B0606020202030204" pitchFamily="34" charset="0"/>
+              </a:rPr>
+              <a:t> </a:t>
+            </a:r>
+          </a:p>
+        </p:txBody>
+      </p:sp>
+    </p:spTree>
+    <p:extLst>
+      <p:ext uri="{BB962C8B-B14F-4D97-AF65-F5344CB8AC3E}">
+        <p14:creationId xmlns:p14="http://schemas.microsoft.com/office/powerpoint/2010/main" val="2464801248"/>
+      </p:ext>
+    </p:extLst>
+  </p:cSld>
+  <p:clrMapOvr>
+    <a:masterClrMapping/>
+  </p:clrMapOvr>
+  <p:timing>
+    <p:tnLst>
+      <p:par>
+        <p:cTn id="1" dur="indefinite" restart="never" nodeType="tmRoot"/>
+      </p:par>
+    </p:tnLst>
+  </p:timing>
+</p:sld>
+</file>
+
+<file path=ppt/slides/slide25.xml><?xml version="1.0" encoding="utf-8"?>
+<p:sld xmlns:a="http://schemas.openxmlformats.org/drawingml/2006/main" xmlns:r="http://schemas.openxmlformats.org/officeDocument/2006/relationships" xmlns:p="http://schemas.openxmlformats.org/presentationml/2006/main">
+  <p:cSld>
+    <p:spTree>
+      <p:nvGrpSpPr>
+        <p:cNvPr id="1" name=""/>
+        <p:cNvGrpSpPr/>
+        <p:nvPr/>
+      </p:nvGrpSpPr>
+      <p:grpSpPr>
+        <a:xfrm>
+          <a:off x="0" y="0"/>
+          <a:ext cx="0" cy="0"/>
+          <a:chOff x="0" y="0"/>
+          <a:chExt cx="0" cy="0"/>
+        </a:xfrm>
+      </p:grpSpPr>
+      <p:sp>
+        <p:nvSpPr>
+          <p:cNvPr id="2" name="Title 1"/>
+          <p:cNvSpPr>
+            <a:spLocks noGrp="1"/>
+          </p:cNvSpPr>
+          <p:nvPr>
+            <p:ph type="title"/>
+          </p:nvPr>
+        </p:nvSpPr>
+        <p:spPr/>
+        <p:txBody>
+          <a:bodyPr/>
+          <a:lstStyle/>
+          <a:p>
+            <a:r>
+              <a:rPr lang="en-US" dirty="0" smtClean="0"/>
+              <a:t>Browse a file</a:t>
+            </a:r>
+            <a:endParaRPr lang="en-US" dirty="0"/>
+          </a:p>
+        </p:txBody>
+      </p:sp>
+      <p:sp>
+        <p:nvSpPr>
+          <p:cNvPr id="3" name="Content Placeholder 2"/>
+          <p:cNvSpPr>
+            <a:spLocks noGrp="1"/>
+          </p:cNvSpPr>
+          <p:nvPr>
+            <p:ph idx="1"/>
+          </p:nvPr>
+        </p:nvSpPr>
+        <p:spPr/>
+        <p:txBody>
+          <a:bodyPr>
+            <a:normAutofit fontScale="92500" lnSpcReduction="20000"/>
+          </a:bodyPr>
+          <a:lstStyle/>
+          <a:p>
+            <a:r>
+              <a:rPr lang="en-US" dirty="0"/>
+              <a:t>Sub browse()</a:t>
+            </a:r>
+            <a:r>
+              <a:rPr lang="en-US" dirty="0"/>
+              <a:t/>
+            </a:r>
+            <a:br>
+              <a:rPr lang="en-US" dirty="0"/>
+            </a:br>
+            <a:r>
+              <a:rPr lang="en-US" dirty="0"/>
+              <a:t>Dim FSO As Object</a:t>
+            </a:r>
+            <a:r>
+              <a:rPr lang="en-US" dirty="0"/>
+              <a:t/>
+            </a:r>
+            <a:br>
+              <a:rPr lang="en-US" dirty="0"/>
+            </a:br>
+            <a:r>
+              <a:rPr lang="en-US" dirty="0"/>
+              <a:t>Dim </a:t>
+            </a:r>
+            <a:r>
+              <a:rPr lang="en-US" dirty="0" err="1"/>
+              <a:t>blnOpen</a:t>
+            </a:r>
+            <a:r>
+              <a:rPr lang="en-US" dirty="0"/>
+              <a:t/>
+            </a:r>
+            <a:br>
+              <a:rPr lang="en-US" dirty="0"/>
+            </a:br>
+            <a:r>
+              <a:rPr lang="en-US" dirty="0" err="1"/>
+              <a:t>strFileToOpen</a:t>
+            </a:r>
+            <a:r>
+              <a:rPr lang="en-US" dirty="0"/>
+              <a:t> = </a:t>
+            </a:r>
+            <a:r>
+              <a:rPr lang="en-US" dirty="0" err="1"/>
+              <a:t>Application.GetOpenFilename</a:t>
+            </a:r>
+            <a:r>
+              <a:rPr lang="en-US" dirty="0"/>
+              <a:t>(Title:="Please choose a file to open", _</a:t>
+            </a:r>
+            <a:r>
+              <a:rPr lang="en-US" dirty="0"/>
+              <a:t/>
+            </a:r>
+            <a:br>
+              <a:rPr lang="en-US" dirty="0"/>
+            </a:br>
+            <a:r>
+              <a:rPr lang="en-US" dirty="0" err="1"/>
+              <a:t>FileFilter</a:t>
+            </a:r>
+            <a:r>
+              <a:rPr lang="en-US" dirty="0"/>
+              <a:t>:="Excel Files *.</a:t>
+            </a:r>
+            <a:r>
+              <a:rPr lang="en-US" dirty="0" err="1"/>
+              <a:t>xls</a:t>
+            </a:r>
+            <a:r>
+              <a:rPr lang="en-US" dirty="0"/>
+              <a:t>* (*.</a:t>
+            </a:r>
+            <a:r>
+              <a:rPr lang="en-US" dirty="0" err="1"/>
+              <a:t>xls</a:t>
+            </a:r>
+            <a:r>
+              <a:rPr lang="en-US" dirty="0"/>
+              <a:t>*),")</a:t>
+            </a:r>
+            <a:r>
+              <a:rPr lang="en-US" dirty="0"/>
+              <a:t/>
+            </a:r>
+            <a:br>
+              <a:rPr lang="en-US" dirty="0"/>
+            </a:br>
+            <a:r>
+              <a:rPr lang="en-US" dirty="0"/>
+              <a:t>If </a:t>
+            </a:r>
+            <a:r>
+              <a:rPr lang="en-US" dirty="0" err="1"/>
+              <a:t>strFileToOpen</a:t>
+            </a:r>
+            <a:r>
+              <a:rPr lang="en-US" dirty="0"/>
+              <a:t> = False Then</a:t>
+            </a:r>
+            <a:r>
+              <a:rPr lang="en-US" dirty="0"/>
+              <a:t/>
+            </a:r>
+            <a:br>
+              <a:rPr lang="en-US" dirty="0"/>
+            </a:br>
+            <a:r>
+              <a:rPr lang="en-US" dirty="0" err="1"/>
+              <a:t>MsgBox</a:t>
+            </a:r>
+            <a:r>
+              <a:rPr lang="en-US" dirty="0"/>
+              <a:t> "No file selected.", </a:t>
+            </a:r>
+            <a:r>
+              <a:rPr lang="en-US" dirty="0" err="1"/>
+              <a:t>vbExclamation</a:t>
+            </a:r>
+            <a:r>
+              <a:rPr lang="en-US" dirty="0"/>
+              <a:t>, "Sorry!"</a:t>
+            </a:r>
+            <a:r>
+              <a:rPr lang="en-US" dirty="0"/>
+              <a:t/>
+            </a:r>
+            <a:br>
+              <a:rPr lang="en-US" dirty="0"/>
+            </a:br>
+            <a:r>
+              <a:rPr lang="en-US" dirty="0"/>
+              <a:t>Exit Sub</a:t>
+            </a:r>
+            <a:r>
+              <a:rPr lang="en-US" dirty="0"/>
+              <a:t/>
+            </a:r>
+            <a:br>
+              <a:rPr lang="en-US" dirty="0"/>
+            </a:br>
+            <a:r>
+              <a:rPr lang="en-US" dirty="0"/>
+              <a:t>Else</a:t>
+            </a:r>
+            <a:r>
+              <a:rPr lang="en-US" dirty="0"/>
+              <a:t/>
+            </a:r>
+            <a:br>
+              <a:rPr lang="en-US" dirty="0"/>
+            </a:br>
+            <a:r>
+              <a:rPr lang="en-US" dirty="0"/>
+              <a:t>Sheet1.Range("G5").Value = </a:t>
+            </a:r>
+            <a:r>
+              <a:rPr lang="en-US" dirty="0" err="1"/>
+              <a:t>strFileToOpen</a:t>
+            </a:r>
+            <a:r>
+              <a:rPr lang="en-US" dirty="0"/>
+              <a:t/>
+            </a:r>
+            <a:br>
+              <a:rPr lang="en-US" dirty="0"/>
+            </a:br>
+            <a:r>
+              <a:rPr lang="en-US" dirty="0" err="1"/>
+              <a:t>Workbooks.Open</a:t>
+            </a:r>
+            <a:r>
+              <a:rPr lang="en-US" dirty="0"/>
+              <a:t> Filename:=</a:t>
+            </a:r>
+            <a:r>
+              <a:rPr lang="en-US" dirty="0" err="1"/>
+              <a:t>strFileToOpen</a:t>
+            </a:r>
+            <a:r>
+              <a:rPr lang="en-US" dirty="0"/>
+              <a:t/>
+            </a:r>
+            <a:br>
+              <a:rPr lang="en-US" dirty="0"/>
+            </a:br>
+            <a:r>
+              <a:rPr lang="en-US" dirty="0"/>
+              <a:t>End If</a:t>
+            </a:r>
+            <a:r>
+              <a:rPr lang="en-US" dirty="0"/>
+              <a:t/>
+            </a:r>
+            <a:br>
+              <a:rPr lang="en-US" dirty="0"/>
+            </a:br>
+            <a:r>
+              <a:rPr lang="en-US" dirty="0"/>
+              <a:t>End Sub</a:t>
+            </a:r>
+            <a:endParaRPr lang="en-US" dirty="0"/>
+          </a:p>
+        </p:txBody>
+      </p:sp>
+    </p:spTree>
+    <p:extLst>
+      <p:ext uri="{BB962C8B-B14F-4D97-AF65-F5344CB8AC3E}">
+        <p14:creationId xmlns:p14="http://schemas.microsoft.com/office/powerpoint/2010/main" val="1575937473"/>
+      </p:ext>
+    </p:extLst>
+  </p:cSld>
+  <p:clrMapOvr>
+    <a:masterClrMapping/>
+  </p:clrMapOvr>
+  <p:timing>
+    <p:tnLst>
+      <p:par>
+        <p:cTn id="1" dur="indefinite" restart="never" nodeType="tmRoot"/>
+      </p:par>
+    </p:tnLst>
+  </p:timing>
+</p:sld>
+</file>
+
+<file path=ppt/slides/slide26.xml><?xml version="1.0" encoding="utf-8"?>
+<p:sld xmlns:a="http://schemas.openxmlformats.org/drawingml/2006/main" xmlns:r="http://schemas.openxmlformats.org/officeDocument/2006/relationships" xmlns:p="http://schemas.openxmlformats.org/presentationml/2006/main">
+  <p:cSld>
+    <p:spTree>
+      <p:nvGrpSpPr>
+        <p:cNvPr id="1" name=""/>
+        <p:cNvGrpSpPr/>
+        <p:nvPr/>
+      </p:nvGrpSpPr>
+      <p:grpSpPr>
+        <a:xfrm>
+          <a:off x="0" y="0"/>
+          <a:ext cx="0" cy="0"/>
+          <a:chOff x="0" y="0"/>
+          <a:chExt cx="0" cy="0"/>
+        </a:xfrm>
+      </p:grpSpPr>
+      <p:sp>
+        <p:nvSpPr>
+          <p:cNvPr id="2" name="Title 1"/>
+          <p:cNvSpPr>
+            <a:spLocks noGrp="1"/>
+          </p:cNvSpPr>
+          <p:nvPr>
+            <p:ph type="title"/>
+          </p:nvPr>
+        </p:nvSpPr>
+        <p:spPr/>
+        <p:txBody>
+          <a:bodyPr/>
+          <a:lstStyle/>
+          <a:p>
+            <a:r>
+              <a:rPr lang="en-US" dirty="0" smtClean="0"/>
+              <a:t>Select Range Popup</a:t>
+            </a:r>
+            <a:endParaRPr lang="en-US" dirty="0"/>
+          </a:p>
+        </p:txBody>
+      </p:sp>
+      <p:sp>
+        <p:nvSpPr>
+          <p:cNvPr id="3" name="Content Placeholder 2"/>
+          <p:cNvSpPr>
+            <a:spLocks noGrp="1"/>
+          </p:cNvSpPr>
+          <p:nvPr>
+            <p:ph idx="1"/>
+          </p:nvPr>
+        </p:nvSpPr>
+        <p:spPr/>
+        <p:txBody>
+          <a:bodyPr>
+            <a:normAutofit fontScale="55000" lnSpcReduction="20000"/>
+          </a:bodyPr>
+          <a:lstStyle/>
+          <a:p>
+            <a:pPr marL="0" indent="0">
+              <a:buNone/>
+            </a:pPr>
+            <a:r>
+              <a:rPr lang="en-US" dirty="0"/>
+              <a:t>Sub </a:t>
+            </a:r>
+            <a:r>
+              <a:rPr lang="en-US" dirty="0" err="1"/>
+              <a:t>RemoveEmptyRow</a:t>
+            </a:r>
+            <a:r>
+              <a:rPr lang="en-US" dirty="0"/>
+              <a:t>()</a:t>
+            </a:r>
+          </a:p>
+          <a:p>
+            <a:pPr marL="0" indent="0">
+              <a:buNone/>
+            </a:pPr>
+            <a:r>
+              <a:rPr lang="en-US" dirty="0"/>
+              <a:t>    Set </a:t>
+            </a:r>
+            <a:r>
+              <a:rPr lang="en-US" dirty="0" err="1"/>
+              <a:t>rrange</a:t>
+            </a:r>
+            <a:r>
+              <a:rPr lang="en-US" dirty="0"/>
+              <a:t> = </a:t>
+            </a:r>
+            <a:r>
+              <a:rPr lang="en-US" dirty="0" err="1"/>
+              <a:t>Application.InputBox</a:t>
+            </a:r>
+            <a:r>
+              <a:rPr lang="en-US" dirty="0"/>
+              <a:t>(Prompt:="Chon </a:t>
+            </a:r>
+            <a:r>
+              <a:rPr lang="en-US" dirty="0" err="1"/>
+              <a:t>vung</a:t>
+            </a:r>
+            <a:r>
+              <a:rPr lang="en-US" dirty="0"/>
+              <a:t> can </a:t>
+            </a:r>
+            <a:r>
+              <a:rPr lang="en-US" dirty="0" err="1"/>
+              <a:t>xoa</a:t>
+            </a:r>
+            <a:r>
+              <a:rPr lang="en-US" dirty="0"/>
+              <a:t>", Title:="Chon </a:t>
+            </a:r>
+            <a:r>
+              <a:rPr lang="en-US" dirty="0" err="1"/>
+              <a:t>Vung</a:t>
+            </a:r>
+            <a:r>
+              <a:rPr lang="en-US" dirty="0"/>
+              <a:t>", Type:=8)</a:t>
+            </a:r>
+          </a:p>
+          <a:p>
+            <a:pPr marL="0" indent="0">
+              <a:buNone/>
+            </a:pPr>
+            <a:r>
+              <a:rPr lang="en-US" dirty="0"/>
+              <a:t>    Dim </a:t>
+            </a:r>
+            <a:r>
+              <a:rPr lang="en-US" dirty="0" err="1"/>
+              <a:t>FirstRow</a:t>
+            </a:r>
+            <a:r>
+              <a:rPr lang="en-US" dirty="0"/>
+              <a:t> As Long, </a:t>
+            </a:r>
+            <a:r>
+              <a:rPr lang="en-US" dirty="0" err="1"/>
+              <a:t>LastRow</a:t>
+            </a:r>
+            <a:r>
+              <a:rPr lang="en-US" dirty="0"/>
+              <a:t> As Long, </a:t>
+            </a:r>
+            <a:r>
+              <a:rPr lang="en-US" dirty="0" err="1"/>
+              <a:t>UsedRow</a:t>
+            </a:r>
+            <a:r>
+              <a:rPr lang="en-US" dirty="0"/>
+              <a:t> As Long</a:t>
+            </a:r>
+          </a:p>
+          <a:p>
+            <a:pPr marL="0" indent="0">
+              <a:buNone/>
+            </a:pPr>
+            <a:r>
+              <a:rPr lang="en-US" dirty="0"/>
+              <a:t>    Dim </a:t>
+            </a:r>
+            <a:r>
+              <a:rPr lang="en-US" dirty="0" err="1"/>
+              <a:t>FirstCol</a:t>
+            </a:r>
+            <a:r>
+              <a:rPr lang="en-US" dirty="0"/>
+              <a:t> As String, </a:t>
+            </a:r>
+            <a:r>
+              <a:rPr lang="en-US" dirty="0" err="1"/>
+              <a:t>LastCol</a:t>
+            </a:r>
+            <a:r>
+              <a:rPr lang="en-US" dirty="0"/>
+              <a:t> As String</a:t>
+            </a:r>
+          </a:p>
+          <a:p>
+            <a:pPr marL="0" indent="0">
+              <a:buNone/>
+            </a:pPr>
+            <a:r>
+              <a:rPr lang="en-US" dirty="0"/>
+              <a:t>    Dim </a:t>
+            </a:r>
+            <a:r>
+              <a:rPr lang="en-US" dirty="0" err="1"/>
+              <a:t>i</a:t>
+            </a:r>
+            <a:r>
+              <a:rPr lang="en-US" dirty="0"/>
+              <a:t> As Long, t As Range</a:t>
+            </a:r>
+          </a:p>
+          <a:p>
+            <a:pPr marL="0" indent="0">
+              <a:buNone/>
+            </a:pPr>
+            <a:r>
+              <a:rPr lang="en-US" dirty="0"/>
+              <a:t>    </a:t>
+            </a:r>
+            <a:r>
+              <a:rPr lang="en-US" dirty="0" err="1"/>
+              <a:t>FirstRow</a:t>
+            </a:r>
+            <a:r>
+              <a:rPr lang="en-US" dirty="0"/>
+              <a:t> = </a:t>
+            </a:r>
+            <a:r>
+              <a:rPr lang="en-US" dirty="0" err="1"/>
+              <a:t>rrange.Row</a:t>
+            </a:r>
+            <a:endParaRPr lang="en-US" dirty="0"/>
+          </a:p>
+          <a:p>
+            <a:pPr marL="0" indent="0">
+              <a:buNone/>
+            </a:pPr>
+            <a:r>
+              <a:rPr lang="en-US" dirty="0"/>
+              <a:t>    </a:t>
+            </a:r>
+            <a:r>
+              <a:rPr lang="en-US" dirty="0" err="1"/>
+              <a:t>UsedRow</a:t>
+            </a:r>
+            <a:r>
+              <a:rPr lang="en-US" dirty="0"/>
+              <a:t> = </a:t>
+            </a:r>
+            <a:r>
+              <a:rPr lang="en-US" dirty="0" err="1"/>
+              <a:t>rrange.Rows.Count</a:t>
+            </a:r>
+            <a:endParaRPr lang="en-US" dirty="0"/>
+          </a:p>
+          <a:p>
+            <a:pPr marL="0" indent="0">
+              <a:buNone/>
+            </a:pPr>
+            <a:r>
+              <a:rPr lang="en-US" dirty="0"/>
+              <a:t>    </a:t>
+            </a:r>
+            <a:r>
+              <a:rPr lang="en-US" dirty="0" err="1"/>
+              <a:t>LastRow</a:t>
+            </a:r>
+            <a:r>
+              <a:rPr lang="en-US" dirty="0"/>
+              <a:t> = </a:t>
+            </a:r>
+            <a:r>
+              <a:rPr lang="en-US" dirty="0" err="1"/>
+              <a:t>FirstRow</a:t>
+            </a:r>
+            <a:r>
+              <a:rPr lang="en-US" dirty="0"/>
+              <a:t> - 1 + </a:t>
+            </a:r>
+            <a:r>
+              <a:rPr lang="en-US" dirty="0" err="1"/>
+              <a:t>UsedRow</a:t>
+            </a:r>
+            <a:endParaRPr lang="en-US" dirty="0"/>
+          </a:p>
+          <a:p>
+            <a:pPr marL="0" indent="0">
+              <a:buNone/>
+            </a:pPr>
+            <a:r>
+              <a:rPr lang="en-US" dirty="0"/>
+              <a:t>    </a:t>
+            </a:r>
+            <a:r>
+              <a:rPr lang="en-US" dirty="0" err="1"/>
+              <a:t>FirstCol</a:t>
+            </a:r>
+            <a:r>
+              <a:rPr lang="en-US" dirty="0"/>
+              <a:t> = Split(</a:t>
+            </a:r>
+            <a:r>
+              <a:rPr lang="en-US" dirty="0" err="1"/>
+              <a:t>rrange.Address</a:t>
+            </a:r>
+            <a:r>
+              <a:rPr lang="en-US" dirty="0"/>
+              <a:t>, "$")(1)</a:t>
+            </a:r>
+          </a:p>
+          <a:p>
+            <a:pPr marL="0" indent="0">
+              <a:buNone/>
+            </a:pPr>
+            <a:r>
+              <a:rPr lang="en-US" dirty="0"/>
+              <a:t>    </a:t>
+            </a:r>
+            <a:r>
+              <a:rPr lang="en-US" dirty="0" err="1"/>
+              <a:t>LastCol</a:t>
+            </a:r>
+            <a:r>
+              <a:rPr lang="en-US" dirty="0"/>
+              <a:t> = Split(</a:t>
+            </a:r>
+            <a:r>
+              <a:rPr lang="en-US" dirty="0" err="1"/>
+              <a:t>rrange.Address</a:t>
+            </a:r>
+            <a:r>
+              <a:rPr lang="en-US" dirty="0"/>
+              <a:t>, "$")(3)</a:t>
+            </a:r>
+          </a:p>
+          <a:p>
+            <a:pPr marL="0" indent="0">
+              <a:buNone/>
+            </a:pPr>
+            <a:r>
+              <a:rPr lang="en-US" dirty="0"/>
+              <a:t>    For </a:t>
+            </a:r>
+            <a:r>
+              <a:rPr lang="en-US" dirty="0" err="1"/>
+              <a:t>i</a:t>
+            </a:r>
+            <a:r>
+              <a:rPr lang="en-US" dirty="0"/>
+              <a:t> = </a:t>
+            </a:r>
+            <a:r>
+              <a:rPr lang="en-US" dirty="0" err="1"/>
+              <a:t>LastRow</a:t>
+            </a:r>
+            <a:r>
+              <a:rPr lang="en-US" dirty="0"/>
+              <a:t> To </a:t>
+            </a:r>
+            <a:r>
+              <a:rPr lang="en-US" dirty="0" err="1"/>
+              <a:t>FirstRow</a:t>
+            </a:r>
+            <a:r>
+              <a:rPr lang="en-US" dirty="0"/>
+              <a:t> Step -</a:t>
+            </a:r>
+            <a:r>
+              <a:rPr lang="en-US" dirty="0" smtClean="0"/>
+              <a:t>1</a:t>
+            </a:r>
+          </a:p>
+          <a:p>
+            <a:pPr marL="0" indent="0">
+              <a:buNone/>
+            </a:pPr>
+            <a:r>
+              <a:rPr lang="en-US" dirty="0" smtClean="0"/>
+              <a:t>……</a:t>
+            </a:r>
+            <a:endParaRPr lang="en-US" dirty="0"/>
+          </a:p>
+          <a:p>
+            <a:pPr marL="0" indent="0">
+              <a:buNone/>
+            </a:pPr>
+            <a:r>
+              <a:rPr lang="en-US" dirty="0" smtClean="0"/>
+              <a:t>Next </a:t>
+            </a:r>
+            <a:r>
+              <a:rPr lang="en-US" dirty="0" err="1"/>
+              <a:t>i</a:t>
+            </a:r>
+            <a:endParaRPr lang="en-US" dirty="0"/>
+          </a:p>
+          <a:p>
+            <a:pPr marL="0" indent="0">
+              <a:buNone/>
+            </a:pPr>
+            <a:r>
+              <a:rPr lang="en-US" dirty="0"/>
+              <a:t>End Sub</a:t>
+            </a:r>
+          </a:p>
+        </p:txBody>
+      </p:sp>
+    </p:spTree>
+    <p:extLst>
+      <p:ext uri="{BB962C8B-B14F-4D97-AF65-F5344CB8AC3E}">
+        <p14:creationId xmlns:p14="http://schemas.microsoft.com/office/powerpoint/2010/main" val="1365279572"/>
+      </p:ext>
+    </p:extLst>
+  </p:cSld>
+  <p:clrMapOvr>
+    <a:masterClrMapping/>
+  </p:clrMapOvr>
+  <p:timing>
+    <p:tnLst>
+      <p:par>
+        <p:cTn id="1" dur="indefinite" restart="never" nodeType="tmRoot"/>
+      </p:par>
+    </p:tnLst>
+  </p:timing>
+</p:sld>
+</file>
+
+<file path=ppt/slides/slide27.xml><?xml version="1.0" encoding="utf-8"?>
+<p:sld xmlns:a="http://schemas.openxmlformats.org/drawingml/2006/main" xmlns:r="http://schemas.openxmlformats.org/officeDocument/2006/relationships" xmlns:p="http://schemas.openxmlformats.org/presentationml/2006/main">
+  <p:cSld>
+    <p:spTree>
+      <p:nvGrpSpPr>
+        <p:cNvPr id="1" name=""/>
+        <p:cNvGrpSpPr/>
+        <p:nvPr/>
+      </p:nvGrpSpPr>
+      <p:grpSpPr>
+        <a:xfrm>
+          <a:off x="0" y="0"/>
+          <a:ext cx="0" cy="0"/>
+          <a:chOff x="0" y="0"/>
+          <a:chExt cx="0" cy="0"/>
+        </a:xfrm>
+      </p:grpSpPr>
+      <p:sp>
+        <p:nvSpPr>
+          <p:cNvPr id="2" name="Title 1"/>
+          <p:cNvSpPr>
+            <a:spLocks noGrp="1"/>
+          </p:cNvSpPr>
+          <p:nvPr>
+            <p:ph type="title"/>
+          </p:nvPr>
+        </p:nvSpPr>
+        <p:spPr/>
+        <p:txBody>
+          <a:bodyPr>
+            <a:normAutofit fontScale="90000"/>
+          </a:bodyPr>
+          <a:lstStyle/>
+          <a:p>
+            <a:r>
+              <a:rPr lang="en-US" dirty="0"/>
+              <a:t>Get the names of all </a:t>
+            </a:r>
+            <a:r>
+              <a:rPr lang="en-US" dirty="0" err="1"/>
+              <a:t>WorkSheets</a:t>
+            </a:r>
+            <a:r>
+              <a:rPr lang="en-US" dirty="0"/>
+              <a:t> in a Excel (</a:t>
+            </a:r>
+            <a:r>
+              <a:rPr lang="en-US" dirty="0" err="1"/>
+              <a:t>WorkBook</a:t>
+            </a:r>
+            <a:r>
+              <a:rPr lang="en-US" dirty="0"/>
+              <a:t>)</a:t>
+            </a:r>
+            <a:br>
+              <a:rPr lang="en-US" dirty="0"/>
+            </a:br>
+            <a:endParaRPr lang="en-US" dirty="0"/>
+          </a:p>
+        </p:txBody>
+      </p:sp>
+      <p:sp>
+        <p:nvSpPr>
+          <p:cNvPr id="3" name="Content Placeholder 2"/>
+          <p:cNvSpPr>
+            <a:spLocks noGrp="1"/>
+          </p:cNvSpPr>
+          <p:nvPr>
+            <p:ph idx="1"/>
+          </p:nvPr>
+        </p:nvSpPr>
+        <p:spPr/>
+        <p:txBody>
+          <a:bodyPr>
+            <a:normAutofit/>
+          </a:bodyPr>
+          <a:lstStyle/>
+          <a:p>
+            <a:pPr marL="0" indent="0">
+              <a:buNone/>
+            </a:pPr>
+            <a:r>
+              <a:rPr lang="en-US" sz="1600" dirty="0">
+                <a:latin typeface="Arial Narrow" panose="020B0606020202030204" pitchFamily="34" charset="0"/>
+              </a:rPr>
+              <a:t>Sub </a:t>
+            </a:r>
+            <a:r>
+              <a:rPr lang="en-US" sz="1600" dirty="0" err="1">
+                <a:latin typeface="Arial Narrow" panose="020B0606020202030204" pitchFamily="34" charset="0"/>
+              </a:rPr>
+              <a:t>FnGetSheetsName</a:t>
+            </a:r>
+            <a:r>
+              <a:rPr lang="en-US" sz="1600" dirty="0" smtClean="0">
+                <a:latin typeface="Arial Narrow" panose="020B0606020202030204" pitchFamily="34" charset="0"/>
+              </a:rPr>
+              <a:t>()</a:t>
+            </a:r>
+            <a:endParaRPr lang="en-US" sz="1600" dirty="0">
+              <a:latin typeface="Arial Narrow" panose="020B0606020202030204" pitchFamily="34" charset="0"/>
+            </a:endParaRPr>
+          </a:p>
+          <a:p>
+            <a:pPr marL="0" indent="0">
+              <a:buNone/>
+            </a:pPr>
+            <a:r>
+              <a:rPr lang="en-US" sz="1600" dirty="0">
+                <a:latin typeface="Arial Narrow" panose="020B0606020202030204" pitchFamily="34" charset="0"/>
+              </a:rPr>
+              <a:t>Dim </a:t>
+            </a:r>
+            <a:r>
+              <a:rPr lang="en-US" sz="1600" dirty="0" err="1">
+                <a:latin typeface="Arial Narrow" panose="020B0606020202030204" pitchFamily="34" charset="0"/>
+              </a:rPr>
+              <a:t>mainworkBook</a:t>
+            </a:r>
+            <a:r>
+              <a:rPr lang="en-US" sz="1600" dirty="0">
+                <a:latin typeface="Arial Narrow" panose="020B0606020202030204" pitchFamily="34" charset="0"/>
+              </a:rPr>
+              <a:t> As </a:t>
+            </a:r>
+            <a:r>
+              <a:rPr lang="en-US" sz="1600" dirty="0" smtClean="0">
+                <a:latin typeface="Arial Narrow" panose="020B0606020202030204" pitchFamily="34" charset="0"/>
+              </a:rPr>
+              <a:t>Workbook</a:t>
+            </a:r>
+            <a:endParaRPr lang="en-US" sz="1600" dirty="0">
+              <a:latin typeface="Arial Narrow" panose="020B0606020202030204" pitchFamily="34" charset="0"/>
+            </a:endParaRPr>
+          </a:p>
+          <a:p>
+            <a:pPr marL="0" indent="0">
+              <a:buNone/>
+            </a:pPr>
+            <a:r>
+              <a:rPr lang="en-US" sz="1600" dirty="0">
+                <a:latin typeface="Arial Narrow" panose="020B0606020202030204" pitchFamily="34" charset="0"/>
+              </a:rPr>
+              <a:t>Set </a:t>
+            </a:r>
+            <a:r>
+              <a:rPr lang="en-US" sz="1600" dirty="0" err="1">
+                <a:latin typeface="Arial Narrow" panose="020B0606020202030204" pitchFamily="34" charset="0"/>
+              </a:rPr>
+              <a:t>mainworkBook</a:t>
+            </a:r>
+            <a:r>
+              <a:rPr lang="en-US" sz="1600" dirty="0">
+                <a:latin typeface="Arial Narrow" panose="020B0606020202030204" pitchFamily="34" charset="0"/>
+              </a:rPr>
+              <a:t> = </a:t>
+            </a:r>
+            <a:r>
+              <a:rPr lang="en-US" sz="1600" dirty="0" err="1" smtClean="0">
+                <a:latin typeface="Arial Narrow" panose="020B0606020202030204" pitchFamily="34" charset="0"/>
+              </a:rPr>
+              <a:t>ActiveWorkbook</a:t>
+            </a:r>
+            <a:endParaRPr lang="en-US" sz="1600" dirty="0">
+              <a:latin typeface="Arial Narrow" panose="020B0606020202030204" pitchFamily="34" charset="0"/>
+            </a:endParaRPr>
+          </a:p>
+          <a:p>
+            <a:pPr marL="0" indent="0">
+              <a:buNone/>
+            </a:pPr>
+            <a:r>
+              <a:rPr lang="en-US" sz="1600" dirty="0">
+                <a:latin typeface="Arial Narrow" panose="020B0606020202030204" pitchFamily="34" charset="0"/>
+              </a:rPr>
+              <a:t>For  </a:t>
+            </a:r>
+            <a:r>
+              <a:rPr lang="en-US" sz="1600" dirty="0" err="1">
+                <a:latin typeface="Arial Narrow" panose="020B0606020202030204" pitchFamily="34" charset="0"/>
+              </a:rPr>
+              <a:t>i</a:t>
+            </a:r>
+            <a:r>
+              <a:rPr lang="en-US" sz="1600" dirty="0">
+                <a:latin typeface="Arial Narrow" panose="020B0606020202030204" pitchFamily="34" charset="0"/>
+              </a:rPr>
+              <a:t> = 1 To </a:t>
+            </a:r>
+            <a:r>
+              <a:rPr lang="en-US" sz="1600" dirty="0" err="1" smtClean="0">
+                <a:latin typeface="Arial Narrow" panose="020B0606020202030204" pitchFamily="34" charset="0"/>
+              </a:rPr>
+              <a:t>mainworkBook.Sheets.count</a:t>
+            </a:r>
+            <a:endParaRPr lang="en-US" sz="1600" dirty="0">
+              <a:latin typeface="Arial Narrow" panose="020B0606020202030204" pitchFamily="34" charset="0"/>
+            </a:endParaRPr>
+          </a:p>
+          <a:p>
+            <a:pPr marL="0" indent="0">
+              <a:buNone/>
+            </a:pPr>
+            <a:r>
+              <a:rPr lang="en-US" sz="1600" dirty="0">
+                <a:latin typeface="Arial Narrow" panose="020B0606020202030204" pitchFamily="34" charset="0"/>
+              </a:rPr>
+              <a:t>‘Either we can put all names in an array , here we are printing all the names in Sheet </a:t>
+            </a:r>
+            <a:r>
+              <a:rPr lang="en-US" sz="1600" dirty="0" smtClean="0">
+                <a:latin typeface="Arial Narrow" panose="020B0606020202030204" pitchFamily="34" charset="0"/>
+              </a:rPr>
+              <a:t>2</a:t>
+            </a:r>
+            <a:endParaRPr lang="en-US" sz="1600" dirty="0">
+              <a:latin typeface="Arial Narrow" panose="020B0606020202030204" pitchFamily="34" charset="0"/>
+            </a:endParaRPr>
+          </a:p>
+          <a:p>
+            <a:pPr marL="0" indent="0">
+              <a:buNone/>
+            </a:pPr>
+            <a:r>
+              <a:rPr lang="en-US" sz="1600" dirty="0" err="1">
+                <a:latin typeface="Arial Narrow" panose="020B0606020202030204" pitchFamily="34" charset="0"/>
+              </a:rPr>
+              <a:t>mainworkBook.Sheets</a:t>
+            </a:r>
+            <a:r>
+              <a:rPr lang="en-US" sz="1600" dirty="0">
+                <a:latin typeface="Arial Narrow" panose="020B0606020202030204" pitchFamily="34" charset="0"/>
+              </a:rPr>
+              <a:t>(“Sheet2”).Range(“A” &amp; </a:t>
+            </a:r>
+            <a:r>
+              <a:rPr lang="en-US" sz="1600" dirty="0" err="1">
+                <a:latin typeface="Arial Narrow" panose="020B0606020202030204" pitchFamily="34" charset="0"/>
+              </a:rPr>
+              <a:t>i</a:t>
+            </a:r>
+            <a:r>
+              <a:rPr lang="en-US" sz="1600" dirty="0">
+                <a:latin typeface="Arial Narrow" panose="020B0606020202030204" pitchFamily="34" charset="0"/>
+              </a:rPr>
+              <a:t>) = </a:t>
+            </a:r>
+            <a:r>
+              <a:rPr lang="en-US" sz="1600" dirty="0" err="1">
+                <a:latin typeface="Arial Narrow" panose="020B0606020202030204" pitchFamily="34" charset="0"/>
+              </a:rPr>
+              <a:t>mainworkBook.Sheets</a:t>
+            </a:r>
+            <a:r>
+              <a:rPr lang="en-US" sz="1600" dirty="0">
+                <a:latin typeface="Arial Narrow" panose="020B0606020202030204" pitchFamily="34" charset="0"/>
+              </a:rPr>
+              <a:t>(</a:t>
+            </a:r>
+            <a:r>
+              <a:rPr lang="en-US" sz="1600" dirty="0" err="1">
+                <a:latin typeface="Arial Narrow" panose="020B0606020202030204" pitchFamily="34" charset="0"/>
+              </a:rPr>
+              <a:t>i</a:t>
+            </a:r>
+            <a:r>
+              <a:rPr lang="en-US" sz="1600" dirty="0">
+                <a:latin typeface="Arial Narrow" panose="020B0606020202030204" pitchFamily="34" charset="0"/>
+              </a:rPr>
+              <a:t>).</a:t>
+            </a:r>
+            <a:r>
+              <a:rPr lang="en-US" sz="1600" dirty="0" smtClean="0">
+                <a:latin typeface="Arial Narrow" panose="020B0606020202030204" pitchFamily="34" charset="0"/>
+              </a:rPr>
+              <a:t>Name</a:t>
+            </a:r>
+            <a:endParaRPr lang="en-US" sz="1600" dirty="0">
+              <a:latin typeface="Arial Narrow" panose="020B0606020202030204" pitchFamily="34" charset="0"/>
+            </a:endParaRPr>
+          </a:p>
+          <a:p>
+            <a:pPr marL="0" indent="0">
+              <a:buNone/>
+            </a:pPr>
+            <a:r>
+              <a:rPr lang="en-US" sz="1600" dirty="0">
+                <a:latin typeface="Arial Narrow" panose="020B0606020202030204" pitchFamily="34" charset="0"/>
+              </a:rPr>
+              <a:t>Next </a:t>
+            </a:r>
+            <a:r>
+              <a:rPr lang="en-US" sz="1600" dirty="0" err="1" smtClean="0">
+                <a:latin typeface="Arial Narrow" panose="020B0606020202030204" pitchFamily="34" charset="0"/>
+              </a:rPr>
+              <a:t>i</a:t>
+            </a:r>
+            <a:endParaRPr lang="en-US" sz="1600" dirty="0">
+              <a:latin typeface="Arial Narrow" panose="020B0606020202030204" pitchFamily="34" charset="0"/>
+            </a:endParaRPr>
+          </a:p>
+          <a:p>
+            <a:pPr marL="0" indent="0">
+              <a:buNone/>
+            </a:pPr>
+            <a:r>
+              <a:rPr lang="en-US" sz="1600" dirty="0">
+                <a:latin typeface="Arial Narrow" panose="020B0606020202030204" pitchFamily="34" charset="0"/>
+              </a:rPr>
+              <a:t>End Sub</a:t>
+            </a:r>
+          </a:p>
+        </p:txBody>
+      </p:sp>
+    </p:spTree>
+    <p:extLst>
+      <p:ext uri="{BB962C8B-B14F-4D97-AF65-F5344CB8AC3E}">
+        <p14:creationId xmlns:p14="http://schemas.microsoft.com/office/powerpoint/2010/main" val="1972890742"/>
+      </p:ext>
+    </p:extLst>
+  </p:cSld>
+  <p:clrMapOvr>
+    <a:masterClrMapping/>
+  </p:clrMapOvr>
+  <p:timing>
+    <p:tnLst>
+      <p:par>
+        <p:cTn id="1" dur="indefinite" restart="never" nodeType="tmRoot"/>
+      </p:par>
+    </p:tnLst>
+  </p:timing>
+</p:sld>
+</file>
+
+<file path=ppt/slides/slide28.xml><?xml version="1.0" encoding="utf-8"?>
+<p:sld xmlns:a="http://schemas.openxmlformats.org/drawingml/2006/main" xmlns:r="http://schemas.openxmlformats.org/officeDocument/2006/relationships" xmlns:p="http://schemas.openxmlformats.org/presentationml/2006/main">
+  <p:cSld>
+    <p:spTree>
+      <p:nvGrpSpPr>
+        <p:cNvPr id="1" name=""/>
+        <p:cNvGrpSpPr/>
+        <p:nvPr/>
+      </p:nvGrpSpPr>
+      <p:grpSpPr>
+        <a:xfrm>
+          <a:off x="0" y="0"/>
+          <a:ext cx="0" cy="0"/>
+          <a:chOff x="0" y="0"/>
+          <a:chExt cx="0" cy="0"/>
+        </a:xfrm>
+      </p:grpSpPr>
+      <p:sp>
+        <p:nvSpPr>
+          <p:cNvPr id="2" name="Title 1"/>
+          <p:cNvSpPr>
+            <a:spLocks noGrp="1"/>
+          </p:cNvSpPr>
+          <p:nvPr>
+            <p:ph type="title"/>
+          </p:nvPr>
+        </p:nvSpPr>
+        <p:spPr/>
+        <p:txBody>
+          <a:bodyPr/>
+          <a:lstStyle/>
+          <a:p>
+            <a:r>
+              <a:rPr lang="en-US" dirty="0" smtClean="0"/>
+              <a:t>Send Email</a:t>
+            </a:r>
+            <a:endParaRPr lang="en-US" dirty="0"/>
+          </a:p>
+        </p:txBody>
+      </p:sp>
+      <p:graphicFrame>
+        <p:nvGraphicFramePr>
+          <p:cNvPr id="4" name="Table 3"/>
+          <p:cNvGraphicFramePr>
+            <a:graphicFrameLocks noGrp="1"/>
+          </p:cNvGraphicFramePr>
+          <p:nvPr>
+            <p:extLst>
+              <p:ext uri="{D42A27DB-BD31-4B8C-83A1-F6EECF244321}">
+                <p14:modId xmlns:p14="http://schemas.microsoft.com/office/powerpoint/2010/main" val="1188397498"/>
+              </p:ext>
+            </p:extLst>
+          </p:nvPr>
+        </p:nvGraphicFramePr>
+        <p:xfrm>
+          <a:off x="1149619" y="2296159"/>
+          <a:ext cx="10060248" cy="3937000"/>
+        </p:xfrm>
+        <a:graphic>
+          <a:graphicData uri="http://schemas.openxmlformats.org/drawingml/2006/table">
+            <a:tbl>
+              <a:tblPr firstRow="1" bandRow="1">
+                <a:tableStyleId>{5C22544A-7EE6-4342-B048-85BDC9FD1C3A}</a:tableStyleId>
+              </a:tblPr>
+              <a:tblGrid>
+                <a:gridCol w="5030124"/>
+                <a:gridCol w="5030124"/>
+              </a:tblGrid>
+              <a:tr h="3937000">
+                <a:tc>
+                  <a:txBody>
+                    <a:bodyPr/>
+                    <a:lstStyle/>
+                    <a:p>
+                      <a:pPr marL="0" indent="0">
+                        <a:buNone/>
+                      </a:pPr>
+                      <a:r>
+                        <a:rPr lang="en-US" sz="1200" b="0" dirty="0" smtClean="0">
+                          <a:solidFill>
+                            <a:schemeClr val="tx1"/>
+                          </a:solidFill>
+                          <a:latin typeface="Arial Narrow" panose="020B0606020202030204" pitchFamily="34" charset="0"/>
+                        </a:rPr>
+                        <a:t>Sub </a:t>
+                      </a:r>
+                      <a:r>
+                        <a:rPr lang="en-US" sz="1200" b="0" dirty="0" err="1" smtClean="0">
+                          <a:solidFill>
+                            <a:schemeClr val="tx1"/>
+                          </a:solidFill>
+                          <a:latin typeface="Arial Narrow" panose="020B0606020202030204" pitchFamily="34" charset="0"/>
+                        </a:rPr>
+                        <a:t>sumit</a:t>
+                      </a:r>
+                      <a:r>
+                        <a:rPr lang="en-US" sz="1200" b="0" dirty="0" smtClean="0">
+                          <a:solidFill>
+                            <a:schemeClr val="tx1"/>
+                          </a:solidFill>
+                          <a:latin typeface="Arial Narrow" panose="020B0606020202030204" pitchFamily="34" charset="0"/>
+                        </a:rPr>
+                        <a:t>()</a:t>
+                      </a:r>
+                    </a:p>
+                    <a:p>
+                      <a:pPr marL="0" indent="0">
+                        <a:buNone/>
+                      </a:pPr>
+                      <a:r>
+                        <a:rPr lang="en-US" sz="1200" b="0" dirty="0" smtClean="0">
+                          <a:solidFill>
+                            <a:schemeClr val="tx1"/>
+                          </a:solidFill>
+                          <a:latin typeface="Arial Narrow" panose="020B0606020202030204" pitchFamily="34" charset="0"/>
+                        </a:rPr>
+                        <a:t>Dim </a:t>
+                      </a:r>
+                      <a:r>
+                        <a:rPr lang="en-US" sz="1200" b="0" dirty="0" err="1" smtClean="0">
+                          <a:solidFill>
+                            <a:schemeClr val="tx1"/>
+                          </a:solidFill>
+                          <a:latin typeface="Arial Narrow" panose="020B0606020202030204" pitchFamily="34" charset="0"/>
+                        </a:rPr>
+                        <a:t>mainWB</a:t>
+                      </a:r>
+                      <a:r>
+                        <a:rPr lang="en-US" sz="1200" b="0" dirty="0" smtClean="0">
+                          <a:solidFill>
+                            <a:schemeClr val="tx1"/>
+                          </a:solidFill>
+                          <a:latin typeface="Arial Narrow" panose="020B0606020202030204" pitchFamily="34" charset="0"/>
+                        </a:rPr>
+                        <a:t> As Workbook</a:t>
+                      </a:r>
+                    </a:p>
+                    <a:p>
+                      <a:pPr marL="0" indent="0">
+                        <a:buNone/>
+                      </a:pPr>
+                      <a:r>
+                        <a:rPr lang="en-US" sz="1200" b="0" dirty="0" smtClean="0">
+                          <a:solidFill>
+                            <a:schemeClr val="tx1"/>
+                          </a:solidFill>
+                          <a:latin typeface="Arial Narrow" panose="020B0606020202030204" pitchFamily="34" charset="0"/>
+                        </a:rPr>
+                        <a:t>Dim </a:t>
+                      </a:r>
+                      <a:r>
+                        <a:rPr lang="en-US" sz="1200" b="0" dirty="0" err="1" smtClean="0">
+                          <a:solidFill>
+                            <a:schemeClr val="tx1"/>
+                          </a:solidFill>
+                          <a:latin typeface="Arial Narrow" panose="020B0606020202030204" pitchFamily="34" charset="0"/>
+                        </a:rPr>
+                        <a:t>SendID</a:t>
+                      </a:r>
+                      <a:endParaRPr lang="en-US" sz="1200" b="0" dirty="0" smtClean="0">
+                        <a:solidFill>
+                          <a:schemeClr val="tx1"/>
+                        </a:solidFill>
+                        <a:latin typeface="Arial Narrow" panose="020B0606020202030204" pitchFamily="34" charset="0"/>
+                      </a:endParaRPr>
+                    </a:p>
+                    <a:p>
+                      <a:pPr marL="0" indent="0">
+                        <a:buNone/>
+                      </a:pPr>
+                      <a:r>
+                        <a:rPr lang="en-US" sz="1200" b="0" dirty="0" smtClean="0">
+                          <a:solidFill>
+                            <a:schemeClr val="tx1"/>
+                          </a:solidFill>
+                          <a:latin typeface="Arial Narrow" panose="020B0606020202030204" pitchFamily="34" charset="0"/>
+                        </a:rPr>
+                        <a:t>Dim CCID</a:t>
+                      </a:r>
+                    </a:p>
+                    <a:p>
+                      <a:pPr marL="0" indent="0">
+                        <a:buNone/>
+                      </a:pPr>
+                      <a:r>
+                        <a:rPr lang="en-US" sz="1200" b="0" dirty="0" smtClean="0">
+                          <a:solidFill>
+                            <a:schemeClr val="tx1"/>
+                          </a:solidFill>
+                          <a:latin typeface="Arial Narrow" panose="020B0606020202030204" pitchFamily="34" charset="0"/>
+                        </a:rPr>
+                        <a:t>Dim Subject</a:t>
+                      </a:r>
+                    </a:p>
+                    <a:p>
+                      <a:pPr marL="0" indent="0">
+                        <a:buNone/>
+                      </a:pPr>
+                      <a:r>
+                        <a:rPr lang="en-US" sz="1200" b="0" dirty="0" smtClean="0">
+                          <a:solidFill>
+                            <a:schemeClr val="tx1"/>
+                          </a:solidFill>
+                          <a:latin typeface="Arial Narrow" panose="020B0606020202030204" pitchFamily="34" charset="0"/>
+                        </a:rPr>
+                        <a:t>Dim Body</a:t>
+                      </a:r>
+                    </a:p>
+                    <a:p>
+                      <a:pPr marL="0" indent="0">
+                        <a:buNone/>
+                      </a:pPr>
+                      <a:r>
+                        <a:rPr lang="en-US" sz="1200" b="0" dirty="0" smtClean="0">
+                          <a:solidFill>
+                            <a:schemeClr val="tx1"/>
+                          </a:solidFill>
+                          <a:latin typeface="Arial Narrow" panose="020B0606020202030204" pitchFamily="34" charset="0"/>
+                        </a:rPr>
+                        <a:t>Set </a:t>
+                      </a:r>
+                      <a:r>
+                        <a:rPr lang="en-US" sz="1200" b="0" dirty="0" err="1" smtClean="0">
+                          <a:solidFill>
+                            <a:schemeClr val="tx1"/>
+                          </a:solidFill>
+                          <a:latin typeface="Arial Narrow" panose="020B0606020202030204" pitchFamily="34" charset="0"/>
+                        </a:rPr>
+                        <a:t>otlApp</a:t>
+                      </a:r>
+                      <a:r>
+                        <a:rPr lang="en-US" sz="1200" b="0" dirty="0" smtClean="0">
+                          <a:solidFill>
+                            <a:schemeClr val="tx1"/>
+                          </a:solidFill>
+                          <a:latin typeface="Arial Narrow" panose="020B0606020202030204" pitchFamily="34" charset="0"/>
+                        </a:rPr>
+                        <a:t> = </a:t>
+                      </a:r>
+                      <a:r>
+                        <a:rPr lang="en-US" sz="1200" b="0" dirty="0" err="1" smtClean="0">
+                          <a:solidFill>
+                            <a:schemeClr val="tx1"/>
+                          </a:solidFill>
+                          <a:latin typeface="Arial Narrow" panose="020B0606020202030204" pitchFamily="34" charset="0"/>
+                        </a:rPr>
+                        <a:t>CreateObject</a:t>
+                      </a:r>
+                      <a:r>
+                        <a:rPr lang="en-US" sz="1200" b="0" dirty="0" smtClean="0">
+                          <a:solidFill>
+                            <a:schemeClr val="tx1"/>
+                          </a:solidFill>
+                          <a:latin typeface="Arial Narrow" panose="020B0606020202030204" pitchFamily="34" charset="0"/>
+                        </a:rPr>
+                        <a:t>("</a:t>
+                      </a:r>
+                      <a:r>
+                        <a:rPr lang="en-US" sz="1200" b="0" dirty="0" err="1" smtClean="0">
+                          <a:solidFill>
+                            <a:schemeClr val="tx1"/>
+                          </a:solidFill>
+                          <a:latin typeface="Arial Narrow" panose="020B0606020202030204" pitchFamily="34" charset="0"/>
+                        </a:rPr>
+                        <a:t>Outlook.Application</a:t>
+                      </a:r>
+                      <a:r>
+                        <a:rPr lang="en-US" sz="1200" b="0" dirty="0" smtClean="0">
+                          <a:solidFill>
+                            <a:schemeClr val="tx1"/>
+                          </a:solidFill>
+                          <a:latin typeface="Arial Narrow" panose="020B0606020202030204" pitchFamily="34" charset="0"/>
+                        </a:rPr>
+                        <a:t>")</a:t>
+                      </a:r>
+                    </a:p>
+                    <a:p>
+                      <a:pPr marL="0" indent="0">
+                        <a:buNone/>
+                      </a:pPr>
+                      <a:r>
+                        <a:rPr lang="en-US" sz="1200" b="0" dirty="0" smtClean="0">
+                          <a:solidFill>
+                            <a:schemeClr val="tx1"/>
+                          </a:solidFill>
+                          <a:latin typeface="Arial Narrow" panose="020B0606020202030204" pitchFamily="34" charset="0"/>
+                        </a:rPr>
+                        <a:t>Set </a:t>
+                      </a:r>
+                      <a:r>
+                        <a:rPr lang="en-US" sz="1200" b="0" dirty="0" err="1" smtClean="0">
+                          <a:solidFill>
+                            <a:schemeClr val="tx1"/>
+                          </a:solidFill>
+                          <a:latin typeface="Arial Narrow" panose="020B0606020202030204" pitchFamily="34" charset="0"/>
+                        </a:rPr>
+                        <a:t>olMail</a:t>
+                      </a:r>
+                      <a:r>
+                        <a:rPr lang="en-US" sz="1200" b="0" dirty="0" smtClean="0">
+                          <a:solidFill>
+                            <a:schemeClr val="tx1"/>
+                          </a:solidFill>
+                          <a:latin typeface="Arial Narrow" panose="020B0606020202030204" pitchFamily="34" charset="0"/>
+                        </a:rPr>
+                        <a:t> = </a:t>
+                      </a:r>
+                      <a:r>
+                        <a:rPr lang="en-US" sz="1200" b="0" dirty="0" err="1" smtClean="0">
+                          <a:solidFill>
+                            <a:schemeClr val="tx1"/>
+                          </a:solidFill>
+                          <a:latin typeface="Arial Narrow" panose="020B0606020202030204" pitchFamily="34" charset="0"/>
+                        </a:rPr>
+                        <a:t>otlApp.CreateItem</a:t>
+                      </a:r>
+                      <a:r>
+                        <a:rPr lang="en-US" sz="1200" b="0" dirty="0" smtClean="0">
+                          <a:solidFill>
+                            <a:schemeClr val="tx1"/>
+                          </a:solidFill>
+                          <a:latin typeface="Arial Narrow" panose="020B0606020202030204" pitchFamily="34" charset="0"/>
+                        </a:rPr>
+                        <a:t>(</a:t>
+                      </a:r>
+                      <a:r>
+                        <a:rPr lang="en-US" sz="1200" b="0" dirty="0" err="1" smtClean="0">
+                          <a:solidFill>
+                            <a:schemeClr val="tx1"/>
+                          </a:solidFill>
+                          <a:latin typeface="Arial Narrow" panose="020B0606020202030204" pitchFamily="34" charset="0"/>
+                        </a:rPr>
+                        <a:t>olMailItem</a:t>
+                      </a:r>
+                      <a:r>
+                        <a:rPr lang="en-US" sz="1200" b="0" dirty="0" smtClean="0">
+                          <a:solidFill>
+                            <a:schemeClr val="tx1"/>
+                          </a:solidFill>
+                          <a:latin typeface="Arial Narrow" panose="020B0606020202030204" pitchFamily="34" charset="0"/>
+                        </a:rPr>
+                        <a:t>)</a:t>
+                      </a:r>
+                    </a:p>
+                    <a:p>
+                      <a:pPr marL="0" indent="0">
+                        <a:buNone/>
+                      </a:pPr>
+                      <a:r>
+                        <a:rPr lang="en-US" sz="1200" b="0" dirty="0" smtClean="0">
+                          <a:solidFill>
+                            <a:schemeClr val="tx1"/>
+                          </a:solidFill>
+                          <a:latin typeface="Arial Narrow" panose="020B0606020202030204" pitchFamily="34" charset="0"/>
+                        </a:rPr>
+                        <a:t>Set </a:t>
+                      </a:r>
+                      <a:r>
+                        <a:rPr lang="en-US" sz="1200" b="0" dirty="0" err="1" smtClean="0">
+                          <a:solidFill>
+                            <a:schemeClr val="tx1"/>
+                          </a:solidFill>
+                          <a:latin typeface="Arial Narrow" panose="020B0606020202030204" pitchFamily="34" charset="0"/>
+                        </a:rPr>
+                        <a:t>mainWB</a:t>
+                      </a:r>
+                      <a:r>
+                        <a:rPr lang="en-US" sz="1200" b="0" dirty="0" smtClean="0">
+                          <a:solidFill>
+                            <a:schemeClr val="tx1"/>
+                          </a:solidFill>
+                          <a:latin typeface="Arial Narrow" panose="020B0606020202030204" pitchFamily="34" charset="0"/>
+                        </a:rPr>
+                        <a:t> = </a:t>
+                      </a:r>
+                      <a:r>
+                        <a:rPr lang="en-US" sz="1200" b="0" dirty="0" err="1" smtClean="0">
+                          <a:solidFill>
+                            <a:schemeClr val="tx1"/>
+                          </a:solidFill>
+                          <a:latin typeface="Arial Narrow" panose="020B0606020202030204" pitchFamily="34" charset="0"/>
+                        </a:rPr>
+                        <a:t>ActiveWorkbook</a:t>
+                      </a:r>
+                      <a:endParaRPr lang="en-US" sz="1200" b="0" dirty="0" smtClean="0">
+                        <a:solidFill>
+                          <a:schemeClr val="tx1"/>
+                        </a:solidFill>
+                        <a:latin typeface="Arial Narrow" panose="020B0606020202030204" pitchFamily="34" charset="0"/>
+                      </a:endParaRPr>
+                    </a:p>
+                    <a:p>
+                      <a:pPr marL="0" indent="0">
+                        <a:buNone/>
+                      </a:pPr>
+                      <a:r>
+                        <a:rPr lang="en-US" sz="1200" b="0" dirty="0" err="1" smtClean="0">
+                          <a:solidFill>
+                            <a:schemeClr val="tx1"/>
+                          </a:solidFill>
+                          <a:latin typeface="Arial Narrow" panose="020B0606020202030204" pitchFamily="34" charset="0"/>
+                        </a:rPr>
+                        <a:t>SendID</a:t>
+                      </a:r>
+                      <a:r>
+                        <a:rPr lang="en-US" sz="1200" b="0" dirty="0" smtClean="0">
+                          <a:solidFill>
+                            <a:schemeClr val="tx1"/>
+                          </a:solidFill>
+                          <a:latin typeface="Arial Narrow" panose="020B0606020202030204" pitchFamily="34" charset="0"/>
+                        </a:rPr>
+                        <a:t> = </a:t>
+                      </a:r>
+                      <a:r>
+                        <a:rPr lang="en-US" sz="1200" b="0" dirty="0" err="1" smtClean="0">
+                          <a:solidFill>
+                            <a:schemeClr val="tx1"/>
+                          </a:solidFill>
+                          <a:latin typeface="Arial Narrow" panose="020B0606020202030204" pitchFamily="34" charset="0"/>
+                        </a:rPr>
+                        <a:t>mainWB.Sheets</a:t>
+                      </a:r>
+                      <a:r>
+                        <a:rPr lang="en-US" sz="1200" b="0" dirty="0" smtClean="0">
+                          <a:solidFill>
+                            <a:schemeClr val="tx1"/>
+                          </a:solidFill>
+                          <a:latin typeface="Arial Narrow" panose="020B0606020202030204" pitchFamily="34" charset="0"/>
+                        </a:rPr>
+                        <a:t>(1).Range("B1").Value</a:t>
+                      </a:r>
+                    </a:p>
+                    <a:p>
+                      <a:pPr marL="0" indent="0">
+                        <a:buNone/>
+                      </a:pPr>
+                      <a:r>
+                        <a:rPr lang="en-US" sz="1200" b="0" dirty="0" smtClean="0">
+                          <a:solidFill>
+                            <a:schemeClr val="tx1"/>
+                          </a:solidFill>
+                          <a:latin typeface="Arial Narrow" panose="020B0606020202030204" pitchFamily="34" charset="0"/>
+                        </a:rPr>
+                        <a:t>CCID = </a:t>
+                      </a:r>
+                      <a:r>
+                        <a:rPr lang="en-US" sz="1200" b="0" dirty="0" err="1" smtClean="0">
+                          <a:solidFill>
+                            <a:schemeClr val="tx1"/>
+                          </a:solidFill>
+                          <a:latin typeface="Arial Narrow" panose="020B0606020202030204" pitchFamily="34" charset="0"/>
+                        </a:rPr>
+                        <a:t>mainWB.Sheets</a:t>
+                      </a:r>
+                      <a:r>
+                        <a:rPr lang="en-US" sz="1200" b="0" dirty="0" smtClean="0">
+                          <a:solidFill>
+                            <a:schemeClr val="tx1"/>
+                          </a:solidFill>
+                          <a:latin typeface="Arial Narrow" panose="020B0606020202030204" pitchFamily="34" charset="0"/>
+                        </a:rPr>
+                        <a:t>(1).Range("B2").Value</a:t>
+                      </a:r>
+                    </a:p>
+                    <a:p>
+                      <a:pPr marL="0" indent="0">
+                        <a:buNone/>
+                      </a:pPr>
+                      <a:r>
+                        <a:rPr lang="en-US" sz="1200" b="0" dirty="0" smtClean="0">
+                          <a:solidFill>
+                            <a:schemeClr val="tx1"/>
+                          </a:solidFill>
+                          <a:latin typeface="Arial Narrow" panose="020B0606020202030204" pitchFamily="34" charset="0"/>
+                        </a:rPr>
+                        <a:t>Subject = </a:t>
+                      </a:r>
+                      <a:r>
+                        <a:rPr lang="en-US" sz="1200" b="0" dirty="0" err="1" smtClean="0">
+                          <a:solidFill>
+                            <a:schemeClr val="tx1"/>
+                          </a:solidFill>
+                          <a:latin typeface="Arial Narrow" panose="020B0606020202030204" pitchFamily="34" charset="0"/>
+                        </a:rPr>
+                        <a:t>mainWB.Sheets</a:t>
+                      </a:r>
+                      <a:r>
+                        <a:rPr lang="en-US" sz="1200" b="0" dirty="0" smtClean="0">
+                          <a:solidFill>
+                            <a:schemeClr val="tx1"/>
+                          </a:solidFill>
+                          <a:latin typeface="Arial Narrow" panose="020B0606020202030204" pitchFamily="34" charset="0"/>
+                        </a:rPr>
+                        <a:t>(1).Range("B3").Value</a:t>
+                      </a:r>
+                    </a:p>
+                    <a:p>
+                      <a:pPr marL="0" indent="0">
+                        <a:buNone/>
+                      </a:pPr>
+                      <a:r>
+                        <a:rPr lang="en-US" sz="1200" b="0" dirty="0" smtClean="0">
+                          <a:solidFill>
+                            <a:schemeClr val="tx1"/>
+                          </a:solidFill>
+                          <a:latin typeface="Arial Narrow" panose="020B0606020202030204" pitchFamily="34" charset="0"/>
+                        </a:rPr>
+                        <a:t>Body = </a:t>
+                      </a:r>
+                      <a:r>
+                        <a:rPr lang="en-US" sz="1200" b="0" dirty="0" err="1" smtClean="0">
+                          <a:solidFill>
+                            <a:schemeClr val="tx1"/>
+                          </a:solidFill>
+                          <a:latin typeface="Arial Narrow" panose="020B0606020202030204" pitchFamily="34" charset="0"/>
+                        </a:rPr>
+                        <a:t>mainWB.Sheets</a:t>
+                      </a:r>
+                      <a:r>
+                        <a:rPr lang="en-US" sz="1200" b="0" dirty="0" smtClean="0">
+                          <a:solidFill>
+                            <a:schemeClr val="tx1"/>
+                          </a:solidFill>
+                          <a:latin typeface="Arial Narrow" panose="020B0606020202030204" pitchFamily="34" charset="0"/>
+                        </a:rPr>
+                        <a:t>(1).Range("B4").Value</a:t>
+                      </a:r>
+                    </a:p>
+                    <a:p>
+                      <a:pPr marL="0" indent="0">
+                        <a:buNone/>
+                      </a:pPr>
+                      <a:r>
+                        <a:rPr lang="en-US" sz="1200" b="0" dirty="0" smtClean="0">
+                          <a:solidFill>
+                            <a:schemeClr val="tx1"/>
+                          </a:solidFill>
+                          <a:latin typeface="Arial Narrow" panose="020B0606020202030204" pitchFamily="34" charset="0"/>
+                        </a:rPr>
+                        <a:t>With </a:t>
+                      </a:r>
+                      <a:r>
+                        <a:rPr lang="en-US" sz="1200" b="0" dirty="0" err="1" smtClean="0">
+                          <a:solidFill>
+                            <a:schemeClr val="tx1"/>
+                          </a:solidFill>
+                          <a:latin typeface="Arial Narrow" panose="020B0606020202030204" pitchFamily="34" charset="0"/>
+                        </a:rPr>
+                        <a:t>olMail</a:t>
+                      </a:r>
+                      <a:endParaRPr lang="en-US" sz="1200" b="0" dirty="0" smtClean="0">
+                        <a:solidFill>
+                          <a:schemeClr val="tx1"/>
+                        </a:solidFill>
+                        <a:latin typeface="Arial Narrow" panose="020B0606020202030204" pitchFamily="34" charset="0"/>
+                      </a:endParaRPr>
+                    </a:p>
+                    <a:p>
+                      <a:endParaRPr lang="en-US" sz="1200" b="0" dirty="0">
+                        <a:solidFill>
+                          <a:schemeClr val="tx1"/>
+                        </a:solidFill>
+                        <a:latin typeface="Arial Narrow" panose="020B0606020202030204" pitchFamily="34" charset="0"/>
+                      </a:endParaRPr>
+                    </a:p>
+                  </a:txBody>
+                  <a:tcPr>
+                    <a:noFill/>
+                  </a:tcPr>
+                </a:tc>
+                <a:tc>
+                  <a:txBody>
+                    <a:bodyPr/>
+                    <a:lstStyle/>
+                    <a:p>
+                      <a:pPr marL="0" indent="0">
+                        <a:buNone/>
+                      </a:pPr>
+                      <a:r>
+                        <a:rPr lang="en-US" sz="1200" b="0" dirty="0" smtClean="0">
+                          <a:solidFill>
+                            <a:schemeClr val="tx1"/>
+                          </a:solidFill>
+                          <a:latin typeface="Arial Narrow" panose="020B0606020202030204" pitchFamily="34" charset="0"/>
+                        </a:rPr>
+                        <a:t>.To = </a:t>
+                      </a:r>
+                      <a:r>
+                        <a:rPr lang="en-US" sz="1200" b="0" dirty="0" err="1" smtClean="0">
+                          <a:solidFill>
+                            <a:schemeClr val="tx1"/>
+                          </a:solidFill>
+                          <a:latin typeface="Arial Narrow" panose="020B0606020202030204" pitchFamily="34" charset="0"/>
+                        </a:rPr>
+                        <a:t>SendID</a:t>
+                      </a:r>
+                      <a:endParaRPr lang="en-US" sz="1200" b="0" dirty="0" smtClean="0">
+                        <a:solidFill>
+                          <a:schemeClr val="tx1"/>
+                        </a:solidFill>
+                        <a:latin typeface="Arial Narrow" panose="020B0606020202030204" pitchFamily="34" charset="0"/>
+                      </a:endParaRPr>
+                    </a:p>
+                    <a:p>
+                      <a:pPr marL="0" indent="0">
+                        <a:buNone/>
+                      </a:pPr>
+                      <a:r>
+                        <a:rPr lang="en-US" sz="1200" b="0" dirty="0" smtClean="0">
+                          <a:solidFill>
+                            <a:schemeClr val="tx1"/>
+                          </a:solidFill>
+                          <a:latin typeface="Arial Narrow" panose="020B0606020202030204" pitchFamily="34" charset="0"/>
+                        </a:rPr>
+                        <a:t>If CCID &lt;&gt; "" Then</a:t>
+                      </a:r>
+                    </a:p>
+                    <a:p>
+                      <a:pPr marL="0" indent="0">
+                        <a:buNone/>
+                      </a:pPr>
+                      <a:r>
+                        <a:rPr lang="en-US" sz="1200" b="0" dirty="0" smtClean="0">
+                          <a:solidFill>
+                            <a:schemeClr val="tx1"/>
+                          </a:solidFill>
+                          <a:latin typeface="Arial Narrow" panose="020B0606020202030204" pitchFamily="34" charset="0"/>
+                        </a:rPr>
+                        <a:t>.CC = CCID</a:t>
+                      </a:r>
+                    </a:p>
+                    <a:p>
+                      <a:pPr marL="0" indent="0">
+                        <a:buNone/>
+                      </a:pPr>
+                      <a:r>
+                        <a:rPr lang="en-US" sz="1200" b="0" dirty="0" smtClean="0">
+                          <a:solidFill>
+                            <a:schemeClr val="tx1"/>
+                          </a:solidFill>
+                          <a:latin typeface="Arial Narrow" panose="020B0606020202030204" pitchFamily="34" charset="0"/>
+                        </a:rPr>
+                        <a:t>End If</a:t>
+                      </a:r>
+                    </a:p>
+                    <a:p>
+                      <a:pPr marL="0" indent="0">
+                        <a:buNone/>
+                      </a:pPr>
+                      <a:r>
+                        <a:rPr lang="en-US" sz="1200" b="0" dirty="0" smtClean="0">
+                          <a:solidFill>
+                            <a:schemeClr val="tx1"/>
+                          </a:solidFill>
+                          <a:latin typeface="Arial Narrow" panose="020B0606020202030204" pitchFamily="34" charset="0"/>
+                        </a:rPr>
+                        <a:t>.Subject = Subject</a:t>
+                      </a:r>
+                    </a:p>
+                    <a:p>
+                      <a:pPr marL="0" indent="0">
+                        <a:buNone/>
+                      </a:pPr>
+                      <a:r>
+                        <a:rPr lang="en-US" sz="1200" b="0" dirty="0" smtClean="0">
+                          <a:solidFill>
+                            <a:schemeClr val="tx1"/>
+                          </a:solidFill>
+                          <a:latin typeface="Arial Narrow" panose="020B0606020202030204" pitchFamily="34" charset="0"/>
+                        </a:rPr>
+                        <a:t>.Body = Body</a:t>
+                      </a:r>
+                    </a:p>
+                    <a:p>
+                      <a:pPr marL="0" indent="0">
+                        <a:buNone/>
+                      </a:pPr>
+                      <a:r>
+                        <a:rPr lang="en-US" sz="1200" b="0" dirty="0" smtClean="0">
+                          <a:solidFill>
+                            <a:schemeClr val="tx1"/>
+                          </a:solidFill>
+                          <a:latin typeface="Arial Narrow" panose="020B0606020202030204" pitchFamily="34" charset="0"/>
+                        </a:rPr>
+                        <a:t>.Send</a:t>
+                      </a:r>
+                    </a:p>
+                    <a:p>
+                      <a:pPr marL="0" indent="0">
+                        <a:buNone/>
+                      </a:pPr>
+                      <a:r>
+                        <a:rPr lang="en-US" sz="1200" b="0" dirty="0" smtClean="0">
+                          <a:solidFill>
+                            <a:schemeClr val="tx1"/>
+                          </a:solidFill>
+                          <a:latin typeface="Arial Narrow" panose="020B0606020202030204" pitchFamily="34" charset="0"/>
+                        </a:rPr>
+                        <a:t>End With</a:t>
+                      </a:r>
+                    </a:p>
+                    <a:p>
+                      <a:pPr marL="0" indent="0">
+                        <a:buNone/>
+                      </a:pPr>
+                      <a:r>
+                        <a:rPr lang="en-US" sz="1200" b="0" dirty="0" err="1" smtClean="0">
+                          <a:solidFill>
+                            <a:schemeClr val="tx1"/>
+                          </a:solidFill>
+                          <a:latin typeface="Arial Narrow" panose="020B0606020202030204" pitchFamily="34" charset="0"/>
+                        </a:rPr>
+                        <a:t>MsgBox</a:t>
+                      </a:r>
+                      <a:r>
+                        <a:rPr lang="en-US" sz="1200" b="0" dirty="0" smtClean="0">
+                          <a:solidFill>
+                            <a:schemeClr val="tx1"/>
+                          </a:solidFill>
+                          <a:latin typeface="Arial Narrow" panose="020B0606020202030204" pitchFamily="34" charset="0"/>
+                        </a:rPr>
+                        <a:t> ("you Mail has been sent to " &amp; </a:t>
+                      </a:r>
+                      <a:r>
+                        <a:rPr lang="en-US" sz="1200" b="0" dirty="0" err="1" smtClean="0">
+                          <a:solidFill>
+                            <a:schemeClr val="tx1"/>
+                          </a:solidFill>
+                          <a:latin typeface="Arial Narrow" panose="020B0606020202030204" pitchFamily="34" charset="0"/>
+                        </a:rPr>
+                        <a:t>SendID</a:t>
+                      </a:r>
+                      <a:r>
+                        <a:rPr lang="en-US" sz="1200" b="0" dirty="0" smtClean="0">
+                          <a:solidFill>
+                            <a:schemeClr val="tx1"/>
+                          </a:solidFill>
+                          <a:latin typeface="Arial Narrow" panose="020B0606020202030204" pitchFamily="34" charset="0"/>
+                        </a:rPr>
+                        <a:t>)</a:t>
+                      </a:r>
+                    </a:p>
+                    <a:p>
+                      <a:pPr marL="0" indent="0">
+                        <a:buNone/>
+                      </a:pPr>
+                      <a:r>
+                        <a:rPr lang="en-US" sz="1200" b="0" dirty="0" smtClean="0">
+                          <a:solidFill>
+                            <a:schemeClr val="tx1"/>
+                          </a:solidFill>
+                          <a:latin typeface="Arial Narrow" panose="020B0606020202030204" pitchFamily="34" charset="0"/>
+                        </a:rPr>
+                        <a:t>End Sub</a:t>
+                      </a:r>
+                    </a:p>
+                    <a:p>
+                      <a:endParaRPr lang="en-US" sz="1200" b="0" dirty="0" smtClean="0">
+                        <a:solidFill>
+                          <a:schemeClr val="tx1"/>
+                        </a:solidFill>
+                        <a:latin typeface="Arial Narrow" panose="020B0606020202030204" pitchFamily="34" charset="0"/>
+                      </a:endParaRPr>
+                    </a:p>
+                    <a:p>
+                      <a:endParaRPr lang="en-US" sz="1200" b="0" dirty="0">
+                        <a:solidFill>
+                          <a:schemeClr val="tx1"/>
+                        </a:solidFill>
+                        <a:latin typeface="Arial Narrow" panose="020B0606020202030204" pitchFamily="34" charset="0"/>
+                      </a:endParaRPr>
+                    </a:p>
+                  </a:txBody>
+                  <a:tcPr>
+                    <a:noFill/>
+                  </a:tcPr>
+                </a:tc>
+              </a:tr>
+            </a:tbl>
+          </a:graphicData>
+        </a:graphic>
+      </p:graphicFrame>
+      <p:graphicFrame>
+        <p:nvGraphicFramePr>
+          <p:cNvPr id="6" name="Content Placeholder 5"/>
+          <p:cNvGraphicFramePr>
+            <a:graphicFrameLocks noGrp="1" noChangeAspect="1"/>
+          </p:cNvGraphicFramePr>
+          <p:nvPr>
+            <p:ph idx="1"/>
+            <p:extLst>
+              <p:ext uri="{D42A27DB-BD31-4B8C-83A1-F6EECF244321}">
+                <p14:modId xmlns:p14="http://schemas.microsoft.com/office/powerpoint/2010/main" val="134664778"/>
+              </p:ext>
+            </p:extLst>
+          </p:nvPr>
+        </p:nvGraphicFramePr>
+        <p:xfrm>
+          <a:off x="10439400" y="5341938"/>
+          <a:ext cx="914400" cy="771525"/>
+        </p:xfrm>
+        <a:graphic>
+          <a:graphicData uri="http://schemas.openxmlformats.org/presentationml/2006/ole">
+            <mc:AlternateContent xmlns:mc="http://schemas.openxmlformats.org/markup-compatibility/2006">
+              <mc:Choice xmlns:v="urn:schemas-microsoft-com:vml" Requires="v">
+                <p:oleObj spid="_x0000_s2055" name="Worksheet" showAsIcon="1" r:id="rId3" imgW="914400" imgH="771480" progId="Excel.Sheet.12">
+                  <p:embed/>
+                </p:oleObj>
+              </mc:Choice>
+              <mc:Fallback>
+                <p:oleObj name="Worksheet" showAsIcon="1" r:id="rId3" imgW="914400" imgH="771480" progId="Excel.Sheet.12">
+                  <p:embed/>
+                  <p:pic>
+                    <p:nvPicPr>
+                      <p:cNvPr id="0" name=""/>
+                      <p:cNvPicPr/>
+                      <p:nvPr/>
+                    </p:nvPicPr>
+                    <p:blipFill>
+                      <a:blip r:embed="rId4"/>
+                      <a:stretch>
+                        <a:fillRect/>
+                      </a:stretch>
+                    </p:blipFill>
+                    <p:spPr>
+                      <a:xfrm>
+                        <a:off x="10439400" y="5341938"/>
+                        <a:ext cx="914400" cy="771525"/>
+                      </a:xfrm>
+                      <a:prstGeom prst="rect">
+                        <a:avLst/>
+                      </a:prstGeom>
+                    </p:spPr>
+                  </p:pic>
+                </p:oleObj>
+              </mc:Fallback>
+            </mc:AlternateContent>
+          </a:graphicData>
+        </a:graphic>
+      </p:graphicFrame>
+    </p:spTree>
+    <p:extLst>
+      <p:ext uri="{BB962C8B-B14F-4D97-AF65-F5344CB8AC3E}">
+        <p14:creationId xmlns:p14="http://schemas.microsoft.com/office/powerpoint/2010/main" val="1394371466"/>
+      </p:ext>
+    </p:extLst>
+  </p:cSld>
+  <p:clrMapOvr>
+    <a:masterClrMapping/>
+  </p:clrMapOvr>
+  <p:timing>
+    <p:tnLst>
+      <p:par>
+        <p:cTn id="1" dur="indefinite" restart="never" nodeType="tmRoot"/>
+      </p:par>
+    </p:tnLst>
+  </p:timing>
+</p:sld>
+</file>
+
+<file path=ppt/slides/slide29.xml><?xml version="1.0" encoding="utf-8"?>
+<p:sld xmlns:a="http://schemas.openxmlformats.org/drawingml/2006/main" xmlns:r="http://schemas.openxmlformats.org/officeDocument/2006/relationships" xmlns:p="http://schemas.openxmlformats.org/presentationml/2006/main">
+  <p:cSld>
+    <p:spTree>
+      <p:nvGrpSpPr>
+        <p:cNvPr id="1" name=""/>
+        <p:cNvGrpSpPr/>
+        <p:nvPr/>
+      </p:nvGrpSpPr>
+      <p:grpSpPr>
+        <a:xfrm>
+          <a:off x="0" y="0"/>
+          <a:ext cx="0" cy="0"/>
+          <a:chOff x="0" y="0"/>
+          <a:chExt cx="0" cy="0"/>
+        </a:xfrm>
+      </p:grpSpPr>
+      <p:sp>
+        <p:nvSpPr>
+          <p:cNvPr id="2" name="Title 1"/>
+          <p:cNvSpPr>
+            <a:spLocks noGrp="1"/>
+          </p:cNvSpPr>
+          <p:nvPr>
+            <p:ph type="title"/>
+          </p:nvPr>
+        </p:nvSpPr>
+        <p:spPr/>
+        <p:txBody>
+          <a:bodyPr/>
+          <a:lstStyle/>
+          <a:p>
+            <a:r>
+              <a:rPr lang="en-US" dirty="0" smtClean="0"/>
+              <a:t>Clear</a:t>
+            </a:r>
+            <a:endParaRPr lang="en-US" dirty="0"/>
+          </a:p>
+        </p:txBody>
+      </p:sp>
+      <p:sp>
+        <p:nvSpPr>
+          <p:cNvPr id="3" name="Content Placeholder 2"/>
+          <p:cNvSpPr>
+            <a:spLocks noGrp="1"/>
+          </p:cNvSpPr>
+          <p:nvPr>
+            <p:ph idx="1"/>
+          </p:nvPr>
+        </p:nvSpPr>
+        <p:spPr/>
+        <p:txBody>
+          <a:bodyPr>
+            <a:normAutofit/>
+          </a:bodyPr>
+          <a:lstStyle/>
+          <a:p>
+            <a:pPr marL="0" indent="0">
+              <a:buNone/>
+            </a:pPr>
+            <a:r>
+              <a:rPr lang="en-US" sz="1400" b="1" dirty="0"/>
+              <a:t>Format</a:t>
+            </a:r>
+            <a:r>
+              <a:rPr lang="en-US" sz="1400" dirty="0"/>
+              <a:t>: </a:t>
+            </a:r>
+            <a:endParaRPr lang="en-US" sz="1400" dirty="0" smtClean="0"/>
+          </a:p>
+          <a:p>
+            <a:pPr marL="457200" lvl="1" indent="0">
+              <a:buNone/>
+            </a:pPr>
+            <a:r>
+              <a:rPr lang="en-US" sz="1400" b="1" dirty="0" smtClean="0"/>
+              <a:t>+ </a:t>
+            </a:r>
+            <a:r>
+              <a:rPr lang="en-US" sz="1400" b="1" dirty="0" err="1"/>
+              <a:t>WorkBook.WorkSheet.Range.Clear</a:t>
+            </a:r>
+            <a:r>
+              <a:rPr lang="en-US" sz="1400" b="1" dirty="0"/>
+              <a:t>  </a:t>
+            </a:r>
+            <a:r>
+              <a:rPr lang="en-US" sz="1400" b="1" dirty="0" smtClean="0"/>
+              <a:t>(Clear </a:t>
+            </a:r>
+            <a:r>
+              <a:rPr lang="en-US" sz="1400" b="1" dirty="0" err="1" smtClean="0"/>
+              <a:t>Contents+Format+Bold</a:t>
+            </a:r>
+            <a:r>
+              <a:rPr lang="en-US" sz="1400" b="1" dirty="0" smtClean="0"/>
+              <a:t>+….Everything)</a:t>
+            </a:r>
+            <a:endParaRPr lang="en-US" sz="1400" b="1" dirty="0"/>
+          </a:p>
+          <a:p>
+            <a:pPr marL="457200" lvl="1" indent="0">
+              <a:buNone/>
+            </a:pPr>
+            <a:r>
+              <a:rPr lang="en-US" sz="1400" b="1" dirty="0"/>
+              <a:t>+ </a:t>
+            </a:r>
+            <a:r>
+              <a:rPr lang="en-US" sz="1400" b="1" dirty="0" err="1"/>
+              <a:t>WorkBook.WorkSheet.Range.ClearContents</a:t>
+            </a:r>
+            <a:r>
+              <a:rPr lang="en-US" sz="1400" b="1" dirty="0"/>
+              <a:t>  </a:t>
+            </a:r>
+            <a:endParaRPr lang="en-US" sz="1400" dirty="0" smtClean="0"/>
+          </a:p>
+          <a:p>
+            <a:pPr marL="457200" lvl="1" indent="0">
+              <a:buNone/>
+            </a:pPr>
+            <a:r>
+              <a:rPr lang="en-US" sz="1400" b="1" dirty="0"/>
+              <a:t>   </a:t>
+            </a:r>
+            <a:endParaRPr lang="en-US" sz="1400" b="1" dirty="0" smtClean="0"/>
+          </a:p>
+          <a:p>
+            <a:r>
+              <a:rPr lang="en-US" sz="1400" dirty="0" err="1"/>
+              <a:t>mainworkBook.Sheets</a:t>
+            </a:r>
+            <a:r>
+              <a:rPr lang="en-US" sz="1400" dirty="0"/>
+              <a:t>(“</a:t>
+            </a:r>
+            <a:r>
+              <a:rPr lang="en-US" sz="1400" dirty="0" err="1"/>
+              <a:t>MyFirstMacro</a:t>
+            </a:r>
+            <a:r>
+              <a:rPr lang="en-US" sz="1400" dirty="0"/>
+              <a:t>”).Range(“A2”).</a:t>
+            </a:r>
+            <a:r>
+              <a:rPr lang="en-US" sz="1400" b="1" dirty="0" smtClean="0"/>
+              <a:t>Clear</a:t>
+            </a:r>
+          </a:p>
+          <a:p>
+            <a:r>
+              <a:rPr lang="en-US" sz="1400" dirty="0" err="1"/>
+              <a:t>mainworkBook.Sheets</a:t>
+            </a:r>
+            <a:r>
+              <a:rPr lang="en-US" sz="1400" dirty="0"/>
+              <a:t>(“</a:t>
+            </a:r>
+            <a:r>
+              <a:rPr lang="en-US" sz="1400" dirty="0" err="1"/>
+              <a:t>MyFirstMacro</a:t>
+            </a:r>
+            <a:r>
+              <a:rPr lang="en-US" sz="1400" dirty="0"/>
+              <a:t>”).</a:t>
+            </a:r>
+            <a:r>
+              <a:rPr lang="en-US" sz="1400" b="1" dirty="0"/>
+              <a:t>Range(“A1,C3”).</a:t>
+            </a:r>
+            <a:r>
+              <a:rPr lang="en-US" sz="1400" b="1" dirty="0" smtClean="0"/>
+              <a:t>Clear</a:t>
+            </a:r>
+          </a:p>
+          <a:p>
+            <a:r>
+              <a:rPr lang="en-US" sz="1400" dirty="0" err="1"/>
+              <a:t>mainworkBook.Sheets</a:t>
+            </a:r>
+            <a:r>
+              <a:rPr lang="en-US" sz="1400" dirty="0"/>
+              <a:t>(“</a:t>
+            </a:r>
+            <a:r>
+              <a:rPr lang="en-US" sz="1400" dirty="0" err="1"/>
+              <a:t>MyFirstMacro</a:t>
+            </a:r>
+            <a:r>
+              <a:rPr lang="en-US" sz="1400" dirty="0"/>
+              <a:t>”).</a:t>
+            </a:r>
+            <a:r>
+              <a:rPr lang="en-US" sz="1400" b="1" dirty="0"/>
+              <a:t>Range(“A1:C4”).</a:t>
+            </a:r>
+            <a:r>
+              <a:rPr lang="en-US" sz="1400" b="1" dirty="0" smtClean="0"/>
+              <a:t>Clear</a:t>
+            </a:r>
+          </a:p>
+          <a:p>
+            <a:r>
+              <a:rPr lang="en-US" sz="1400" dirty="0" err="1"/>
+              <a:t>mainworkBook.Sheets</a:t>
+            </a:r>
+            <a:r>
+              <a:rPr lang="en-US" sz="1400" dirty="0"/>
+              <a:t>(“</a:t>
+            </a:r>
+            <a:r>
+              <a:rPr lang="en-US" sz="1400" dirty="0" err="1"/>
+              <a:t>MyFirstMacro</a:t>
+            </a:r>
+            <a:r>
+              <a:rPr lang="en-US" sz="1400" dirty="0"/>
+              <a:t>”).</a:t>
+            </a:r>
+            <a:r>
+              <a:rPr lang="en-US" sz="1400" b="1" dirty="0"/>
+              <a:t>Range(“A:A”).</a:t>
+            </a:r>
+            <a:r>
+              <a:rPr lang="en-US" sz="1400" b="1" dirty="0" smtClean="0"/>
+              <a:t>Clear</a:t>
+            </a:r>
+          </a:p>
+          <a:p>
+            <a:r>
+              <a:rPr lang="en-US" sz="1400" dirty="0" err="1"/>
+              <a:t>mainworkBook.Sheets</a:t>
+            </a:r>
+            <a:r>
+              <a:rPr lang="en-US" sz="1400" dirty="0"/>
+              <a:t>(“</a:t>
+            </a:r>
+            <a:r>
+              <a:rPr lang="en-US" sz="1400" dirty="0" err="1"/>
+              <a:t>MyFirstMacro</a:t>
+            </a:r>
+            <a:r>
+              <a:rPr lang="en-US" sz="1400" dirty="0"/>
+              <a:t>”).</a:t>
+            </a:r>
+            <a:r>
+              <a:rPr lang="en-US" sz="1400" b="1" dirty="0"/>
+              <a:t>Range(“2:2”).</a:t>
+            </a:r>
+            <a:r>
+              <a:rPr lang="en-US" sz="1400" b="1" dirty="0" smtClean="0"/>
+              <a:t>Clear</a:t>
+            </a:r>
+          </a:p>
+          <a:p>
+            <a:r>
+              <a:rPr lang="en-US" sz="1400" dirty="0" err="1"/>
+              <a:t>mainworkBook.Sheets</a:t>
+            </a:r>
+            <a:r>
+              <a:rPr lang="en-US" sz="1400" dirty="0"/>
+              <a:t>(“</a:t>
+            </a:r>
+            <a:r>
+              <a:rPr lang="en-US" sz="1400" dirty="0" err="1"/>
+              <a:t>MyFirstMacro</a:t>
+            </a:r>
+            <a:r>
+              <a:rPr lang="en-US" sz="1400" dirty="0"/>
+              <a:t>”).</a:t>
+            </a:r>
+            <a:r>
+              <a:rPr lang="en-US" sz="1400" b="1" dirty="0"/>
+              <a:t>Range(“A:F”).</a:t>
+            </a:r>
+            <a:r>
+              <a:rPr lang="en-US" sz="1400" b="1" dirty="0" smtClean="0"/>
+              <a:t>Clear	</a:t>
+            </a:r>
+          </a:p>
+          <a:p>
+            <a:r>
+              <a:rPr lang="en-US" sz="1400" dirty="0" err="1"/>
+              <a:t>mainworkBook.Sheets</a:t>
+            </a:r>
+            <a:r>
+              <a:rPr lang="en-US" sz="1400" dirty="0"/>
+              <a:t>(“</a:t>
+            </a:r>
+            <a:r>
+              <a:rPr lang="en-US" sz="1400" dirty="0" err="1"/>
+              <a:t>MyFirstMacro</a:t>
+            </a:r>
+            <a:r>
+              <a:rPr lang="en-US" sz="1400" dirty="0"/>
+              <a:t>”).</a:t>
+            </a:r>
+            <a:r>
+              <a:rPr lang="en-US" sz="1400" b="1" dirty="0"/>
+              <a:t>Range(“2:5”).Clear</a:t>
+            </a:r>
+            <a:endParaRPr lang="en-US" sz="1400" dirty="0"/>
+          </a:p>
+        </p:txBody>
+      </p:sp>
+    </p:spTree>
+    <p:extLst>
+      <p:ext uri="{BB962C8B-B14F-4D97-AF65-F5344CB8AC3E}">
+        <p14:creationId xmlns:p14="http://schemas.microsoft.com/office/powerpoint/2010/main" val="1414851263"/>
+      </p:ext>
+    </p:extLst>
+  </p:cSld>
+  <p:clrMapOvr>
+    <a:masterClrMapping/>
+  </p:clrMapOvr>
+  <p:timing>
+    <p:tnLst>
+      <p:par>
+        <p:cTn id="1" dur="indefinite" restart="never" nodeType="tmRoot"/>
+      </p:par>
+    </p:tnLst>
+  </p:timing>
 </p:sld>
 </file>
 
@@ -7113,6 +12181,4485 @@
   <p:clrMapOvr>
     <a:masterClrMapping/>
   </p:clrMapOvr>
+  <p:timing>
+    <p:tnLst>
+      <p:par>
+        <p:cTn id="1" dur="indefinite" restart="never" nodeType="tmRoot"/>
+      </p:par>
+    </p:tnLst>
+  </p:timing>
+</p:sld>
+</file>
+
+<file path=ppt/slides/slide30.xml><?xml version="1.0" encoding="utf-8"?>
+<p:sld xmlns:a="http://schemas.openxmlformats.org/drawingml/2006/main" xmlns:r="http://schemas.openxmlformats.org/officeDocument/2006/relationships" xmlns:p="http://schemas.openxmlformats.org/presentationml/2006/main">
+  <p:cSld>
+    <p:spTree>
+      <p:nvGrpSpPr>
+        <p:cNvPr id="1" name=""/>
+        <p:cNvGrpSpPr/>
+        <p:nvPr/>
+      </p:nvGrpSpPr>
+      <p:grpSpPr>
+        <a:xfrm>
+          <a:off x="0" y="0"/>
+          <a:ext cx="0" cy="0"/>
+          <a:chOff x="0" y="0"/>
+          <a:chExt cx="0" cy="0"/>
+        </a:xfrm>
+      </p:grpSpPr>
+      <p:sp>
+        <p:nvSpPr>
+          <p:cNvPr id="2" name="Title 1"/>
+          <p:cNvSpPr>
+            <a:spLocks noGrp="1"/>
+          </p:cNvSpPr>
+          <p:nvPr>
+            <p:ph type="title"/>
+          </p:nvPr>
+        </p:nvSpPr>
+        <p:spPr/>
+        <p:txBody>
+          <a:bodyPr/>
+          <a:lstStyle/>
+          <a:p>
+            <a:r>
+              <a:rPr lang="en-US" dirty="0" smtClean="0"/>
+              <a:t>OFFSET</a:t>
+            </a:r>
+            <a:endParaRPr lang="en-US" dirty="0"/>
+          </a:p>
+        </p:txBody>
+      </p:sp>
+      <p:sp>
+        <p:nvSpPr>
+          <p:cNvPr id="3" name="Content Placeholder 2"/>
+          <p:cNvSpPr>
+            <a:spLocks noGrp="1"/>
+          </p:cNvSpPr>
+          <p:nvPr>
+            <p:ph idx="1"/>
+          </p:nvPr>
+        </p:nvSpPr>
+        <p:spPr/>
+        <p:txBody>
+          <a:bodyPr>
+            <a:normAutofit fontScale="70000" lnSpcReduction="20000"/>
+          </a:bodyPr>
+          <a:lstStyle/>
+          <a:p>
+            <a:pPr fontAlgn="base"/>
+            <a:r>
+              <a:rPr lang="en-US" dirty="0"/>
+              <a:t>Offset property in VBA-Excel is used along with Range.</a:t>
+            </a:r>
+          </a:p>
+          <a:p>
+            <a:pPr fontAlgn="base"/>
+            <a:r>
+              <a:rPr lang="en-US" dirty="0"/>
+              <a:t>With the help of Offset property user can move around in the sheet.</a:t>
+            </a:r>
+          </a:p>
+          <a:p>
+            <a:pPr fontAlgn="base"/>
+            <a:r>
+              <a:rPr lang="en-US" b="1" dirty="0" smtClean="0"/>
+              <a:t>Format:</a:t>
+            </a:r>
+            <a:r>
+              <a:rPr lang="en-US" dirty="0"/>
+              <a:t> </a:t>
+            </a:r>
+            <a:r>
+              <a:rPr lang="en-US" b="1" dirty="0" smtClean="0"/>
+              <a:t>Range</a:t>
+            </a:r>
+            <a:r>
+              <a:rPr lang="en-US" b="1" dirty="0"/>
+              <a:t>(“</a:t>
+            </a:r>
+            <a:r>
+              <a:rPr lang="en-US" b="1" dirty="0" err="1"/>
+              <a:t>StartingPoint</a:t>
+            </a:r>
+            <a:r>
+              <a:rPr lang="en-US" b="1" dirty="0"/>
+              <a:t>”).Offset(</a:t>
+            </a:r>
+            <a:r>
+              <a:rPr lang="en-US" b="1" dirty="0" err="1"/>
+              <a:t>NoOfRowsToBeMoved</a:t>
+            </a:r>
+            <a:r>
+              <a:rPr lang="en-US" b="1" dirty="0"/>
+              <a:t> , </a:t>
+            </a:r>
+            <a:r>
+              <a:rPr lang="en-US" b="1" dirty="0" err="1"/>
+              <a:t>NoOfColumnsToBeMoved</a:t>
+            </a:r>
+            <a:r>
+              <a:rPr lang="en-US" b="1" dirty="0"/>
+              <a:t>)</a:t>
+            </a:r>
+            <a:endParaRPr lang="en-US" dirty="0"/>
+          </a:p>
+          <a:p>
+            <a:pPr fontAlgn="base"/>
+            <a:r>
+              <a:rPr lang="en-US" dirty="0"/>
+              <a:t>Example :</a:t>
+            </a:r>
+          </a:p>
+          <a:p>
+            <a:pPr fontAlgn="base"/>
+            <a:r>
+              <a:rPr lang="en-US" dirty="0"/>
+              <a:t>Range(“A2”).Offset(1,0).Select</a:t>
+            </a:r>
+          </a:p>
+          <a:p>
+            <a:pPr marL="0" indent="0" fontAlgn="base">
+              <a:buNone/>
+            </a:pPr>
+            <a:r>
+              <a:rPr lang="en-US" dirty="0"/>
+              <a:t>And compiler reads, move one cell down from A2 , which is A3.</a:t>
+            </a:r>
+          </a:p>
+          <a:p>
+            <a:pPr fontAlgn="base"/>
+            <a:r>
+              <a:rPr lang="en-US" dirty="0"/>
+              <a:t>Range(“A2”).Offset(-1,0).Select</a:t>
+            </a:r>
+            <a:br>
+              <a:rPr lang="en-US" dirty="0"/>
+            </a:br>
+            <a:r>
+              <a:rPr lang="en-US" dirty="0"/>
+              <a:t/>
+            </a:r>
+            <a:br>
+              <a:rPr lang="en-US" dirty="0"/>
+            </a:br>
+            <a:r>
+              <a:rPr lang="en-US" dirty="0"/>
+              <a:t>And compiler reads, move one cell Up from A2 , which is A1.</a:t>
+            </a:r>
+          </a:p>
+          <a:p>
+            <a:pPr fontAlgn="base"/>
+            <a:r>
+              <a:rPr lang="en-US" dirty="0"/>
+              <a:t>Range(“A2”).Offset(1,1).Select</a:t>
+            </a:r>
+          </a:p>
+          <a:p>
+            <a:pPr marL="0" indent="0" fontAlgn="base">
+              <a:buNone/>
+            </a:pPr>
+            <a:r>
+              <a:rPr lang="en-US" dirty="0"/>
+              <a:t>And compiler reads, move one cell down and one cell right from A2 , which is B3.</a:t>
+            </a:r>
+          </a:p>
+          <a:p>
+            <a:pPr fontAlgn="base"/>
+            <a:r>
+              <a:rPr lang="en-US" dirty="0" err="1"/>
+              <a:t>ActiveCell.Offset</a:t>
+            </a:r>
+            <a:r>
+              <a:rPr lang="en-US" dirty="0"/>
+              <a:t>(1,1)</a:t>
+            </a:r>
+          </a:p>
+          <a:p>
+            <a:pPr marL="0" indent="0" fontAlgn="base">
+              <a:buNone/>
+            </a:pPr>
+            <a:r>
+              <a:rPr lang="en-US" dirty="0"/>
+              <a:t>And compiler reads, move one cell down and one cell right from the selected cell.</a:t>
+            </a:r>
+          </a:p>
+          <a:p>
+            <a:endParaRPr lang="en-US" dirty="0"/>
+          </a:p>
+        </p:txBody>
+      </p:sp>
+    </p:spTree>
+    <p:extLst>
+      <p:ext uri="{BB962C8B-B14F-4D97-AF65-F5344CB8AC3E}">
+        <p14:creationId xmlns:p14="http://schemas.microsoft.com/office/powerpoint/2010/main" val="1368364813"/>
+      </p:ext>
+    </p:extLst>
+  </p:cSld>
+  <p:clrMapOvr>
+    <a:masterClrMapping/>
+  </p:clrMapOvr>
+  <p:timing>
+    <p:tnLst>
+      <p:par>
+        <p:cTn id="1" dur="indefinite" restart="never" nodeType="tmRoot"/>
+      </p:par>
+    </p:tnLst>
+  </p:timing>
+</p:sld>
+</file>
+
+<file path=ppt/slides/slide31.xml><?xml version="1.0" encoding="utf-8"?>
+<p:sld xmlns:a="http://schemas.openxmlformats.org/drawingml/2006/main" xmlns:r="http://schemas.openxmlformats.org/officeDocument/2006/relationships" xmlns:p="http://schemas.openxmlformats.org/presentationml/2006/main">
+  <p:cSld>
+    <p:spTree>
+      <p:nvGrpSpPr>
+        <p:cNvPr id="1" name=""/>
+        <p:cNvGrpSpPr/>
+        <p:nvPr/>
+      </p:nvGrpSpPr>
+      <p:grpSpPr>
+        <a:xfrm>
+          <a:off x="0" y="0"/>
+          <a:ext cx="0" cy="0"/>
+          <a:chOff x="0" y="0"/>
+          <a:chExt cx="0" cy="0"/>
+        </a:xfrm>
+      </p:grpSpPr>
+      <p:sp>
+        <p:nvSpPr>
+          <p:cNvPr id="2" name="Title 1"/>
+          <p:cNvSpPr>
+            <a:spLocks noGrp="1"/>
+          </p:cNvSpPr>
+          <p:nvPr>
+            <p:ph type="title"/>
+          </p:nvPr>
+        </p:nvSpPr>
+        <p:spPr/>
+        <p:txBody>
+          <a:bodyPr/>
+          <a:lstStyle/>
+          <a:p>
+            <a:r>
+              <a:rPr lang="en-US" b="1" dirty="0"/>
+              <a:t>Copy-paste </a:t>
+            </a:r>
+            <a:r>
+              <a:rPr lang="en-US" b="1" dirty="0" err="1" smtClean="0"/>
+              <a:t>Operaions</a:t>
+            </a:r>
+            <a:endParaRPr lang="en-US" dirty="0"/>
+          </a:p>
+        </p:txBody>
+      </p:sp>
+      <p:sp>
+        <p:nvSpPr>
+          <p:cNvPr id="6" name="Rectangle 1"/>
+          <p:cNvSpPr>
+            <a:spLocks noChangeArrowheads="1"/>
+          </p:cNvSpPr>
+          <p:nvPr/>
+        </p:nvSpPr>
+        <p:spPr bwMode="auto">
+          <a:xfrm>
+            <a:off x="2666999" y="4072357"/>
+            <a:ext cx="12696919" cy="647870"/>
+          </a:xfrm>
+          <a:prstGeom prst="rect">
+            <a:avLst/>
+          </a:prstGeom>
+          <a:noFill/>
+          <a:ln>
+            <a:noFill/>
+          </a:ln>
+          <a:effectLst/>
+          <a:extLst>
+            <a:ext uri="{909E8E84-426E-40DD-AFC4-6F175D3DCCD1}">
+              <a14:hiddenFill xmlns:a14="http://schemas.microsoft.com/office/drawing/2010/main">
+                <a:solidFill>
+                  <a:schemeClr val="accent1"/>
+                </a:solidFill>
+              </a14:hiddenFill>
+            </a:ext>
+            <a:ext uri="{91240B29-F687-4F45-9708-019B960494DF}">
+              <a14:hiddenLine xmlns:a14="http://schemas.microsoft.com/office/drawing/2010/main" w="9525">
+                <a:solidFill>
+                  <a:schemeClr val="tx1"/>
+                </a:solidFill>
+                <a:miter lim="800000"/>
+                <a:headEnd/>
+                <a:tailEnd/>
+              </a14:hiddenLine>
+            </a:ext>
+            <a:ext uri="{AF507438-7753-43E0-B8FC-AC1667EBCBE1}">
+              <a14:hiddenEffects xmlns:a14="http://schemas.microsoft.com/office/drawing/2010/main">
+                <a:effectLst>
+                  <a:outerShdw dist="35921" dir="2700000" algn="ctr" rotWithShape="0">
+                    <a:schemeClr val="bg2"/>
+                  </a:outerShdw>
+                </a:effectLst>
+              </a14:hiddenEffects>
+            </a:ext>
+          </a:extLst>
+        </p:spPr>
+        <p:txBody>
+          <a:bodyPr vert="horz" wrap="square" lIns="91440" tIns="45720" rIns="91440" bIns="45720" numCol="1" anchor="ctr" anchorCtr="0" compatLnSpc="1">
+            <a:prstTxWarp prst="textNoShape">
+              <a:avLst/>
+            </a:prstTxWarp>
+            <a:spAutoFit/>
+          </a:bodyPr>
+          <a:lstStyle/>
+          <a:p>
+            <a:pPr marL="0" marR="0" lvl="0" indent="0" algn="l" defTabSz="914400" rtl="0" eaLnBrk="0" fontAlgn="base" latinLnBrk="0" hangingPunct="0">
+              <a:lnSpc>
+                <a:spcPct val="100000"/>
+              </a:lnSpc>
+              <a:spcBef>
+                <a:spcPct val="0"/>
+              </a:spcBef>
+              <a:spcAft>
+                <a:spcPct val="0"/>
+              </a:spcAft>
+              <a:buClrTx/>
+              <a:buSzTx/>
+              <a:buFontTx/>
+              <a:buNone/>
+              <a:tabLst/>
+            </a:pPr>
+            <a:r>
+              <a:rPr kumimoji="0" lang="en-US" altLang="en-US" sz="1800" b="0" i="0" u="none" strike="noStrike" cap="none" normalizeH="0" baseline="0" smtClean="0">
+                <a:ln>
+                  <a:noFill/>
+                </a:ln>
+                <a:solidFill>
+                  <a:schemeClr val="tx1"/>
+                </a:solidFill>
+                <a:effectLst/>
+                <a:latin typeface="Arial" panose="020B0604020202020204" pitchFamily="34" charset="0"/>
+              </a:rPr>
+              <a:t/>
+            </a:r>
+            <a:br>
+              <a:rPr kumimoji="0" lang="en-US" altLang="en-US" sz="1800" b="0" i="0" u="none" strike="noStrike" cap="none" normalizeH="0" baseline="0" smtClean="0">
+                <a:ln>
+                  <a:noFill/>
+                </a:ln>
+                <a:solidFill>
+                  <a:schemeClr val="tx1"/>
+                </a:solidFill>
+                <a:effectLst/>
+                <a:latin typeface="Arial" panose="020B0604020202020204" pitchFamily="34" charset="0"/>
+              </a:rPr>
+            </a:br>
+            <a:endParaRPr kumimoji="0" lang="en-US" altLang="en-US" sz="1800" b="0" i="0" u="none" strike="noStrike" cap="none" normalizeH="0" baseline="0" smtClean="0">
+              <a:ln>
+                <a:noFill/>
+              </a:ln>
+              <a:solidFill>
+                <a:schemeClr val="tx1"/>
+              </a:solidFill>
+              <a:effectLst/>
+              <a:latin typeface="Arial" panose="020B0604020202020204" pitchFamily="34" charset="0"/>
+            </a:endParaRPr>
+          </a:p>
+        </p:txBody>
+      </p:sp>
+      <p:sp>
+        <p:nvSpPr>
+          <p:cNvPr id="9" name="Rectangle 8"/>
+          <p:cNvSpPr/>
+          <p:nvPr/>
+        </p:nvSpPr>
+        <p:spPr>
+          <a:xfrm>
+            <a:off x="838200" y="1390134"/>
+            <a:ext cx="5787546" cy="369332"/>
+          </a:xfrm>
+          <a:prstGeom prst="rect">
+            <a:avLst/>
+          </a:prstGeom>
+        </p:spPr>
+        <p:txBody>
+          <a:bodyPr wrap="none">
+            <a:spAutoFit/>
+          </a:bodyPr>
+          <a:lstStyle/>
+          <a:p>
+            <a:pPr fontAlgn="base"/>
+            <a:r>
+              <a:rPr lang="en-US" b="1" dirty="0">
+                <a:solidFill>
+                  <a:srgbClr val="444444"/>
+                </a:solidFill>
+                <a:latin typeface="Open Sans" panose="020B0606030504020204" pitchFamily="34" charset="0"/>
+              </a:rPr>
+              <a:t>Copy the data from a call and paste it to another cell</a:t>
+            </a:r>
+            <a:endParaRPr lang="en-US" b="1" i="0" dirty="0">
+              <a:solidFill>
+                <a:srgbClr val="444444"/>
+              </a:solidFill>
+              <a:effectLst/>
+              <a:latin typeface="Open Sans" panose="020B0606030504020204" pitchFamily="34" charset="0"/>
+            </a:endParaRPr>
+          </a:p>
+        </p:txBody>
+      </p:sp>
+      <p:sp>
+        <p:nvSpPr>
+          <p:cNvPr id="10" name="Rectangle 9"/>
+          <p:cNvSpPr/>
+          <p:nvPr/>
+        </p:nvSpPr>
+        <p:spPr>
+          <a:xfrm>
+            <a:off x="838199" y="1759466"/>
+            <a:ext cx="6747933" cy="4395801"/>
+          </a:xfrm>
+          <a:prstGeom prst="rect">
+            <a:avLst/>
+          </a:prstGeom>
+        </p:spPr>
+        <p:txBody>
+          <a:bodyPr wrap="square">
+            <a:spAutoFit/>
+          </a:bodyPr>
+          <a:lstStyle/>
+          <a:p>
+            <a:pPr fontAlgn="base"/>
+            <a:r>
+              <a:rPr lang="en-US" dirty="0">
+                <a:solidFill>
+                  <a:srgbClr val="666666"/>
+                </a:solidFill>
+                <a:latin typeface="Open Sans" panose="020B0606030504020204" pitchFamily="34" charset="0"/>
+              </a:rPr>
+              <a:t>Dim </a:t>
+            </a:r>
+            <a:r>
+              <a:rPr lang="en-US" dirty="0" err="1">
+                <a:solidFill>
+                  <a:srgbClr val="666666"/>
+                </a:solidFill>
+                <a:latin typeface="Open Sans" panose="020B0606030504020204" pitchFamily="34" charset="0"/>
+              </a:rPr>
+              <a:t>mainworkBook</a:t>
+            </a:r>
+            <a:r>
+              <a:rPr lang="en-US" dirty="0">
+                <a:solidFill>
+                  <a:srgbClr val="666666"/>
+                </a:solidFill>
+                <a:latin typeface="Open Sans" panose="020B0606030504020204" pitchFamily="34" charset="0"/>
+              </a:rPr>
+              <a:t> As Workbook</a:t>
+            </a:r>
+          </a:p>
+          <a:p>
+            <a:pPr fontAlgn="base"/>
+            <a:r>
+              <a:rPr lang="en-US" dirty="0">
+                <a:solidFill>
+                  <a:srgbClr val="666666"/>
+                </a:solidFill>
+                <a:latin typeface="Open Sans" panose="020B0606030504020204" pitchFamily="34" charset="0"/>
+              </a:rPr>
+              <a:t>Set </a:t>
+            </a:r>
+            <a:r>
+              <a:rPr lang="en-US" dirty="0" err="1">
+                <a:solidFill>
+                  <a:srgbClr val="666666"/>
+                </a:solidFill>
+                <a:latin typeface="Open Sans" panose="020B0606030504020204" pitchFamily="34" charset="0"/>
+              </a:rPr>
+              <a:t>mainworkBook</a:t>
+            </a:r>
+            <a:r>
+              <a:rPr lang="en-US" dirty="0">
+                <a:solidFill>
+                  <a:srgbClr val="666666"/>
+                </a:solidFill>
+                <a:latin typeface="Open Sans" panose="020B0606030504020204" pitchFamily="34" charset="0"/>
+              </a:rPr>
+              <a:t> = </a:t>
+            </a:r>
+            <a:r>
+              <a:rPr lang="en-US" dirty="0" err="1">
+                <a:solidFill>
+                  <a:srgbClr val="666666"/>
+                </a:solidFill>
+                <a:latin typeface="Open Sans" panose="020B0606030504020204" pitchFamily="34" charset="0"/>
+              </a:rPr>
+              <a:t>ActiveWorkbook</a:t>
+            </a:r>
+            <a:endParaRPr lang="en-US" dirty="0">
+              <a:solidFill>
+                <a:srgbClr val="666666"/>
+              </a:solidFill>
+              <a:latin typeface="Open Sans" panose="020B0606030504020204" pitchFamily="34" charset="0"/>
+            </a:endParaRPr>
+          </a:p>
+          <a:p>
+            <a:pPr fontAlgn="base"/>
+            <a:r>
+              <a:rPr lang="en-US" b="1" dirty="0">
+                <a:solidFill>
+                  <a:srgbClr val="666666"/>
+                </a:solidFill>
+                <a:latin typeface="inherit"/>
+              </a:rPr>
+              <a:t>Copy a data from a call and paste it to another cell</a:t>
+            </a:r>
+            <a:endParaRPr lang="en-US" dirty="0">
+              <a:solidFill>
+                <a:srgbClr val="666666"/>
+              </a:solidFill>
+              <a:latin typeface="Open Sans" panose="020B0606030504020204" pitchFamily="34" charset="0"/>
+            </a:endParaRPr>
+          </a:p>
+          <a:p>
+            <a:pPr fontAlgn="base"/>
+            <a:r>
+              <a:rPr lang="en-US" dirty="0">
+                <a:solidFill>
+                  <a:srgbClr val="666666"/>
+                </a:solidFill>
+                <a:latin typeface="Open Sans" panose="020B0606030504020204" pitchFamily="34" charset="0"/>
+              </a:rPr>
+              <a:t>For example if you want to copy the data from cell “C6” of “Sheet1” and paste it to “B2” in “Sheet2”.</a:t>
+            </a:r>
+          </a:p>
+          <a:p>
+            <a:pPr fontAlgn="base"/>
+            <a:r>
+              <a:rPr lang="en-US" dirty="0">
+                <a:solidFill>
+                  <a:srgbClr val="666666"/>
+                </a:solidFill>
+                <a:latin typeface="Open Sans" panose="020B0606030504020204" pitchFamily="34" charset="0"/>
+              </a:rPr>
+              <a:t>First copy the data present in cell “C6” from “Sheet1”</a:t>
+            </a:r>
+          </a:p>
+          <a:p>
+            <a:pPr fontAlgn="base"/>
+            <a:r>
+              <a:rPr lang="en-US" dirty="0" err="1">
+                <a:solidFill>
+                  <a:srgbClr val="666666"/>
+                </a:solidFill>
+                <a:latin typeface="Open Sans" panose="020B0606030504020204" pitchFamily="34" charset="0"/>
+              </a:rPr>
+              <a:t>mainworkBook.Sheets</a:t>
+            </a:r>
+            <a:r>
+              <a:rPr lang="en-US" dirty="0">
+                <a:solidFill>
+                  <a:srgbClr val="666666"/>
+                </a:solidFill>
+                <a:latin typeface="Open Sans" panose="020B0606030504020204" pitchFamily="34" charset="0"/>
+              </a:rPr>
+              <a:t>(“Sheet1”).Range(“C6”).</a:t>
+            </a:r>
+            <a:r>
+              <a:rPr lang="en-US" b="1" dirty="0">
+                <a:solidFill>
+                  <a:srgbClr val="666666"/>
+                </a:solidFill>
+                <a:latin typeface="inherit"/>
+              </a:rPr>
+              <a:t>Copy</a:t>
+            </a:r>
+            <a:r>
+              <a:rPr lang="en-US" dirty="0">
+                <a:solidFill>
+                  <a:srgbClr val="666666"/>
+                </a:solidFill>
+                <a:latin typeface="Open Sans" panose="020B0606030504020204" pitchFamily="34" charset="0"/>
+              </a:rPr>
+              <a:t/>
+            </a:r>
+            <a:br>
+              <a:rPr lang="en-US" dirty="0">
+                <a:solidFill>
+                  <a:srgbClr val="666666"/>
+                </a:solidFill>
+                <a:latin typeface="Open Sans" panose="020B0606030504020204" pitchFamily="34" charset="0"/>
+              </a:rPr>
+            </a:br>
+            <a:r>
+              <a:rPr lang="en-US" dirty="0">
+                <a:solidFill>
+                  <a:srgbClr val="666666"/>
+                </a:solidFill>
+                <a:latin typeface="Open Sans" panose="020B0606030504020204" pitchFamily="34" charset="0"/>
+              </a:rPr>
+              <a:t/>
+            </a:r>
+            <a:br>
+              <a:rPr lang="en-US" dirty="0">
+                <a:solidFill>
+                  <a:srgbClr val="666666"/>
+                </a:solidFill>
+                <a:latin typeface="Open Sans" panose="020B0606030504020204" pitchFamily="34" charset="0"/>
+              </a:rPr>
+            </a:br>
+            <a:r>
+              <a:rPr lang="en-US" dirty="0">
+                <a:solidFill>
+                  <a:srgbClr val="666666"/>
+                </a:solidFill>
+                <a:latin typeface="Open Sans" panose="020B0606030504020204" pitchFamily="34" charset="0"/>
+              </a:rPr>
+              <a:t>now the data has been copied to clipboard, you can check it by manually pasting it in a notepad.</a:t>
+            </a:r>
+          </a:p>
+          <a:p>
+            <a:pPr fontAlgn="base"/>
+            <a:r>
+              <a:rPr lang="en-US" dirty="0">
+                <a:solidFill>
+                  <a:srgbClr val="666666"/>
+                </a:solidFill>
+                <a:latin typeface="Open Sans" panose="020B0606030504020204" pitchFamily="34" charset="0"/>
+              </a:rPr>
+              <a:t>Now select the cell in which you want to paste the data, in this example its “B2” in “Sheet2”</a:t>
+            </a:r>
+          </a:p>
+          <a:p>
+            <a:pPr fontAlgn="base"/>
+            <a:r>
+              <a:rPr lang="en-US" dirty="0" err="1">
+                <a:solidFill>
+                  <a:srgbClr val="666666"/>
+                </a:solidFill>
+                <a:latin typeface="Open Sans" panose="020B0606030504020204" pitchFamily="34" charset="0"/>
+              </a:rPr>
+              <a:t>mainworkBook.Sheets</a:t>
+            </a:r>
+            <a:r>
+              <a:rPr lang="en-US" dirty="0">
+                <a:solidFill>
+                  <a:srgbClr val="666666"/>
+                </a:solidFill>
+                <a:latin typeface="Open Sans" panose="020B0606030504020204" pitchFamily="34" charset="0"/>
+              </a:rPr>
+              <a:t>(“Sheet2”).Range(“B2”).</a:t>
+            </a:r>
+            <a:r>
+              <a:rPr lang="en-US" b="1" dirty="0">
+                <a:solidFill>
+                  <a:srgbClr val="666666"/>
+                </a:solidFill>
+                <a:latin typeface="inherit"/>
+              </a:rPr>
+              <a:t>Select</a:t>
+            </a:r>
+            <a:endParaRPr lang="en-US" dirty="0">
+              <a:solidFill>
+                <a:srgbClr val="666666"/>
+              </a:solidFill>
+              <a:latin typeface="Open Sans" panose="020B0606030504020204" pitchFamily="34" charset="0"/>
+            </a:endParaRPr>
+          </a:p>
+          <a:p>
+            <a:pPr fontAlgn="base"/>
+            <a:r>
+              <a:rPr lang="en-US" dirty="0">
+                <a:solidFill>
+                  <a:srgbClr val="666666"/>
+                </a:solidFill>
+                <a:latin typeface="Open Sans" panose="020B0606030504020204" pitchFamily="34" charset="0"/>
+              </a:rPr>
+              <a:t>Now paste the data</a:t>
+            </a:r>
+          </a:p>
+          <a:p>
+            <a:pPr fontAlgn="base"/>
+            <a:r>
+              <a:rPr lang="en-US" dirty="0" err="1">
+                <a:solidFill>
+                  <a:srgbClr val="666666"/>
+                </a:solidFill>
+                <a:latin typeface="Open Sans" panose="020B0606030504020204" pitchFamily="34" charset="0"/>
+              </a:rPr>
+              <a:t>mainworkBook.Sheets</a:t>
+            </a:r>
+            <a:r>
+              <a:rPr lang="en-US" dirty="0">
+                <a:solidFill>
+                  <a:srgbClr val="666666"/>
+                </a:solidFill>
+                <a:latin typeface="Open Sans" panose="020B0606030504020204" pitchFamily="34" charset="0"/>
+              </a:rPr>
+              <a:t>(“Sheet2”).</a:t>
+            </a:r>
+            <a:r>
+              <a:rPr lang="en-US" b="1" dirty="0">
+                <a:solidFill>
+                  <a:srgbClr val="666666"/>
+                </a:solidFill>
+                <a:latin typeface="inherit"/>
+              </a:rPr>
+              <a:t>Paste</a:t>
+            </a:r>
+            <a:endParaRPr lang="en-US" b="0" i="0" dirty="0">
+              <a:solidFill>
+                <a:srgbClr val="666666"/>
+              </a:solidFill>
+              <a:effectLst/>
+              <a:latin typeface="Open Sans" panose="020B0606030504020204" pitchFamily="34" charset="0"/>
+            </a:endParaRPr>
+          </a:p>
+        </p:txBody>
+      </p:sp>
+    </p:spTree>
+    <p:extLst>
+      <p:ext uri="{BB962C8B-B14F-4D97-AF65-F5344CB8AC3E}">
+        <p14:creationId xmlns:p14="http://schemas.microsoft.com/office/powerpoint/2010/main" val="1508922551"/>
+      </p:ext>
+    </p:extLst>
+  </p:cSld>
+  <p:clrMapOvr>
+    <a:masterClrMapping/>
+  </p:clrMapOvr>
+  <p:timing>
+    <p:tnLst>
+      <p:par>
+        <p:cTn id="1" dur="indefinite" restart="never" nodeType="tmRoot"/>
+      </p:par>
+    </p:tnLst>
+  </p:timing>
+</p:sld>
+</file>
+
+<file path=ppt/slides/slide32.xml><?xml version="1.0" encoding="utf-8"?>
+<p:sld xmlns:a="http://schemas.openxmlformats.org/drawingml/2006/main" xmlns:r="http://schemas.openxmlformats.org/officeDocument/2006/relationships" xmlns:p="http://schemas.openxmlformats.org/presentationml/2006/main">
+  <p:cSld>
+    <p:spTree>
+      <p:nvGrpSpPr>
+        <p:cNvPr id="1" name=""/>
+        <p:cNvGrpSpPr/>
+        <p:nvPr/>
+      </p:nvGrpSpPr>
+      <p:grpSpPr>
+        <a:xfrm>
+          <a:off x="0" y="0"/>
+          <a:ext cx="0" cy="0"/>
+          <a:chOff x="0" y="0"/>
+          <a:chExt cx="0" cy="0"/>
+        </a:xfrm>
+      </p:grpSpPr>
+      <p:sp>
+        <p:nvSpPr>
+          <p:cNvPr id="2" name="Title 1"/>
+          <p:cNvSpPr>
+            <a:spLocks noGrp="1"/>
+          </p:cNvSpPr>
+          <p:nvPr>
+            <p:ph type="title"/>
+          </p:nvPr>
+        </p:nvSpPr>
+        <p:spPr/>
+        <p:txBody>
+          <a:bodyPr/>
+          <a:lstStyle/>
+          <a:p>
+            <a:r>
+              <a:rPr lang="en-US" b="1" dirty="0"/>
+              <a:t>Copy-paste </a:t>
+            </a:r>
+            <a:r>
+              <a:rPr lang="en-US" b="1" dirty="0" err="1" smtClean="0"/>
+              <a:t>Operaions</a:t>
+            </a:r>
+            <a:endParaRPr lang="en-US" dirty="0"/>
+          </a:p>
+        </p:txBody>
+      </p:sp>
+      <p:sp>
+        <p:nvSpPr>
+          <p:cNvPr id="6" name="Rectangle 1"/>
+          <p:cNvSpPr>
+            <a:spLocks noChangeArrowheads="1"/>
+          </p:cNvSpPr>
+          <p:nvPr/>
+        </p:nvSpPr>
+        <p:spPr bwMode="auto">
+          <a:xfrm>
+            <a:off x="2666999" y="4072357"/>
+            <a:ext cx="12696919" cy="647870"/>
+          </a:xfrm>
+          <a:prstGeom prst="rect">
+            <a:avLst/>
+          </a:prstGeom>
+          <a:noFill/>
+          <a:ln>
+            <a:noFill/>
+          </a:ln>
+          <a:effectLst/>
+          <a:extLst>
+            <a:ext uri="{909E8E84-426E-40DD-AFC4-6F175D3DCCD1}">
+              <a14:hiddenFill xmlns:a14="http://schemas.microsoft.com/office/drawing/2010/main">
+                <a:solidFill>
+                  <a:schemeClr val="accent1"/>
+                </a:solidFill>
+              </a14:hiddenFill>
+            </a:ext>
+            <a:ext uri="{91240B29-F687-4F45-9708-019B960494DF}">
+              <a14:hiddenLine xmlns:a14="http://schemas.microsoft.com/office/drawing/2010/main" w="9525">
+                <a:solidFill>
+                  <a:schemeClr val="tx1"/>
+                </a:solidFill>
+                <a:miter lim="800000"/>
+                <a:headEnd/>
+                <a:tailEnd/>
+              </a14:hiddenLine>
+            </a:ext>
+            <a:ext uri="{AF507438-7753-43E0-B8FC-AC1667EBCBE1}">
+              <a14:hiddenEffects xmlns:a14="http://schemas.microsoft.com/office/drawing/2010/main">
+                <a:effectLst>
+                  <a:outerShdw dist="35921" dir="2700000" algn="ctr" rotWithShape="0">
+                    <a:schemeClr val="bg2"/>
+                  </a:outerShdw>
+                </a:effectLst>
+              </a14:hiddenEffects>
+            </a:ext>
+          </a:extLst>
+        </p:spPr>
+        <p:txBody>
+          <a:bodyPr vert="horz" wrap="square" lIns="91440" tIns="45720" rIns="91440" bIns="45720" numCol="1" anchor="ctr" anchorCtr="0" compatLnSpc="1">
+            <a:prstTxWarp prst="textNoShape">
+              <a:avLst/>
+            </a:prstTxWarp>
+            <a:spAutoFit/>
+          </a:bodyPr>
+          <a:lstStyle/>
+          <a:p>
+            <a:pPr marL="0" marR="0" lvl="0" indent="0" algn="l" defTabSz="914400" rtl="0" eaLnBrk="0" fontAlgn="base" latinLnBrk="0" hangingPunct="0">
+              <a:lnSpc>
+                <a:spcPct val="100000"/>
+              </a:lnSpc>
+              <a:spcBef>
+                <a:spcPct val="0"/>
+              </a:spcBef>
+              <a:spcAft>
+                <a:spcPct val="0"/>
+              </a:spcAft>
+              <a:buClrTx/>
+              <a:buSzTx/>
+              <a:buFontTx/>
+              <a:buNone/>
+              <a:tabLst/>
+            </a:pPr>
+            <a:r>
+              <a:rPr kumimoji="0" lang="en-US" altLang="en-US" sz="1800" b="0" i="0" u="none" strike="noStrike" cap="none" normalizeH="0" baseline="0" smtClean="0">
+                <a:ln>
+                  <a:noFill/>
+                </a:ln>
+                <a:solidFill>
+                  <a:schemeClr val="tx1"/>
+                </a:solidFill>
+                <a:effectLst/>
+                <a:latin typeface="Arial" panose="020B0604020202020204" pitchFamily="34" charset="0"/>
+              </a:rPr>
+              <a:t/>
+            </a:r>
+            <a:br>
+              <a:rPr kumimoji="0" lang="en-US" altLang="en-US" sz="1800" b="0" i="0" u="none" strike="noStrike" cap="none" normalizeH="0" baseline="0" smtClean="0">
+                <a:ln>
+                  <a:noFill/>
+                </a:ln>
+                <a:solidFill>
+                  <a:schemeClr val="tx1"/>
+                </a:solidFill>
+                <a:effectLst/>
+                <a:latin typeface="Arial" panose="020B0604020202020204" pitchFamily="34" charset="0"/>
+              </a:rPr>
+            </a:br>
+            <a:endParaRPr kumimoji="0" lang="en-US" altLang="en-US" sz="1800" b="0" i="0" u="none" strike="noStrike" cap="none" normalizeH="0" baseline="0" smtClean="0">
+              <a:ln>
+                <a:noFill/>
+              </a:ln>
+              <a:solidFill>
+                <a:schemeClr val="tx1"/>
+              </a:solidFill>
+              <a:effectLst/>
+              <a:latin typeface="Arial" panose="020B0604020202020204" pitchFamily="34" charset="0"/>
+            </a:endParaRPr>
+          </a:p>
+        </p:txBody>
+      </p:sp>
+      <p:sp>
+        <p:nvSpPr>
+          <p:cNvPr id="3" name="Rectangle 2"/>
+          <p:cNvSpPr/>
+          <p:nvPr/>
+        </p:nvSpPr>
+        <p:spPr>
+          <a:xfrm>
+            <a:off x="838200" y="1367522"/>
+            <a:ext cx="6096000" cy="646331"/>
+          </a:xfrm>
+          <a:prstGeom prst="rect">
+            <a:avLst/>
+          </a:prstGeom>
+        </p:spPr>
+        <p:txBody>
+          <a:bodyPr>
+            <a:spAutoFit/>
+          </a:bodyPr>
+          <a:lstStyle/>
+          <a:p>
+            <a:pPr fontAlgn="base"/>
+            <a:r>
+              <a:rPr lang="en-US" b="1" dirty="0">
+                <a:solidFill>
+                  <a:srgbClr val="444444"/>
+                </a:solidFill>
+                <a:latin typeface="Open Sans" panose="020B0606030504020204" pitchFamily="34" charset="0"/>
+              </a:rPr>
+              <a:t>Copy/Paste data – Copy the Entire data from one sheet to another</a:t>
+            </a:r>
+            <a:endParaRPr lang="en-US" b="1" i="0" dirty="0">
+              <a:solidFill>
+                <a:srgbClr val="444444"/>
+              </a:solidFill>
+              <a:effectLst/>
+              <a:latin typeface="Open Sans" panose="020B0606030504020204" pitchFamily="34" charset="0"/>
+            </a:endParaRPr>
+          </a:p>
+        </p:txBody>
+      </p:sp>
+      <p:sp>
+        <p:nvSpPr>
+          <p:cNvPr id="4" name="Rectangle 3"/>
+          <p:cNvSpPr/>
+          <p:nvPr/>
+        </p:nvSpPr>
+        <p:spPr>
+          <a:xfrm>
+            <a:off x="838200" y="1945777"/>
+            <a:ext cx="8890000" cy="4247317"/>
+          </a:xfrm>
+          <a:prstGeom prst="rect">
+            <a:avLst/>
+          </a:prstGeom>
+        </p:spPr>
+        <p:txBody>
+          <a:bodyPr wrap="square">
+            <a:spAutoFit/>
+          </a:bodyPr>
+          <a:lstStyle/>
+          <a:p>
+            <a:pPr fontAlgn="base"/>
+            <a:r>
+              <a:rPr lang="en-US" dirty="0">
+                <a:solidFill>
+                  <a:srgbClr val="666666"/>
+                </a:solidFill>
+                <a:latin typeface="Open Sans" panose="020B0606030504020204" pitchFamily="34" charset="0"/>
+              </a:rPr>
+              <a:t>Dim </a:t>
+            </a:r>
+            <a:r>
+              <a:rPr lang="en-US" dirty="0" err="1">
+                <a:solidFill>
+                  <a:srgbClr val="666666"/>
+                </a:solidFill>
+                <a:latin typeface="Open Sans" panose="020B0606030504020204" pitchFamily="34" charset="0"/>
+              </a:rPr>
+              <a:t>mainworkBook</a:t>
+            </a:r>
+            <a:r>
+              <a:rPr lang="en-US" dirty="0">
+                <a:solidFill>
+                  <a:srgbClr val="666666"/>
+                </a:solidFill>
+                <a:latin typeface="Open Sans" panose="020B0606030504020204" pitchFamily="34" charset="0"/>
+              </a:rPr>
+              <a:t> As Workbook</a:t>
+            </a:r>
+          </a:p>
+          <a:p>
+            <a:pPr fontAlgn="base"/>
+            <a:r>
+              <a:rPr lang="en-US" dirty="0">
+                <a:solidFill>
+                  <a:srgbClr val="666666"/>
+                </a:solidFill>
+                <a:latin typeface="Open Sans" panose="020B0606030504020204" pitchFamily="34" charset="0"/>
+              </a:rPr>
+              <a:t>Set </a:t>
+            </a:r>
+            <a:r>
+              <a:rPr lang="en-US" dirty="0" err="1">
+                <a:solidFill>
+                  <a:srgbClr val="666666"/>
+                </a:solidFill>
+                <a:latin typeface="Open Sans" panose="020B0606030504020204" pitchFamily="34" charset="0"/>
+              </a:rPr>
+              <a:t>mainworkBook</a:t>
+            </a:r>
+            <a:r>
+              <a:rPr lang="en-US" dirty="0">
+                <a:solidFill>
+                  <a:srgbClr val="666666"/>
+                </a:solidFill>
+                <a:latin typeface="Open Sans" panose="020B0606030504020204" pitchFamily="34" charset="0"/>
+              </a:rPr>
+              <a:t> = </a:t>
+            </a:r>
+            <a:r>
+              <a:rPr lang="en-US" dirty="0" err="1">
+                <a:solidFill>
+                  <a:srgbClr val="666666"/>
+                </a:solidFill>
+                <a:latin typeface="Open Sans" panose="020B0606030504020204" pitchFamily="34" charset="0"/>
+              </a:rPr>
+              <a:t>ActiveWorkbook</a:t>
+            </a:r>
+            <a:endParaRPr lang="en-US" dirty="0">
+              <a:solidFill>
+                <a:srgbClr val="666666"/>
+              </a:solidFill>
+              <a:latin typeface="Open Sans" panose="020B0606030504020204" pitchFamily="34" charset="0"/>
+            </a:endParaRPr>
+          </a:p>
+          <a:p>
+            <a:pPr fontAlgn="base"/>
+            <a:r>
+              <a:rPr lang="en-US" b="1" dirty="0">
+                <a:solidFill>
+                  <a:srgbClr val="666666"/>
+                </a:solidFill>
+                <a:latin typeface="inherit"/>
+              </a:rPr>
+              <a:t>Copy  the Entire data from one sheet to another</a:t>
+            </a:r>
+            <a:endParaRPr lang="en-US" dirty="0">
+              <a:solidFill>
+                <a:srgbClr val="666666"/>
+              </a:solidFill>
+              <a:latin typeface="Open Sans" panose="020B0606030504020204" pitchFamily="34" charset="0"/>
+            </a:endParaRPr>
+          </a:p>
+          <a:p>
+            <a:pPr fontAlgn="base"/>
+            <a:r>
+              <a:rPr lang="en-US" dirty="0">
+                <a:solidFill>
+                  <a:srgbClr val="666666"/>
+                </a:solidFill>
+                <a:latin typeface="Open Sans" panose="020B0606030504020204" pitchFamily="34" charset="0"/>
+              </a:rPr>
+              <a:t>For example if you want to copy the data “Sheet1” and paste it to in “Sheet2”.</a:t>
+            </a:r>
+          </a:p>
+          <a:p>
+            <a:pPr fontAlgn="base"/>
+            <a:r>
+              <a:rPr lang="en-US" dirty="0">
+                <a:solidFill>
+                  <a:srgbClr val="666666"/>
+                </a:solidFill>
+                <a:latin typeface="Open Sans" panose="020B0606030504020204" pitchFamily="34" charset="0"/>
+              </a:rPr>
+              <a:t>For copy the data present in “Sheet1”</a:t>
+            </a:r>
+          </a:p>
+          <a:p>
+            <a:pPr fontAlgn="base"/>
+            <a:r>
+              <a:rPr lang="en-US" dirty="0" err="1">
+                <a:solidFill>
+                  <a:srgbClr val="666666"/>
+                </a:solidFill>
+                <a:latin typeface="Open Sans" panose="020B0606030504020204" pitchFamily="34" charset="0"/>
+              </a:rPr>
+              <a:t>mainworkBook.Sheets</a:t>
+            </a:r>
+            <a:r>
+              <a:rPr lang="en-US" dirty="0">
+                <a:solidFill>
+                  <a:srgbClr val="666666"/>
+                </a:solidFill>
+                <a:latin typeface="Open Sans" panose="020B0606030504020204" pitchFamily="34" charset="0"/>
+              </a:rPr>
+              <a:t>(“Sheet1”).</a:t>
+            </a:r>
+            <a:r>
+              <a:rPr lang="en-US" b="1" dirty="0" err="1">
+                <a:solidFill>
+                  <a:srgbClr val="666666"/>
+                </a:solidFill>
+                <a:latin typeface="inherit"/>
+              </a:rPr>
+              <a:t>UsedRange.Copy</a:t>
+            </a:r>
+            <a:r>
+              <a:rPr lang="en-US" dirty="0">
+                <a:solidFill>
+                  <a:srgbClr val="666666"/>
+                </a:solidFill>
+                <a:latin typeface="Open Sans" panose="020B0606030504020204" pitchFamily="34" charset="0"/>
+              </a:rPr>
+              <a:t/>
+            </a:r>
+            <a:br>
+              <a:rPr lang="en-US" dirty="0">
+                <a:solidFill>
+                  <a:srgbClr val="666666"/>
+                </a:solidFill>
+                <a:latin typeface="Open Sans" panose="020B0606030504020204" pitchFamily="34" charset="0"/>
+              </a:rPr>
+            </a:br>
+            <a:r>
+              <a:rPr lang="en-US" dirty="0">
+                <a:solidFill>
+                  <a:srgbClr val="666666"/>
+                </a:solidFill>
+                <a:latin typeface="Open Sans" panose="020B0606030504020204" pitchFamily="34" charset="0"/>
+              </a:rPr>
+              <a:t/>
+            </a:r>
+            <a:br>
+              <a:rPr lang="en-US" dirty="0">
+                <a:solidFill>
+                  <a:srgbClr val="666666"/>
+                </a:solidFill>
+                <a:latin typeface="Open Sans" panose="020B0606030504020204" pitchFamily="34" charset="0"/>
+              </a:rPr>
+            </a:br>
+            <a:r>
+              <a:rPr lang="en-US" dirty="0">
+                <a:solidFill>
+                  <a:srgbClr val="666666"/>
+                </a:solidFill>
+                <a:latin typeface="Open Sans" panose="020B0606030504020204" pitchFamily="34" charset="0"/>
+              </a:rPr>
+              <a:t>now the data has been copied to clipboard, you can check it by manually pasting it in a notepad.</a:t>
+            </a:r>
+          </a:p>
+          <a:p>
+            <a:pPr fontAlgn="base"/>
+            <a:r>
+              <a:rPr lang="en-US" dirty="0">
+                <a:solidFill>
+                  <a:srgbClr val="666666"/>
+                </a:solidFill>
+                <a:latin typeface="Open Sans" panose="020B0606030504020204" pitchFamily="34" charset="0"/>
+              </a:rPr>
+              <a:t>Now select the cell in which you want to paste the data, in this example its “B2” in “Sheet2”</a:t>
+            </a:r>
+          </a:p>
+          <a:p>
+            <a:pPr fontAlgn="base"/>
+            <a:r>
+              <a:rPr lang="en-US" dirty="0" err="1">
+                <a:solidFill>
+                  <a:srgbClr val="666666"/>
+                </a:solidFill>
+                <a:latin typeface="Open Sans" panose="020B0606030504020204" pitchFamily="34" charset="0"/>
+              </a:rPr>
+              <a:t>mainworkBook.Sheets</a:t>
+            </a:r>
+            <a:r>
+              <a:rPr lang="en-US" dirty="0">
+                <a:solidFill>
+                  <a:srgbClr val="666666"/>
+                </a:solidFill>
+                <a:latin typeface="Open Sans" panose="020B0606030504020204" pitchFamily="34" charset="0"/>
+              </a:rPr>
+              <a:t>(“Sheet2”).</a:t>
+            </a:r>
+            <a:r>
+              <a:rPr lang="en-US" b="1" dirty="0">
+                <a:solidFill>
+                  <a:srgbClr val="666666"/>
+                </a:solidFill>
+                <a:latin typeface="inherit"/>
+              </a:rPr>
+              <a:t>Select</a:t>
+            </a:r>
+            <a:endParaRPr lang="en-US" dirty="0">
+              <a:solidFill>
+                <a:srgbClr val="666666"/>
+              </a:solidFill>
+              <a:latin typeface="Open Sans" panose="020B0606030504020204" pitchFamily="34" charset="0"/>
+            </a:endParaRPr>
+          </a:p>
+          <a:p>
+            <a:pPr fontAlgn="base"/>
+            <a:r>
+              <a:rPr lang="en-US" dirty="0" err="1">
+                <a:solidFill>
+                  <a:srgbClr val="666666"/>
+                </a:solidFill>
+                <a:latin typeface="Open Sans" panose="020B0606030504020204" pitchFamily="34" charset="0"/>
+              </a:rPr>
+              <a:t>mainworkBook.Sheets</a:t>
+            </a:r>
+            <a:r>
+              <a:rPr lang="en-US" dirty="0">
+                <a:solidFill>
+                  <a:srgbClr val="666666"/>
+                </a:solidFill>
+                <a:latin typeface="Open Sans" panose="020B0606030504020204" pitchFamily="34" charset="0"/>
+              </a:rPr>
+              <a:t>(“Sheet2”).Range(“A1”).Select</a:t>
+            </a:r>
+          </a:p>
+          <a:p>
+            <a:pPr fontAlgn="base"/>
+            <a:r>
+              <a:rPr lang="en-US" dirty="0">
+                <a:solidFill>
+                  <a:srgbClr val="666666"/>
+                </a:solidFill>
+                <a:latin typeface="Open Sans" panose="020B0606030504020204" pitchFamily="34" charset="0"/>
+              </a:rPr>
+              <a:t>Now paste the data</a:t>
+            </a:r>
+          </a:p>
+          <a:p>
+            <a:pPr fontAlgn="base"/>
+            <a:r>
+              <a:rPr lang="en-US" dirty="0" err="1">
+                <a:solidFill>
+                  <a:srgbClr val="666666"/>
+                </a:solidFill>
+                <a:latin typeface="Open Sans" panose="020B0606030504020204" pitchFamily="34" charset="0"/>
+              </a:rPr>
+              <a:t>mainworkBook.Sheets</a:t>
+            </a:r>
+            <a:r>
+              <a:rPr lang="en-US" dirty="0">
+                <a:solidFill>
+                  <a:srgbClr val="666666"/>
+                </a:solidFill>
+                <a:latin typeface="Open Sans" panose="020B0606030504020204" pitchFamily="34" charset="0"/>
+              </a:rPr>
+              <a:t>(“Sheet2”).</a:t>
+            </a:r>
+            <a:r>
+              <a:rPr lang="en-US" b="1" dirty="0">
+                <a:solidFill>
+                  <a:srgbClr val="666666"/>
+                </a:solidFill>
+                <a:latin typeface="inherit"/>
+              </a:rPr>
+              <a:t>Paste</a:t>
+            </a:r>
+            <a:endParaRPr lang="en-US" b="0" i="0" dirty="0">
+              <a:solidFill>
+                <a:srgbClr val="666666"/>
+              </a:solidFill>
+              <a:effectLst/>
+              <a:latin typeface="Open Sans" panose="020B0606030504020204" pitchFamily="34" charset="0"/>
+            </a:endParaRPr>
+          </a:p>
+        </p:txBody>
+      </p:sp>
+    </p:spTree>
+    <p:extLst>
+      <p:ext uri="{BB962C8B-B14F-4D97-AF65-F5344CB8AC3E}">
+        <p14:creationId xmlns:p14="http://schemas.microsoft.com/office/powerpoint/2010/main" val="879328655"/>
+      </p:ext>
+    </p:extLst>
+  </p:cSld>
+  <p:clrMapOvr>
+    <a:masterClrMapping/>
+  </p:clrMapOvr>
+  <p:timing>
+    <p:tnLst>
+      <p:par>
+        <p:cTn id="1" dur="indefinite" restart="never" nodeType="tmRoot"/>
+      </p:par>
+    </p:tnLst>
+  </p:timing>
+</p:sld>
+</file>
+
+<file path=ppt/slides/slide33.xml><?xml version="1.0" encoding="utf-8"?>
+<p:sld xmlns:a="http://schemas.openxmlformats.org/drawingml/2006/main" xmlns:r="http://schemas.openxmlformats.org/officeDocument/2006/relationships" xmlns:p="http://schemas.openxmlformats.org/presentationml/2006/main">
+  <p:cSld>
+    <p:spTree>
+      <p:nvGrpSpPr>
+        <p:cNvPr id="1" name=""/>
+        <p:cNvGrpSpPr/>
+        <p:nvPr/>
+      </p:nvGrpSpPr>
+      <p:grpSpPr>
+        <a:xfrm>
+          <a:off x="0" y="0"/>
+          <a:ext cx="0" cy="0"/>
+          <a:chOff x="0" y="0"/>
+          <a:chExt cx="0" cy="0"/>
+        </a:xfrm>
+      </p:grpSpPr>
+      <p:sp>
+        <p:nvSpPr>
+          <p:cNvPr id="2" name="Title 1"/>
+          <p:cNvSpPr>
+            <a:spLocks noGrp="1"/>
+          </p:cNvSpPr>
+          <p:nvPr>
+            <p:ph type="title"/>
+          </p:nvPr>
+        </p:nvSpPr>
+        <p:spPr/>
+        <p:txBody>
+          <a:bodyPr/>
+          <a:lstStyle/>
+          <a:p>
+            <a:r>
+              <a:rPr lang="en-US" b="1" smtClean="0"/>
+              <a:t>Copy-paste Operaions</a:t>
+            </a:r>
+            <a:endParaRPr lang="en-US" dirty="0"/>
+          </a:p>
+        </p:txBody>
+      </p:sp>
+      <p:sp>
+        <p:nvSpPr>
+          <p:cNvPr id="6" name="Rectangle 1"/>
+          <p:cNvSpPr>
+            <a:spLocks noChangeArrowheads="1"/>
+          </p:cNvSpPr>
+          <p:nvPr/>
+        </p:nvSpPr>
+        <p:spPr bwMode="auto">
+          <a:xfrm>
+            <a:off x="2666999" y="4072357"/>
+            <a:ext cx="12696919" cy="647870"/>
+          </a:xfrm>
+          <a:prstGeom prst="rect">
+            <a:avLst/>
+          </a:prstGeom>
+          <a:noFill/>
+          <a:ln>
+            <a:noFill/>
+          </a:ln>
+          <a:effectLst/>
+          <a:extLst>
+            <a:ext uri="{909E8E84-426E-40DD-AFC4-6F175D3DCCD1}">
+              <a14:hiddenFill xmlns:a14="http://schemas.microsoft.com/office/drawing/2010/main">
+                <a:solidFill>
+                  <a:schemeClr val="accent1"/>
+                </a:solidFill>
+              </a14:hiddenFill>
+            </a:ext>
+            <a:ext uri="{91240B29-F687-4F45-9708-019B960494DF}">
+              <a14:hiddenLine xmlns:a14="http://schemas.microsoft.com/office/drawing/2010/main" w="9525">
+                <a:solidFill>
+                  <a:schemeClr val="tx1"/>
+                </a:solidFill>
+                <a:miter lim="800000"/>
+                <a:headEnd/>
+                <a:tailEnd/>
+              </a14:hiddenLine>
+            </a:ext>
+            <a:ext uri="{AF507438-7753-43E0-B8FC-AC1667EBCBE1}">
+              <a14:hiddenEffects xmlns:a14="http://schemas.microsoft.com/office/drawing/2010/main">
+                <a:effectLst>
+                  <a:outerShdw dist="35921" dir="2700000" algn="ctr" rotWithShape="0">
+                    <a:schemeClr val="bg2"/>
+                  </a:outerShdw>
+                </a:effectLst>
+              </a14:hiddenEffects>
+            </a:ext>
+          </a:extLst>
+        </p:spPr>
+        <p:txBody>
+          <a:bodyPr vert="horz" wrap="square" lIns="91440" tIns="45720" rIns="91440" bIns="45720" numCol="1" anchor="ctr" anchorCtr="0" compatLnSpc="1">
+            <a:prstTxWarp prst="textNoShape">
+              <a:avLst/>
+            </a:prstTxWarp>
+            <a:spAutoFit/>
+          </a:bodyPr>
+          <a:lstStyle/>
+          <a:p>
+            <a:pPr marL="0" marR="0" lvl="0" indent="0" algn="l" defTabSz="914400" rtl="0" eaLnBrk="0" fontAlgn="base" latinLnBrk="0" hangingPunct="0">
+              <a:lnSpc>
+                <a:spcPct val="100000"/>
+              </a:lnSpc>
+              <a:spcBef>
+                <a:spcPct val="0"/>
+              </a:spcBef>
+              <a:spcAft>
+                <a:spcPct val="0"/>
+              </a:spcAft>
+              <a:buClrTx/>
+              <a:buSzTx/>
+              <a:buFontTx/>
+              <a:buNone/>
+              <a:tabLst/>
+            </a:pPr>
+            <a:r>
+              <a:rPr kumimoji="0" lang="en-US" altLang="en-US" sz="1800" b="0" i="0" u="none" strike="noStrike" cap="none" normalizeH="0" baseline="0" smtClean="0">
+                <a:ln>
+                  <a:noFill/>
+                </a:ln>
+                <a:solidFill>
+                  <a:schemeClr val="tx1"/>
+                </a:solidFill>
+                <a:effectLst/>
+                <a:latin typeface="Arial" panose="020B0604020202020204" pitchFamily="34" charset="0"/>
+              </a:rPr>
+              <a:t/>
+            </a:r>
+            <a:br>
+              <a:rPr kumimoji="0" lang="en-US" altLang="en-US" sz="1800" b="0" i="0" u="none" strike="noStrike" cap="none" normalizeH="0" baseline="0" smtClean="0">
+                <a:ln>
+                  <a:noFill/>
+                </a:ln>
+                <a:solidFill>
+                  <a:schemeClr val="tx1"/>
+                </a:solidFill>
+                <a:effectLst/>
+                <a:latin typeface="Arial" panose="020B0604020202020204" pitchFamily="34" charset="0"/>
+              </a:rPr>
+            </a:br>
+            <a:endParaRPr kumimoji="0" lang="en-US" altLang="en-US" sz="1800" b="0" i="0" u="none" strike="noStrike" cap="none" normalizeH="0" baseline="0" smtClean="0">
+              <a:ln>
+                <a:noFill/>
+              </a:ln>
+              <a:solidFill>
+                <a:schemeClr val="tx1"/>
+              </a:solidFill>
+              <a:effectLst/>
+              <a:latin typeface="Arial" panose="020B0604020202020204" pitchFamily="34" charset="0"/>
+            </a:endParaRPr>
+          </a:p>
+        </p:txBody>
+      </p:sp>
+      <p:sp>
+        <p:nvSpPr>
+          <p:cNvPr id="5" name="Rectangle 4"/>
+          <p:cNvSpPr/>
+          <p:nvPr/>
+        </p:nvSpPr>
+        <p:spPr>
+          <a:xfrm>
+            <a:off x="838200" y="1293969"/>
+            <a:ext cx="6096000" cy="646331"/>
+          </a:xfrm>
+          <a:prstGeom prst="rect">
+            <a:avLst/>
+          </a:prstGeom>
+        </p:spPr>
+        <p:txBody>
+          <a:bodyPr>
+            <a:spAutoFit/>
+          </a:bodyPr>
+          <a:lstStyle/>
+          <a:p>
+            <a:pPr fontAlgn="base"/>
+            <a:r>
+              <a:rPr lang="en-US" b="1" dirty="0">
+                <a:solidFill>
+                  <a:srgbClr val="444444"/>
+                </a:solidFill>
+                <a:latin typeface="Open Sans" panose="020B0606030504020204" pitchFamily="34" charset="0"/>
+              </a:rPr>
+              <a:t>Copy/Paste data – Copy the Entire row data and paste it to another row</a:t>
+            </a:r>
+            <a:endParaRPr lang="en-US" b="1" i="0" dirty="0">
+              <a:solidFill>
+                <a:srgbClr val="444444"/>
+              </a:solidFill>
+              <a:effectLst/>
+              <a:latin typeface="Open Sans" panose="020B0606030504020204" pitchFamily="34" charset="0"/>
+            </a:endParaRPr>
+          </a:p>
+        </p:txBody>
+      </p:sp>
+      <p:sp>
+        <p:nvSpPr>
+          <p:cNvPr id="7" name="Rectangle 6"/>
+          <p:cNvSpPr/>
+          <p:nvPr/>
+        </p:nvSpPr>
+        <p:spPr>
+          <a:xfrm>
+            <a:off x="838199" y="1940300"/>
+            <a:ext cx="9389533" cy="4247317"/>
+          </a:xfrm>
+          <a:prstGeom prst="rect">
+            <a:avLst/>
+          </a:prstGeom>
+        </p:spPr>
+        <p:txBody>
+          <a:bodyPr wrap="square">
+            <a:spAutoFit/>
+          </a:bodyPr>
+          <a:lstStyle/>
+          <a:p>
+            <a:pPr fontAlgn="base"/>
+            <a:r>
+              <a:rPr lang="en-US" dirty="0">
+                <a:solidFill>
+                  <a:srgbClr val="666666"/>
+                </a:solidFill>
+                <a:latin typeface="Open Sans" panose="020B0606030504020204" pitchFamily="34" charset="0"/>
+              </a:rPr>
+              <a:t>Dim </a:t>
+            </a:r>
+            <a:r>
+              <a:rPr lang="en-US" dirty="0" err="1">
+                <a:solidFill>
+                  <a:srgbClr val="666666"/>
+                </a:solidFill>
+                <a:latin typeface="Open Sans" panose="020B0606030504020204" pitchFamily="34" charset="0"/>
+              </a:rPr>
+              <a:t>mainworkBook</a:t>
+            </a:r>
+            <a:r>
+              <a:rPr lang="en-US" dirty="0">
+                <a:solidFill>
+                  <a:srgbClr val="666666"/>
+                </a:solidFill>
+                <a:latin typeface="Open Sans" panose="020B0606030504020204" pitchFamily="34" charset="0"/>
+              </a:rPr>
+              <a:t> As Workbook</a:t>
+            </a:r>
+          </a:p>
+          <a:p>
+            <a:pPr fontAlgn="base"/>
+            <a:r>
+              <a:rPr lang="en-US" dirty="0">
+                <a:solidFill>
+                  <a:srgbClr val="666666"/>
+                </a:solidFill>
+                <a:latin typeface="Open Sans" panose="020B0606030504020204" pitchFamily="34" charset="0"/>
+              </a:rPr>
+              <a:t>Set </a:t>
+            </a:r>
+            <a:r>
+              <a:rPr lang="en-US" dirty="0" err="1">
+                <a:solidFill>
+                  <a:srgbClr val="666666"/>
+                </a:solidFill>
+                <a:latin typeface="Open Sans" panose="020B0606030504020204" pitchFamily="34" charset="0"/>
+              </a:rPr>
+              <a:t>mainworkBook</a:t>
+            </a:r>
+            <a:r>
+              <a:rPr lang="en-US" dirty="0">
+                <a:solidFill>
+                  <a:srgbClr val="666666"/>
+                </a:solidFill>
+                <a:latin typeface="Open Sans" panose="020B0606030504020204" pitchFamily="34" charset="0"/>
+              </a:rPr>
+              <a:t> = </a:t>
+            </a:r>
+            <a:r>
+              <a:rPr lang="en-US" dirty="0" err="1">
+                <a:solidFill>
+                  <a:srgbClr val="666666"/>
+                </a:solidFill>
+                <a:latin typeface="Open Sans" panose="020B0606030504020204" pitchFamily="34" charset="0"/>
+              </a:rPr>
+              <a:t>ActiveWorkbook</a:t>
+            </a:r>
+            <a:endParaRPr lang="en-US" dirty="0">
+              <a:solidFill>
+                <a:srgbClr val="666666"/>
+              </a:solidFill>
+              <a:latin typeface="Open Sans" panose="020B0606030504020204" pitchFamily="34" charset="0"/>
+            </a:endParaRPr>
+          </a:p>
+          <a:p>
+            <a:pPr fontAlgn="base"/>
+            <a:r>
+              <a:rPr lang="en-US" b="1" dirty="0">
+                <a:solidFill>
+                  <a:srgbClr val="666666"/>
+                </a:solidFill>
+                <a:latin typeface="inherit"/>
+              </a:rPr>
+              <a:t>Copy the Entire row data and paste it to another row.</a:t>
+            </a:r>
+            <a:endParaRPr lang="en-US" dirty="0">
+              <a:solidFill>
+                <a:srgbClr val="666666"/>
+              </a:solidFill>
+              <a:latin typeface="Open Sans" panose="020B0606030504020204" pitchFamily="34" charset="0"/>
+            </a:endParaRPr>
+          </a:p>
+          <a:p>
+            <a:pPr fontAlgn="base"/>
+            <a:r>
+              <a:rPr lang="en-US" dirty="0">
+                <a:solidFill>
+                  <a:srgbClr val="666666"/>
+                </a:solidFill>
+                <a:latin typeface="Open Sans" panose="020B0606030504020204" pitchFamily="34" charset="0"/>
+              </a:rPr>
+              <a:t>For example  if you want to copy the data from row 5 of “Sheet1” and paste it to in “Sheet2”.</a:t>
+            </a:r>
+          </a:p>
+          <a:p>
+            <a:pPr fontAlgn="base"/>
+            <a:r>
+              <a:rPr lang="en-US" dirty="0">
+                <a:solidFill>
+                  <a:srgbClr val="666666"/>
+                </a:solidFill>
+                <a:latin typeface="Open Sans" panose="020B0606030504020204" pitchFamily="34" charset="0"/>
+              </a:rPr>
+              <a:t>For copy the data present in row 5 from “Sheet1”</a:t>
+            </a:r>
+          </a:p>
+          <a:p>
+            <a:pPr fontAlgn="base"/>
+            <a:r>
+              <a:rPr lang="en-US" dirty="0" err="1">
+                <a:solidFill>
+                  <a:srgbClr val="666666"/>
+                </a:solidFill>
+                <a:latin typeface="Open Sans" panose="020B0606030504020204" pitchFamily="34" charset="0"/>
+              </a:rPr>
+              <a:t>mainworkBook.Sheets</a:t>
+            </a:r>
+            <a:r>
+              <a:rPr lang="en-US" dirty="0">
+                <a:solidFill>
+                  <a:srgbClr val="666666"/>
+                </a:solidFill>
+                <a:latin typeface="Open Sans" panose="020B0606030504020204" pitchFamily="34" charset="0"/>
+              </a:rPr>
+              <a:t>(“Sheet1”).</a:t>
+            </a:r>
+            <a:r>
+              <a:rPr lang="en-US" b="1" dirty="0">
+                <a:solidFill>
+                  <a:srgbClr val="666666"/>
+                </a:solidFill>
+                <a:latin typeface="inherit"/>
+              </a:rPr>
+              <a:t>Rows(5).</a:t>
+            </a:r>
+            <a:r>
+              <a:rPr lang="en-US" b="1" dirty="0" err="1">
+                <a:solidFill>
+                  <a:srgbClr val="666666"/>
+                </a:solidFill>
+                <a:latin typeface="inherit"/>
+              </a:rPr>
+              <a:t>EntireRow.Copy</a:t>
+            </a:r>
+            <a:r>
+              <a:rPr lang="en-US" dirty="0">
+                <a:solidFill>
+                  <a:srgbClr val="666666"/>
+                </a:solidFill>
+                <a:latin typeface="Open Sans" panose="020B0606030504020204" pitchFamily="34" charset="0"/>
+              </a:rPr>
+              <a:t/>
+            </a:r>
+            <a:br>
+              <a:rPr lang="en-US" dirty="0">
+                <a:solidFill>
+                  <a:srgbClr val="666666"/>
+                </a:solidFill>
+                <a:latin typeface="Open Sans" panose="020B0606030504020204" pitchFamily="34" charset="0"/>
+              </a:rPr>
+            </a:br>
+            <a:r>
+              <a:rPr lang="en-US" dirty="0">
+                <a:solidFill>
+                  <a:srgbClr val="666666"/>
+                </a:solidFill>
+                <a:latin typeface="Open Sans" panose="020B0606030504020204" pitchFamily="34" charset="0"/>
+              </a:rPr>
+              <a:t/>
+            </a:r>
+            <a:br>
+              <a:rPr lang="en-US" dirty="0">
+                <a:solidFill>
+                  <a:srgbClr val="666666"/>
+                </a:solidFill>
+                <a:latin typeface="Open Sans" panose="020B0606030504020204" pitchFamily="34" charset="0"/>
+              </a:rPr>
+            </a:br>
+            <a:r>
+              <a:rPr lang="en-US" dirty="0">
+                <a:solidFill>
+                  <a:srgbClr val="666666"/>
+                </a:solidFill>
+                <a:latin typeface="Open Sans" panose="020B0606030504020204" pitchFamily="34" charset="0"/>
+              </a:rPr>
+              <a:t>now the data has been copied to clipboard, you can check it by manually pasting it in a notepad.</a:t>
+            </a:r>
+          </a:p>
+          <a:p>
+            <a:pPr fontAlgn="base"/>
+            <a:r>
+              <a:rPr lang="en-US" dirty="0">
+                <a:solidFill>
+                  <a:srgbClr val="666666"/>
+                </a:solidFill>
+                <a:latin typeface="Open Sans" panose="020B0606030504020204" pitchFamily="34" charset="0"/>
+              </a:rPr>
+              <a:t>Now select the cell in which you want to paste the data, in this example its “B2” in “Sheet2”</a:t>
+            </a:r>
+          </a:p>
+          <a:p>
+            <a:pPr fontAlgn="base"/>
+            <a:r>
+              <a:rPr lang="en-US" dirty="0" err="1">
+                <a:solidFill>
+                  <a:srgbClr val="666666"/>
+                </a:solidFill>
+                <a:latin typeface="Open Sans" panose="020B0606030504020204" pitchFamily="34" charset="0"/>
+              </a:rPr>
+              <a:t>mainworkBook.Sheets</a:t>
+            </a:r>
+            <a:r>
+              <a:rPr lang="en-US" dirty="0">
+                <a:solidFill>
+                  <a:srgbClr val="666666"/>
+                </a:solidFill>
+                <a:latin typeface="Open Sans" panose="020B0606030504020204" pitchFamily="34" charset="0"/>
+              </a:rPr>
+              <a:t>(“Sheet2”).</a:t>
+            </a:r>
+            <a:r>
+              <a:rPr lang="en-US" b="1" dirty="0">
+                <a:solidFill>
+                  <a:srgbClr val="666666"/>
+                </a:solidFill>
+                <a:latin typeface="inherit"/>
+              </a:rPr>
+              <a:t>Range(“A1”).Select</a:t>
+            </a:r>
+            <a:endParaRPr lang="en-US" dirty="0">
+              <a:solidFill>
+                <a:srgbClr val="666666"/>
+              </a:solidFill>
+              <a:latin typeface="Open Sans" panose="020B0606030504020204" pitchFamily="34" charset="0"/>
+            </a:endParaRPr>
+          </a:p>
+          <a:p>
+            <a:pPr fontAlgn="base"/>
+            <a:r>
+              <a:rPr lang="en-US" dirty="0">
+                <a:solidFill>
+                  <a:srgbClr val="666666"/>
+                </a:solidFill>
+                <a:latin typeface="Open Sans" panose="020B0606030504020204" pitchFamily="34" charset="0"/>
+              </a:rPr>
+              <a:t>Now paste the data</a:t>
+            </a:r>
+          </a:p>
+          <a:p>
+            <a:pPr fontAlgn="base"/>
+            <a:r>
+              <a:rPr lang="en-US" dirty="0" err="1">
+                <a:solidFill>
+                  <a:srgbClr val="666666"/>
+                </a:solidFill>
+                <a:latin typeface="Open Sans" panose="020B0606030504020204" pitchFamily="34" charset="0"/>
+              </a:rPr>
+              <a:t>mainworkBook.Sheets</a:t>
+            </a:r>
+            <a:r>
+              <a:rPr lang="en-US" dirty="0">
+                <a:solidFill>
+                  <a:srgbClr val="666666"/>
+                </a:solidFill>
+                <a:latin typeface="Open Sans" panose="020B0606030504020204" pitchFamily="34" charset="0"/>
+              </a:rPr>
+              <a:t>(“Sheet2”).</a:t>
+            </a:r>
+            <a:r>
+              <a:rPr lang="en-US" b="1" dirty="0">
+                <a:solidFill>
+                  <a:srgbClr val="666666"/>
+                </a:solidFill>
+                <a:latin typeface="inherit"/>
+              </a:rPr>
+              <a:t>Paste</a:t>
+            </a:r>
+            <a:endParaRPr lang="en-US" b="0" i="0" dirty="0">
+              <a:solidFill>
+                <a:srgbClr val="666666"/>
+              </a:solidFill>
+              <a:effectLst/>
+              <a:latin typeface="Open Sans" panose="020B0606030504020204" pitchFamily="34" charset="0"/>
+            </a:endParaRPr>
+          </a:p>
+        </p:txBody>
+      </p:sp>
+    </p:spTree>
+    <p:extLst>
+      <p:ext uri="{BB962C8B-B14F-4D97-AF65-F5344CB8AC3E}">
+        <p14:creationId xmlns:p14="http://schemas.microsoft.com/office/powerpoint/2010/main" val="2344354203"/>
+      </p:ext>
+    </p:extLst>
+  </p:cSld>
+  <p:clrMapOvr>
+    <a:masterClrMapping/>
+  </p:clrMapOvr>
+  <p:timing>
+    <p:tnLst>
+      <p:par>
+        <p:cTn id="1" dur="indefinite" restart="never" nodeType="tmRoot"/>
+      </p:par>
+    </p:tnLst>
+  </p:timing>
+</p:sld>
+</file>
+
+<file path=ppt/slides/slide34.xml><?xml version="1.0" encoding="utf-8"?>
+<p:sld xmlns:a="http://schemas.openxmlformats.org/drawingml/2006/main" xmlns:r="http://schemas.openxmlformats.org/officeDocument/2006/relationships" xmlns:p="http://schemas.openxmlformats.org/presentationml/2006/main">
+  <p:cSld>
+    <p:spTree>
+      <p:nvGrpSpPr>
+        <p:cNvPr id="1" name=""/>
+        <p:cNvGrpSpPr/>
+        <p:nvPr/>
+      </p:nvGrpSpPr>
+      <p:grpSpPr>
+        <a:xfrm>
+          <a:off x="0" y="0"/>
+          <a:ext cx="0" cy="0"/>
+          <a:chOff x="0" y="0"/>
+          <a:chExt cx="0" cy="0"/>
+        </a:xfrm>
+      </p:grpSpPr>
+      <p:sp>
+        <p:nvSpPr>
+          <p:cNvPr id="2" name="Title 1"/>
+          <p:cNvSpPr>
+            <a:spLocks noGrp="1"/>
+          </p:cNvSpPr>
+          <p:nvPr>
+            <p:ph type="title"/>
+          </p:nvPr>
+        </p:nvSpPr>
+        <p:spPr/>
+        <p:txBody>
+          <a:bodyPr/>
+          <a:lstStyle/>
+          <a:p>
+            <a:r>
+              <a:rPr lang="en-US" b="1" smtClean="0"/>
+              <a:t>Copy-paste Operaions</a:t>
+            </a:r>
+            <a:endParaRPr lang="en-US" dirty="0"/>
+          </a:p>
+        </p:txBody>
+      </p:sp>
+      <p:sp>
+        <p:nvSpPr>
+          <p:cNvPr id="6" name="Rectangle 1"/>
+          <p:cNvSpPr>
+            <a:spLocks noChangeArrowheads="1"/>
+          </p:cNvSpPr>
+          <p:nvPr/>
+        </p:nvSpPr>
+        <p:spPr bwMode="auto">
+          <a:xfrm>
+            <a:off x="2666999" y="4072357"/>
+            <a:ext cx="12696919" cy="647870"/>
+          </a:xfrm>
+          <a:prstGeom prst="rect">
+            <a:avLst/>
+          </a:prstGeom>
+          <a:noFill/>
+          <a:ln>
+            <a:noFill/>
+          </a:ln>
+          <a:effectLst/>
+          <a:extLst>
+            <a:ext uri="{909E8E84-426E-40DD-AFC4-6F175D3DCCD1}">
+              <a14:hiddenFill xmlns:a14="http://schemas.microsoft.com/office/drawing/2010/main">
+                <a:solidFill>
+                  <a:schemeClr val="accent1"/>
+                </a:solidFill>
+              </a14:hiddenFill>
+            </a:ext>
+            <a:ext uri="{91240B29-F687-4F45-9708-019B960494DF}">
+              <a14:hiddenLine xmlns:a14="http://schemas.microsoft.com/office/drawing/2010/main" w="9525">
+                <a:solidFill>
+                  <a:schemeClr val="tx1"/>
+                </a:solidFill>
+                <a:miter lim="800000"/>
+                <a:headEnd/>
+                <a:tailEnd/>
+              </a14:hiddenLine>
+            </a:ext>
+            <a:ext uri="{AF507438-7753-43E0-B8FC-AC1667EBCBE1}">
+              <a14:hiddenEffects xmlns:a14="http://schemas.microsoft.com/office/drawing/2010/main">
+                <a:effectLst>
+                  <a:outerShdw dist="35921" dir="2700000" algn="ctr" rotWithShape="0">
+                    <a:schemeClr val="bg2"/>
+                  </a:outerShdw>
+                </a:effectLst>
+              </a14:hiddenEffects>
+            </a:ext>
+          </a:extLst>
+        </p:spPr>
+        <p:txBody>
+          <a:bodyPr vert="horz" wrap="square" lIns="91440" tIns="45720" rIns="91440" bIns="45720" numCol="1" anchor="ctr" anchorCtr="0" compatLnSpc="1">
+            <a:prstTxWarp prst="textNoShape">
+              <a:avLst/>
+            </a:prstTxWarp>
+            <a:spAutoFit/>
+          </a:bodyPr>
+          <a:lstStyle/>
+          <a:p>
+            <a:pPr marL="0" marR="0" lvl="0" indent="0" algn="l" defTabSz="914400" rtl="0" eaLnBrk="0" fontAlgn="base" latinLnBrk="0" hangingPunct="0">
+              <a:lnSpc>
+                <a:spcPct val="100000"/>
+              </a:lnSpc>
+              <a:spcBef>
+                <a:spcPct val="0"/>
+              </a:spcBef>
+              <a:spcAft>
+                <a:spcPct val="0"/>
+              </a:spcAft>
+              <a:buClrTx/>
+              <a:buSzTx/>
+              <a:buFontTx/>
+              <a:buNone/>
+              <a:tabLst/>
+            </a:pPr>
+            <a:r>
+              <a:rPr kumimoji="0" lang="en-US" altLang="en-US" sz="1800" b="0" i="0" u="none" strike="noStrike" cap="none" normalizeH="0" baseline="0" smtClean="0">
+                <a:ln>
+                  <a:noFill/>
+                </a:ln>
+                <a:solidFill>
+                  <a:schemeClr val="tx1"/>
+                </a:solidFill>
+                <a:effectLst/>
+                <a:latin typeface="Arial" panose="020B0604020202020204" pitchFamily="34" charset="0"/>
+              </a:rPr>
+              <a:t/>
+            </a:r>
+            <a:br>
+              <a:rPr kumimoji="0" lang="en-US" altLang="en-US" sz="1800" b="0" i="0" u="none" strike="noStrike" cap="none" normalizeH="0" baseline="0" smtClean="0">
+                <a:ln>
+                  <a:noFill/>
+                </a:ln>
+                <a:solidFill>
+                  <a:schemeClr val="tx1"/>
+                </a:solidFill>
+                <a:effectLst/>
+                <a:latin typeface="Arial" panose="020B0604020202020204" pitchFamily="34" charset="0"/>
+              </a:rPr>
+            </a:br>
+            <a:endParaRPr kumimoji="0" lang="en-US" altLang="en-US" sz="1800" b="0" i="0" u="none" strike="noStrike" cap="none" normalizeH="0" baseline="0" smtClean="0">
+              <a:ln>
+                <a:noFill/>
+              </a:ln>
+              <a:solidFill>
+                <a:schemeClr val="tx1"/>
+              </a:solidFill>
+              <a:effectLst/>
+              <a:latin typeface="Arial" panose="020B0604020202020204" pitchFamily="34" charset="0"/>
+            </a:endParaRPr>
+          </a:p>
+        </p:txBody>
+      </p:sp>
+      <p:sp>
+        <p:nvSpPr>
+          <p:cNvPr id="3" name="Rectangle 2"/>
+          <p:cNvSpPr/>
+          <p:nvPr/>
+        </p:nvSpPr>
+        <p:spPr>
+          <a:xfrm>
+            <a:off x="838200" y="1302435"/>
+            <a:ext cx="6096000" cy="646331"/>
+          </a:xfrm>
+          <a:prstGeom prst="rect">
+            <a:avLst/>
+          </a:prstGeom>
+        </p:spPr>
+        <p:txBody>
+          <a:bodyPr>
+            <a:spAutoFit/>
+          </a:bodyPr>
+          <a:lstStyle/>
+          <a:p>
+            <a:pPr fontAlgn="base"/>
+            <a:r>
+              <a:rPr lang="en-US" b="1" dirty="0">
+                <a:solidFill>
+                  <a:srgbClr val="444444"/>
+                </a:solidFill>
+                <a:latin typeface="Open Sans" panose="020B0606030504020204" pitchFamily="34" charset="0"/>
+              </a:rPr>
+              <a:t>Copy/Paste data – Copy the range of data and paste it to another range</a:t>
+            </a:r>
+            <a:endParaRPr lang="en-US" b="1" i="0" dirty="0">
+              <a:solidFill>
+                <a:srgbClr val="444444"/>
+              </a:solidFill>
+              <a:effectLst/>
+              <a:latin typeface="Open Sans" panose="020B0606030504020204" pitchFamily="34" charset="0"/>
+            </a:endParaRPr>
+          </a:p>
+        </p:txBody>
+      </p:sp>
+      <p:sp>
+        <p:nvSpPr>
+          <p:cNvPr id="4" name="Rectangle 3"/>
+          <p:cNvSpPr/>
+          <p:nvPr/>
+        </p:nvSpPr>
+        <p:spPr>
+          <a:xfrm>
+            <a:off x="838200" y="1948766"/>
+            <a:ext cx="9956800" cy="3970318"/>
+          </a:xfrm>
+          <a:prstGeom prst="rect">
+            <a:avLst/>
+          </a:prstGeom>
+        </p:spPr>
+        <p:txBody>
+          <a:bodyPr wrap="square">
+            <a:spAutoFit/>
+          </a:bodyPr>
+          <a:lstStyle/>
+          <a:p>
+            <a:pPr fontAlgn="base"/>
+            <a:r>
+              <a:rPr lang="en-US" dirty="0">
+                <a:solidFill>
+                  <a:srgbClr val="666666"/>
+                </a:solidFill>
+                <a:latin typeface="Open Sans" panose="020B0606030504020204" pitchFamily="34" charset="0"/>
+              </a:rPr>
+              <a:t>Dim </a:t>
+            </a:r>
+            <a:r>
+              <a:rPr lang="en-US" dirty="0" err="1">
+                <a:solidFill>
+                  <a:srgbClr val="666666"/>
+                </a:solidFill>
+                <a:latin typeface="Open Sans" panose="020B0606030504020204" pitchFamily="34" charset="0"/>
+              </a:rPr>
+              <a:t>mainworkBook</a:t>
+            </a:r>
+            <a:r>
+              <a:rPr lang="en-US" dirty="0">
+                <a:solidFill>
+                  <a:srgbClr val="666666"/>
+                </a:solidFill>
+                <a:latin typeface="Open Sans" panose="020B0606030504020204" pitchFamily="34" charset="0"/>
+              </a:rPr>
+              <a:t> As Workbook</a:t>
+            </a:r>
+          </a:p>
+          <a:p>
+            <a:pPr fontAlgn="base"/>
+            <a:r>
+              <a:rPr lang="en-US" dirty="0">
+                <a:solidFill>
+                  <a:srgbClr val="666666"/>
+                </a:solidFill>
+                <a:latin typeface="Open Sans" panose="020B0606030504020204" pitchFamily="34" charset="0"/>
+              </a:rPr>
+              <a:t>Set </a:t>
+            </a:r>
+            <a:r>
+              <a:rPr lang="en-US" dirty="0" err="1">
+                <a:solidFill>
+                  <a:srgbClr val="666666"/>
+                </a:solidFill>
+                <a:latin typeface="Open Sans" panose="020B0606030504020204" pitchFamily="34" charset="0"/>
+              </a:rPr>
+              <a:t>mainworkBook</a:t>
+            </a:r>
+            <a:r>
+              <a:rPr lang="en-US" dirty="0">
+                <a:solidFill>
+                  <a:srgbClr val="666666"/>
+                </a:solidFill>
+                <a:latin typeface="Open Sans" panose="020B0606030504020204" pitchFamily="34" charset="0"/>
+              </a:rPr>
+              <a:t> = </a:t>
+            </a:r>
+            <a:r>
+              <a:rPr lang="en-US" dirty="0" err="1">
+                <a:solidFill>
+                  <a:srgbClr val="666666"/>
+                </a:solidFill>
+                <a:latin typeface="Open Sans" panose="020B0606030504020204" pitchFamily="34" charset="0"/>
+              </a:rPr>
+              <a:t>ActiveWorkbook</a:t>
+            </a:r>
+            <a:endParaRPr lang="en-US" dirty="0">
+              <a:solidFill>
+                <a:srgbClr val="666666"/>
+              </a:solidFill>
+              <a:latin typeface="Open Sans" panose="020B0606030504020204" pitchFamily="34" charset="0"/>
+            </a:endParaRPr>
+          </a:p>
+          <a:p>
+            <a:pPr fontAlgn="base"/>
+            <a:r>
+              <a:rPr lang="en-US" b="1" dirty="0">
+                <a:solidFill>
+                  <a:srgbClr val="666666"/>
+                </a:solidFill>
+                <a:latin typeface="inherit"/>
+              </a:rPr>
+              <a:t>Copy  the range of data and paste it to another range</a:t>
+            </a:r>
+            <a:r>
+              <a:rPr lang="en-US" dirty="0">
+                <a:solidFill>
+                  <a:srgbClr val="666666"/>
+                </a:solidFill>
+                <a:latin typeface="Open Sans" panose="020B0606030504020204" pitchFamily="34" charset="0"/>
+              </a:rPr>
+              <a:t>.</a:t>
+            </a:r>
+          </a:p>
+          <a:p>
+            <a:pPr fontAlgn="base"/>
+            <a:r>
+              <a:rPr lang="en-US" dirty="0">
+                <a:solidFill>
+                  <a:srgbClr val="666666"/>
+                </a:solidFill>
+                <a:latin typeface="Open Sans" panose="020B0606030504020204" pitchFamily="34" charset="0"/>
+              </a:rPr>
+              <a:t>For example  if you want to copy the data from Range “A1” to “C10” of “Sheet1” and paste it to in “Sheet2”.</a:t>
+            </a:r>
+          </a:p>
+          <a:p>
+            <a:pPr fontAlgn="base"/>
+            <a:r>
+              <a:rPr lang="en-US" dirty="0">
+                <a:solidFill>
+                  <a:srgbClr val="666666"/>
+                </a:solidFill>
+                <a:latin typeface="Open Sans" panose="020B0606030504020204" pitchFamily="34" charset="0"/>
+              </a:rPr>
+              <a:t>For copy the data present in Range “A1” to “C10” from “Sheet1”</a:t>
+            </a:r>
+          </a:p>
+          <a:p>
+            <a:pPr fontAlgn="base"/>
+            <a:r>
+              <a:rPr lang="en-US" dirty="0" err="1">
+                <a:solidFill>
+                  <a:srgbClr val="666666"/>
+                </a:solidFill>
+                <a:latin typeface="Open Sans" panose="020B0606030504020204" pitchFamily="34" charset="0"/>
+              </a:rPr>
+              <a:t>mainworkBook.Sheets</a:t>
+            </a:r>
+            <a:r>
+              <a:rPr lang="en-US" dirty="0">
+                <a:solidFill>
+                  <a:srgbClr val="666666"/>
+                </a:solidFill>
+                <a:latin typeface="Open Sans" panose="020B0606030504020204" pitchFamily="34" charset="0"/>
+              </a:rPr>
+              <a:t>(“Sheet1”).</a:t>
+            </a:r>
+            <a:r>
+              <a:rPr lang="en-US" b="1" dirty="0">
+                <a:solidFill>
+                  <a:srgbClr val="666666"/>
+                </a:solidFill>
+                <a:latin typeface="inherit"/>
+              </a:rPr>
+              <a:t>Range(“A1:C10”).Copy</a:t>
+            </a:r>
+            <a:r>
+              <a:rPr lang="en-US" dirty="0">
+                <a:solidFill>
+                  <a:srgbClr val="666666"/>
+                </a:solidFill>
+                <a:latin typeface="Open Sans" panose="020B0606030504020204" pitchFamily="34" charset="0"/>
+              </a:rPr>
+              <a:t/>
+            </a:r>
+            <a:br>
+              <a:rPr lang="en-US" dirty="0">
+                <a:solidFill>
+                  <a:srgbClr val="666666"/>
+                </a:solidFill>
+                <a:latin typeface="Open Sans" panose="020B0606030504020204" pitchFamily="34" charset="0"/>
+              </a:rPr>
+            </a:br>
+            <a:r>
+              <a:rPr lang="en-US" dirty="0">
+                <a:solidFill>
+                  <a:srgbClr val="666666"/>
+                </a:solidFill>
+                <a:latin typeface="Open Sans" panose="020B0606030504020204" pitchFamily="34" charset="0"/>
+              </a:rPr>
+              <a:t/>
+            </a:r>
+            <a:br>
+              <a:rPr lang="en-US" dirty="0">
+                <a:solidFill>
+                  <a:srgbClr val="666666"/>
+                </a:solidFill>
+                <a:latin typeface="Open Sans" panose="020B0606030504020204" pitchFamily="34" charset="0"/>
+              </a:rPr>
+            </a:br>
+            <a:r>
+              <a:rPr lang="en-US" dirty="0">
+                <a:solidFill>
+                  <a:srgbClr val="666666"/>
+                </a:solidFill>
+                <a:latin typeface="Open Sans" panose="020B0606030504020204" pitchFamily="34" charset="0"/>
+              </a:rPr>
+              <a:t>now the data has been copied to clipboard, you can check it by manually pasting it in a notepad.</a:t>
+            </a:r>
+          </a:p>
+          <a:p>
+            <a:pPr fontAlgn="base"/>
+            <a:r>
+              <a:rPr lang="en-US" dirty="0">
+                <a:solidFill>
+                  <a:srgbClr val="666666"/>
+                </a:solidFill>
+                <a:latin typeface="Open Sans" panose="020B0606030504020204" pitchFamily="34" charset="0"/>
+              </a:rPr>
+              <a:t>Now select the cell in which you want to paste the data, in this example its “B2” in “Sheet2”</a:t>
+            </a:r>
+          </a:p>
+          <a:p>
+            <a:pPr fontAlgn="base"/>
+            <a:r>
+              <a:rPr lang="en-US" dirty="0" err="1">
+                <a:solidFill>
+                  <a:srgbClr val="666666"/>
+                </a:solidFill>
+                <a:latin typeface="Open Sans" panose="020B0606030504020204" pitchFamily="34" charset="0"/>
+              </a:rPr>
+              <a:t>mainworkBook.Sheets</a:t>
+            </a:r>
+            <a:r>
+              <a:rPr lang="en-US" dirty="0">
+                <a:solidFill>
+                  <a:srgbClr val="666666"/>
+                </a:solidFill>
+                <a:latin typeface="Open Sans" panose="020B0606030504020204" pitchFamily="34" charset="0"/>
+              </a:rPr>
+              <a:t>(“Sheet2”).</a:t>
+            </a:r>
+            <a:r>
+              <a:rPr lang="en-US" b="1" dirty="0">
+                <a:solidFill>
+                  <a:srgbClr val="666666"/>
+                </a:solidFill>
+                <a:latin typeface="inherit"/>
+              </a:rPr>
+              <a:t>Range(“A1”).Select</a:t>
+            </a:r>
+            <a:endParaRPr lang="en-US" dirty="0">
+              <a:solidFill>
+                <a:srgbClr val="666666"/>
+              </a:solidFill>
+              <a:latin typeface="Open Sans" panose="020B0606030504020204" pitchFamily="34" charset="0"/>
+            </a:endParaRPr>
+          </a:p>
+          <a:p>
+            <a:pPr fontAlgn="base"/>
+            <a:r>
+              <a:rPr lang="en-US" dirty="0">
+                <a:solidFill>
+                  <a:srgbClr val="666666"/>
+                </a:solidFill>
+                <a:latin typeface="Open Sans" panose="020B0606030504020204" pitchFamily="34" charset="0"/>
+              </a:rPr>
+              <a:t>Now paste the data</a:t>
+            </a:r>
+          </a:p>
+          <a:p>
+            <a:pPr fontAlgn="base"/>
+            <a:r>
+              <a:rPr lang="en-US" dirty="0" err="1">
+                <a:solidFill>
+                  <a:srgbClr val="666666"/>
+                </a:solidFill>
+                <a:latin typeface="Open Sans" panose="020B0606030504020204" pitchFamily="34" charset="0"/>
+              </a:rPr>
+              <a:t>mainworkBook.Sheets</a:t>
+            </a:r>
+            <a:r>
+              <a:rPr lang="en-US" dirty="0">
+                <a:solidFill>
+                  <a:srgbClr val="666666"/>
+                </a:solidFill>
+                <a:latin typeface="Open Sans" panose="020B0606030504020204" pitchFamily="34" charset="0"/>
+              </a:rPr>
+              <a:t>(“Sheet2”).</a:t>
+            </a:r>
+            <a:r>
+              <a:rPr lang="en-US" b="1" dirty="0">
+                <a:solidFill>
+                  <a:srgbClr val="666666"/>
+                </a:solidFill>
+                <a:latin typeface="inherit"/>
+              </a:rPr>
+              <a:t>Paste</a:t>
+            </a:r>
+            <a:endParaRPr lang="en-US" b="0" i="0" dirty="0">
+              <a:solidFill>
+                <a:srgbClr val="666666"/>
+              </a:solidFill>
+              <a:effectLst/>
+              <a:latin typeface="Open Sans" panose="020B0606030504020204" pitchFamily="34" charset="0"/>
+            </a:endParaRPr>
+          </a:p>
+        </p:txBody>
+      </p:sp>
+    </p:spTree>
+    <p:extLst>
+      <p:ext uri="{BB962C8B-B14F-4D97-AF65-F5344CB8AC3E}">
+        <p14:creationId xmlns:p14="http://schemas.microsoft.com/office/powerpoint/2010/main" val="1659497258"/>
+      </p:ext>
+    </p:extLst>
+  </p:cSld>
+  <p:clrMapOvr>
+    <a:masterClrMapping/>
+  </p:clrMapOvr>
+  <p:timing>
+    <p:tnLst>
+      <p:par>
+        <p:cTn id="1" dur="indefinite" restart="never" nodeType="tmRoot"/>
+      </p:par>
+    </p:tnLst>
+  </p:timing>
+</p:sld>
+</file>
+
+<file path=ppt/slides/slide35.xml><?xml version="1.0" encoding="utf-8"?>
+<p:sld xmlns:a="http://schemas.openxmlformats.org/drawingml/2006/main" xmlns:r="http://schemas.openxmlformats.org/officeDocument/2006/relationships" xmlns:p="http://schemas.openxmlformats.org/presentationml/2006/main">
+  <p:cSld>
+    <p:spTree>
+      <p:nvGrpSpPr>
+        <p:cNvPr id="1" name=""/>
+        <p:cNvGrpSpPr/>
+        <p:nvPr/>
+      </p:nvGrpSpPr>
+      <p:grpSpPr>
+        <a:xfrm>
+          <a:off x="0" y="0"/>
+          <a:ext cx="0" cy="0"/>
+          <a:chOff x="0" y="0"/>
+          <a:chExt cx="0" cy="0"/>
+        </a:xfrm>
+      </p:grpSpPr>
+      <p:sp>
+        <p:nvSpPr>
+          <p:cNvPr id="2" name="Title 1"/>
+          <p:cNvSpPr>
+            <a:spLocks noGrp="1"/>
+          </p:cNvSpPr>
+          <p:nvPr>
+            <p:ph type="title"/>
+          </p:nvPr>
+        </p:nvSpPr>
+        <p:spPr/>
+        <p:txBody>
+          <a:bodyPr/>
+          <a:lstStyle/>
+          <a:p>
+            <a:r>
+              <a:rPr lang="en-US" b="1" dirty="0" smtClean="0"/>
+              <a:t>File System Object</a:t>
+            </a:r>
+            <a:endParaRPr lang="en-US" dirty="0"/>
+          </a:p>
+        </p:txBody>
+      </p:sp>
+      <p:sp>
+        <p:nvSpPr>
+          <p:cNvPr id="6" name="Rectangle 5"/>
+          <p:cNvSpPr/>
+          <p:nvPr/>
+        </p:nvSpPr>
+        <p:spPr>
+          <a:xfrm>
+            <a:off x="6357851" y="4684665"/>
+            <a:ext cx="5834149" cy="1477328"/>
+          </a:xfrm>
+          <a:prstGeom prst="rect">
+            <a:avLst/>
+          </a:prstGeom>
+          <a:solidFill>
+            <a:schemeClr val="bg1">
+              <a:lumMod val="85000"/>
+            </a:schemeClr>
+          </a:solidFill>
+        </p:spPr>
+        <p:txBody>
+          <a:bodyPr wrap="square">
+            <a:spAutoFit/>
+          </a:bodyPr>
+          <a:lstStyle/>
+          <a:p>
+            <a:r>
+              <a:rPr lang="en-US" dirty="0"/>
+              <a:t>Function </a:t>
+            </a:r>
+            <a:r>
+              <a:rPr lang="en-US" dirty="0" err="1"/>
+              <a:t>FnGetExtensionName</a:t>
+            </a:r>
+            <a:r>
+              <a:rPr lang="en-US" dirty="0"/>
+              <a:t> (</a:t>
+            </a:r>
+            <a:r>
+              <a:rPr lang="en-US" dirty="0" err="1"/>
+              <a:t>strFilePath</a:t>
+            </a:r>
+            <a:r>
+              <a:rPr lang="en-US" dirty="0"/>
+              <a:t>)</a:t>
+            </a:r>
+          </a:p>
+          <a:p>
+            <a:r>
+              <a:rPr lang="en-US" dirty="0"/>
+              <a:t>      Set </a:t>
+            </a:r>
+            <a:r>
+              <a:rPr lang="en-US" dirty="0" err="1"/>
+              <a:t>fso</a:t>
+            </a:r>
+            <a:r>
+              <a:rPr lang="en-US" dirty="0"/>
+              <a:t> = </a:t>
+            </a:r>
+            <a:r>
+              <a:rPr lang="en-US" dirty="0" err="1"/>
+              <a:t>CreateObject</a:t>
+            </a:r>
+            <a:r>
+              <a:rPr lang="en-US" dirty="0"/>
+              <a:t>("</a:t>
+            </a:r>
+            <a:r>
+              <a:rPr lang="en-US" dirty="0" err="1"/>
+              <a:t>Scripting.FileSystemObject</a:t>
+            </a:r>
+            <a:r>
+              <a:rPr lang="en-US" dirty="0"/>
+              <a:t>")</a:t>
+            </a:r>
+          </a:p>
+          <a:p>
+            <a:r>
+              <a:rPr lang="en-US" dirty="0"/>
+              <a:t>      </a:t>
+            </a:r>
+            <a:r>
+              <a:rPr lang="en-US" dirty="0" err="1"/>
+              <a:t>strFileExtension</a:t>
+            </a:r>
+            <a:r>
+              <a:rPr lang="en-US" dirty="0"/>
+              <a:t> = </a:t>
+            </a:r>
+            <a:r>
+              <a:rPr lang="en-US" dirty="0" err="1"/>
+              <a:t>fso</a:t>
+            </a:r>
+            <a:r>
+              <a:rPr lang="en-US" dirty="0"/>
+              <a:t>. </a:t>
+            </a:r>
+            <a:r>
+              <a:rPr lang="en-US" dirty="0" err="1"/>
+              <a:t>GetExtensionName</a:t>
+            </a:r>
+            <a:r>
+              <a:rPr lang="en-US" dirty="0"/>
+              <a:t> (</a:t>
+            </a:r>
+            <a:r>
+              <a:rPr lang="en-US" dirty="0" err="1"/>
+              <a:t>strFilePath</a:t>
+            </a:r>
+            <a:r>
+              <a:rPr lang="en-US" dirty="0"/>
+              <a:t>)      </a:t>
+            </a:r>
+          </a:p>
+          <a:p>
+            <a:r>
+              <a:rPr lang="en-US" dirty="0"/>
+              <a:t>      </a:t>
+            </a:r>
+            <a:r>
+              <a:rPr lang="en-US" dirty="0" err="1"/>
+              <a:t>FnGetExtensionName</a:t>
+            </a:r>
+            <a:r>
+              <a:rPr lang="en-US" dirty="0"/>
+              <a:t> = </a:t>
+            </a:r>
+            <a:r>
+              <a:rPr lang="en-US" dirty="0" err="1"/>
+              <a:t>strFileExtension</a:t>
+            </a:r>
+            <a:endParaRPr lang="en-US" dirty="0"/>
+          </a:p>
+          <a:p>
+            <a:r>
+              <a:rPr lang="en-US" dirty="0"/>
+              <a:t>End Function</a:t>
+            </a:r>
+          </a:p>
+        </p:txBody>
+      </p:sp>
+      <p:sp>
+        <p:nvSpPr>
+          <p:cNvPr id="7" name="Rectangle 6"/>
+          <p:cNvSpPr/>
+          <p:nvPr/>
+        </p:nvSpPr>
+        <p:spPr>
+          <a:xfrm>
+            <a:off x="6096000" y="6278814"/>
+            <a:ext cx="5941819" cy="369332"/>
+          </a:xfrm>
+          <a:prstGeom prst="rect">
+            <a:avLst/>
+          </a:prstGeom>
+        </p:spPr>
+        <p:txBody>
+          <a:bodyPr wrap="none">
+            <a:spAutoFit/>
+          </a:bodyPr>
+          <a:lstStyle/>
+          <a:p>
+            <a:r>
+              <a:rPr lang="en-US" i="1" dirty="0" err="1">
+                <a:solidFill>
+                  <a:srgbClr val="666666"/>
+                </a:solidFill>
+                <a:latin typeface="Open Sans" panose="020B0606030504020204" pitchFamily="34" charset="0"/>
+              </a:rPr>
+              <a:t>Msgbox</a:t>
+            </a:r>
+            <a:r>
+              <a:rPr lang="en-US" i="1" dirty="0">
+                <a:solidFill>
+                  <a:srgbClr val="666666"/>
+                </a:solidFill>
+                <a:latin typeface="Open Sans" panose="020B0606030504020204" pitchFamily="34" charset="0"/>
+              </a:rPr>
+              <a:t> </a:t>
+            </a:r>
+            <a:r>
+              <a:rPr lang="en-US" i="1" dirty="0" err="1">
+                <a:solidFill>
+                  <a:srgbClr val="666666"/>
+                </a:solidFill>
+                <a:latin typeface="Open Sans" panose="020B0606030504020204" pitchFamily="34" charset="0"/>
+              </a:rPr>
+              <a:t>FnGetExtensionName</a:t>
+            </a:r>
+            <a:r>
+              <a:rPr lang="en-US" i="1" dirty="0">
+                <a:solidFill>
+                  <a:srgbClr val="666666"/>
+                </a:solidFill>
+                <a:latin typeface="Open Sans" panose="020B0606030504020204" pitchFamily="34" charset="0"/>
+              </a:rPr>
+              <a:t> (“c:\</a:t>
+            </a:r>
+            <a:r>
+              <a:rPr lang="en-US" i="1" dirty="0" err="1">
+                <a:solidFill>
+                  <a:srgbClr val="666666"/>
+                </a:solidFill>
+                <a:latin typeface="Open Sans" panose="020B0606030504020204" pitchFamily="34" charset="0"/>
+              </a:rPr>
+              <a:t>NewFolder</a:t>
+            </a:r>
+            <a:r>
+              <a:rPr lang="en-US" i="1" dirty="0">
+                <a:solidFill>
+                  <a:srgbClr val="666666"/>
+                </a:solidFill>
+                <a:latin typeface="Open Sans" panose="020B0606030504020204" pitchFamily="34" charset="0"/>
+              </a:rPr>
+              <a:t>\file.txt”)</a:t>
+            </a:r>
+            <a:endParaRPr lang="en-US" dirty="0"/>
+          </a:p>
+        </p:txBody>
+      </p:sp>
+      <p:sp>
+        <p:nvSpPr>
+          <p:cNvPr id="8" name="Content Placeholder 7"/>
+          <p:cNvSpPr>
+            <a:spLocks noGrp="1"/>
+          </p:cNvSpPr>
+          <p:nvPr>
+            <p:ph idx="1"/>
+          </p:nvPr>
+        </p:nvSpPr>
+        <p:spPr>
+          <a:xfrm>
+            <a:off x="838200" y="1360113"/>
+            <a:ext cx="10515600" cy="4351338"/>
+          </a:xfrm>
+        </p:spPr>
+        <p:txBody>
+          <a:bodyPr>
+            <a:normAutofit/>
+          </a:bodyPr>
+          <a:lstStyle/>
+          <a:p>
+            <a:pPr marL="0" indent="0">
+              <a:buNone/>
+            </a:pPr>
+            <a:r>
+              <a:rPr lang="en-US" sz="2000" dirty="0"/>
+              <a:t>Format : </a:t>
+            </a:r>
+          </a:p>
+          <a:p>
+            <a:pPr marL="457200" lvl="1" indent="0">
+              <a:buNone/>
+            </a:pPr>
+            <a:r>
+              <a:rPr lang="en-US" sz="1600" dirty="0" err="1"/>
+              <a:t>objectOfFileSystemObject</a:t>
+            </a:r>
+            <a:r>
+              <a:rPr lang="en-US" sz="1600" dirty="0"/>
+              <a:t>. </a:t>
+            </a:r>
+            <a:r>
+              <a:rPr lang="en-US" sz="1600" dirty="0" err="1"/>
+              <a:t>GetExtensionName</a:t>
+            </a:r>
+            <a:r>
+              <a:rPr lang="en-US" sz="1600" dirty="0"/>
+              <a:t>(</a:t>
+            </a:r>
+            <a:r>
+              <a:rPr lang="en-US" sz="1600" dirty="0" err="1"/>
+              <a:t>filepath</a:t>
+            </a:r>
+            <a:r>
+              <a:rPr lang="en-US" sz="1600" dirty="0" smtClean="0"/>
+              <a:t>)</a:t>
+            </a:r>
+            <a:endParaRPr lang="en-US" sz="1600" dirty="0"/>
+          </a:p>
+          <a:p>
+            <a:pPr marL="457200" lvl="1" indent="0">
+              <a:buNone/>
+            </a:pPr>
+            <a:r>
+              <a:rPr lang="en-US" sz="1600" dirty="0" err="1"/>
+              <a:t>objectOfFileSystemObject</a:t>
+            </a:r>
+            <a:r>
+              <a:rPr lang="en-US" sz="1600" dirty="0"/>
+              <a:t> : As the names says, it’s a </a:t>
+            </a:r>
+            <a:r>
+              <a:rPr lang="en-US" sz="1600" dirty="0" err="1"/>
+              <a:t>FileSystemObject</a:t>
+            </a:r>
+            <a:r>
+              <a:rPr lang="en-US" sz="1600" dirty="0"/>
+              <a:t>.</a:t>
+            </a:r>
+          </a:p>
+          <a:p>
+            <a:pPr marL="0" indent="0">
+              <a:buNone/>
+            </a:pPr>
+            <a:r>
+              <a:rPr lang="en-US" sz="2000" dirty="0"/>
+              <a:t>Arguments: </a:t>
+            </a:r>
+          </a:p>
+          <a:p>
+            <a:pPr marL="0" indent="0">
+              <a:buNone/>
+            </a:pPr>
+            <a:r>
+              <a:rPr lang="en-US" sz="2000" dirty="0" err="1"/>
+              <a:t>filepath</a:t>
+            </a:r>
+            <a:endParaRPr lang="en-US" sz="2000" dirty="0"/>
+          </a:p>
+          <a:p>
+            <a:pPr marL="0" indent="0">
+              <a:buNone/>
+            </a:pPr>
+            <a:r>
+              <a:rPr lang="en-US" sz="2000" dirty="0"/>
+              <a:t>Mandatory</a:t>
+            </a:r>
+          </a:p>
+          <a:p>
+            <a:pPr marL="0" indent="0">
+              <a:buNone/>
+            </a:pPr>
+            <a:r>
+              <a:rPr lang="en-US" sz="2000" dirty="0"/>
+              <a:t>Type:     String</a:t>
+            </a:r>
+          </a:p>
+          <a:p>
+            <a:pPr marL="0" indent="0">
+              <a:buNone/>
+            </a:pPr>
+            <a:r>
+              <a:rPr lang="en-US" sz="2000" dirty="0" err="1"/>
+              <a:t>filepath</a:t>
+            </a:r>
+            <a:r>
+              <a:rPr lang="en-US" sz="2000" dirty="0"/>
+              <a:t> , whose extension to be return.</a:t>
+            </a:r>
+          </a:p>
+        </p:txBody>
+      </p:sp>
+    </p:spTree>
+    <p:extLst>
+      <p:ext uri="{BB962C8B-B14F-4D97-AF65-F5344CB8AC3E}">
+        <p14:creationId xmlns:p14="http://schemas.microsoft.com/office/powerpoint/2010/main" val="2161015724"/>
+      </p:ext>
+    </p:extLst>
+  </p:cSld>
+  <p:clrMapOvr>
+    <a:masterClrMapping/>
+  </p:clrMapOvr>
+  <p:timing>
+    <p:tnLst>
+      <p:par>
+        <p:cTn id="1" dur="indefinite" restart="never" nodeType="tmRoot"/>
+      </p:par>
+    </p:tnLst>
+  </p:timing>
+</p:sld>
+</file>
+
+<file path=ppt/slides/slide36.xml><?xml version="1.0" encoding="utf-8"?>
+<p:sld xmlns:a="http://schemas.openxmlformats.org/drawingml/2006/main" xmlns:r="http://schemas.openxmlformats.org/officeDocument/2006/relationships" xmlns:p="http://schemas.openxmlformats.org/presentationml/2006/main">
+  <p:cSld>
+    <p:spTree>
+      <p:nvGrpSpPr>
+        <p:cNvPr id="1" name=""/>
+        <p:cNvGrpSpPr/>
+        <p:nvPr/>
+      </p:nvGrpSpPr>
+      <p:grpSpPr>
+        <a:xfrm>
+          <a:off x="0" y="0"/>
+          <a:ext cx="0" cy="0"/>
+          <a:chOff x="0" y="0"/>
+          <a:chExt cx="0" cy="0"/>
+        </a:xfrm>
+      </p:grpSpPr>
+      <p:sp>
+        <p:nvSpPr>
+          <p:cNvPr id="2" name="Title 1"/>
+          <p:cNvSpPr>
+            <a:spLocks noGrp="1"/>
+          </p:cNvSpPr>
+          <p:nvPr>
+            <p:ph type="title"/>
+          </p:nvPr>
+        </p:nvSpPr>
+        <p:spPr/>
+        <p:txBody>
+          <a:bodyPr/>
+          <a:lstStyle/>
+          <a:p>
+            <a:r>
+              <a:rPr lang="en-US" b="1" dirty="0"/>
+              <a:t>File System Object</a:t>
+            </a:r>
+            <a:endParaRPr lang="en-US" dirty="0"/>
+          </a:p>
+        </p:txBody>
+      </p:sp>
+      <p:sp>
+        <p:nvSpPr>
+          <p:cNvPr id="3" name="Content Placeholder 2"/>
+          <p:cNvSpPr>
+            <a:spLocks noGrp="1"/>
+          </p:cNvSpPr>
+          <p:nvPr>
+            <p:ph idx="1"/>
+          </p:nvPr>
+        </p:nvSpPr>
+        <p:spPr>
+          <a:xfrm>
+            <a:off x="838200" y="1832271"/>
+            <a:ext cx="9170324" cy="1629296"/>
+          </a:xfrm>
+        </p:spPr>
+        <p:txBody>
+          <a:bodyPr/>
+          <a:lstStyle/>
+          <a:p>
+            <a:pPr marL="0" indent="0" fontAlgn="base">
+              <a:buNone/>
+            </a:pPr>
+            <a:r>
+              <a:rPr lang="en-US" sz="1800" dirty="0" err="1"/>
+              <a:t>filepathMandatory</a:t>
+            </a:r>
+            <a:endParaRPr lang="en-US" sz="1800" dirty="0"/>
+          </a:p>
+          <a:p>
+            <a:pPr marL="0" indent="0" fontAlgn="base">
+              <a:buNone/>
+            </a:pPr>
+            <a:r>
+              <a:rPr lang="en-US" sz="1800" dirty="0"/>
+              <a:t>Type:     String</a:t>
+            </a:r>
+          </a:p>
+          <a:p>
+            <a:pPr marL="0" indent="0" fontAlgn="base">
+              <a:buNone/>
+            </a:pPr>
+            <a:r>
+              <a:rPr lang="en-US" sz="1800" dirty="0"/>
+              <a:t>File path for which Parent Folder is to be return.</a:t>
+            </a:r>
+          </a:p>
+          <a:p>
+            <a:endParaRPr lang="en-US" dirty="0"/>
+          </a:p>
+        </p:txBody>
+      </p:sp>
+      <p:sp>
+        <p:nvSpPr>
+          <p:cNvPr id="4" name="Rectangle 3"/>
+          <p:cNvSpPr/>
+          <p:nvPr/>
+        </p:nvSpPr>
+        <p:spPr>
+          <a:xfrm>
+            <a:off x="838200" y="1321356"/>
+            <a:ext cx="3504677" cy="369332"/>
+          </a:xfrm>
+          <a:prstGeom prst="rect">
+            <a:avLst/>
+          </a:prstGeom>
+        </p:spPr>
+        <p:txBody>
+          <a:bodyPr wrap="none">
+            <a:spAutoFit/>
+          </a:bodyPr>
+          <a:lstStyle/>
+          <a:p>
+            <a:pPr fontAlgn="base"/>
+            <a:r>
+              <a:rPr lang="en-US" dirty="0" err="1">
+                <a:solidFill>
+                  <a:srgbClr val="444444"/>
+                </a:solidFill>
+                <a:latin typeface="Open Sans" panose="020B0606030504020204" pitchFamily="34" charset="0"/>
+              </a:rPr>
+              <a:t>GetParentFolderName</a:t>
+            </a:r>
+            <a:r>
+              <a:rPr lang="en-US" dirty="0">
+                <a:solidFill>
+                  <a:srgbClr val="444444"/>
+                </a:solidFill>
+                <a:latin typeface="Open Sans" panose="020B0606030504020204" pitchFamily="34" charset="0"/>
+              </a:rPr>
+              <a:t> Method</a:t>
+            </a:r>
+            <a:endParaRPr lang="en-US" b="0" i="0" dirty="0">
+              <a:solidFill>
+                <a:srgbClr val="444444"/>
+              </a:solidFill>
+              <a:effectLst/>
+              <a:latin typeface="Open Sans" panose="020B0606030504020204" pitchFamily="34" charset="0"/>
+            </a:endParaRPr>
+          </a:p>
+        </p:txBody>
+      </p:sp>
+      <p:sp>
+        <p:nvSpPr>
+          <p:cNvPr id="5" name="Rectangle 4"/>
+          <p:cNvSpPr/>
+          <p:nvPr/>
+        </p:nvSpPr>
+        <p:spPr>
+          <a:xfrm>
+            <a:off x="1942407" y="2984238"/>
+            <a:ext cx="6096000" cy="2585323"/>
+          </a:xfrm>
+          <a:prstGeom prst="rect">
+            <a:avLst/>
+          </a:prstGeom>
+        </p:spPr>
+        <p:txBody>
+          <a:bodyPr>
+            <a:spAutoFit/>
+          </a:bodyPr>
+          <a:lstStyle/>
+          <a:p>
+            <a:r>
+              <a:rPr lang="en-US" dirty="0"/>
+              <a:t>Function </a:t>
+            </a:r>
+            <a:r>
+              <a:rPr lang="en-US" dirty="0" err="1"/>
+              <a:t>FnGetParentFolderName</a:t>
+            </a:r>
+            <a:r>
+              <a:rPr lang="en-US" dirty="0"/>
+              <a:t> (</a:t>
+            </a:r>
+            <a:r>
+              <a:rPr lang="en-US" dirty="0" err="1"/>
+              <a:t>strSpecificFilePath</a:t>
+            </a:r>
+            <a:r>
+              <a:rPr lang="en-US" dirty="0"/>
+              <a:t>)</a:t>
+            </a:r>
+          </a:p>
+          <a:p>
+            <a:endParaRPr lang="en-US" dirty="0"/>
+          </a:p>
+          <a:p>
+            <a:r>
+              <a:rPr lang="en-US" dirty="0"/>
+              <a:t>    Set </a:t>
+            </a:r>
+            <a:r>
+              <a:rPr lang="en-US" dirty="0" err="1"/>
+              <a:t>fso</a:t>
+            </a:r>
+            <a:r>
+              <a:rPr lang="en-US" dirty="0"/>
+              <a:t> = </a:t>
+            </a:r>
+            <a:r>
+              <a:rPr lang="en-US" dirty="0" err="1"/>
+              <a:t>CreateObject</a:t>
+            </a:r>
+            <a:r>
+              <a:rPr lang="en-US" dirty="0"/>
+              <a:t>("</a:t>
+            </a:r>
+            <a:r>
+              <a:rPr lang="en-US" dirty="0" err="1"/>
+              <a:t>Scripting.FileSystemObject</a:t>
+            </a:r>
+            <a:r>
+              <a:rPr lang="en-US" dirty="0"/>
+              <a:t>")</a:t>
+            </a:r>
+          </a:p>
+          <a:p>
+            <a:endParaRPr lang="en-US" dirty="0"/>
+          </a:p>
+          <a:p>
+            <a:r>
+              <a:rPr lang="en-US" dirty="0"/>
+              <a:t>    </a:t>
+            </a:r>
+            <a:r>
+              <a:rPr lang="en-US" dirty="0" err="1"/>
+              <a:t>strParentFolderName</a:t>
+            </a:r>
+            <a:r>
+              <a:rPr lang="en-US" dirty="0"/>
+              <a:t> = </a:t>
+            </a:r>
+            <a:r>
+              <a:rPr lang="en-US" dirty="0" err="1"/>
+              <a:t>fso</a:t>
+            </a:r>
+            <a:r>
+              <a:rPr lang="en-US" dirty="0"/>
+              <a:t>. </a:t>
+            </a:r>
+            <a:r>
+              <a:rPr lang="en-US" dirty="0" err="1"/>
+              <a:t>GetParentFolderName</a:t>
+            </a:r>
+            <a:r>
+              <a:rPr lang="en-US" dirty="0"/>
+              <a:t>(</a:t>
+            </a:r>
+            <a:r>
+              <a:rPr lang="en-US" dirty="0" err="1"/>
+              <a:t>strSpecificFilePath</a:t>
+            </a:r>
+            <a:r>
+              <a:rPr lang="en-US" dirty="0"/>
+              <a:t>)    </a:t>
+            </a:r>
+            <a:r>
+              <a:rPr lang="en-US" dirty="0" err="1"/>
+              <a:t>FnGetParentFolderName</a:t>
+            </a:r>
+            <a:r>
+              <a:rPr lang="en-US" dirty="0"/>
+              <a:t> = </a:t>
+            </a:r>
+            <a:r>
+              <a:rPr lang="en-US" dirty="0" err="1"/>
+              <a:t>strParentFolderName</a:t>
+            </a:r>
+            <a:endParaRPr lang="en-US" dirty="0"/>
+          </a:p>
+          <a:p>
+            <a:endParaRPr lang="en-US" dirty="0"/>
+          </a:p>
+          <a:p>
+            <a:r>
+              <a:rPr lang="en-US" dirty="0"/>
+              <a:t>End Function</a:t>
+            </a:r>
+          </a:p>
+        </p:txBody>
+      </p:sp>
+      <p:sp>
+        <p:nvSpPr>
+          <p:cNvPr id="6" name="Rectangle 5"/>
+          <p:cNvSpPr/>
+          <p:nvPr/>
+        </p:nvSpPr>
+        <p:spPr>
+          <a:xfrm>
+            <a:off x="838199" y="5682780"/>
+            <a:ext cx="9344891" cy="369332"/>
+          </a:xfrm>
+          <a:prstGeom prst="rect">
+            <a:avLst/>
+          </a:prstGeom>
+        </p:spPr>
+        <p:txBody>
+          <a:bodyPr wrap="square">
+            <a:spAutoFit/>
+          </a:bodyPr>
+          <a:lstStyle/>
+          <a:p>
+            <a:r>
+              <a:rPr lang="en-US" i="1" dirty="0" err="1">
+                <a:solidFill>
+                  <a:srgbClr val="666666"/>
+                </a:solidFill>
+                <a:latin typeface="Open Sans" panose="020B0606030504020204" pitchFamily="34" charset="0"/>
+              </a:rPr>
+              <a:t>Msgbox</a:t>
+            </a:r>
+            <a:r>
+              <a:rPr lang="en-US" i="1" dirty="0">
+                <a:solidFill>
+                  <a:srgbClr val="666666"/>
+                </a:solidFill>
+                <a:latin typeface="Open Sans" panose="020B0606030504020204" pitchFamily="34" charset="0"/>
+              </a:rPr>
+              <a:t>  </a:t>
+            </a:r>
+            <a:r>
+              <a:rPr lang="en-US" i="1" dirty="0" err="1">
+                <a:solidFill>
+                  <a:srgbClr val="666666"/>
+                </a:solidFill>
+                <a:latin typeface="Open Sans" panose="020B0606030504020204" pitchFamily="34" charset="0"/>
+              </a:rPr>
+              <a:t>FnGetParentFolderName</a:t>
+            </a:r>
+            <a:r>
+              <a:rPr lang="en-US" i="1" dirty="0">
+                <a:solidFill>
+                  <a:srgbClr val="666666"/>
+                </a:solidFill>
+                <a:latin typeface="Open Sans" panose="020B0606030504020204" pitchFamily="34" charset="0"/>
+              </a:rPr>
+              <a:t> (“c:\New Folder\file.txt”)</a:t>
+            </a:r>
+            <a:endParaRPr lang="en-US" dirty="0"/>
+          </a:p>
+        </p:txBody>
+      </p:sp>
+    </p:spTree>
+    <p:extLst>
+      <p:ext uri="{BB962C8B-B14F-4D97-AF65-F5344CB8AC3E}">
+        <p14:creationId xmlns:p14="http://schemas.microsoft.com/office/powerpoint/2010/main" val="3218257359"/>
+      </p:ext>
+    </p:extLst>
+  </p:cSld>
+  <p:clrMapOvr>
+    <a:masterClrMapping/>
+  </p:clrMapOvr>
+  <p:timing>
+    <p:tnLst>
+      <p:par>
+        <p:cTn id="1" dur="indefinite" restart="never" nodeType="tmRoot"/>
+      </p:par>
+    </p:tnLst>
+  </p:timing>
+</p:sld>
+</file>
+
+<file path=ppt/slides/slide37.xml><?xml version="1.0" encoding="utf-8"?>
+<p:sld xmlns:a="http://schemas.openxmlformats.org/drawingml/2006/main" xmlns:r="http://schemas.openxmlformats.org/officeDocument/2006/relationships" xmlns:p="http://schemas.openxmlformats.org/presentationml/2006/main">
+  <p:cSld>
+    <p:spTree>
+      <p:nvGrpSpPr>
+        <p:cNvPr id="1" name=""/>
+        <p:cNvGrpSpPr/>
+        <p:nvPr/>
+      </p:nvGrpSpPr>
+      <p:grpSpPr>
+        <a:xfrm>
+          <a:off x="0" y="0"/>
+          <a:ext cx="0" cy="0"/>
+          <a:chOff x="0" y="0"/>
+          <a:chExt cx="0" cy="0"/>
+        </a:xfrm>
+      </p:grpSpPr>
+      <p:sp>
+        <p:nvSpPr>
+          <p:cNvPr id="2" name="Title 1"/>
+          <p:cNvSpPr>
+            <a:spLocks noGrp="1"/>
+          </p:cNvSpPr>
+          <p:nvPr>
+            <p:ph type="title"/>
+          </p:nvPr>
+        </p:nvSpPr>
+        <p:spPr/>
+        <p:txBody>
+          <a:bodyPr/>
+          <a:lstStyle/>
+          <a:p>
+            <a:r>
+              <a:rPr lang="en-US" b="1" dirty="0"/>
+              <a:t>File System Object</a:t>
+            </a:r>
+            <a:endParaRPr lang="en-US" dirty="0"/>
+          </a:p>
+        </p:txBody>
+      </p:sp>
+      <p:sp>
+        <p:nvSpPr>
+          <p:cNvPr id="8" name="Rectangle 7"/>
+          <p:cNvSpPr/>
+          <p:nvPr/>
+        </p:nvSpPr>
+        <p:spPr>
+          <a:xfrm>
+            <a:off x="838200" y="1321356"/>
+            <a:ext cx="2260555" cy="369332"/>
+          </a:xfrm>
+          <a:prstGeom prst="rect">
+            <a:avLst/>
+          </a:prstGeom>
+        </p:spPr>
+        <p:txBody>
+          <a:bodyPr wrap="none">
+            <a:spAutoFit/>
+          </a:bodyPr>
+          <a:lstStyle/>
+          <a:p>
+            <a:pPr fontAlgn="base"/>
+            <a:r>
+              <a:rPr lang="en-US" dirty="0" err="1">
+                <a:solidFill>
+                  <a:srgbClr val="444444"/>
+                </a:solidFill>
+                <a:latin typeface="Open Sans" panose="020B0606030504020204" pitchFamily="34" charset="0"/>
+              </a:rPr>
+              <a:t>DriveExists</a:t>
+            </a:r>
+            <a:r>
+              <a:rPr lang="en-US" dirty="0">
+                <a:solidFill>
+                  <a:srgbClr val="444444"/>
+                </a:solidFill>
+                <a:latin typeface="Open Sans" panose="020B0606030504020204" pitchFamily="34" charset="0"/>
+              </a:rPr>
+              <a:t> Method</a:t>
+            </a:r>
+            <a:endParaRPr lang="en-US" b="0" i="0" dirty="0">
+              <a:solidFill>
+                <a:srgbClr val="444444"/>
+              </a:solidFill>
+              <a:effectLst/>
+              <a:latin typeface="Open Sans" panose="020B0606030504020204" pitchFamily="34" charset="0"/>
+            </a:endParaRPr>
+          </a:p>
+        </p:txBody>
+      </p:sp>
+      <p:sp>
+        <p:nvSpPr>
+          <p:cNvPr id="9" name="Rectangle 8"/>
+          <p:cNvSpPr/>
+          <p:nvPr/>
+        </p:nvSpPr>
+        <p:spPr>
+          <a:xfrm>
+            <a:off x="838200" y="1795241"/>
+            <a:ext cx="6096000" cy="923330"/>
+          </a:xfrm>
+          <a:prstGeom prst="rect">
+            <a:avLst/>
+          </a:prstGeom>
+        </p:spPr>
+        <p:txBody>
+          <a:bodyPr>
+            <a:spAutoFit/>
+          </a:bodyPr>
+          <a:lstStyle/>
+          <a:p>
+            <a:pPr fontAlgn="base">
+              <a:buFont typeface="Arial" panose="020B0604020202020204" pitchFamily="34" charset="0"/>
+              <a:buChar char="•"/>
+            </a:pPr>
+            <a:r>
+              <a:rPr lang="en-US" dirty="0" err="1">
+                <a:solidFill>
+                  <a:srgbClr val="666666"/>
+                </a:solidFill>
+                <a:latin typeface="Open Sans" panose="020B0606030504020204" pitchFamily="34" charset="0"/>
+              </a:rPr>
+              <a:t>fileNameMandatory</a:t>
+            </a:r>
+            <a:endParaRPr lang="en-US" dirty="0">
+              <a:solidFill>
+                <a:srgbClr val="666666"/>
+              </a:solidFill>
+              <a:latin typeface="Open Sans" panose="020B0606030504020204" pitchFamily="34" charset="0"/>
+            </a:endParaRPr>
+          </a:p>
+          <a:p>
+            <a:pPr fontAlgn="base">
+              <a:buFont typeface="Arial" panose="020B0604020202020204" pitchFamily="34" charset="0"/>
+              <a:buChar char="•"/>
+            </a:pPr>
+            <a:r>
+              <a:rPr lang="en-US" dirty="0">
+                <a:solidFill>
+                  <a:srgbClr val="666666"/>
+                </a:solidFill>
+                <a:latin typeface="Open Sans" panose="020B0606030504020204" pitchFamily="34" charset="0"/>
+              </a:rPr>
+              <a:t>Type:     String</a:t>
+            </a:r>
+          </a:p>
+          <a:p>
+            <a:pPr fontAlgn="base">
+              <a:buFont typeface="Arial" panose="020B0604020202020204" pitchFamily="34" charset="0"/>
+              <a:buChar char="•"/>
+            </a:pPr>
+            <a:r>
+              <a:rPr lang="en-US" dirty="0">
+                <a:solidFill>
+                  <a:srgbClr val="666666"/>
+                </a:solidFill>
+                <a:latin typeface="Open Sans" panose="020B0606030504020204" pitchFamily="34" charset="0"/>
+              </a:rPr>
+              <a:t>Drive name , whose existence to be determined.</a:t>
+            </a:r>
+            <a:endParaRPr lang="en-US" b="0" i="0" dirty="0">
+              <a:solidFill>
+                <a:srgbClr val="666666"/>
+              </a:solidFill>
+              <a:effectLst/>
+              <a:latin typeface="Open Sans" panose="020B0606030504020204" pitchFamily="34" charset="0"/>
+            </a:endParaRPr>
+          </a:p>
+        </p:txBody>
+      </p:sp>
+      <p:sp>
+        <p:nvSpPr>
+          <p:cNvPr id="10" name="Rectangle 9"/>
+          <p:cNvSpPr/>
+          <p:nvPr/>
+        </p:nvSpPr>
+        <p:spPr>
+          <a:xfrm>
+            <a:off x="1651462" y="2718571"/>
+            <a:ext cx="6096000" cy="2585323"/>
+          </a:xfrm>
+          <a:prstGeom prst="rect">
+            <a:avLst/>
+          </a:prstGeom>
+        </p:spPr>
+        <p:txBody>
+          <a:bodyPr>
+            <a:spAutoFit/>
+          </a:bodyPr>
+          <a:lstStyle/>
+          <a:p>
+            <a:r>
+              <a:rPr lang="en-US" dirty="0"/>
+              <a:t>Function </a:t>
+            </a:r>
+            <a:r>
+              <a:rPr lang="en-US" dirty="0" err="1"/>
+              <a:t>FnIsDriveExist</a:t>
+            </a:r>
+            <a:r>
+              <a:rPr lang="en-US" dirty="0"/>
+              <a:t>(</a:t>
+            </a:r>
+            <a:r>
+              <a:rPr lang="en-US" dirty="0" err="1"/>
+              <a:t>strDriveName</a:t>
+            </a:r>
+            <a:r>
+              <a:rPr lang="en-US" dirty="0"/>
+              <a:t>)</a:t>
+            </a:r>
+          </a:p>
+          <a:p>
+            <a:r>
+              <a:rPr lang="en-US" dirty="0"/>
+              <a:t>      Set </a:t>
+            </a:r>
+            <a:r>
+              <a:rPr lang="en-US" dirty="0" err="1"/>
+              <a:t>fso</a:t>
+            </a:r>
+            <a:r>
+              <a:rPr lang="en-US" dirty="0"/>
+              <a:t> = </a:t>
+            </a:r>
+            <a:r>
+              <a:rPr lang="en-US" dirty="0" err="1"/>
+              <a:t>CreateObject</a:t>
+            </a:r>
+            <a:r>
+              <a:rPr lang="en-US" dirty="0"/>
+              <a:t>("</a:t>
+            </a:r>
+            <a:r>
+              <a:rPr lang="en-US" dirty="0" err="1"/>
+              <a:t>Scripting.FileSystemObject</a:t>
+            </a:r>
+            <a:r>
+              <a:rPr lang="en-US" dirty="0"/>
+              <a:t>")</a:t>
+            </a:r>
+          </a:p>
+          <a:p>
+            <a:r>
+              <a:rPr lang="en-US" dirty="0"/>
+              <a:t>      If </a:t>
+            </a:r>
+            <a:r>
+              <a:rPr lang="en-US" dirty="0" err="1"/>
+              <a:t>fso</a:t>
+            </a:r>
+            <a:r>
+              <a:rPr lang="en-US" dirty="0"/>
+              <a:t>. </a:t>
+            </a:r>
+            <a:r>
+              <a:rPr lang="en-US" dirty="0" err="1"/>
+              <a:t>DriveExists</a:t>
+            </a:r>
+            <a:r>
+              <a:rPr lang="en-US" dirty="0"/>
+              <a:t>(</a:t>
+            </a:r>
+            <a:r>
+              <a:rPr lang="en-US" dirty="0" err="1"/>
+              <a:t>strDriveName</a:t>
+            </a:r>
+            <a:r>
+              <a:rPr lang="en-US" dirty="0"/>
+              <a:t>)Then</a:t>
+            </a:r>
+          </a:p>
+          <a:p>
+            <a:r>
+              <a:rPr lang="en-US" dirty="0"/>
+              <a:t>                    </a:t>
+            </a:r>
+            <a:r>
+              <a:rPr lang="en-US" dirty="0" err="1"/>
+              <a:t>strStatus</a:t>
+            </a:r>
+            <a:r>
+              <a:rPr lang="en-US" dirty="0"/>
+              <a:t> = </a:t>
+            </a:r>
+            <a:r>
+              <a:rPr lang="en-US" dirty="0" err="1"/>
+              <a:t>strDriveName</a:t>
+            </a:r>
+            <a:r>
+              <a:rPr lang="en-US" dirty="0"/>
+              <a:t> &amp; “  drive exists”</a:t>
+            </a:r>
+          </a:p>
+          <a:p>
+            <a:r>
+              <a:rPr lang="en-US" dirty="0"/>
+              <a:t>            Else</a:t>
+            </a:r>
+          </a:p>
+          <a:p>
+            <a:r>
+              <a:rPr lang="en-US" dirty="0"/>
+              <a:t>                    </a:t>
+            </a:r>
+            <a:r>
+              <a:rPr lang="en-US" dirty="0" err="1"/>
+              <a:t>strStatus</a:t>
+            </a:r>
+            <a:r>
+              <a:rPr lang="en-US" dirty="0"/>
+              <a:t> = </a:t>
+            </a:r>
+            <a:r>
+              <a:rPr lang="en-US" dirty="0" err="1"/>
+              <a:t>strDriveName</a:t>
+            </a:r>
+            <a:r>
+              <a:rPr lang="en-US" dirty="0"/>
+              <a:t> &amp; “  drive does not exist”</a:t>
+            </a:r>
+          </a:p>
+          <a:p>
+            <a:r>
+              <a:rPr lang="en-US" dirty="0"/>
+              <a:t>           End If</a:t>
+            </a:r>
+          </a:p>
+          <a:p>
+            <a:r>
+              <a:rPr lang="en-US" dirty="0"/>
+              <a:t>        </a:t>
+            </a:r>
+            <a:r>
+              <a:rPr lang="en-US" dirty="0" err="1"/>
+              <a:t>FnIsDriveExist</a:t>
+            </a:r>
+            <a:r>
+              <a:rPr lang="en-US" dirty="0"/>
+              <a:t> = </a:t>
+            </a:r>
+            <a:r>
+              <a:rPr lang="en-US" dirty="0" err="1"/>
+              <a:t>strStatus</a:t>
+            </a:r>
+            <a:endParaRPr lang="en-US" dirty="0"/>
+          </a:p>
+          <a:p>
+            <a:r>
+              <a:rPr lang="en-US" dirty="0"/>
+              <a:t>End Function</a:t>
+            </a:r>
+          </a:p>
+        </p:txBody>
+      </p:sp>
+      <p:sp>
+        <p:nvSpPr>
+          <p:cNvPr id="11" name="Rectangle 10"/>
+          <p:cNvSpPr/>
+          <p:nvPr/>
+        </p:nvSpPr>
+        <p:spPr>
+          <a:xfrm>
+            <a:off x="750446" y="5588523"/>
+            <a:ext cx="3043397" cy="369332"/>
+          </a:xfrm>
+          <a:prstGeom prst="rect">
+            <a:avLst/>
+          </a:prstGeom>
+        </p:spPr>
+        <p:txBody>
+          <a:bodyPr wrap="none">
+            <a:spAutoFit/>
+          </a:bodyPr>
+          <a:lstStyle/>
+          <a:p>
+            <a:r>
+              <a:rPr lang="en-US" i="1" dirty="0" err="1">
+                <a:solidFill>
+                  <a:srgbClr val="666666"/>
+                </a:solidFill>
+                <a:latin typeface="Open Sans" panose="020B0606030504020204" pitchFamily="34" charset="0"/>
+              </a:rPr>
+              <a:t>Msgbox</a:t>
+            </a:r>
+            <a:r>
+              <a:rPr lang="en-US" i="1" dirty="0">
+                <a:solidFill>
+                  <a:srgbClr val="666666"/>
+                </a:solidFill>
+                <a:latin typeface="Open Sans" panose="020B0606030504020204" pitchFamily="34" charset="0"/>
+              </a:rPr>
+              <a:t> </a:t>
+            </a:r>
+            <a:r>
+              <a:rPr lang="en-US" i="1" dirty="0" err="1">
+                <a:solidFill>
+                  <a:srgbClr val="666666"/>
+                </a:solidFill>
+                <a:latin typeface="Open Sans" panose="020B0606030504020204" pitchFamily="34" charset="0"/>
+              </a:rPr>
+              <a:t>FnIsDriveExist</a:t>
+            </a:r>
+            <a:r>
+              <a:rPr lang="en-US" i="1" dirty="0">
+                <a:solidFill>
+                  <a:srgbClr val="666666"/>
+                </a:solidFill>
+                <a:latin typeface="Open Sans" panose="020B0606030504020204" pitchFamily="34" charset="0"/>
+              </a:rPr>
+              <a:t> (“c”)</a:t>
+            </a:r>
+            <a:endParaRPr lang="en-US" dirty="0"/>
+          </a:p>
+        </p:txBody>
+      </p:sp>
+    </p:spTree>
+    <p:extLst>
+      <p:ext uri="{BB962C8B-B14F-4D97-AF65-F5344CB8AC3E}">
+        <p14:creationId xmlns:p14="http://schemas.microsoft.com/office/powerpoint/2010/main" val="929214138"/>
+      </p:ext>
+    </p:extLst>
+  </p:cSld>
+  <p:clrMapOvr>
+    <a:masterClrMapping/>
+  </p:clrMapOvr>
+  <p:timing>
+    <p:tnLst>
+      <p:par>
+        <p:cTn id="1" dur="indefinite" restart="never" nodeType="tmRoot"/>
+      </p:par>
+    </p:tnLst>
+  </p:timing>
+</p:sld>
+</file>
+
+<file path=ppt/slides/slide38.xml><?xml version="1.0" encoding="utf-8"?>
+<p:sld xmlns:a="http://schemas.openxmlformats.org/drawingml/2006/main" xmlns:r="http://schemas.openxmlformats.org/officeDocument/2006/relationships" xmlns:p="http://schemas.openxmlformats.org/presentationml/2006/main">
+  <p:cSld>
+    <p:spTree>
+      <p:nvGrpSpPr>
+        <p:cNvPr id="1" name=""/>
+        <p:cNvGrpSpPr/>
+        <p:nvPr/>
+      </p:nvGrpSpPr>
+      <p:grpSpPr>
+        <a:xfrm>
+          <a:off x="0" y="0"/>
+          <a:ext cx="0" cy="0"/>
+          <a:chOff x="0" y="0"/>
+          <a:chExt cx="0" cy="0"/>
+        </a:xfrm>
+      </p:grpSpPr>
+      <p:sp>
+        <p:nvSpPr>
+          <p:cNvPr id="2" name="Title 1"/>
+          <p:cNvSpPr>
+            <a:spLocks noGrp="1"/>
+          </p:cNvSpPr>
+          <p:nvPr>
+            <p:ph type="title"/>
+          </p:nvPr>
+        </p:nvSpPr>
+        <p:spPr/>
+        <p:txBody>
+          <a:bodyPr/>
+          <a:lstStyle/>
+          <a:p>
+            <a:r>
+              <a:rPr lang="en-US" b="1" dirty="0"/>
+              <a:t>File System Object</a:t>
+            </a:r>
+            <a:endParaRPr lang="en-US" dirty="0"/>
+          </a:p>
+        </p:txBody>
+      </p:sp>
+      <p:sp>
+        <p:nvSpPr>
+          <p:cNvPr id="3" name="Rectangle 2"/>
+          <p:cNvSpPr/>
+          <p:nvPr/>
+        </p:nvSpPr>
+        <p:spPr>
+          <a:xfrm>
+            <a:off x="838200" y="1321356"/>
+            <a:ext cx="2678938" cy="369332"/>
+          </a:xfrm>
+          <a:prstGeom prst="rect">
+            <a:avLst/>
+          </a:prstGeom>
+        </p:spPr>
+        <p:txBody>
+          <a:bodyPr wrap="none">
+            <a:spAutoFit/>
+          </a:bodyPr>
+          <a:lstStyle/>
+          <a:p>
+            <a:pPr fontAlgn="base"/>
+            <a:r>
+              <a:rPr lang="en-US" dirty="0" err="1">
+                <a:solidFill>
+                  <a:srgbClr val="444444"/>
+                </a:solidFill>
+                <a:latin typeface="Open Sans" panose="020B0606030504020204" pitchFamily="34" charset="0"/>
+              </a:rPr>
+              <a:t>GetDriveName</a:t>
+            </a:r>
+            <a:r>
+              <a:rPr lang="en-US" dirty="0">
+                <a:solidFill>
+                  <a:srgbClr val="444444"/>
+                </a:solidFill>
+                <a:latin typeface="Open Sans" panose="020B0606030504020204" pitchFamily="34" charset="0"/>
+              </a:rPr>
+              <a:t> Method</a:t>
+            </a:r>
+            <a:endParaRPr lang="en-US" b="0" i="0" dirty="0">
+              <a:solidFill>
+                <a:srgbClr val="444444"/>
+              </a:solidFill>
+              <a:effectLst/>
+              <a:latin typeface="Open Sans" panose="020B0606030504020204" pitchFamily="34" charset="0"/>
+            </a:endParaRPr>
+          </a:p>
+        </p:txBody>
+      </p:sp>
+      <p:sp>
+        <p:nvSpPr>
+          <p:cNvPr id="4" name="Rectangle 3"/>
+          <p:cNvSpPr/>
+          <p:nvPr/>
+        </p:nvSpPr>
+        <p:spPr>
+          <a:xfrm>
+            <a:off x="838200" y="1723589"/>
+            <a:ext cx="6096000" cy="923330"/>
+          </a:xfrm>
+          <a:prstGeom prst="rect">
+            <a:avLst/>
+          </a:prstGeom>
+        </p:spPr>
+        <p:txBody>
+          <a:bodyPr>
+            <a:spAutoFit/>
+          </a:bodyPr>
+          <a:lstStyle/>
+          <a:p>
+            <a:pPr fontAlgn="base">
+              <a:buFont typeface="Arial" panose="020B0604020202020204" pitchFamily="34" charset="0"/>
+              <a:buChar char="•"/>
+            </a:pPr>
+            <a:r>
+              <a:rPr lang="en-US" dirty="0" err="1">
+                <a:solidFill>
+                  <a:srgbClr val="666666"/>
+                </a:solidFill>
+                <a:latin typeface="Open Sans" panose="020B0606030504020204" pitchFamily="34" charset="0"/>
+              </a:rPr>
+              <a:t>filepathMandatory</a:t>
+            </a:r>
+            <a:endParaRPr lang="en-US" dirty="0">
+              <a:solidFill>
+                <a:srgbClr val="666666"/>
+              </a:solidFill>
+              <a:latin typeface="Open Sans" panose="020B0606030504020204" pitchFamily="34" charset="0"/>
+            </a:endParaRPr>
+          </a:p>
+          <a:p>
+            <a:pPr fontAlgn="base">
+              <a:buFont typeface="Arial" panose="020B0604020202020204" pitchFamily="34" charset="0"/>
+              <a:buChar char="•"/>
+            </a:pPr>
+            <a:r>
+              <a:rPr lang="en-US" dirty="0">
+                <a:solidFill>
+                  <a:srgbClr val="666666"/>
+                </a:solidFill>
+                <a:latin typeface="Open Sans" panose="020B0606030504020204" pitchFamily="34" charset="0"/>
+              </a:rPr>
+              <a:t>Type:     String</a:t>
+            </a:r>
+          </a:p>
+          <a:p>
+            <a:pPr fontAlgn="base">
+              <a:buFont typeface="Arial" panose="020B0604020202020204" pitchFamily="34" charset="0"/>
+              <a:buChar char="•"/>
+            </a:pPr>
+            <a:r>
+              <a:rPr lang="en-US" dirty="0" err="1">
+                <a:solidFill>
+                  <a:srgbClr val="666666"/>
+                </a:solidFill>
+                <a:latin typeface="Open Sans" panose="020B0606030504020204" pitchFamily="34" charset="0"/>
+              </a:rPr>
+              <a:t>filepath</a:t>
+            </a:r>
+            <a:r>
+              <a:rPr lang="en-US" dirty="0">
+                <a:solidFill>
+                  <a:srgbClr val="666666"/>
+                </a:solidFill>
+                <a:latin typeface="Open Sans" panose="020B0606030504020204" pitchFamily="34" charset="0"/>
+              </a:rPr>
+              <a:t> , whose parent drive to be return.</a:t>
+            </a:r>
+            <a:endParaRPr lang="en-US" b="0" i="0" dirty="0">
+              <a:solidFill>
+                <a:srgbClr val="666666"/>
+              </a:solidFill>
+              <a:effectLst/>
+              <a:latin typeface="Open Sans" panose="020B0606030504020204" pitchFamily="34" charset="0"/>
+            </a:endParaRPr>
+          </a:p>
+        </p:txBody>
+      </p:sp>
+      <p:sp>
+        <p:nvSpPr>
+          <p:cNvPr id="5" name="Rectangle 4"/>
+          <p:cNvSpPr/>
+          <p:nvPr/>
+        </p:nvSpPr>
+        <p:spPr>
+          <a:xfrm>
+            <a:off x="1601585" y="2646919"/>
+            <a:ext cx="6096000" cy="1754326"/>
+          </a:xfrm>
+          <a:prstGeom prst="rect">
+            <a:avLst/>
+          </a:prstGeom>
+        </p:spPr>
+        <p:txBody>
+          <a:bodyPr>
+            <a:spAutoFit/>
+          </a:bodyPr>
+          <a:lstStyle/>
+          <a:p>
+            <a:r>
+              <a:rPr lang="en-US" dirty="0"/>
+              <a:t>Function </a:t>
+            </a:r>
+            <a:r>
+              <a:rPr lang="en-US" dirty="0" err="1"/>
+              <a:t>FnGetDriveName</a:t>
+            </a:r>
+            <a:r>
+              <a:rPr lang="en-US" dirty="0"/>
+              <a:t> (</a:t>
+            </a:r>
+            <a:r>
+              <a:rPr lang="en-US" dirty="0" err="1"/>
+              <a:t>strFilePath</a:t>
+            </a:r>
+            <a:r>
+              <a:rPr lang="en-US" dirty="0"/>
+              <a:t>)</a:t>
+            </a:r>
+          </a:p>
+          <a:p>
+            <a:r>
+              <a:rPr lang="en-US" dirty="0"/>
+              <a:t>      Set </a:t>
+            </a:r>
+            <a:r>
+              <a:rPr lang="en-US" dirty="0" err="1"/>
+              <a:t>fso</a:t>
+            </a:r>
+            <a:r>
+              <a:rPr lang="en-US" dirty="0"/>
+              <a:t> = </a:t>
+            </a:r>
+            <a:r>
+              <a:rPr lang="en-US" dirty="0" err="1"/>
+              <a:t>CreateObject</a:t>
+            </a:r>
+            <a:r>
+              <a:rPr lang="en-US" dirty="0"/>
+              <a:t>("</a:t>
+            </a:r>
+            <a:r>
+              <a:rPr lang="en-US" dirty="0" err="1"/>
+              <a:t>Scripting.FileSystemObject</a:t>
+            </a:r>
+            <a:r>
+              <a:rPr lang="en-US" dirty="0"/>
+              <a:t>")</a:t>
+            </a:r>
+          </a:p>
+          <a:p>
+            <a:r>
+              <a:rPr lang="en-US" dirty="0"/>
+              <a:t>      </a:t>
+            </a:r>
+            <a:r>
+              <a:rPr lang="en-US" dirty="0" err="1"/>
+              <a:t>strDriveName</a:t>
+            </a:r>
+            <a:r>
+              <a:rPr lang="en-US" dirty="0"/>
+              <a:t> = </a:t>
+            </a:r>
+            <a:r>
+              <a:rPr lang="en-US" dirty="0" err="1"/>
+              <a:t>fso</a:t>
+            </a:r>
+            <a:r>
+              <a:rPr lang="en-US" dirty="0"/>
+              <a:t>. </a:t>
+            </a:r>
+            <a:r>
+              <a:rPr lang="en-US" dirty="0" err="1"/>
+              <a:t>GetAName</a:t>
+            </a:r>
+            <a:r>
+              <a:rPr lang="en-US" dirty="0"/>
+              <a:t> (</a:t>
+            </a:r>
+            <a:r>
+              <a:rPr lang="en-US" dirty="0" err="1"/>
+              <a:t>strFilePath</a:t>
+            </a:r>
+            <a:r>
+              <a:rPr lang="en-US" dirty="0"/>
+              <a:t>)      </a:t>
+            </a:r>
+          </a:p>
+          <a:p>
+            <a:r>
+              <a:rPr lang="en-US" dirty="0"/>
+              <a:t>      </a:t>
+            </a:r>
+            <a:r>
+              <a:rPr lang="en-US" dirty="0" err="1"/>
+              <a:t>FnGetDriveName</a:t>
+            </a:r>
+            <a:r>
+              <a:rPr lang="en-US" dirty="0"/>
+              <a:t> = </a:t>
+            </a:r>
+            <a:r>
+              <a:rPr lang="en-US" dirty="0" err="1"/>
+              <a:t>strDriveName</a:t>
+            </a:r>
+            <a:endParaRPr lang="en-US" dirty="0"/>
+          </a:p>
+          <a:p>
+            <a:endParaRPr lang="en-US" dirty="0"/>
+          </a:p>
+          <a:p>
+            <a:r>
+              <a:rPr lang="en-US" dirty="0"/>
+              <a:t>End Function</a:t>
+            </a:r>
+          </a:p>
+        </p:txBody>
+      </p:sp>
+      <p:sp>
+        <p:nvSpPr>
+          <p:cNvPr id="6" name="Rectangle 5"/>
+          <p:cNvSpPr/>
+          <p:nvPr/>
+        </p:nvSpPr>
+        <p:spPr>
+          <a:xfrm>
+            <a:off x="838200" y="5159078"/>
+            <a:ext cx="6096000" cy="646331"/>
+          </a:xfrm>
+          <a:prstGeom prst="rect">
+            <a:avLst/>
+          </a:prstGeom>
+        </p:spPr>
+        <p:txBody>
+          <a:bodyPr>
+            <a:spAutoFit/>
+          </a:bodyPr>
+          <a:lstStyle/>
+          <a:p>
+            <a:pPr fontAlgn="base"/>
+            <a:r>
+              <a:rPr lang="en-US" i="1" dirty="0" err="1">
+                <a:solidFill>
+                  <a:srgbClr val="666666"/>
+                </a:solidFill>
+                <a:latin typeface="inherit"/>
+              </a:rPr>
+              <a:t>Msgbox</a:t>
+            </a:r>
+            <a:r>
+              <a:rPr lang="en-US" i="1" dirty="0">
+                <a:solidFill>
+                  <a:srgbClr val="666666"/>
+                </a:solidFill>
+                <a:latin typeface="inherit"/>
+              </a:rPr>
+              <a:t> </a:t>
+            </a:r>
+            <a:r>
+              <a:rPr lang="en-US" i="1" dirty="0" err="1">
+                <a:solidFill>
+                  <a:srgbClr val="666666"/>
+                </a:solidFill>
+                <a:latin typeface="inherit"/>
+              </a:rPr>
+              <a:t>FnGetDriveName</a:t>
+            </a:r>
+            <a:r>
+              <a:rPr lang="en-US" i="1" dirty="0">
+                <a:solidFill>
+                  <a:srgbClr val="666666"/>
+                </a:solidFill>
+                <a:latin typeface="inherit"/>
+              </a:rPr>
+              <a:t> (“c:\</a:t>
+            </a:r>
+            <a:r>
+              <a:rPr lang="en-US" i="1" dirty="0" err="1">
+                <a:solidFill>
+                  <a:srgbClr val="666666"/>
+                </a:solidFill>
+                <a:latin typeface="inherit"/>
+              </a:rPr>
+              <a:t>NewFolder</a:t>
+            </a:r>
+            <a:r>
+              <a:rPr lang="en-US" i="1" dirty="0">
+                <a:solidFill>
+                  <a:srgbClr val="666666"/>
+                </a:solidFill>
+                <a:latin typeface="inherit"/>
+              </a:rPr>
+              <a:t>\file.txt”)</a:t>
+            </a:r>
+            <a:endParaRPr lang="en-US" dirty="0">
+              <a:solidFill>
+                <a:srgbClr val="666666"/>
+              </a:solidFill>
+              <a:latin typeface="Open Sans" panose="020B0606030504020204" pitchFamily="34" charset="0"/>
+            </a:endParaRPr>
+          </a:p>
+          <a:p>
+            <a:pPr fontAlgn="base"/>
+            <a:r>
+              <a:rPr lang="en-US" i="1" dirty="0">
+                <a:solidFill>
+                  <a:srgbClr val="666666"/>
+                </a:solidFill>
+                <a:latin typeface="inherit"/>
+              </a:rPr>
+              <a:t>Output : C</a:t>
+            </a:r>
+            <a:endParaRPr lang="en-US" b="0" i="0" dirty="0">
+              <a:solidFill>
+                <a:srgbClr val="666666"/>
+              </a:solidFill>
+              <a:effectLst/>
+              <a:latin typeface="Open Sans" panose="020B0606030504020204" pitchFamily="34" charset="0"/>
+            </a:endParaRPr>
+          </a:p>
+        </p:txBody>
+      </p:sp>
+    </p:spTree>
+    <p:extLst>
+      <p:ext uri="{BB962C8B-B14F-4D97-AF65-F5344CB8AC3E}">
+        <p14:creationId xmlns:p14="http://schemas.microsoft.com/office/powerpoint/2010/main" val="2672289129"/>
+      </p:ext>
+    </p:extLst>
+  </p:cSld>
+  <p:clrMapOvr>
+    <a:masterClrMapping/>
+  </p:clrMapOvr>
+  <p:timing>
+    <p:tnLst>
+      <p:par>
+        <p:cTn id="1" dur="indefinite" restart="never" nodeType="tmRoot"/>
+      </p:par>
+    </p:tnLst>
+  </p:timing>
+</p:sld>
+</file>
+
+<file path=ppt/slides/slide39.xml><?xml version="1.0" encoding="utf-8"?>
+<p:sld xmlns:a="http://schemas.openxmlformats.org/drawingml/2006/main" xmlns:r="http://schemas.openxmlformats.org/officeDocument/2006/relationships" xmlns:p="http://schemas.openxmlformats.org/presentationml/2006/main">
+  <p:cSld>
+    <p:spTree>
+      <p:nvGrpSpPr>
+        <p:cNvPr id="1" name=""/>
+        <p:cNvGrpSpPr/>
+        <p:nvPr/>
+      </p:nvGrpSpPr>
+      <p:grpSpPr>
+        <a:xfrm>
+          <a:off x="0" y="0"/>
+          <a:ext cx="0" cy="0"/>
+          <a:chOff x="0" y="0"/>
+          <a:chExt cx="0" cy="0"/>
+        </a:xfrm>
+      </p:grpSpPr>
+      <p:sp>
+        <p:nvSpPr>
+          <p:cNvPr id="2" name="Title 1"/>
+          <p:cNvSpPr>
+            <a:spLocks noGrp="1"/>
+          </p:cNvSpPr>
+          <p:nvPr>
+            <p:ph type="title"/>
+          </p:nvPr>
+        </p:nvSpPr>
+        <p:spPr/>
+        <p:txBody>
+          <a:bodyPr/>
+          <a:lstStyle/>
+          <a:p>
+            <a:r>
+              <a:rPr lang="en-US" b="1" dirty="0"/>
+              <a:t>File System Object</a:t>
+            </a:r>
+            <a:endParaRPr lang="en-US" dirty="0"/>
+          </a:p>
+        </p:txBody>
+      </p:sp>
+      <p:sp>
+        <p:nvSpPr>
+          <p:cNvPr id="3" name="Rectangle 2"/>
+          <p:cNvSpPr/>
+          <p:nvPr/>
+        </p:nvSpPr>
+        <p:spPr>
+          <a:xfrm>
+            <a:off x="838200" y="1321356"/>
+            <a:ext cx="2037930" cy="369332"/>
+          </a:xfrm>
+          <a:prstGeom prst="rect">
+            <a:avLst/>
+          </a:prstGeom>
+        </p:spPr>
+        <p:txBody>
+          <a:bodyPr wrap="none">
+            <a:spAutoFit/>
+          </a:bodyPr>
+          <a:lstStyle/>
+          <a:p>
+            <a:pPr fontAlgn="base"/>
+            <a:r>
+              <a:rPr lang="en-US" dirty="0" err="1">
+                <a:solidFill>
+                  <a:srgbClr val="444444"/>
+                </a:solidFill>
+                <a:latin typeface="Open Sans" panose="020B0606030504020204" pitchFamily="34" charset="0"/>
+              </a:rPr>
+              <a:t>MoveFile</a:t>
+            </a:r>
+            <a:r>
+              <a:rPr lang="en-US" dirty="0">
+                <a:solidFill>
+                  <a:srgbClr val="444444"/>
+                </a:solidFill>
+                <a:latin typeface="Open Sans" panose="020B0606030504020204" pitchFamily="34" charset="0"/>
+              </a:rPr>
+              <a:t> Method</a:t>
+            </a:r>
+            <a:endParaRPr lang="en-US" b="0" i="0" dirty="0">
+              <a:solidFill>
+                <a:srgbClr val="444444"/>
+              </a:solidFill>
+              <a:effectLst/>
+              <a:latin typeface="Open Sans" panose="020B0606030504020204" pitchFamily="34" charset="0"/>
+            </a:endParaRPr>
+          </a:p>
+        </p:txBody>
+      </p:sp>
+      <p:sp>
+        <p:nvSpPr>
+          <p:cNvPr id="5" name="Rectangle 4"/>
+          <p:cNvSpPr/>
+          <p:nvPr/>
+        </p:nvSpPr>
+        <p:spPr>
+          <a:xfrm>
+            <a:off x="1501832" y="1626859"/>
+            <a:ext cx="6096000" cy="3970318"/>
+          </a:xfrm>
+          <a:prstGeom prst="rect">
+            <a:avLst/>
+          </a:prstGeom>
+        </p:spPr>
+        <p:txBody>
+          <a:bodyPr>
+            <a:spAutoFit/>
+          </a:bodyPr>
+          <a:lstStyle/>
+          <a:p>
+            <a:r>
+              <a:rPr lang="en-US" dirty="0"/>
+              <a:t>Format : </a:t>
+            </a:r>
+          </a:p>
+          <a:p>
+            <a:pPr lvl="1"/>
+            <a:r>
+              <a:rPr lang="en-US" dirty="0" err="1"/>
+              <a:t>objectOfFileSystemObject</a:t>
+            </a:r>
+            <a:r>
+              <a:rPr lang="en-US" dirty="0"/>
+              <a:t>. </a:t>
+            </a:r>
+            <a:r>
+              <a:rPr lang="en-US" dirty="0" err="1"/>
+              <a:t>MoveFile</a:t>
+            </a:r>
+            <a:r>
+              <a:rPr lang="en-US" dirty="0"/>
+              <a:t> (source, destination</a:t>
+            </a:r>
+            <a:r>
+              <a:rPr lang="en-US" dirty="0" smtClean="0"/>
+              <a:t>);</a:t>
+            </a:r>
+            <a:endParaRPr lang="en-US" dirty="0"/>
+          </a:p>
+          <a:p>
+            <a:r>
+              <a:rPr lang="en-US" dirty="0"/>
+              <a:t>Arguments: </a:t>
+            </a:r>
+          </a:p>
+          <a:p>
+            <a:pPr lvl="1"/>
+            <a:r>
+              <a:rPr lang="en-US" dirty="0" err="1"/>
+              <a:t>objectOfFileSystemObject</a:t>
+            </a:r>
+            <a:r>
+              <a:rPr lang="en-US" dirty="0"/>
+              <a:t> : As the name says, it’s a </a:t>
+            </a:r>
+            <a:r>
+              <a:rPr lang="en-US" dirty="0" err="1"/>
+              <a:t>FileSystemObject</a:t>
+            </a:r>
+            <a:r>
+              <a:rPr lang="en-US" dirty="0"/>
+              <a:t>.</a:t>
+            </a:r>
+          </a:p>
+          <a:p>
+            <a:pPr lvl="1"/>
+            <a:r>
+              <a:rPr lang="en-US" dirty="0"/>
+              <a:t>As the name says, it’s a </a:t>
+            </a:r>
+            <a:r>
+              <a:rPr lang="en-US" dirty="0" err="1"/>
+              <a:t>FileSystemObject</a:t>
+            </a:r>
+            <a:r>
+              <a:rPr lang="en-US" dirty="0" smtClean="0"/>
+              <a:t>.</a:t>
+            </a:r>
+            <a:endParaRPr lang="en-US" dirty="0"/>
+          </a:p>
+          <a:p>
+            <a:r>
+              <a:rPr lang="en-US" dirty="0"/>
+              <a:t>source</a:t>
+            </a:r>
+          </a:p>
+          <a:p>
+            <a:pPr lvl="1"/>
+            <a:r>
+              <a:rPr lang="en-US" dirty="0"/>
+              <a:t>Mandatory</a:t>
+            </a:r>
+          </a:p>
+          <a:p>
+            <a:pPr lvl="1"/>
+            <a:r>
+              <a:rPr lang="en-US" dirty="0"/>
+              <a:t>Type:     String</a:t>
+            </a:r>
+          </a:p>
+          <a:p>
+            <a:pPr lvl="1"/>
+            <a:r>
+              <a:rPr lang="en-US" dirty="0"/>
+              <a:t>Path of a file to be moved</a:t>
+            </a:r>
+            <a:r>
+              <a:rPr lang="en-US" dirty="0" smtClean="0"/>
+              <a:t>.</a:t>
+            </a:r>
+            <a:endParaRPr lang="en-US" dirty="0"/>
+          </a:p>
+          <a:p>
+            <a:r>
+              <a:rPr lang="en-US" dirty="0"/>
+              <a:t>destination</a:t>
+            </a:r>
+          </a:p>
+          <a:p>
+            <a:pPr lvl="1"/>
+            <a:r>
+              <a:rPr lang="en-US" dirty="0"/>
+              <a:t>Mandatory</a:t>
+            </a:r>
+          </a:p>
+          <a:p>
+            <a:pPr lvl="1"/>
+            <a:r>
+              <a:rPr lang="en-US" dirty="0"/>
+              <a:t>Type:     String</a:t>
+            </a:r>
+          </a:p>
+          <a:p>
+            <a:pPr lvl="1"/>
+            <a:r>
+              <a:rPr lang="en-US" dirty="0"/>
+              <a:t>Path where file to be moved.</a:t>
+            </a:r>
+          </a:p>
+        </p:txBody>
+      </p:sp>
+      <p:sp>
+        <p:nvSpPr>
+          <p:cNvPr id="7" name="Rectangle 6"/>
+          <p:cNvSpPr/>
+          <p:nvPr/>
+        </p:nvSpPr>
+        <p:spPr>
+          <a:xfrm>
+            <a:off x="6427816" y="3502305"/>
+            <a:ext cx="5700453" cy="2031325"/>
+          </a:xfrm>
+          <a:prstGeom prst="rect">
+            <a:avLst/>
+          </a:prstGeom>
+          <a:solidFill>
+            <a:schemeClr val="bg1">
+              <a:lumMod val="85000"/>
+            </a:schemeClr>
+          </a:solidFill>
+        </p:spPr>
+        <p:txBody>
+          <a:bodyPr wrap="square">
+            <a:spAutoFit/>
+          </a:bodyPr>
+          <a:lstStyle/>
+          <a:p>
+            <a:r>
+              <a:rPr lang="en-US" dirty="0"/>
+              <a:t>Function </a:t>
+            </a:r>
+            <a:r>
+              <a:rPr lang="en-US" dirty="0" err="1"/>
+              <a:t>FnMoveFile</a:t>
+            </a:r>
+            <a:r>
+              <a:rPr lang="en-US" dirty="0"/>
+              <a:t>(</a:t>
+            </a:r>
+            <a:r>
+              <a:rPr lang="en-US" dirty="0" err="1"/>
+              <a:t>strSourceFilePath,strDestinationPath</a:t>
+            </a:r>
+            <a:r>
+              <a:rPr lang="en-US" dirty="0"/>
+              <a:t>)</a:t>
+            </a:r>
+          </a:p>
+          <a:p>
+            <a:endParaRPr lang="en-US" dirty="0"/>
+          </a:p>
+          <a:p>
+            <a:r>
+              <a:rPr lang="en-US" dirty="0"/>
+              <a:t>      Set </a:t>
+            </a:r>
+            <a:r>
+              <a:rPr lang="en-US" dirty="0" err="1"/>
+              <a:t>fso</a:t>
+            </a:r>
+            <a:r>
+              <a:rPr lang="en-US" dirty="0"/>
+              <a:t> = </a:t>
+            </a:r>
+            <a:r>
+              <a:rPr lang="en-US" dirty="0" err="1"/>
+              <a:t>CreateObject</a:t>
+            </a:r>
+            <a:r>
+              <a:rPr lang="en-US" dirty="0"/>
+              <a:t>("</a:t>
+            </a:r>
+            <a:r>
+              <a:rPr lang="en-US" dirty="0" err="1"/>
+              <a:t>Scripting.FileSystemObject</a:t>
+            </a:r>
+            <a:r>
+              <a:rPr lang="en-US" dirty="0"/>
+              <a:t>")</a:t>
+            </a:r>
+          </a:p>
+          <a:p>
+            <a:endParaRPr lang="en-US" dirty="0"/>
+          </a:p>
+          <a:p>
+            <a:r>
+              <a:rPr lang="en-US" dirty="0"/>
+              <a:t>      </a:t>
+            </a:r>
+            <a:r>
+              <a:rPr lang="en-US" dirty="0" err="1"/>
+              <a:t>fso</a:t>
+            </a:r>
+            <a:r>
+              <a:rPr lang="en-US" dirty="0"/>
+              <a:t>. </a:t>
+            </a:r>
+            <a:r>
+              <a:rPr lang="en-US" dirty="0" err="1"/>
+              <a:t>MoveFile</a:t>
+            </a:r>
+            <a:r>
+              <a:rPr lang="en-US" dirty="0"/>
+              <a:t>(</a:t>
+            </a:r>
+            <a:r>
+              <a:rPr lang="en-US" dirty="0" err="1"/>
+              <a:t>strSourceFilePath</a:t>
+            </a:r>
+            <a:r>
+              <a:rPr lang="en-US" dirty="0"/>
+              <a:t>, </a:t>
+            </a:r>
+            <a:r>
+              <a:rPr lang="en-US" dirty="0" err="1"/>
+              <a:t>strDestinationPath</a:t>
+            </a:r>
+            <a:r>
+              <a:rPr lang="en-US" dirty="0"/>
+              <a:t>)</a:t>
+            </a:r>
+          </a:p>
+          <a:p>
+            <a:endParaRPr lang="en-US" dirty="0"/>
+          </a:p>
+          <a:p>
+            <a:r>
+              <a:rPr lang="en-US" dirty="0"/>
+              <a:t>End Function</a:t>
+            </a:r>
+          </a:p>
+        </p:txBody>
+      </p:sp>
+      <p:sp>
+        <p:nvSpPr>
+          <p:cNvPr id="8" name="Rectangle 7"/>
+          <p:cNvSpPr/>
+          <p:nvPr/>
+        </p:nvSpPr>
+        <p:spPr>
+          <a:xfrm>
+            <a:off x="6339840" y="5774220"/>
+            <a:ext cx="6096000" cy="646331"/>
+          </a:xfrm>
+          <a:prstGeom prst="rect">
+            <a:avLst/>
+          </a:prstGeom>
+        </p:spPr>
+        <p:txBody>
+          <a:bodyPr>
+            <a:spAutoFit/>
+          </a:bodyPr>
+          <a:lstStyle/>
+          <a:p>
+            <a:r>
+              <a:rPr lang="en-US" i="1" dirty="0">
+                <a:solidFill>
+                  <a:srgbClr val="666666"/>
+                </a:solidFill>
+                <a:latin typeface="Open Sans" panose="020B0606030504020204" pitchFamily="34" charset="0"/>
+              </a:rPr>
+              <a:t>Call </a:t>
+            </a:r>
+            <a:r>
+              <a:rPr lang="en-US" i="1" dirty="0" err="1">
+                <a:solidFill>
+                  <a:srgbClr val="666666"/>
+                </a:solidFill>
+                <a:latin typeface="Open Sans" panose="020B0606030504020204" pitchFamily="34" charset="0"/>
+              </a:rPr>
+              <a:t>FnMoveFolder</a:t>
+            </a:r>
+            <a:r>
+              <a:rPr lang="en-US" i="1" dirty="0">
+                <a:solidFill>
+                  <a:srgbClr val="666666"/>
+                </a:solidFill>
+                <a:latin typeface="Open Sans" panose="020B0606030504020204" pitchFamily="34" charset="0"/>
+              </a:rPr>
+              <a:t> (“c:\New Folder\</a:t>
+            </a:r>
+            <a:r>
+              <a:rPr lang="en-US" i="1" dirty="0" err="1">
+                <a:solidFill>
+                  <a:srgbClr val="666666"/>
+                </a:solidFill>
+                <a:latin typeface="Open Sans" panose="020B0606030504020204" pitchFamily="34" charset="0"/>
+              </a:rPr>
+              <a:t>text.txt”,”d</a:t>
+            </a:r>
+            <a:r>
+              <a:rPr lang="en-US" i="1" dirty="0">
+                <a:solidFill>
+                  <a:srgbClr val="666666"/>
+                </a:solidFill>
+                <a:latin typeface="Open Sans" panose="020B0606030504020204" pitchFamily="34" charset="0"/>
+              </a:rPr>
+              <a:t>:\New Folder”)</a:t>
+            </a:r>
+            <a:endParaRPr lang="en-US" dirty="0"/>
+          </a:p>
+        </p:txBody>
+      </p:sp>
+    </p:spTree>
+    <p:extLst>
+      <p:ext uri="{BB962C8B-B14F-4D97-AF65-F5344CB8AC3E}">
+        <p14:creationId xmlns:p14="http://schemas.microsoft.com/office/powerpoint/2010/main" val="2415979462"/>
+      </p:ext>
+    </p:extLst>
+  </p:cSld>
+  <p:clrMapOvr>
+    <a:masterClrMapping/>
+  </p:clrMapOvr>
+  <p:timing>
+    <p:tnLst>
+      <p:par>
+        <p:cTn id="1" dur="indefinite" restart="never" nodeType="tmRoot"/>
+      </p:par>
+    </p:tnLst>
+  </p:timing>
 </p:sld>
 </file>
 
@@ -7459,6 +17006,104 @@
   <p:clrMapOvr>
     <a:masterClrMapping/>
   </p:clrMapOvr>
+  <p:timing>
+    <p:tnLst>
+      <p:par>
+        <p:cTn id="1" dur="indefinite" restart="never" nodeType="tmRoot"/>
+      </p:par>
+    </p:tnLst>
+  </p:timing>
+</p:sld>
+</file>
+
+<file path=ppt/slides/slide40.xml><?xml version="1.0" encoding="utf-8"?>
+<p:sld xmlns:a="http://schemas.openxmlformats.org/drawingml/2006/main" xmlns:r="http://schemas.openxmlformats.org/officeDocument/2006/relationships" xmlns:p="http://schemas.openxmlformats.org/presentationml/2006/main">
+  <p:cSld>
+    <p:spTree>
+      <p:nvGrpSpPr>
+        <p:cNvPr id="1" name=""/>
+        <p:cNvGrpSpPr/>
+        <p:nvPr/>
+      </p:nvGrpSpPr>
+      <p:grpSpPr>
+        <a:xfrm>
+          <a:off x="0" y="0"/>
+          <a:ext cx="0" cy="0"/>
+          <a:chOff x="0" y="0"/>
+          <a:chExt cx="0" cy="0"/>
+        </a:xfrm>
+      </p:grpSpPr>
+      <p:sp>
+        <p:nvSpPr>
+          <p:cNvPr id="2" name="Title 1"/>
+          <p:cNvSpPr>
+            <a:spLocks noGrp="1"/>
+          </p:cNvSpPr>
+          <p:nvPr>
+            <p:ph type="title"/>
+          </p:nvPr>
+        </p:nvSpPr>
+        <p:spPr/>
+        <p:txBody>
+          <a:bodyPr/>
+          <a:lstStyle/>
+          <a:p>
+            <a:r>
+              <a:rPr lang="en-US" b="1" dirty="0"/>
+              <a:t>File System Object</a:t>
+            </a:r>
+            <a:endParaRPr lang="en-US" dirty="0"/>
+          </a:p>
+        </p:txBody>
+      </p:sp>
+      <p:sp>
+        <p:nvSpPr>
+          <p:cNvPr id="3" name="Rectangle 2"/>
+          <p:cNvSpPr/>
+          <p:nvPr/>
+        </p:nvSpPr>
+        <p:spPr>
+          <a:xfrm>
+            <a:off x="4077050" y="3244334"/>
+            <a:ext cx="4037900" cy="369332"/>
+          </a:xfrm>
+          <a:prstGeom prst="rect">
+            <a:avLst/>
+          </a:prstGeom>
+        </p:spPr>
+        <p:txBody>
+          <a:bodyPr wrap="none">
+            <a:spAutoFit/>
+          </a:bodyPr>
+          <a:lstStyle/>
+          <a:p>
+            <a:r>
+              <a:rPr lang="en-US" dirty="0">
+                <a:hlinkClick r:id="rId2"/>
+              </a:rPr>
+              <a:t>https://excel-macro.tutorialhorizon.com/</a:t>
+            </a:r>
+            <a:endParaRPr lang="en-US" dirty="0"/>
+          </a:p>
+        </p:txBody>
+      </p:sp>
+    </p:spTree>
+    <p:extLst>
+      <p:ext uri="{BB962C8B-B14F-4D97-AF65-F5344CB8AC3E}">
+        <p14:creationId xmlns:p14="http://schemas.microsoft.com/office/powerpoint/2010/main" val="622362347"/>
+      </p:ext>
+    </p:extLst>
+  </p:cSld>
+  <p:clrMapOvr>
+    <a:masterClrMapping/>
+  </p:clrMapOvr>
+  <p:timing>
+    <p:tnLst>
+      <p:par>
+        <p:cTn id="1" dur="indefinite" restart="never" nodeType="tmRoot"/>
+      </p:par>
+    </p:tnLst>
+  </p:timing>
 </p:sld>
 </file>
 
@@ -7739,6 +17384,13 @@
   <p:clrMapOvr>
     <a:masterClrMapping/>
   </p:clrMapOvr>
+  <p:timing>
+    <p:tnLst>
+      <p:par>
+        <p:cTn id="1" dur="indefinite" restart="never" nodeType="tmRoot"/>
+      </p:par>
+    </p:tnLst>
+  </p:timing>
 </p:sld>
 </file>
 
@@ -7863,6 +17515,13 @@
   <p:clrMapOvr>
     <a:masterClrMapping/>
   </p:clrMapOvr>
+  <p:timing>
+    <p:tnLst>
+      <p:par>
+        <p:cTn id="1" dur="indefinite" restart="never" nodeType="tmRoot"/>
+      </p:par>
+    </p:tnLst>
+  </p:timing>
 </p:sld>
 </file>
 
